--- a/호남-발표자료 - 복사본.pptx
+++ b/호남-발표자료 - 복사본.pptx
@@ -6,31 +6,29 @@
     <p:sldMasterId id="2147483660" r:id="rId2"/>
   </p:sldMasterIdLst>
   <p:notesMasterIdLst>
-    <p:notesMasterId r:id="rId22"/>
+    <p:notesMasterId r:id="rId20"/>
   </p:notesMasterIdLst>
   <p:handoutMasterIdLst>
-    <p:handoutMasterId r:id="rId23"/>
+    <p:handoutMasterId r:id="rId21"/>
   </p:handoutMasterIdLst>
   <p:sldIdLst>
     <p:sldId id="257" r:id="rId3"/>
     <p:sldId id="258" r:id="rId4"/>
     <p:sldId id="283" r:id="rId5"/>
     <p:sldId id="259" r:id="rId6"/>
-    <p:sldId id="277" r:id="rId7"/>
-    <p:sldId id="275" r:id="rId8"/>
-    <p:sldId id="273" r:id="rId9"/>
-    <p:sldId id="276" r:id="rId10"/>
-    <p:sldId id="263" r:id="rId11"/>
-    <p:sldId id="280" r:id="rId12"/>
-    <p:sldId id="266" r:id="rId13"/>
-    <p:sldId id="278" r:id="rId14"/>
-    <p:sldId id="269" r:id="rId15"/>
-    <p:sldId id="268" r:id="rId16"/>
-    <p:sldId id="282" r:id="rId17"/>
-    <p:sldId id="281" r:id="rId18"/>
-    <p:sldId id="279" r:id="rId19"/>
-    <p:sldId id="270" r:id="rId20"/>
-    <p:sldId id="271" r:id="rId21"/>
+    <p:sldId id="275" r:id="rId7"/>
+    <p:sldId id="273" r:id="rId8"/>
+    <p:sldId id="276" r:id="rId9"/>
+    <p:sldId id="263" r:id="rId10"/>
+    <p:sldId id="280" r:id="rId11"/>
+    <p:sldId id="266" r:id="rId12"/>
+    <p:sldId id="278" r:id="rId13"/>
+    <p:sldId id="269" r:id="rId14"/>
+    <p:sldId id="268" r:id="rId15"/>
+    <p:sldId id="282" r:id="rId16"/>
+    <p:sldId id="281" r:id="rId17"/>
+    <p:sldId id="279" r:id="rId18"/>
+    <p:sldId id="270" r:id="rId19"/>
   </p:sldIdLst>
   <p:sldSz cx="9144000" cy="5143500" type="screen16x9"/>
   <p:notesSz cx="6858000" cy="9144000"/>
@@ -1287,6 +1285,474 @@
       <dsp:cNvGrpSpPr/>
     </dsp:nvGrpSpPr>
     <dsp:grpSpPr/>
+    <dsp:sp modelId="{97E95642-6116-44AE-A337-7BC0A6A646B2}">
+      <dsp:nvSpPr>
+        <dsp:cNvPr id="0" name=""/>
+        <dsp:cNvSpPr/>
+      </dsp:nvSpPr>
+      <dsp:spPr>
+        <a:xfrm>
+          <a:off x="0" y="0"/>
+          <a:ext cx="5868652" cy="0"/>
+        </a:xfrm>
+        <a:prstGeom prst="line">
+          <a:avLst/>
+        </a:prstGeom>
+        <a:solidFill>
+          <a:schemeClr val="accent1">
+            <a:hueOff val="0"/>
+            <a:satOff val="0"/>
+            <a:lumOff val="0"/>
+            <a:alphaOff val="0"/>
+          </a:schemeClr>
+        </a:solidFill>
+        <a:ln w="25400" cap="flat" cmpd="sng" algn="ctr">
+          <a:solidFill>
+            <a:schemeClr val="accent1">
+              <a:hueOff val="0"/>
+              <a:satOff val="0"/>
+              <a:lumOff val="0"/>
+              <a:alphaOff val="0"/>
+            </a:schemeClr>
+          </a:solidFill>
+          <a:prstDash val="solid"/>
+        </a:ln>
+        <a:effectLst/>
+      </dsp:spPr>
+      <dsp:style>
+        <a:lnRef idx="2">
+          <a:scrgbClr r="0" g="0" b="0"/>
+        </a:lnRef>
+        <a:fillRef idx="1">
+          <a:scrgbClr r="0" g="0" b="0"/>
+        </a:fillRef>
+        <a:effectRef idx="0">
+          <a:scrgbClr r="0" g="0" b="0"/>
+        </a:effectRef>
+        <a:fontRef idx="minor">
+          <a:schemeClr val="lt1"/>
+        </a:fontRef>
+      </dsp:style>
+    </dsp:sp>
+    <dsp:sp modelId="{DCBC971F-FC39-4D96-ABAA-1A7A0C3F50D1}">
+      <dsp:nvSpPr>
+        <dsp:cNvPr id="0" name=""/>
+        <dsp:cNvSpPr/>
+      </dsp:nvSpPr>
+      <dsp:spPr>
+        <a:xfrm>
+          <a:off x="0" y="148232"/>
+          <a:ext cx="1173730" cy="1116124"/>
+        </a:xfrm>
+        <a:prstGeom prst="rect">
+          <a:avLst/>
+        </a:prstGeom>
+        <a:noFill/>
+        <a:ln>
+          <a:noFill/>
+        </a:ln>
+        <a:effectLst/>
+      </dsp:spPr>
+      <dsp:style>
+        <a:lnRef idx="0">
+          <a:scrgbClr r="0" g="0" b="0"/>
+        </a:lnRef>
+        <a:fillRef idx="0">
+          <a:scrgbClr r="0" g="0" b="0"/>
+        </a:fillRef>
+        <a:effectRef idx="0">
+          <a:scrgbClr r="0" g="0" b="0"/>
+        </a:effectRef>
+        <a:fontRef idx="minor"/>
+      </dsp:style>
+      <dsp:txBody>
+        <a:bodyPr spcFirstLastPara="0" vert="horz" wrap="square" lIns="76200" tIns="76200" rIns="76200" bIns="76200" numCol="1" spcCol="1270" anchor="t" anchorCtr="0">
+          <a:noAutofit/>
+        </a:bodyPr>
+        <a:lstStyle/>
+        <a:p>
+          <a:pPr lvl="0" algn="l" defTabSz="889000" latinLnBrk="1">
+            <a:lnSpc>
+              <a:spcPct val="90000"/>
+            </a:lnSpc>
+            <a:spcBef>
+              <a:spcPct val="0"/>
+            </a:spcBef>
+            <a:spcAft>
+              <a:spcPct val="35000"/>
+            </a:spcAft>
+          </a:pPr>
+          <a:r>
+            <a:rPr lang="ko-KR" altLang="en-US" sz="2000" kern="1200" dirty="0" err="1" smtClean="0"/>
+            <a:t>곽규한</a:t>
+          </a:r>
+          <a:endParaRPr lang="en-US" altLang="ko-KR" sz="2000" kern="1200" dirty="0" smtClean="0"/>
+        </a:p>
+        <a:p>
+          <a:pPr lvl="0" algn="l" defTabSz="889000" latinLnBrk="1">
+            <a:lnSpc>
+              <a:spcPct val="90000"/>
+            </a:lnSpc>
+            <a:spcBef>
+              <a:spcPct val="0"/>
+            </a:spcBef>
+            <a:spcAft>
+              <a:spcPct val="35000"/>
+            </a:spcAft>
+          </a:pPr>
+          <a:r>
+            <a:rPr lang="ko-KR" altLang="en-US" sz="2000" kern="1200" dirty="0" smtClean="0"/>
+            <a:t>이호준</a:t>
+          </a:r>
+          <a:endParaRPr lang="ko-KR" altLang="en-US" sz="2000" kern="1200" dirty="0"/>
+        </a:p>
+      </dsp:txBody>
+      <dsp:txXfrm>
+        <a:off x="0" y="148232"/>
+        <a:ext cx="1173730" cy="1116124"/>
+      </dsp:txXfrm>
+    </dsp:sp>
+    <dsp:sp modelId="{7C4FB7B5-D460-4973-BF26-AEBEB02499D0}">
+      <dsp:nvSpPr>
+        <dsp:cNvPr id="0" name=""/>
+        <dsp:cNvSpPr/>
+      </dsp:nvSpPr>
+      <dsp:spPr>
+        <a:xfrm>
+          <a:off x="1261760" y="50683"/>
+          <a:ext cx="4606891" cy="1013667"/>
+        </a:xfrm>
+        <a:prstGeom prst="rect">
+          <a:avLst/>
+        </a:prstGeom>
+        <a:noFill/>
+        <a:ln>
+          <a:noFill/>
+        </a:ln>
+        <a:effectLst/>
+      </dsp:spPr>
+      <dsp:style>
+        <a:lnRef idx="0">
+          <a:scrgbClr r="0" g="0" b="0"/>
+        </a:lnRef>
+        <a:fillRef idx="0">
+          <a:scrgbClr r="0" g="0" b="0"/>
+        </a:fillRef>
+        <a:effectRef idx="0">
+          <a:scrgbClr r="0" g="0" b="0"/>
+        </a:effectRef>
+        <a:fontRef idx="minor"/>
+      </dsp:style>
+      <dsp:txBody>
+        <a:bodyPr spcFirstLastPara="0" vert="horz" wrap="square" lIns="91440" tIns="91440" rIns="91440" bIns="91440" numCol="1" spcCol="1270" anchor="t" anchorCtr="0">
+          <a:noAutofit/>
+        </a:bodyPr>
+        <a:lstStyle/>
+        <a:p>
+          <a:pPr lvl="0" algn="l" defTabSz="1066800" latinLnBrk="1">
+            <a:lnSpc>
+              <a:spcPct val="90000"/>
+            </a:lnSpc>
+            <a:spcBef>
+              <a:spcPct val="0"/>
+            </a:spcBef>
+            <a:spcAft>
+              <a:spcPct val="35000"/>
+            </a:spcAft>
+          </a:pPr>
+          <a:r>
+            <a:rPr lang="en-US" altLang="ko-KR" sz="2400" kern="1200" dirty="0" smtClean="0"/>
+            <a:t>AR </a:t>
+          </a:r>
+          <a:r>
+            <a:rPr lang="ko-KR" altLang="en-US" sz="2400" kern="1200" dirty="0" smtClean="0"/>
+            <a:t>기능</a:t>
+          </a:r>
+          <a:r>
+            <a:rPr lang="en-US" altLang="ko-KR" sz="2400" kern="1200" dirty="0" smtClean="0"/>
+            <a:t>, </a:t>
+          </a:r>
+          <a:r>
+            <a:rPr lang="ko-KR" altLang="en-US" sz="2400" kern="1200" dirty="0" smtClean="0"/>
+            <a:t>제어판 기능</a:t>
+          </a:r>
+          <a:endParaRPr lang="ko-KR" altLang="en-US" sz="2400" kern="1200" dirty="0"/>
+        </a:p>
+      </dsp:txBody>
+      <dsp:txXfrm>
+        <a:off x="1261760" y="50683"/>
+        <a:ext cx="4606891" cy="1013667"/>
+      </dsp:txXfrm>
+    </dsp:sp>
+    <dsp:sp modelId="{BAA0753F-A9FE-4701-942D-2D8182617D15}">
+      <dsp:nvSpPr>
+        <dsp:cNvPr id="0" name=""/>
+        <dsp:cNvSpPr/>
+      </dsp:nvSpPr>
+      <dsp:spPr>
+        <a:xfrm>
+          <a:off x="1173730" y="1064350"/>
+          <a:ext cx="4694921" cy="0"/>
+        </a:xfrm>
+        <a:prstGeom prst="line">
+          <a:avLst/>
+        </a:prstGeom>
+        <a:solidFill>
+          <a:schemeClr val="accent1">
+            <a:hueOff val="0"/>
+            <a:satOff val="0"/>
+            <a:lumOff val="0"/>
+            <a:alphaOff val="0"/>
+          </a:schemeClr>
+        </a:solidFill>
+        <a:ln w="25400" cap="flat" cmpd="sng" algn="ctr">
+          <a:solidFill>
+            <a:schemeClr val="accent1">
+              <a:tint val="50000"/>
+              <a:hueOff val="0"/>
+              <a:satOff val="0"/>
+              <a:lumOff val="0"/>
+              <a:alphaOff val="0"/>
+            </a:schemeClr>
+          </a:solidFill>
+          <a:prstDash val="solid"/>
+        </a:ln>
+        <a:effectLst/>
+      </dsp:spPr>
+      <dsp:style>
+        <a:lnRef idx="2">
+          <a:scrgbClr r="0" g="0" b="0"/>
+        </a:lnRef>
+        <a:fillRef idx="1">
+          <a:scrgbClr r="0" g="0" b="0"/>
+        </a:fillRef>
+        <a:effectRef idx="0">
+          <a:scrgbClr r="0" g="0" b="0"/>
+        </a:effectRef>
+        <a:fontRef idx="minor"/>
+      </dsp:style>
+    </dsp:sp>
+    <dsp:sp modelId="{D7502388-C955-45BA-8AF5-2054B132C11C}">
+      <dsp:nvSpPr>
+        <dsp:cNvPr id="0" name=""/>
+        <dsp:cNvSpPr/>
+      </dsp:nvSpPr>
+      <dsp:spPr>
+        <a:xfrm>
+          <a:off x="0" y="1116124"/>
+          <a:ext cx="5868652" cy="0"/>
+        </a:xfrm>
+        <a:prstGeom prst="line">
+          <a:avLst/>
+        </a:prstGeom>
+        <a:solidFill>
+          <a:schemeClr val="accent1">
+            <a:hueOff val="0"/>
+            <a:satOff val="0"/>
+            <a:lumOff val="0"/>
+            <a:alphaOff val="0"/>
+          </a:schemeClr>
+        </a:solidFill>
+        <a:ln w="25400" cap="flat" cmpd="sng" algn="ctr">
+          <a:solidFill>
+            <a:schemeClr val="accent1">
+              <a:hueOff val="0"/>
+              <a:satOff val="0"/>
+              <a:lumOff val="0"/>
+              <a:alphaOff val="0"/>
+            </a:schemeClr>
+          </a:solidFill>
+          <a:prstDash val="solid"/>
+        </a:ln>
+        <a:effectLst/>
+      </dsp:spPr>
+      <dsp:style>
+        <a:lnRef idx="2">
+          <a:scrgbClr r="0" g="0" b="0"/>
+        </a:lnRef>
+        <a:fillRef idx="1">
+          <a:scrgbClr r="0" g="0" b="0"/>
+        </a:fillRef>
+        <a:effectRef idx="0">
+          <a:scrgbClr r="0" g="0" b="0"/>
+        </a:effectRef>
+        <a:fontRef idx="minor">
+          <a:schemeClr val="lt1"/>
+        </a:fontRef>
+      </dsp:style>
+    </dsp:sp>
+    <dsp:sp modelId="{0121AB03-4C53-463B-B760-EC250EE8B1A2}">
+      <dsp:nvSpPr>
+        <dsp:cNvPr id="0" name=""/>
+        <dsp:cNvSpPr/>
+      </dsp:nvSpPr>
+      <dsp:spPr>
+        <a:xfrm>
+          <a:off x="0" y="1116124"/>
+          <a:ext cx="1173730" cy="1116124"/>
+        </a:xfrm>
+        <a:prstGeom prst="rect">
+          <a:avLst/>
+        </a:prstGeom>
+        <a:noFill/>
+        <a:ln>
+          <a:noFill/>
+        </a:ln>
+        <a:effectLst/>
+      </dsp:spPr>
+      <dsp:style>
+        <a:lnRef idx="0">
+          <a:scrgbClr r="0" g="0" b="0"/>
+        </a:lnRef>
+        <a:fillRef idx="0">
+          <a:scrgbClr r="0" g="0" b="0"/>
+        </a:fillRef>
+        <a:effectRef idx="0">
+          <a:scrgbClr r="0" g="0" b="0"/>
+        </a:effectRef>
+        <a:fontRef idx="minor"/>
+      </dsp:style>
+      <dsp:txBody>
+        <a:bodyPr spcFirstLastPara="0" vert="horz" wrap="square" lIns="76200" tIns="76200" rIns="76200" bIns="76200" numCol="1" spcCol="1270" anchor="t" anchorCtr="0">
+          <a:noAutofit/>
+        </a:bodyPr>
+        <a:lstStyle/>
+        <a:p>
+          <a:pPr lvl="0" algn="l" defTabSz="889000" latinLnBrk="1">
+            <a:lnSpc>
+              <a:spcPct val="90000"/>
+            </a:lnSpc>
+            <a:spcBef>
+              <a:spcPct val="0"/>
+            </a:spcBef>
+            <a:spcAft>
+              <a:spcPct val="35000"/>
+            </a:spcAft>
+          </a:pPr>
+          <a:r>
+            <a:rPr lang="ko-KR" altLang="en-US" sz="2000" kern="1200" dirty="0" smtClean="0"/>
+            <a:t>이남현</a:t>
+          </a:r>
+          <a:endParaRPr lang="ko-KR" altLang="en-US" sz="2000" kern="1200" dirty="0"/>
+        </a:p>
+      </dsp:txBody>
+      <dsp:txXfrm>
+        <a:off x="0" y="1116124"/>
+        <a:ext cx="1173730" cy="1116124"/>
+      </dsp:txXfrm>
+    </dsp:sp>
+    <dsp:sp modelId="{4C37C8A3-9B77-46C6-AB1D-90AB5E3271E6}">
+      <dsp:nvSpPr>
+        <dsp:cNvPr id="0" name=""/>
+        <dsp:cNvSpPr/>
+      </dsp:nvSpPr>
+      <dsp:spPr>
+        <a:xfrm>
+          <a:off x="1261760" y="1166807"/>
+          <a:ext cx="4606891" cy="1013667"/>
+        </a:xfrm>
+        <a:prstGeom prst="rect">
+          <a:avLst/>
+        </a:prstGeom>
+        <a:noFill/>
+        <a:ln>
+          <a:noFill/>
+        </a:ln>
+        <a:effectLst/>
+      </dsp:spPr>
+      <dsp:style>
+        <a:lnRef idx="0">
+          <a:scrgbClr r="0" g="0" b="0"/>
+        </a:lnRef>
+        <a:fillRef idx="0">
+          <a:scrgbClr r="0" g="0" b="0"/>
+        </a:fillRef>
+        <a:effectRef idx="0">
+          <a:scrgbClr r="0" g="0" b="0"/>
+        </a:effectRef>
+        <a:fontRef idx="minor"/>
+      </dsp:style>
+      <dsp:txBody>
+        <a:bodyPr spcFirstLastPara="0" vert="horz" wrap="square" lIns="91440" tIns="91440" rIns="91440" bIns="91440" numCol="1" spcCol="1270" anchor="t" anchorCtr="0">
+          <a:noAutofit/>
+        </a:bodyPr>
+        <a:lstStyle/>
+        <a:p>
+          <a:pPr lvl="0" algn="l" defTabSz="1066800" latinLnBrk="1">
+            <a:lnSpc>
+              <a:spcPct val="90000"/>
+            </a:lnSpc>
+            <a:spcBef>
+              <a:spcPct val="0"/>
+            </a:spcBef>
+            <a:spcAft>
+              <a:spcPct val="35000"/>
+            </a:spcAft>
+          </a:pPr>
+          <a:r>
+            <a:rPr lang="en-US" altLang="ko-KR" sz="2400" kern="1200" dirty="0" smtClean="0"/>
+            <a:t>SERVER</a:t>
+          </a:r>
+          <a:r>
+            <a:rPr lang="ko-KR" altLang="en-US" sz="2400" kern="1200" dirty="0" smtClean="0"/>
+            <a:t> </a:t>
+          </a:r>
+          <a:endParaRPr lang="ko-KR" altLang="en-US" sz="2400" kern="1200" dirty="0"/>
+        </a:p>
+      </dsp:txBody>
+      <dsp:txXfrm>
+        <a:off x="1261760" y="1166807"/>
+        <a:ext cx="4606891" cy="1013667"/>
+      </dsp:txXfrm>
+    </dsp:sp>
+    <dsp:sp modelId="{F16ADB40-B52D-40B8-A813-0E635BE895AE}">
+      <dsp:nvSpPr>
+        <dsp:cNvPr id="0" name=""/>
+        <dsp:cNvSpPr/>
+      </dsp:nvSpPr>
+      <dsp:spPr>
+        <a:xfrm>
+          <a:off x="1173730" y="2180474"/>
+          <a:ext cx="4694921" cy="0"/>
+        </a:xfrm>
+        <a:prstGeom prst="line">
+          <a:avLst/>
+        </a:prstGeom>
+        <a:solidFill>
+          <a:schemeClr val="accent1">
+            <a:hueOff val="0"/>
+            <a:satOff val="0"/>
+            <a:lumOff val="0"/>
+            <a:alphaOff val="0"/>
+          </a:schemeClr>
+        </a:solidFill>
+        <a:ln w="25400" cap="flat" cmpd="sng" algn="ctr">
+          <a:solidFill>
+            <a:schemeClr val="accent1">
+              <a:tint val="50000"/>
+              <a:hueOff val="0"/>
+              <a:satOff val="0"/>
+              <a:lumOff val="0"/>
+              <a:alphaOff val="0"/>
+            </a:schemeClr>
+          </a:solidFill>
+          <a:prstDash val="solid"/>
+        </a:ln>
+        <a:effectLst/>
+      </dsp:spPr>
+      <dsp:style>
+        <a:lnRef idx="2">
+          <a:scrgbClr r="0" g="0" b="0"/>
+        </a:lnRef>
+        <a:fillRef idx="1">
+          <a:scrgbClr r="0" g="0" b="0"/>
+        </a:fillRef>
+        <a:effectRef idx="0">
+          <a:scrgbClr r="0" g="0" b="0"/>
+        </a:effectRef>
+        <a:fontRef idx="minor"/>
+      </dsp:style>
+    </dsp:sp>
   </dsp:spTree>
 </dsp:drawing>
 </file>
@@ -8226,7 +8692,7 @@
   <p:clrMapOvr>
     <a:masterClrMapping/>
   </p:clrMapOvr>
-  <p:transition spd="slow">
+  <p:transition spd="slow" advTm="5000">
     <p:fade/>
   </p:transition>
   <p:timing>
@@ -8583,358 +9049,6 @@
       </p:grpSpPr>
       <p:sp>
         <p:nvSpPr>
-          <p:cNvPr id="5" name="Title 3"/>
-          <p:cNvSpPr>
-            <a:spLocks noGrp="1"/>
-          </p:cNvSpPr>
-          <p:nvPr>
-            <p:ph type="title"/>
-          </p:nvPr>
-        </p:nvSpPr>
-        <p:spPr>
-          <a:xfrm>
-            <a:off x="1295400" y="285750"/>
-            <a:ext cx="5548963" cy="495383"/>
-          </a:xfrm>
-        </p:spPr>
-        <p:txBody>
-          <a:bodyPr/>
-          <a:lstStyle/>
-          <a:p>
-            <a:pPr algn="l">
-              <a:defRPr lang="ko-KR" altLang="en-US"/>
-            </a:pPr>
-            <a:r>
-              <a:rPr lang="ko-KR" altLang="en-US" dirty="0" smtClean="0"/>
-              <a:t>단점 방안</a:t>
-            </a:r>
-            <a:endParaRPr lang="en-US" dirty="0"/>
-          </a:p>
-        </p:txBody>
-      </p:sp>
-      <p:grpSp>
-        <p:nvGrpSpPr>
-          <p:cNvPr id="6" name="Group 5"/>
-          <p:cNvGrpSpPr/>
-          <p:nvPr/>
-        </p:nvGrpSpPr>
-        <p:grpSpPr>
-          <a:xfrm>
-            <a:off x="-12467" y="840674"/>
-            <a:ext cx="7386538" cy="211899"/>
-            <a:chOff x="0" y="2852400"/>
-            <a:chExt cx="7386538" cy="211899"/>
-          </a:xfrm>
-          <a:solidFill>
-            <a:schemeClr val="accent2"/>
-          </a:solidFill>
-        </p:grpSpPr>
-        <p:sp>
-          <p:nvSpPr>
-            <p:cNvPr id="8" name="Freeform 29"/>
-            <p:cNvSpPr/>
-            <p:nvPr/>
-          </p:nvSpPr>
-          <p:spPr>
-            <a:xfrm>
-              <a:off x="6306768" y="2852400"/>
-              <a:ext cx="1079770" cy="211899"/>
-            </a:xfrm>
-            <a:custGeom>
-              <a:avLst/>
-              <a:gdLst>
-                <a:gd name="connsiteX0" fmla="*/ 0 w 7238044"/>
-                <a:gd name="connsiteY0" fmla="*/ 0 h 1420425"/>
-                <a:gd name="connsiteX1" fmla="*/ 1841770 w 7238044"/>
-                <a:gd name="connsiteY1" fmla="*/ 0 h 1420425"/>
-                <a:gd name="connsiteX2" fmla="*/ 5396274 w 7238044"/>
-                <a:gd name="connsiteY2" fmla="*/ 0 h 1420425"/>
-                <a:gd name="connsiteX3" fmla="*/ 7238044 w 7238044"/>
-                <a:gd name="connsiteY3" fmla="*/ 0 h 1420425"/>
-                <a:gd name="connsiteX4" fmla="*/ 6575004 w 7238044"/>
-                <a:gd name="connsiteY4" fmla="*/ 1420425 h 1420425"/>
-                <a:gd name="connsiteX5" fmla="*/ 4733234 w 7238044"/>
-                <a:gd name="connsiteY5" fmla="*/ 1420425 h 1420425"/>
-                <a:gd name="connsiteX6" fmla="*/ 1841770 w 7238044"/>
-                <a:gd name="connsiteY6" fmla="*/ 1420425 h 1420425"/>
-                <a:gd name="connsiteX7" fmla="*/ 0 w 7238044"/>
-                <a:gd name="connsiteY7" fmla="*/ 1420425 h 1420425"/>
-              </a:gdLst>
-              <a:ahLst/>
-              <a:cxnLst>
-                <a:cxn ang="0">
-                  <a:pos x="connsiteX0" y="connsiteY0"/>
-                </a:cxn>
-                <a:cxn ang="0">
-                  <a:pos x="connsiteX1" y="connsiteY1"/>
-                </a:cxn>
-                <a:cxn ang="0">
-                  <a:pos x="connsiteX2" y="connsiteY2"/>
-                </a:cxn>
-                <a:cxn ang="0">
-                  <a:pos x="connsiteX3" y="connsiteY3"/>
-                </a:cxn>
-                <a:cxn ang="0">
-                  <a:pos x="connsiteX4" y="connsiteY4"/>
-                </a:cxn>
-                <a:cxn ang="0">
-                  <a:pos x="connsiteX5" y="connsiteY5"/>
-                </a:cxn>
-                <a:cxn ang="0">
-                  <a:pos x="connsiteX6" y="connsiteY6"/>
-                </a:cxn>
-                <a:cxn ang="0">
-                  <a:pos x="connsiteX7" y="connsiteY7"/>
-                </a:cxn>
-              </a:cxnLst>
-              <a:rect l="l" t="t" r="r" b="b"/>
-              <a:pathLst>
-                <a:path w="7238044" h="1420425">
-                  <a:moveTo>
-                    <a:pt x="0" y="0"/>
-                  </a:moveTo>
-                  <a:lnTo>
-                    <a:pt x="1841770" y="0"/>
-                  </a:lnTo>
-                  <a:lnTo>
-                    <a:pt x="5396274" y="0"/>
-                  </a:lnTo>
-                  <a:lnTo>
-                    <a:pt x="7238044" y="0"/>
-                  </a:lnTo>
-                  <a:lnTo>
-                    <a:pt x="6575004" y="1420425"/>
-                  </a:lnTo>
-                  <a:lnTo>
-                    <a:pt x="4733234" y="1420425"/>
-                  </a:lnTo>
-                  <a:lnTo>
-                    <a:pt x="1841770" y="1420425"/>
-                  </a:lnTo>
-                  <a:lnTo>
-                    <a:pt x="0" y="1420425"/>
-                  </a:lnTo>
-                  <a:close/>
-                </a:path>
-              </a:pathLst>
-            </a:custGeom>
-            <a:grpFill/>
-            <a:ln w="9525">
-              <a:noFill/>
-              <a:round/>
-            </a:ln>
-          </p:spPr>
-          <p:txBody>
-            <a:bodyPr vert="horz" wrap="square" lIns="91440" tIns="45720" rIns="91440" bIns="45720" anchor="t" anchorCtr="0"/>
-            <a:lstStyle/>
-            <a:p>
-              <a:pPr algn="ctr">
-                <a:defRPr lang="ko-KR" altLang="en-US"/>
-              </a:pPr>
-              <a:endParaRPr lang="en-US">
-                <a:latin typeface="+mn-lt"/>
-                <a:ea typeface="+mn-ea"/>
-                <a:cs typeface="+mn-cs"/>
-              </a:endParaRPr>
-            </a:p>
-          </p:txBody>
-        </p:sp>
-        <p:sp>
-          <p:nvSpPr>
-            <p:cNvPr id="9" name="Rectangle 30"/>
-            <p:cNvSpPr/>
-            <p:nvPr/>
-          </p:nvSpPr>
-          <p:spPr>
-            <a:xfrm>
-              <a:off x="0" y="2852400"/>
-              <a:ext cx="6334330" cy="211899"/>
-            </a:xfrm>
-            <a:prstGeom prst="rect">
-              <a:avLst/>
-            </a:prstGeom>
-            <a:grpFill/>
-            <a:ln w="9525">
-              <a:noFill/>
-              <a:round/>
-            </a:ln>
-          </p:spPr>
-          <p:txBody>
-            <a:bodyPr vert="horz" wrap="square" lIns="91440" tIns="45720" rIns="91440" bIns="45720" anchor="t" anchorCtr="0"/>
-            <a:lstStyle/>
-            <a:p>
-              <a:pPr algn="ctr">
-                <a:defRPr lang="ko-KR" altLang="en-US"/>
-              </a:pPr>
-              <a:endParaRPr lang="en-US">
-                <a:latin typeface="+mn-lt"/>
-                <a:ea typeface="+mn-ea"/>
-                <a:cs typeface="+mn-cs"/>
-              </a:endParaRPr>
-            </a:p>
-          </p:txBody>
-        </p:sp>
-      </p:grpSp>
-      <p:pic>
-        <p:nvPicPr>
-          <p:cNvPr id="1026" name="Picture 2" descr="알고 실천하자! 악수의 예절 : 네이버 블로그"/>
-          <p:cNvPicPr>
-            <a:picLocks noChangeAspect="1" noChangeArrowheads="1"/>
-          </p:cNvPicPr>
-          <p:nvPr/>
-        </p:nvPicPr>
-        <p:blipFill>
-          <a:blip r:embed="rId2">
-            <a:extLst>
-              <a:ext uri="{28A0092B-C50C-407E-A947-70E740481C1C}">
-                <a14:useLocalDpi xmlns:a14="http://schemas.microsoft.com/office/drawing/2010/main" val="0"/>
-              </a:ext>
-            </a:extLst>
-          </a:blip>
-          <a:srcRect/>
-          <a:stretch>
-            <a:fillRect/>
-          </a:stretch>
-        </p:blipFill>
-        <p:spPr bwMode="auto">
-          <a:xfrm>
-            <a:off x="2087724" y="2271294"/>
-            <a:ext cx="3752850" cy="2019301"/>
-          </a:xfrm>
-          <a:prstGeom prst="rect">
-            <a:avLst/>
-          </a:prstGeom>
-          <a:noFill/>
-          <a:extLst>
-            <a:ext uri="{909E8E84-426E-40DD-AFC4-6F175D3DCCD1}">
-              <a14:hiddenFill xmlns:a14="http://schemas.microsoft.com/office/drawing/2010/main">
-                <a:solidFill>
-                  <a:srgbClr val="FFFFFF"/>
-                </a:solidFill>
-              </a14:hiddenFill>
-            </a:ext>
-          </a:extLst>
-        </p:spPr>
-      </p:pic>
-      <p:pic>
-        <p:nvPicPr>
-          <p:cNvPr id="1030" name="Picture 6" descr="기업 작명 스토리]① 가구업체들의 다양한 이름…그 비밀은? - 이뉴스투데이"/>
-          <p:cNvPicPr>
-            <a:picLocks noChangeAspect="1" noChangeArrowheads="1"/>
-          </p:cNvPicPr>
-          <p:nvPr/>
-        </p:nvPicPr>
-        <p:blipFill>
-          <a:blip r:embed="rId3">
-            <a:extLst>
-              <a:ext uri="{28A0092B-C50C-407E-A947-70E740481C1C}">
-                <a14:useLocalDpi xmlns:a14="http://schemas.microsoft.com/office/drawing/2010/main" val="0"/>
-              </a:ext>
-            </a:extLst>
-          </a:blip>
-          <a:srcRect/>
-          <a:stretch>
-            <a:fillRect/>
-          </a:stretch>
-        </p:blipFill>
-        <p:spPr bwMode="auto">
-          <a:xfrm>
-            <a:off x="5980560" y="2139702"/>
-            <a:ext cx="2787022" cy="1300299"/>
-          </a:xfrm>
-          <a:prstGeom prst="rect">
-            <a:avLst/>
-          </a:prstGeom>
-          <a:noFill/>
-          <a:extLst>
-            <a:ext uri="{909E8E84-426E-40DD-AFC4-6F175D3DCCD1}">
-              <a14:hiddenFill xmlns:a14="http://schemas.microsoft.com/office/drawing/2010/main">
-                <a:solidFill>
-                  <a:srgbClr val="FFFFFF"/>
-                </a:solidFill>
-              </a14:hiddenFill>
-            </a:ext>
-          </a:extLst>
-        </p:spPr>
-      </p:pic>
-      <p:pic>
-        <p:nvPicPr>
-          <p:cNvPr id="1032" name="Picture 8" descr="호남대학교 로고"/>
-          <p:cNvPicPr>
-            <a:picLocks noChangeAspect="1" noChangeArrowheads="1"/>
-          </p:cNvPicPr>
-          <p:nvPr/>
-        </p:nvPicPr>
-        <p:blipFill rotWithShape="1">
-          <a:blip r:embed="rId4">
-            <a:extLst>
-              <a:ext uri="{28A0092B-C50C-407E-A947-70E740481C1C}">
-                <a14:useLocalDpi xmlns:a14="http://schemas.microsoft.com/office/drawing/2010/main" val="0"/>
-              </a:ext>
-            </a:extLst>
-          </a:blip>
-          <a:srcRect l="38813" t="718" r="36687" b="-718"/>
-          <a:stretch/>
-        </p:blipFill>
-        <p:spPr bwMode="auto">
-          <a:xfrm>
-            <a:off x="701334" y="2150703"/>
-            <a:ext cx="1188132" cy="2054958"/>
-          </a:xfrm>
-          <a:prstGeom prst="rect">
-            <a:avLst/>
-          </a:prstGeom>
-          <a:noFill/>
-          <a:extLst>
-            <a:ext uri="{909E8E84-426E-40DD-AFC4-6F175D3DCCD1}">
-              <a14:hiddenFill xmlns:a14="http://schemas.microsoft.com/office/drawing/2010/main">
-                <a:solidFill>
-                  <a:srgbClr val="FFFFFF"/>
-                </a:solidFill>
-              </a14:hiddenFill>
-            </a:ext>
-          </a:extLst>
-        </p:spPr>
-      </p:pic>
-    </p:spTree>
-    <p:extLst>
-      <p:ext uri="{BB962C8B-B14F-4D97-AF65-F5344CB8AC3E}">
-        <p14:creationId xmlns:p14="http://schemas.microsoft.com/office/powerpoint/2010/main" val="3593365627"/>
-      </p:ext>
-    </p:extLst>
-  </p:cSld>
-  <p:clrMapOvr>
-    <a:masterClrMapping/>
-  </p:clrMapOvr>
-  <p:timing>
-    <p:tnLst>
-      <p:par>
-        <p:cTn id="1" dur="indefinite" restart="never" nodeType="tmRoot"/>
-      </p:par>
-    </p:tnLst>
-  </p:timing>
-</p:sld>
-</file>
-
-<file path=ppt/slides/slide11.xml><?xml version="1.0" encoding="utf-8"?>
-<p:sld xmlns:a="http://schemas.openxmlformats.org/drawingml/2006/main" xmlns:r="http://schemas.openxmlformats.org/officeDocument/2006/relationships" xmlns:p="http://schemas.openxmlformats.org/presentationml/2006/main" showMasterSp="0">
-  <p:cSld>
-    <p:spTree>
-      <p:nvGrpSpPr>
-        <p:cNvPr id="1" name=""/>
-        <p:cNvGrpSpPr/>
-        <p:nvPr/>
-      </p:nvGrpSpPr>
-      <p:grpSpPr>
-        <a:xfrm>
-          <a:off x="0" y="0"/>
-          <a:ext cx="0" cy="0"/>
-          <a:chOff x="0" y="0"/>
-          <a:chExt cx="0" cy="0"/>
-        </a:xfrm>
-      </p:grpSpPr>
-      <p:sp>
-        <p:nvSpPr>
           <p:cNvPr id="4" name="제목 3"/>
           <p:cNvSpPr>
             <a:spLocks noGrp="1"/>
@@ -9249,41 +9363,59 @@
               <a:defRPr lang="ko-KR" altLang="en-US"/>
             </a:pPr>
             <a:r>
-              <a:rPr lang="en-US" altLang="ko-KR" sz="1400" b="1">
+              <a:rPr lang="en-US" altLang="ko-KR" sz="1400" b="1" dirty="0" err="1">
                 <a:latin typeface="+mj-lt"/>
               </a:rPr>
-              <a:t>WebXR API  #01</a:t>
+              <a:t>WebXR</a:t>
             </a:r>
             <a:r>
-              <a:rPr lang="en-US" sz="1400" b="1">
+              <a:rPr lang="en-US" altLang="ko-KR" sz="1400" b="1" dirty="0">
+                <a:latin typeface="+mj-lt"/>
+              </a:rPr>
+              <a:t> API  #01</a:t>
+            </a:r>
+            <a:r>
+              <a:rPr lang="en-US" sz="1400" b="1" dirty="0">
                 <a:latin typeface="+mj-lt"/>
               </a:rPr>
               <a:t/>
             </a:r>
             <a:br>
-              <a:rPr lang="en-US" sz="1400" b="1">
+              <a:rPr lang="en-US" sz="1400" b="1" dirty="0">
                 <a:latin typeface="+mj-lt"/>
               </a:rPr>
             </a:br>
             <a:r>
-              <a:rPr lang="ko-KR" altLang="en-US" sz="1000">
+              <a:rPr lang="ko-KR" altLang="en-US" sz="1000" dirty="0">
                 <a:latin typeface="+mj-lt"/>
               </a:rPr>
               <a:t>웹 페이지에서 </a:t>
             </a:r>
             <a:r>
-              <a:rPr lang="en-US" altLang="ko-KR" sz="1000">
+              <a:rPr lang="en-US" altLang="ko-KR" sz="1000" dirty="0">
                 <a:latin typeface="+mj-lt"/>
               </a:rPr>
               <a:t>VR, AR</a:t>
             </a:r>
             <a:r>
-              <a:rPr lang="ko-KR" altLang="en-US" sz="1000">
+              <a:rPr lang="ko-KR" altLang="en-US" sz="1000" dirty="0">
                 <a:latin typeface="+mj-lt"/>
               </a:rPr>
-              <a:t>을 사용할 수 있게 해주는     웹 표준 그룹</a:t>
+              <a:t>을 사용할 수 있게 해주는     </a:t>
             </a:r>
-            <a:endParaRPr lang="en-US" sz="1050">
+            <a:r>
+              <a:rPr lang="ko-KR" altLang="en-US" sz="1000" dirty="0" smtClean="0">
+                <a:latin typeface="+mj-lt"/>
+              </a:rPr>
+              <a:t>   웹 </a:t>
+            </a:r>
+            <a:r>
+              <a:rPr lang="ko-KR" altLang="en-US" sz="1000" dirty="0">
+                <a:latin typeface="+mj-lt"/>
+              </a:rPr>
+              <a:t>표준 그룹</a:t>
+            </a:r>
+            <a:endParaRPr lang="en-US" sz="1050" dirty="0">
               <a:latin typeface="+mj-lt"/>
             </a:endParaRPr>
           </a:p>
@@ -9484,41 +9616,47 @@
               <a:defRPr lang="ko-KR" altLang="en-US"/>
             </a:pPr>
             <a:r>
-              <a:rPr lang="en-US" altLang="ko-KR" sz="1400" b="1">
+              <a:rPr lang="en-US" altLang="ko-KR" sz="1400" b="1" dirty="0">
                 <a:latin typeface="+mj-lt"/>
               </a:rPr>
               <a:t>Three.js  #02</a:t>
             </a:r>
             <a:r>
-              <a:rPr lang="en-US" sz="1400" b="1">
+              <a:rPr lang="en-US" sz="1400" b="1" dirty="0">
                 <a:latin typeface="+mj-lt"/>
               </a:rPr>
               <a:t/>
             </a:r>
             <a:br>
-              <a:rPr lang="en-US" sz="1400" b="1">
+              <a:rPr lang="en-US" sz="1400" b="1" dirty="0">
                 <a:latin typeface="+mj-lt"/>
               </a:rPr>
             </a:br>
             <a:r>
-              <a:rPr lang="ko-KR" altLang="en-US" sz="1000">
+              <a:rPr lang="ko-KR" altLang="en-US" sz="1000" dirty="0" smtClean="0">
                 <a:latin typeface="+mj-lt"/>
               </a:rPr>
-              <a:t> 웹에서 </a:t>
+              <a:t>웹에서 </a:t>
             </a:r>
             <a:r>
-              <a:rPr lang="en-US" altLang="ko-KR" sz="1000">
+              <a:rPr lang="en-US" altLang="ko-KR" sz="1000" dirty="0">
                 <a:latin typeface="+mj-lt"/>
               </a:rPr>
               <a:t>3D </a:t>
             </a:r>
             <a:r>
-              <a:rPr lang="ko-KR" altLang="en-US" sz="1000">
+              <a:rPr lang="ko-KR" altLang="en-US" sz="1000" dirty="0" smtClean="0">
                 <a:latin typeface="+mj-lt"/>
               </a:rPr>
-              <a:t>그래픽을 다룰 수 있게 해주는 자바스크립트 라이브러리</a:t>
+              <a:t>그래픽을    </a:t>
             </a:r>
-            <a:endParaRPr lang="en-US" sz="1050">
+            <a:r>
+              <a:rPr lang="ko-KR" altLang="en-US" sz="1000" dirty="0">
+                <a:latin typeface="+mj-lt"/>
+              </a:rPr>
+              <a:t>다룰 수 있게 해주는 자바스크립트 라이브러리</a:t>
+            </a:r>
+            <a:endParaRPr lang="en-US" sz="1050" dirty="0">
               <a:latin typeface="+mj-lt"/>
             </a:endParaRPr>
           </a:p>
@@ -9840,14 +9978,14 @@
   <p:clrMapOvr>
     <a:masterClrMapping/>
   </p:clrMapOvr>
-  <mc:AlternateContent xmlns:mc="http://schemas.openxmlformats.org/markup-compatibility/2006" xmlns:p15="http://schemas.microsoft.com/office/powerpoint/2012/main">
-    <mc:Choice Requires="p15">
-      <p:transition xmlns:p14="http://schemas.microsoft.com/office/powerpoint/2010/main" spd="slow" p14:dur="2000">
-        <p15:prstTrans prst="drape"/>
+  <mc:AlternateContent xmlns:mc="http://schemas.openxmlformats.org/markup-compatibility/2006">
+    <mc:Choice xmlns:p14="http://schemas.microsoft.com/office/powerpoint/2010/main" Requires="p14">
+      <p:transition spd="med" p14:dur="700" advTm="10000">
+        <p:fade/>
       </p:transition>
     </mc:Choice>
-    <mc:Fallback xmlns="">
-      <p:transition spd="slow">
+    <mc:Fallback>
+      <p:transition spd="med" advTm="10000">
         <p:fade/>
       </p:transition>
     </mc:Fallback>
@@ -10034,7 +10172,7 @@
 </p:sld>
 </file>
 
-<file path=ppt/slides/slide12.xml><?xml version="1.0" encoding="utf-8"?>
+<file path=ppt/slides/slide11.xml><?xml version="1.0" encoding="utf-8"?>
 <p:sld xmlns:a="http://schemas.openxmlformats.org/drawingml/2006/main" xmlns:r="http://schemas.openxmlformats.org/officeDocument/2006/relationships" xmlns:p="http://schemas.openxmlformats.org/presentationml/2006/main" showMasterSp="0">
   <p:cSld>
     <p:spTree>
@@ -10098,7 +10236,7 @@
         </p:nvGraphicFramePr>
         <p:xfrm>
           <a:off x="287522" y="807554"/>
-          <a:ext cx="8496945" cy="3959727"/>
+          <a:ext cx="8496945" cy="3935800"/>
         </p:xfrm>
         <a:graphic>
           <a:graphicData uri="http://schemas.openxmlformats.org/drawingml/2006/table">
@@ -11407,7 +11545,7 @@
   <p:clrMapOvr>
     <a:masterClrMapping/>
   </p:clrMapOvr>
-  <p:transition spd="med">
+  <p:transition spd="med" advTm="13000">
     <p:fade/>
   </p:transition>
   <p:timing>
@@ -11420,7 +11558,7 @@
 </p:sld>
 </file>
 
-<file path=ppt/slides/slide13.xml><?xml version="1.0" encoding="utf-8"?>
+<file path=ppt/slides/slide12.xml><?xml version="1.0" encoding="utf-8"?>
 <p:sld xmlns:a="http://schemas.openxmlformats.org/drawingml/2006/main" xmlns:r="http://schemas.openxmlformats.org/officeDocument/2006/relationships" xmlns:p="http://schemas.openxmlformats.org/presentationml/2006/main" showMasterSp="0">
   <p:cSld>
     <p:spTree>
@@ -11456,7 +11594,7 @@
               <a:defRPr lang="ko-KR" altLang="en-US"/>
             </a:pPr>
             <a:r>
-              <a:rPr lang="ko-KR" altLang="en-US"/>
+              <a:rPr lang="ko-KR" altLang="en-US" dirty="0"/>
               <a:t>흐름도</a:t>
             </a:r>
           </a:p>
@@ -12425,11 +12563,186 @@
           </a:fontRef>
         </p:style>
       </p:cxnSp>
+      <p:grpSp>
+        <p:nvGrpSpPr>
+          <p:cNvPr id="28" name="Group 5"/>
+          <p:cNvGrpSpPr/>
+          <p:nvPr/>
+        </p:nvGrpSpPr>
+        <p:grpSpPr>
+          <a:xfrm>
+            <a:off x="-12468" y="840674"/>
+            <a:ext cx="9300991" cy="211899"/>
+            <a:chOff x="0" y="2852400"/>
+            <a:chExt cx="7386538" cy="211899"/>
+          </a:xfrm>
+          <a:solidFill>
+            <a:schemeClr val="accent2"/>
+          </a:solidFill>
+        </p:grpSpPr>
+        <p:sp>
+          <p:nvSpPr>
+            <p:cNvPr id="30" name="Freeform 29"/>
+            <p:cNvSpPr/>
+            <p:nvPr/>
+          </p:nvSpPr>
+          <p:spPr>
+            <a:xfrm>
+              <a:off x="6306768" y="2852400"/>
+              <a:ext cx="1079770" cy="211899"/>
+            </a:xfrm>
+            <a:custGeom>
+              <a:avLst/>
+              <a:gdLst>
+                <a:gd name="connsiteX0" fmla="*/ 0 w 7238044"/>
+                <a:gd name="connsiteY0" fmla="*/ 0 h 1420425"/>
+                <a:gd name="connsiteX1" fmla="*/ 1841770 w 7238044"/>
+                <a:gd name="connsiteY1" fmla="*/ 0 h 1420425"/>
+                <a:gd name="connsiteX2" fmla="*/ 5396274 w 7238044"/>
+                <a:gd name="connsiteY2" fmla="*/ 0 h 1420425"/>
+                <a:gd name="connsiteX3" fmla="*/ 7238044 w 7238044"/>
+                <a:gd name="connsiteY3" fmla="*/ 0 h 1420425"/>
+                <a:gd name="connsiteX4" fmla="*/ 6575004 w 7238044"/>
+                <a:gd name="connsiteY4" fmla="*/ 1420425 h 1420425"/>
+                <a:gd name="connsiteX5" fmla="*/ 4733234 w 7238044"/>
+                <a:gd name="connsiteY5" fmla="*/ 1420425 h 1420425"/>
+                <a:gd name="connsiteX6" fmla="*/ 1841770 w 7238044"/>
+                <a:gd name="connsiteY6" fmla="*/ 1420425 h 1420425"/>
+                <a:gd name="connsiteX7" fmla="*/ 0 w 7238044"/>
+                <a:gd name="connsiteY7" fmla="*/ 1420425 h 1420425"/>
+              </a:gdLst>
+              <a:ahLst/>
+              <a:cxnLst>
+                <a:cxn ang="0">
+                  <a:pos x="connsiteX0" y="connsiteY0"/>
+                </a:cxn>
+                <a:cxn ang="0">
+                  <a:pos x="connsiteX1" y="connsiteY1"/>
+                </a:cxn>
+                <a:cxn ang="0">
+                  <a:pos x="connsiteX2" y="connsiteY2"/>
+                </a:cxn>
+                <a:cxn ang="0">
+                  <a:pos x="connsiteX3" y="connsiteY3"/>
+                </a:cxn>
+                <a:cxn ang="0">
+                  <a:pos x="connsiteX4" y="connsiteY4"/>
+                </a:cxn>
+                <a:cxn ang="0">
+                  <a:pos x="connsiteX5" y="connsiteY5"/>
+                </a:cxn>
+                <a:cxn ang="0">
+                  <a:pos x="connsiteX6" y="connsiteY6"/>
+                </a:cxn>
+                <a:cxn ang="0">
+                  <a:pos x="connsiteX7" y="connsiteY7"/>
+                </a:cxn>
+              </a:cxnLst>
+              <a:rect l="l" t="t" r="r" b="b"/>
+              <a:pathLst>
+                <a:path w="7238044" h="1420425">
+                  <a:moveTo>
+                    <a:pt x="0" y="0"/>
+                  </a:moveTo>
+                  <a:lnTo>
+                    <a:pt x="1841770" y="0"/>
+                  </a:lnTo>
+                  <a:lnTo>
+                    <a:pt x="5396274" y="0"/>
+                  </a:lnTo>
+                  <a:lnTo>
+                    <a:pt x="7238044" y="0"/>
+                  </a:lnTo>
+                  <a:lnTo>
+                    <a:pt x="6575004" y="1420425"/>
+                  </a:lnTo>
+                  <a:lnTo>
+                    <a:pt x="4733234" y="1420425"/>
+                  </a:lnTo>
+                  <a:lnTo>
+                    <a:pt x="1841770" y="1420425"/>
+                  </a:lnTo>
+                  <a:lnTo>
+                    <a:pt x="0" y="1420425"/>
+                  </a:lnTo>
+                  <a:close/>
+                </a:path>
+              </a:pathLst>
+            </a:custGeom>
+            <a:grpFill/>
+            <a:ln w="9525">
+              <a:noFill/>
+              <a:round/>
+            </a:ln>
+          </p:spPr>
+          <p:txBody>
+            <a:bodyPr vert="horz" wrap="square" lIns="91440" tIns="45720" rIns="91440" bIns="45720" anchor="t" anchorCtr="0"/>
+            <a:lstStyle/>
+            <a:p>
+              <a:pPr algn="ctr">
+                <a:defRPr lang="ko-KR" altLang="en-US"/>
+              </a:pPr>
+              <a:endParaRPr lang="en-US">
+                <a:latin typeface="+mn-lt"/>
+                <a:ea typeface="+mn-ea"/>
+                <a:cs typeface="+mn-cs"/>
+              </a:endParaRPr>
+            </a:p>
+          </p:txBody>
+        </p:sp>
+        <p:sp>
+          <p:nvSpPr>
+            <p:cNvPr id="33" name="Rectangle 30"/>
+            <p:cNvSpPr/>
+            <p:nvPr/>
+          </p:nvSpPr>
+          <p:spPr>
+            <a:xfrm>
+              <a:off x="0" y="2852400"/>
+              <a:ext cx="6334330" cy="211899"/>
+            </a:xfrm>
+            <a:prstGeom prst="rect">
+              <a:avLst/>
+            </a:prstGeom>
+            <a:grpFill/>
+            <a:ln w="9525">
+              <a:noFill/>
+              <a:round/>
+            </a:ln>
+          </p:spPr>
+          <p:txBody>
+            <a:bodyPr vert="horz" wrap="square" lIns="91440" tIns="45720" rIns="91440" bIns="45720" anchor="t" anchorCtr="0"/>
+            <a:lstStyle/>
+            <a:p>
+              <a:pPr algn="ctr">
+                <a:defRPr lang="ko-KR" altLang="en-US"/>
+              </a:pPr>
+              <a:endParaRPr lang="en-US">
+                <a:latin typeface="+mn-lt"/>
+                <a:ea typeface="+mn-ea"/>
+                <a:cs typeface="+mn-cs"/>
+              </a:endParaRPr>
+            </a:p>
+          </p:txBody>
+        </p:sp>
+      </p:grpSp>
     </p:spTree>
   </p:cSld>
   <p:clrMapOvr>
     <a:masterClrMapping/>
   </p:clrMapOvr>
+  <mc:AlternateContent xmlns:mc="http://schemas.openxmlformats.org/markup-compatibility/2006">
+    <mc:Choice xmlns:p14="http://schemas.microsoft.com/office/powerpoint/2010/main" Requires="p14">
+      <p:transition spd="med" p14:dur="700" advTm="20000">
+        <p:fade/>
+      </p:transition>
+    </mc:Choice>
+    <mc:Fallback>
+      <p:transition spd="med" advTm="20000">
+        <p:fade/>
+      </p:transition>
+    </mc:Fallback>
+  </mc:AlternateContent>
   <p:timing>
     <p:tnLst>
       <p:par>
@@ -12440,7 +12753,7 @@
 </p:sld>
 </file>
 
-<file path=ppt/slides/slide14.xml><?xml version="1.0" encoding="utf-8"?>
+<file path=ppt/slides/slide13.xml><?xml version="1.0" encoding="utf-8"?>
 <p:sld xmlns:a="http://schemas.openxmlformats.org/drawingml/2006/main" xmlns:r="http://schemas.openxmlformats.org/officeDocument/2006/relationships" xmlns:p="http://schemas.openxmlformats.org/presentationml/2006/main" showMasterSp="0">
   <p:cSld>
     <p:spTree>
@@ -13053,7 +13366,7 @@
               <a:defRPr lang="ko-KR" altLang="en-US"/>
             </a:pPr>
             <a:r>
-              <a:rPr lang="ko-KR" altLang="en-US" sz="3200">
+              <a:rPr lang="ko-KR" altLang="en-US" sz="3200" dirty="0">
                 <a:solidFill>
                   <a:srgbClr val="FFFFFF">
                     <a:lumMod val="50000"/>
@@ -13065,7 +13378,7 @@
               </a:rPr>
               <a:t>구성도</a:t>
             </a:r>
-            <a:endParaRPr lang="en-US">
+            <a:endParaRPr lang="en-US" dirty="0">
               <a:latin typeface="+mn-lt"/>
               <a:ea typeface="+mn-ea"/>
               <a:cs typeface="+mn-cs"/>
@@ -13137,14 +13450,186 @@
           </a:fontRef>
         </p:style>
       </p:cxnSp>
+      <p:grpSp>
+        <p:nvGrpSpPr>
+          <p:cNvPr id="16" name="Group 5"/>
+          <p:cNvGrpSpPr/>
+          <p:nvPr/>
+        </p:nvGrpSpPr>
+        <p:grpSpPr>
+          <a:xfrm>
+            <a:off x="-12468" y="840674"/>
+            <a:ext cx="9300991" cy="211899"/>
+            <a:chOff x="0" y="2852400"/>
+            <a:chExt cx="7386538" cy="211899"/>
+          </a:xfrm>
+          <a:solidFill>
+            <a:schemeClr val="accent2"/>
+          </a:solidFill>
+        </p:grpSpPr>
+        <p:sp>
+          <p:nvSpPr>
+            <p:cNvPr id="17" name="Freeform 29"/>
+            <p:cNvSpPr/>
+            <p:nvPr/>
+          </p:nvSpPr>
+          <p:spPr>
+            <a:xfrm>
+              <a:off x="6306768" y="2852400"/>
+              <a:ext cx="1079770" cy="211899"/>
+            </a:xfrm>
+            <a:custGeom>
+              <a:avLst/>
+              <a:gdLst>
+                <a:gd name="connsiteX0" fmla="*/ 0 w 7238044"/>
+                <a:gd name="connsiteY0" fmla="*/ 0 h 1420425"/>
+                <a:gd name="connsiteX1" fmla="*/ 1841770 w 7238044"/>
+                <a:gd name="connsiteY1" fmla="*/ 0 h 1420425"/>
+                <a:gd name="connsiteX2" fmla="*/ 5396274 w 7238044"/>
+                <a:gd name="connsiteY2" fmla="*/ 0 h 1420425"/>
+                <a:gd name="connsiteX3" fmla="*/ 7238044 w 7238044"/>
+                <a:gd name="connsiteY3" fmla="*/ 0 h 1420425"/>
+                <a:gd name="connsiteX4" fmla="*/ 6575004 w 7238044"/>
+                <a:gd name="connsiteY4" fmla="*/ 1420425 h 1420425"/>
+                <a:gd name="connsiteX5" fmla="*/ 4733234 w 7238044"/>
+                <a:gd name="connsiteY5" fmla="*/ 1420425 h 1420425"/>
+                <a:gd name="connsiteX6" fmla="*/ 1841770 w 7238044"/>
+                <a:gd name="connsiteY6" fmla="*/ 1420425 h 1420425"/>
+                <a:gd name="connsiteX7" fmla="*/ 0 w 7238044"/>
+                <a:gd name="connsiteY7" fmla="*/ 1420425 h 1420425"/>
+              </a:gdLst>
+              <a:ahLst/>
+              <a:cxnLst>
+                <a:cxn ang="0">
+                  <a:pos x="connsiteX0" y="connsiteY0"/>
+                </a:cxn>
+                <a:cxn ang="0">
+                  <a:pos x="connsiteX1" y="connsiteY1"/>
+                </a:cxn>
+                <a:cxn ang="0">
+                  <a:pos x="connsiteX2" y="connsiteY2"/>
+                </a:cxn>
+                <a:cxn ang="0">
+                  <a:pos x="connsiteX3" y="connsiteY3"/>
+                </a:cxn>
+                <a:cxn ang="0">
+                  <a:pos x="connsiteX4" y="connsiteY4"/>
+                </a:cxn>
+                <a:cxn ang="0">
+                  <a:pos x="connsiteX5" y="connsiteY5"/>
+                </a:cxn>
+                <a:cxn ang="0">
+                  <a:pos x="connsiteX6" y="connsiteY6"/>
+                </a:cxn>
+                <a:cxn ang="0">
+                  <a:pos x="connsiteX7" y="connsiteY7"/>
+                </a:cxn>
+              </a:cxnLst>
+              <a:rect l="l" t="t" r="r" b="b"/>
+              <a:pathLst>
+                <a:path w="7238044" h="1420425">
+                  <a:moveTo>
+                    <a:pt x="0" y="0"/>
+                  </a:moveTo>
+                  <a:lnTo>
+                    <a:pt x="1841770" y="0"/>
+                  </a:lnTo>
+                  <a:lnTo>
+                    <a:pt x="5396274" y="0"/>
+                  </a:lnTo>
+                  <a:lnTo>
+                    <a:pt x="7238044" y="0"/>
+                  </a:lnTo>
+                  <a:lnTo>
+                    <a:pt x="6575004" y="1420425"/>
+                  </a:lnTo>
+                  <a:lnTo>
+                    <a:pt x="4733234" y="1420425"/>
+                  </a:lnTo>
+                  <a:lnTo>
+                    <a:pt x="1841770" y="1420425"/>
+                  </a:lnTo>
+                  <a:lnTo>
+                    <a:pt x="0" y="1420425"/>
+                  </a:lnTo>
+                  <a:close/>
+                </a:path>
+              </a:pathLst>
+            </a:custGeom>
+            <a:grpFill/>
+            <a:ln w="9525">
+              <a:noFill/>
+              <a:round/>
+            </a:ln>
+          </p:spPr>
+          <p:txBody>
+            <a:bodyPr vert="horz" wrap="square" lIns="91440" tIns="45720" rIns="91440" bIns="45720" anchor="t" anchorCtr="0"/>
+            <a:lstStyle/>
+            <a:p>
+              <a:pPr algn="ctr">
+                <a:defRPr lang="ko-KR" altLang="en-US"/>
+              </a:pPr>
+              <a:endParaRPr lang="en-US">
+                <a:latin typeface="+mn-lt"/>
+                <a:ea typeface="+mn-ea"/>
+                <a:cs typeface="+mn-cs"/>
+              </a:endParaRPr>
+            </a:p>
+          </p:txBody>
+        </p:sp>
+        <p:sp>
+          <p:nvSpPr>
+            <p:cNvPr id="20" name="Rectangle 30"/>
+            <p:cNvSpPr/>
+            <p:nvPr/>
+          </p:nvSpPr>
+          <p:spPr>
+            <a:xfrm>
+              <a:off x="0" y="2852400"/>
+              <a:ext cx="6334330" cy="211899"/>
+            </a:xfrm>
+            <a:prstGeom prst="rect">
+              <a:avLst/>
+            </a:prstGeom>
+            <a:grpFill/>
+            <a:ln w="9525">
+              <a:noFill/>
+              <a:round/>
+            </a:ln>
+          </p:spPr>
+          <p:txBody>
+            <a:bodyPr vert="horz" wrap="square" lIns="91440" tIns="45720" rIns="91440" bIns="45720" anchor="t" anchorCtr="0"/>
+            <a:lstStyle/>
+            <a:p>
+              <a:pPr algn="ctr">
+                <a:defRPr lang="ko-KR" altLang="en-US"/>
+              </a:pPr>
+              <a:endParaRPr lang="en-US">
+                <a:latin typeface="+mn-lt"/>
+                <a:ea typeface="+mn-ea"/>
+                <a:cs typeface="+mn-cs"/>
+              </a:endParaRPr>
+            </a:p>
+          </p:txBody>
+        </p:sp>
+      </p:grpSp>
     </p:spTree>
   </p:cSld>
   <p:clrMapOvr>
     <a:masterClrMapping/>
   </p:clrMapOvr>
-  <p:transition spd="slow">
-    <p:randomBar dir="vert"/>
-  </p:transition>
+  <mc:AlternateContent xmlns:mc="http://schemas.openxmlformats.org/markup-compatibility/2006">
+    <mc:Choice xmlns:p14="http://schemas.microsoft.com/office/powerpoint/2010/main" Requires="p14">
+      <p:transition spd="med" p14:dur="700" advTm="13000">
+        <p:fade/>
+      </p:transition>
+    </mc:Choice>
+    <mc:Fallback>
+      <p:transition spd="med" advTm="13000">
+        <p:fade/>
+      </p:transition>
+    </mc:Fallback>
+  </mc:AlternateContent>
   <p:timing>
     <p:tnLst>
       <p:par>
@@ -13155,7 +13640,7 @@
 </p:sld>
 </file>
 
-<file path=ppt/slides/slide15.xml><?xml version="1.0" encoding="utf-8"?>
+<file path=ppt/slides/slide14.xml><?xml version="1.0" encoding="utf-8"?>
 <p:sld xmlns:a="http://schemas.openxmlformats.org/drawingml/2006/main" xmlns:r="http://schemas.openxmlformats.org/officeDocument/2006/relationships" xmlns:p="http://schemas.openxmlformats.org/presentationml/2006/main">
   <p:cSld>
     <p:spTree>
@@ -14548,9 +15033,18 @@
   <p:clrMapOvr>
     <a:masterClrMapping/>
   </p:clrMapOvr>
-  <p:transition spd="slow">
-    <p:randomBar dir="vert"/>
-  </p:transition>
+  <mc:AlternateContent xmlns:mc="http://schemas.openxmlformats.org/markup-compatibility/2006">
+    <mc:Choice xmlns:p14="http://schemas.microsoft.com/office/powerpoint/2010/main" Requires="p14">
+      <p:transition spd="med" p14:dur="700" advTm="20000">
+        <p:fade/>
+      </p:transition>
+    </mc:Choice>
+    <mc:Fallback>
+      <p:transition spd="med" advTm="20000">
+        <p:fade/>
+      </p:transition>
+    </mc:Fallback>
+  </mc:AlternateContent>
   <p:timing>
     <p:tnLst>
       <p:par>
@@ -14561,7 +15055,7 @@
 </p:sld>
 </file>
 
-<file path=ppt/slides/slide16.xml><?xml version="1.0" encoding="utf-8"?>
+<file path=ppt/slides/slide15.xml><?xml version="1.0" encoding="utf-8"?>
 <p:sld xmlns:a="http://schemas.openxmlformats.org/drawingml/2006/main" xmlns:r="http://schemas.openxmlformats.org/officeDocument/2006/relationships" xmlns:p="http://schemas.openxmlformats.org/presentationml/2006/main">
   <p:cSld>
     <p:spTree>
@@ -14903,9 +15397,18 @@
   <p:clrMapOvr>
     <a:masterClrMapping/>
   </p:clrMapOvr>
-  <p:transition spd="slow">
-    <p:randomBar dir="vert"/>
-  </p:transition>
+  <mc:AlternateContent xmlns:mc="http://schemas.openxmlformats.org/markup-compatibility/2006">
+    <mc:Choice xmlns:p14="http://schemas.microsoft.com/office/powerpoint/2010/main" Requires="p14">
+      <p:transition spd="med" p14:dur="700" advTm="20000">
+        <p:fade/>
+      </p:transition>
+    </mc:Choice>
+    <mc:Fallback>
+      <p:transition spd="med" advTm="20000">
+        <p:fade/>
+      </p:transition>
+    </mc:Fallback>
+  </mc:AlternateContent>
   <p:timing>
     <p:tnLst>
       <p:par>
@@ -14916,7 +15419,7 @@
 </p:sld>
 </file>
 
-<file path=ppt/slides/slide17.xml><?xml version="1.0" encoding="utf-8"?>
+<file path=ppt/slides/slide16.xml><?xml version="1.0" encoding="utf-8"?>
 <p:sld xmlns:a="http://schemas.openxmlformats.org/drawingml/2006/main" xmlns:r="http://schemas.openxmlformats.org/officeDocument/2006/relationships" xmlns:p="http://schemas.openxmlformats.org/presentationml/2006/main">
   <p:cSld>
     <p:spTree>
@@ -15033,6 +15536,14 @@
   <p:clrMapOvr>
     <a:masterClrMapping/>
   </p:clrMapOvr>
+  <mc:AlternateContent xmlns:mc="http://schemas.openxmlformats.org/markup-compatibility/2006">
+    <mc:Choice xmlns:p14="http://schemas.microsoft.com/office/powerpoint/2010/main" Requires="p14">
+      <p:transition spd="slow" p14:dur="2000" advTm="3000"/>
+    </mc:Choice>
+    <mc:Fallback>
+      <p:transition spd="slow" advTm="3000"/>
+    </mc:Fallback>
+  </mc:AlternateContent>
   <p:timing>
     <p:tnLst>
       <p:par>
@@ -15043,7 +15554,7 @@
 </p:sld>
 </file>
 
-<file path=ppt/slides/slide18.xml><?xml version="1.0" encoding="utf-8"?>
+<file path=ppt/slides/slide17.xml><?xml version="1.0" encoding="utf-8"?>
 <p:sld xmlns:a="http://schemas.openxmlformats.org/drawingml/2006/main" xmlns:r="http://schemas.openxmlformats.org/officeDocument/2006/relationships" xmlns:p="http://schemas.openxmlformats.org/presentationml/2006/main" showMasterSp="0">
   <p:cSld>
     <p:spTree>
@@ -15092,13 +15603,13 @@
           <p:nvPr>
             <p:extLst>
               <p:ext uri="{D42A27DB-BD31-4B8C-83A1-F6EECF244321}">
-                <p14:modId xmlns:p14="http://schemas.microsoft.com/office/powerpoint/2010/main" val="1480946156"/>
+                <p14:modId xmlns:p14="http://schemas.microsoft.com/office/powerpoint/2010/main" val="1277653635"/>
               </p:ext>
             </p:extLst>
           </p:nvPr>
         </p:nvGraphicFramePr>
         <p:xfrm>
-          <a:off x="1871700" y="1095586"/>
+          <a:off x="1727684" y="1707654"/>
           <a:ext cx="5868652" cy="2232248"/>
         </p:xfrm>
         <a:graphic>
@@ -15112,90 +15623,14 @@
   <p:clrMapOvr>
     <a:masterClrMapping/>
   </p:clrMapOvr>
-  <p:timing>
-    <p:tnLst>
-      <p:par>
-        <p:cTn id="1" dur="indefinite" restart="never" nodeType="tmRoot"/>
-      </p:par>
-    </p:tnLst>
-  </p:timing>
-</p:sld>
-</file>
-
-<file path=ppt/slides/slide19.xml><?xml version="1.0" encoding="utf-8"?>
-<p:sld xmlns:a="http://schemas.openxmlformats.org/drawingml/2006/main" xmlns:r="http://schemas.openxmlformats.org/officeDocument/2006/relationships" xmlns:p="http://schemas.openxmlformats.org/presentationml/2006/main" showMasterSp="0">
-  <p:cSld>
-    <p:spTree>
-      <p:nvGrpSpPr>
-        <p:cNvPr id="1" name=""/>
-        <p:cNvGrpSpPr/>
-        <p:nvPr/>
-      </p:nvGrpSpPr>
-      <p:grpSpPr>
-        <a:xfrm>
-          <a:off x="0" y="0"/>
-          <a:ext cx="0" cy="0"/>
-          <a:chOff x="0" y="0"/>
-          <a:chExt cx="0" cy="0"/>
-        </a:xfrm>
-      </p:grpSpPr>
-      <p:sp>
-        <p:nvSpPr>
-          <p:cNvPr id="3" name="제목 2"/>
-          <p:cNvSpPr>
-            <a:spLocks noGrp="1"/>
-          </p:cNvSpPr>
-          <p:nvPr>
-            <p:ph type="title"/>
-          </p:nvPr>
-        </p:nvSpPr>
-        <p:spPr>
-          <a:xfrm>
-            <a:off x="344097" y="2355726"/>
-            <a:ext cx="8368363" cy="495383"/>
-          </a:xfrm>
-        </p:spPr>
-        <p:txBody>
-          <a:bodyPr/>
-          <a:lstStyle/>
-          <a:p>
-            <a:r>
-              <a:rPr lang="en-US" altLang="ko-KR" sz="4000" dirty="0" smtClean="0">
-                <a:ln w="0"/>
-                <a:solidFill>
-                  <a:schemeClr val="tx1"/>
-                </a:solidFill>
-                <a:effectLst>
-                  <a:outerShdw blurRad="38100" dist="19050" dir="2700000" algn="tl" rotWithShape="0">
-                    <a:schemeClr val="dk1">
-                      <a:alpha val="40000"/>
-                    </a:schemeClr>
-                  </a:outerShdw>
-                </a:effectLst>
-              </a:rPr>
-              <a:t>Q&amp;A</a:t>
-            </a:r>
-            <a:endParaRPr lang="ko-KR" altLang="en-US" sz="4000" dirty="0">
-              <a:ln w="0"/>
-              <a:solidFill>
-                <a:schemeClr val="tx1"/>
-              </a:solidFill>
-              <a:effectLst>
-                <a:outerShdw blurRad="38100" dist="19050" dir="2700000" algn="tl" rotWithShape="0">
-                  <a:schemeClr val="dk1">
-                    <a:alpha val="40000"/>
-                  </a:schemeClr>
-                </a:outerShdw>
-              </a:effectLst>
-            </a:endParaRPr>
-          </a:p>
-        </p:txBody>
-      </p:sp>
-    </p:spTree>
-  </p:cSld>
-  <p:clrMapOvr>
-    <a:masterClrMapping/>
-  </p:clrMapOvr>
+  <mc:AlternateContent xmlns:mc="http://schemas.openxmlformats.org/markup-compatibility/2006">
+    <mc:Choice xmlns:p14="http://schemas.microsoft.com/office/powerpoint/2010/main" Requires="p14">
+      <p:transition spd="slow" p14:dur="2000" advTm="5000"/>
+    </mc:Choice>
+    <mc:Fallback>
+      <p:transition spd="slow" advTm="5000"/>
+    </mc:Fallback>
+  </mc:AlternateContent>
   <p:timing>
     <p:tnLst>
       <p:par>
@@ -23504,7 +23939,7 @@
   <p:clrMapOvr>
     <a:masterClrMapping/>
   </p:clrMapOvr>
-  <p:transition>
+  <p:transition advTm="6000">
     <p:cut/>
   </p:transition>
   <p:timing>
@@ -24609,7 +25044,7 @@
 </file>
 
 <file path=ppt/slides/slide3.xml><?xml version="1.0" encoding="utf-8"?>
-<p:sld xmlns:a="http://schemas.openxmlformats.org/drawingml/2006/main" xmlns:r="http://schemas.openxmlformats.org/officeDocument/2006/relationships" xmlns:p="http://schemas.openxmlformats.org/presentationml/2006/main">
+<p:sld xmlns:a="http://schemas.openxmlformats.org/drawingml/2006/main" xmlns:r="http://schemas.openxmlformats.org/officeDocument/2006/relationships" xmlns:p="http://schemas.openxmlformats.org/presentationml/2006/main" showMasterSp="0">
   <p:cSld>
     <p:spTree>
       <p:nvGrpSpPr>
@@ -24886,240 +25321,270 @@
           </a:p>
         </p:txBody>
       </p:sp>
-      <p:pic>
-        <p:nvPicPr>
-          <p:cNvPr id="16" name="Picture 5"/>
-          <p:cNvPicPr>
-            <a:picLocks noChangeAspect="1" noChangeArrowheads="1"/>
-          </p:cNvPicPr>
+      <p:grpSp>
+        <p:nvGrpSpPr>
+          <p:cNvPr id="10" name="그룹 9"/>
+          <p:cNvGrpSpPr/>
           <p:nvPr/>
-        </p:nvPicPr>
-        <p:blipFill rotWithShape="1">
-          <a:blip r:embed="rId3"/>
-          <a:srcRect/>
-          <a:stretch>
-            <a:fillRect/>
-          </a:stretch>
-        </p:blipFill>
-        <p:spPr>
+        </p:nvGrpSpPr>
+        <p:grpSpPr>
           <a:xfrm>
-            <a:off x="4767440" y="3128610"/>
-            <a:ext cx="1415750" cy="763684"/>
+            <a:off x="4109255" y="2626907"/>
+            <a:ext cx="2899063" cy="1851166"/>
+            <a:chOff x="4109255" y="2626907"/>
+            <a:chExt cx="2899063" cy="1851166"/>
           </a:xfrm>
-          <a:prstGeom prst="rect">
-            <a:avLst/>
-          </a:prstGeom>
-          <a:noFill/>
-          <a:ln>
-            <a:noFill/>
-          </a:ln>
-        </p:spPr>
-      </p:pic>
-      <p:sp>
-        <p:nvSpPr>
-          <p:cNvPr id="20" name="TextBox 19"/>
-          <p:cNvSpPr txBox="1"/>
-          <p:nvPr/>
-        </p:nvSpPr>
-        <p:spPr>
-          <a:xfrm>
-            <a:off x="4743030" y="2664811"/>
-            <a:ext cx="1440160" cy="415498"/>
-          </a:xfrm>
-          <a:prstGeom prst="rect">
-            <a:avLst/>
-          </a:prstGeom>
-        </p:spPr>
-        <p:txBody>
-          <a:bodyPr wrap="square" lIns="0" tIns="0" rIns="0" bIns="0" rtlCol="0" anchor="ctr">
-            <a:spAutoFit/>
-          </a:bodyPr>
-          <a:lstStyle/>
-          <a:p>
-            <a:pPr marL="0" indent="0">
-              <a:lnSpc>
-                <a:spcPct val="150000"/>
-              </a:lnSpc>
-              <a:buNone/>
-            </a:pPr>
-            <a:r>
-              <a:rPr lang="en-US" altLang="ko-KR" b="1" dirty="0">
-                <a:latin typeface="+mj-lt"/>
-              </a:rPr>
-              <a:t>2</a:t>
-            </a:r>
-            <a:r>
-              <a:rPr lang="en-US" altLang="ko-KR" b="1" dirty="0" smtClean="0">
-                <a:solidFill>
-                  <a:schemeClr val="tx1"/>
-                </a:solidFill>
-                <a:latin typeface="+mj-lt"/>
-              </a:rPr>
-              <a:t>. </a:t>
-            </a:r>
-            <a:r>
-              <a:rPr lang="en-US" altLang="ko-KR" b="1" dirty="0" smtClean="0">
-                <a:latin typeface="+mj-lt"/>
-              </a:rPr>
-              <a:t>IKEA Place</a:t>
-            </a:r>
-            <a:endParaRPr lang="ko-KR" altLang="en-US" b="1" dirty="0" smtClean="0">
-              <a:solidFill>
-                <a:schemeClr val="tx1"/>
-              </a:solidFill>
-              <a:latin typeface="+mj-lt"/>
-            </a:endParaRPr>
-          </a:p>
-        </p:txBody>
-      </p:sp>
-      <p:sp>
-        <p:nvSpPr>
-          <p:cNvPr id="21" name="TextBox 20"/>
-          <p:cNvSpPr txBox="1"/>
-          <p:nvPr/>
-        </p:nvSpPr>
-        <p:spPr>
-          <a:xfrm>
-            <a:off x="4313038" y="4016408"/>
-            <a:ext cx="2556284" cy="461665"/>
-          </a:xfrm>
-          <a:prstGeom prst="rect">
-            <a:avLst/>
-          </a:prstGeom>
-        </p:spPr>
-        <p:txBody>
-          <a:bodyPr wrap="square" lIns="0" tIns="0" rIns="0" bIns="0" rtlCol="0" anchor="ctr">
-            <a:spAutoFit/>
-          </a:bodyPr>
-          <a:lstStyle/>
-          <a:p>
-            <a:pPr marL="0" indent="0">
-              <a:lnSpc>
-                <a:spcPct val="150000"/>
-              </a:lnSpc>
-              <a:buNone/>
-            </a:pPr>
-            <a:r>
-              <a:rPr lang="en-US" altLang="ko-KR" sz="1000" b="1" dirty="0" smtClean="0">
-                <a:latin typeface="+mj-lt"/>
-              </a:rPr>
-              <a:t>Application</a:t>
-            </a:r>
-            <a:r>
-              <a:rPr lang="ko-KR" altLang="en-US" sz="1000" b="1" dirty="0" smtClean="0">
-                <a:latin typeface="+mj-lt"/>
-              </a:rPr>
-              <a:t>을 다운 받아야 하는 번거로움</a:t>
-            </a:r>
-            <a:endParaRPr lang="en-US" altLang="ko-KR" sz="1000" b="1" dirty="0" smtClean="0">
-              <a:latin typeface="+mj-lt"/>
-            </a:endParaRPr>
-          </a:p>
-          <a:p>
-            <a:pPr marL="0" indent="0">
-              <a:lnSpc>
-                <a:spcPct val="150000"/>
-              </a:lnSpc>
-              <a:buNone/>
-            </a:pPr>
-            <a:r>
-              <a:rPr lang="ko-KR" altLang="en-US" sz="1000" b="1" dirty="0" smtClean="0">
-                <a:latin typeface="+mj-lt"/>
-              </a:rPr>
-              <a:t>특정 회사 제품만 있음</a:t>
-            </a:r>
-            <a:endParaRPr lang="en-US" altLang="ko-KR" sz="1000" b="1" dirty="0" smtClean="0">
-              <a:latin typeface="+mj-lt"/>
-            </a:endParaRPr>
-          </a:p>
-        </p:txBody>
-      </p:sp>
-      <p:sp>
-        <p:nvSpPr>
-          <p:cNvPr id="7" name="직사각형 6"/>
-          <p:cNvSpPr/>
-          <p:nvPr/>
-        </p:nvSpPr>
-        <p:spPr>
-          <a:xfrm>
-            <a:off x="4109255" y="2664811"/>
-            <a:ext cx="51914" cy="1813261"/>
-          </a:xfrm>
-          <a:prstGeom prst="rect">
-            <a:avLst/>
-          </a:prstGeom>
-          <a:ln/>
-        </p:spPr>
-        <p:style>
-          <a:lnRef idx="0">
-            <a:schemeClr val="accent1"/>
-          </a:lnRef>
-          <a:fillRef idx="3">
-            <a:schemeClr val="accent1"/>
-          </a:fillRef>
-          <a:effectRef idx="3">
-            <a:schemeClr val="accent1"/>
-          </a:effectRef>
-          <a:fontRef idx="minor">
-            <a:schemeClr val="lt1"/>
-          </a:fontRef>
-        </p:style>
-        <p:txBody>
-          <a:bodyPr vert="horz" wrap="square" lIns="91440" tIns="45720" rIns="91440" bIns="45720" numCol="1" rtlCol="0" anchor="t" anchorCtr="0" compatLnSpc="1">
-            <a:prstTxWarp prst="textNoShape">
+        </p:grpSpPr>
+        <p:sp>
+          <p:nvSpPr>
+            <p:cNvPr id="7" name="직사각형 6"/>
+            <p:cNvSpPr/>
+            <p:nvPr/>
+          </p:nvSpPr>
+          <p:spPr>
+            <a:xfrm>
+              <a:off x="4109255" y="2664811"/>
+              <a:ext cx="51914" cy="1813261"/>
+            </a:xfrm>
+            <a:prstGeom prst="rect">
               <a:avLst/>
-            </a:prstTxWarp>
-          </a:bodyPr>
-          <a:lstStyle/>
-          <a:p>
-            <a:pPr algn="ctr"/>
-            <a:endParaRPr lang="ko-KR" altLang="en-US" dirty="0" smtClean="0"/>
-          </a:p>
-        </p:txBody>
-      </p:sp>
-      <p:sp>
-        <p:nvSpPr>
-          <p:cNvPr id="22" name="직사각형 21"/>
-          <p:cNvSpPr/>
-          <p:nvPr/>
-        </p:nvSpPr>
-        <p:spPr>
-          <a:xfrm>
-            <a:off x="6956404" y="2661648"/>
-            <a:ext cx="51914" cy="1813261"/>
-          </a:xfrm>
-          <a:prstGeom prst="rect">
-            <a:avLst/>
-          </a:prstGeom>
-          <a:ln/>
-        </p:spPr>
-        <p:style>
-          <a:lnRef idx="0">
-            <a:schemeClr val="accent1"/>
-          </a:lnRef>
-          <a:fillRef idx="3">
-            <a:schemeClr val="accent1"/>
-          </a:fillRef>
-          <a:effectRef idx="3">
-            <a:schemeClr val="accent1"/>
-          </a:effectRef>
-          <a:fontRef idx="minor">
-            <a:schemeClr val="lt1"/>
-          </a:fontRef>
-        </p:style>
-        <p:txBody>
-          <a:bodyPr vert="horz" wrap="square" lIns="91440" tIns="45720" rIns="91440" bIns="45720" numCol="1" rtlCol="0" anchor="t" anchorCtr="0" compatLnSpc="1">
-            <a:prstTxWarp prst="textNoShape">
-              <a:avLst/>
-            </a:prstTxWarp>
-          </a:bodyPr>
-          <a:lstStyle/>
-          <a:p>
-            <a:pPr algn="ctr"/>
-            <a:endParaRPr lang="ko-KR" altLang="en-US" dirty="0" smtClean="0"/>
-          </a:p>
-        </p:txBody>
-      </p:sp>
+            </a:prstGeom>
+            <a:ln/>
+          </p:spPr>
+          <p:style>
+            <a:lnRef idx="0">
+              <a:schemeClr val="accent1"/>
+            </a:lnRef>
+            <a:fillRef idx="3">
+              <a:schemeClr val="accent1"/>
+            </a:fillRef>
+            <a:effectRef idx="3">
+              <a:schemeClr val="accent1"/>
+            </a:effectRef>
+            <a:fontRef idx="minor">
+              <a:schemeClr val="lt1"/>
+            </a:fontRef>
+          </p:style>
+          <p:txBody>
+            <a:bodyPr vert="horz" wrap="square" lIns="91440" tIns="45720" rIns="91440" bIns="45720" numCol="1" rtlCol="0" anchor="t" anchorCtr="0" compatLnSpc="1">
+              <a:prstTxWarp prst="textNoShape">
+                <a:avLst/>
+              </a:prstTxWarp>
+            </a:bodyPr>
+            <a:lstStyle/>
+            <a:p>
+              <a:pPr algn="ctr"/>
+              <a:endParaRPr lang="ko-KR" altLang="en-US" dirty="0" smtClean="0"/>
+            </a:p>
+          </p:txBody>
+        </p:sp>
+        <p:grpSp>
+          <p:nvGrpSpPr>
+            <p:cNvPr id="9" name="그룹 8"/>
+            <p:cNvGrpSpPr/>
+            <p:nvPr/>
+          </p:nvGrpSpPr>
+          <p:grpSpPr>
+            <a:xfrm>
+              <a:off x="4313038" y="2626907"/>
+              <a:ext cx="2695280" cy="1851166"/>
+              <a:chOff x="4313038" y="2626907"/>
+              <a:chExt cx="2695280" cy="1851166"/>
+            </a:xfrm>
+          </p:grpSpPr>
+          <p:pic>
+            <p:nvPicPr>
+              <p:cNvPr id="16" name="Picture 5"/>
+              <p:cNvPicPr>
+                <a:picLocks noChangeAspect="1" noChangeArrowheads="1"/>
+              </p:cNvPicPr>
+              <p:nvPr/>
+            </p:nvPicPr>
+            <p:blipFill rotWithShape="1">
+              <a:blip r:embed="rId3"/>
+              <a:srcRect/>
+              <a:stretch>
+                <a:fillRect/>
+              </a:stretch>
+            </p:blipFill>
+            <p:spPr>
+              <a:xfrm>
+                <a:off x="4767440" y="3128610"/>
+                <a:ext cx="1415750" cy="763684"/>
+              </a:xfrm>
+              <a:prstGeom prst="rect">
+                <a:avLst/>
+              </a:prstGeom>
+              <a:noFill/>
+              <a:ln>
+                <a:noFill/>
+              </a:ln>
+            </p:spPr>
+          </p:pic>
+          <p:sp>
+            <p:nvSpPr>
+              <p:cNvPr id="20" name="TextBox 19"/>
+              <p:cNvSpPr txBox="1"/>
+              <p:nvPr/>
+            </p:nvSpPr>
+            <p:spPr>
+              <a:xfrm>
+                <a:off x="4688152" y="2626907"/>
+                <a:ext cx="1440160" cy="415498"/>
+              </a:xfrm>
+              <a:prstGeom prst="rect">
+                <a:avLst/>
+              </a:prstGeom>
+            </p:spPr>
+            <p:txBody>
+              <a:bodyPr wrap="square" lIns="0" tIns="0" rIns="0" bIns="0" rtlCol="0" anchor="ctr">
+                <a:spAutoFit/>
+              </a:bodyPr>
+              <a:lstStyle/>
+              <a:p>
+                <a:pPr marL="0" indent="0">
+                  <a:lnSpc>
+                    <a:spcPct val="150000"/>
+                  </a:lnSpc>
+                  <a:buNone/>
+                </a:pPr>
+                <a:r>
+                  <a:rPr lang="en-US" altLang="ko-KR" b="1" dirty="0">
+                    <a:latin typeface="+mj-lt"/>
+                  </a:rPr>
+                  <a:t>2</a:t>
+                </a:r>
+                <a:r>
+                  <a:rPr lang="en-US" altLang="ko-KR" b="1" dirty="0" smtClean="0">
+                    <a:solidFill>
+                      <a:schemeClr val="tx1"/>
+                    </a:solidFill>
+                    <a:latin typeface="+mj-lt"/>
+                  </a:rPr>
+                  <a:t>. </a:t>
+                </a:r>
+                <a:r>
+                  <a:rPr lang="en-US" altLang="ko-KR" b="1" dirty="0" smtClean="0">
+                    <a:latin typeface="+mj-lt"/>
+                  </a:rPr>
+                  <a:t>IKEA Place</a:t>
+                </a:r>
+                <a:endParaRPr lang="ko-KR" altLang="en-US" b="1" dirty="0" smtClean="0">
+                  <a:solidFill>
+                    <a:schemeClr val="tx1"/>
+                  </a:solidFill>
+                  <a:latin typeface="+mj-lt"/>
+                </a:endParaRPr>
+              </a:p>
+            </p:txBody>
+          </p:sp>
+          <p:sp>
+            <p:nvSpPr>
+              <p:cNvPr id="21" name="TextBox 20"/>
+              <p:cNvSpPr txBox="1"/>
+              <p:nvPr/>
+            </p:nvSpPr>
+            <p:spPr>
+              <a:xfrm>
+                <a:off x="4313038" y="4016408"/>
+                <a:ext cx="2556284" cy="461665"/>
+              </a:xfrm>
+              <a:prstGeom prst="rect">
+                <a:avLst/>
+              </a:prstGeom>
+            </p:spPr>
+            <p:txBody>
+              <a:bodyPr wrap="square" lIns="0" tIns="0" rIns="0" bIns="0" rtlCol="0" anchor="ctr">
+                <a:spAutoFit/>
+              </a:bodyPr>
+              <a:lstStyle/>
+              <a:p>
+                <a:pPr marL="0" indent="0">
+                  <a:lnSpc>
+                    <a:spcPct val="150000"/>
+                  </a:lnSpc>
+                  <a:buNone/>
+                </a:pPr>
+                <a:r>
+                  <a:rPr lang="en-US" altLang="ko-KR" sz="1000" b="1" dirty="0" smtClean="0">
+                    <a:latin typeface="+mj-lt"/>
+                  </a:rPr>
+                  <a:t>Application</a:t>
+                </a:r>
+                <a:r>
+                  <a:rPr lang="ko-KR" altLang="en-US" sz="1000" b="1" dirty="0" smtClean="0">
+                    <a:latin typeface="+mj-lt"/>
+                  </a:rPr>
+                  <a:t>을 다운 받아야 하는 번거로움</a:t>
+                </a:r>
+                <a:endParaRPr lang="en-US" altLang="ko-KR" sz="1000" b="1" dirty="0" smtClean="0">
+                  <a:latin typeface="+mj-lt"/>
+                </a:endParaRPr>
+              </a:p>
+              <a:p>
+                <a:pPr marL="0" indent="0">
+                  <a:lnSpc>
+                    <a:spcPct val="150000"/>
+                  </a:lnSpc>
+                  <a:buNone/>
+                </a:pPr>
+                <a:r>
+                  <a:rPr lang="ko-KR" altLang="en-US" sz="1000" b="1" dirty="0" smtClean="0">
+                    <a:latin typeface="+mj-lt"/>
+                  </a:rPr>
+                  <a:t>특정 회사 제품만 있음</a:t>
+                </a:r>
+                <a:endParaRPr lang="en-US" altLang="ko-KR" sz="1000" b="1" dirty="0" smtClean="0">
+                  <a:latin typeface="+mj-lt"/>
+                </a:endParaRPr>
+              </a:p>
+            </p:txBody>
+          </p:sp>
+          <p:sp>
+            <p:nvSpPr>
+              <p:cNvPr id="22" name="직사각형 21"/>
+              <p:cNvSpPr/>
+              <p:nvPr/>
+            </p:nvSpPr>
+            <p:spPr>
+              <a:xfrm>
+                <a:off x="6956404" y="2661648"/>
+                <a:ext cx="51914" cy="1813261"/>
+              </a:xfrm>
+              <a:prstGeom prst="rect">
+                <a:avLst/>
+              </a:prstGeom>
+              <a:ln/>
+            </p:spPr>
+            <p:style>
+              <a:lnRef idx="0">
+                <a:schemeClr val="accent1"/>
+              </a:lnRef>
+              <a:fillRef idx="3">
+                <a:schemeClr val="accent1"/>
+              </a:fillRef>
+              <a:effectRef idx="3">
+                <a:schemeClr val="accent1"/>
+              </a:effectRef>
+              <a:fontRef idx="minor">
+                <a:schemeClr val="lt1"/>
+              </a:fontRef>
+            </p:style>
+            <p:txBody>
+              <a:bodyPr vert="horz" wrap="square" lIns="91440" tIns="45720" rIns="91440" bIns="45720" numCol="1" rtlCol="0" anchor="t" anchorCtr="0" compatLnSpc="1">
+                <a:prstTxWarp prst="textNoShape">
+                  <a:avLst/>
+                </a:prstTxWarp>
+              </a:bodyPr>
+              <a:lstStyle/>
+              <a:p>
+                <a:pPr algn="ctr"/>
+                <a:endParaRPr lang="ko-KR" altLang="en-US" dirty="0" smtClean="0"/>
+              </a:p>
+            </p:txBody>
+          </p:sp>
+        </p:grpSp>
+      </p:grpSp>
       <p:grpSp>
         <p:nvGrpSpPr>
           <p:cNvPr id="8" name="그룹 7"/>
@@ -25301,12 +25766,6 @@
                 </a:rPr>
                 <a:t> 편집하는 귀찮음 있음</a:t>
               </a:r>
-              <a:endParaRPr lang="ko-KR" altLang="en-US" sz="1000" b="1" dirty="0" smtClean="0">
-                <a:solidFill>
-                  <a:schemeClr val="tx1"/>
-                </a:solidFill>
-                <a:latin typeface="+mj-lt"/>
-              </a:endParaRPr>
             </a:p>
           </p:txBody>
         </p:sp>
@@ -25354,6 +25813,106 @@
           </p:txBody>
         </p:sp>
       </p:grpSp>
+      <p:sp>
+        <p:nvSpPr>
+          <p:cNvPr id="24" name="TextBox 23"/>
+          <p:cNvSpPr txBox="1"/>
+          <p:nvPr/>
+        </p:nvSpPr>
+        <p:spPr>
+          <a:xfrm>
+            <a:off x="2483768" y="1816254"/>
+            <a:ext cx="2556284" cy="205184"/>
+          </a:xfrm>
+          <a:prstGeom prst="rect">
+            <a:avLst/>
+          </a:prstGeom>
+        </p:spPr>
+        <p:txBody>
+          <a:bodyPr wrap="square" lIns="0" tIns="0" rIns="0" bIns="0" rtlCol="0" anchor="ctr">
+            <a:spAutoFit/>
+          </a:bodyPr>
+          <a:lstStyle/>
+          <a:p>
+            <a:pPr marL="0" indent="0">
+              <a:lnSpc>
+                <a:spcPct val="150000"/>
+              </a:lnSpc>
+              <a:buNone/>
+            </a:pPr>
+            <a:r>
+              <a:rPr lang="ko-KR" altLang="en-US" sz="1000" b="1" dirty="0" smtClean="0">
+                <a:latin typeface="+mj-lt"/>
+              </a:rPr>
+              <a:t>쉽고 간편한</a:t>
+            </a:r>
+            <a:r>
+              <a:rPr lang="en-US" altLang="ko-KR" sz="1000" b="1" dirty="0" smtClean="0">
+                <a:latin typeface="+mj-lt"/>
+              </a:rPr>
+              <a:t>…</a:t>
+            </a:r>
+            <a:endParaRPr lang="ko-KR" altLang="en-US" sz="1000" b="1" dirty="0" smtClean="0">
+              <a:solidFill>
+                <a:schemeClr val="tx1"/>
+              </a:solidFill>
+              <a:latin typeface="+mj-lt"/>
+            </a:endParaRPr>
+          </a:p>
+        </p:txBody>
+      </p:sp>
+      <p:pic>
+        <p:nvPicPr>
+          <p:cNvPr id="25" name="Picture 7" descr="C:\Users\ptyoi\Desktop\x.png"/>
+          <p:cNvPicPr>
+            <a:picLocks noChangeAspect="1" noChangeArrowheads="1"/>
+          </p:cNvPicPr>
+          <p:nvPr/>
+        </p:nvPicPr>
+        <p:blipFill rotWithShape="1">
+          <a:blip r:embed="rId5"/>
+          <a:srcRect/>
+          <a:stretch>
+            <a:fillRect/>
+          </a:stretch>
+        </p:blipFill>
+        <p:spPr>
+          <a:xfrm>
+            <a:off x="1985987" y="2834656"/>
+            <a:ext cx="1337536" cy="1337536"/>
+          </a:xfrm>
+          <a:prstGeom prst="rect">
+            <a:avLst/>
+          </a:prstGeom>
+          <a:noFill/>
+        </p:spPr>
+      </p:pic>
+      <p:pic>
+        <p:nvPicPr>
+          <p:cNvPr id="26" name="Picture 7" descr="C:\Users\ptyoi\Desktop\x.png"/>
+          <p:cNvPicPr>
+            <a:picLocks noChangeAspect="1" noChangeArrowheads="1"/>
+          </p:cNvPicPr>
+          <p:nvPr/>
+        </p:nvPicPr>
+        <p:blipFill rotWithShape="1">
+          <a:blip r:embed="rId5"/>
+          <a:srcRect/>
+          <a:stretch>
+            <a:fillRect/>
+          </a:stretch>
+        </p:blipFill>
+        <p:spPr>
+          <a:xfrm>
+            <a:off x="4806547" y="2783664"/>
+            <a:ext cx="1337536" cy="1337536"/>
+          </a:xfrm>
+          <a:prstGeom prst="rect">
+            <a:avLst/>
+          </a:prstGeom>
+          <a:noFill/>
+        </p:spPr>
+      </p:pic>
     </p:spTree>
     <p:extLst>
       <p:ext uri="{BB962C8B-B14F-4D97-AF65-F5344CB8AC3E}">
@@ -25364,7 +25923,7 @@
   <p:clrMapOvr>
     <a:masterClrMapping/>
   </p:clrMapOvr>
-  <p:transition>
+  <p:transition advTm="11000">
     <p:cut/>
   </p:transition>
   <p:timing>
@@ -25379,6 +25938,9 @@
                     <p:cTn id="3" fill="hold">
                       <p:stCondLst>
                         <p:cond delay="indefinite"/>
+                        <p:cond evt="onBegin" delay="0">
+                          <p:tn val="2"/>
+                        </p:cond>
                       </p:stCondLst>
                       <p:childTnLst>
                         <p:par>
@@ -25388,9 +25950,9 @@
                             </p:stCondLst>
                             <p:childTnLst>
                               <p:par>
-                                <p:cTn id="5" presetID="10" presetClass="entr" presetSubtype="0" fill="hold" nodeType="clickEffect">
+                                <p:cTn id="5" presetID="10" presetClass="entr" presetSubtype="0" fill="hold" nodeType="withEffect">
                                   <p:stCondLst>
-                                    <p:cond delay="0"/>
+                                    <p:cond delay="1500"/>
                                   </p:stCondLst>
                                   <p:childTnLst>
                                     <p:set>
@@ -25425,36 +25987,66 @@
                             </p:childTnLst>
                           </p:cTn>
                         </p:par>
-                      </p:childTnLst>
-                    </p:cTn>
-                  </p:par>
-                  <p:par>
-                    <p:cTn id="8" fill="hold">
-                      <p:stCondLst>
-                        <p:cond delay="indefinite"/>
-                      </p:stCondLst>
-                      <p:childTnLst>
                         <p:par>
-                          <p:cTn id="9" fill="hold">
+                          <p:cTn id="8" fill="hold">
                             <p:stCondLst>
-                              <p:cond delay="0"/>
+                              <p:cond delay="2000"/>
                             </p:stCondLst>
                             <p:childTnLst>
                               <p:par>
-                                <p:cTn id="10" presetID="10" presetClass="entr" presetSubtype="0" fill="hold" grpId="0" nodeType="clickEffect">
+                                <p:cTn id="9" presetID="16" presetClass="entr" presetSubtype="37" fill="hold" nodeType="afterEffect">
                                   <p:stCondLst>
-                                    <p:cond delay="0"/>
+                                    <p:cond delay="2500"/>
                                   </p:stCondLst>
                                   <p:childTnLst>
                                     <p:set>
                                       <p:cBhvr>
-                                        <p:cTn id="11" dur="1" fill="hold">
+                                        <p:cTn id="10" dur="1" fill="hold">
                                           <p:stCondLst>
                                             <p:cond delay="0"/>
                                           </p:stCondLst>
                                         </p:cTn>
                                         <p:tgtEl>
-                                          <p:spTgt spid="7"/>
+                                          <p:spTgt spid="25"/>
+                                        </p:tgtEl>
+                                        <p:attrNameLst>
+                                          <p:attrName>style.visibility</p:attrName>
+                                        </p:attrNameLst>
+                                      </p:cBhvr>
+                                      <p:to>
+                                        <p:strVal val="visible"/>
+                                      </p:to>
+                                    </p:set>
+                                    <p:animEffect transition="in" filter="barn(outVertical)">
+                                      <p:cBhvr>
+                                        <p:cTn id="11" dur="500" fill="hold">
+                                          <p:stCondLst>
+                                            <p:cond delay="0"/>
+                                          </p:stCondLst>
+                                        </p:cTn>
+                                        <p:tgtEl>
+                                          <p:spTgt spid="25"/>
+                                        </p:tgtEl>
+                                      </p:cBhvr>
+                                    </p:animEffect>
+                                  </p:childTnLst>
+                                </p:cTn>
+                              </p:par>
+                              <p:par>
+                                <p:cTn id="12" presetID="10" presetClass="entr" presetSubtype="0" fill="hold" nodeType="withEffect">
+                                  <p:stCondLst>
+                                    <p:cond delay="4000"/>
+                                  </p:stCondLst>
+                                  <p:childTnLst>
+                                    <p:set>
+                                      <p:cBhvr>
+                                        <p:cTn id="13" dur="1" fill="hold">
+                                          <p:stCondLst>
+                                            <p:cond delay="0"/>
+                                          </p:stCondLst>
+                                        </p:cTn>
+                                        <p:tgtEl>
+                                          <p:spTgt spid="10"/>
                                         </p:tgtEl>
                                         <p:attrNameLst>
                                           <p:attrName>style.visibility</p:attrName>
@@ -25466,54 +26058,28 @@
                                     </p:set>
                                     <p:animEffect transition="in" filter="fade">
                                       <p:cBhvr>
-                                        <p:cTn id="12" dur="500"/>
+                                        <p:cTn id="14" dur="500"/>
                                         <p:tgtEl>
-                                          <p:spTgt spid="7"/>
+                                          <p:spTgt spid="10"/>
                                         </p:tgtEl>
                                       </p:cBhvr>
                                     </p:animEffect>
                                   </p:childTnLst>
                                 </p:cTn>
                               </p:par>
+                            </p:childTnLst>
+                          </p:cTn>
+                        </p:par>
+                        <p:par>
+                          <p:cTn id="15" fill="hold">
+                            <p:stCondLst>
+                              <p:cond delay="6500"/>
+                            </p:stCondLst>
+                            <p:childTnLst>
                               <p:par>
-                                <p:cTn id="13" presetID="10" presetClass="entr" presetSubtype="0" fill="hold" grpId="0" nodeType="withEffect">
+                                <p:cTn id="16" presetID="16" presetClass="entr" presetSubtype="37" fill="hold" nodeType="afterEffect">
                                   <p:stCondLst>
-                                    <p:cond delay="0"/>
-                                  </p:stCondLst>
-                                  <p:childTnLst>
-                                    <p:set>
-                                      <p:cBhvr>
-                                        <p:cTn id="14" dur="1" fill="hold">
-                                          <p:stCondLst>
-                                            <p:cond delay="0"/>
-                                          </p:stCondLst>
-                                        </p:cTn>
-                                        <p:tgtEl>
-                                          <p:spTgt spid="22"/>
-                                        </p:tgtEl>
-                                        <p:attrNameLst>
-                                          <p:attrName>style.visibility</p:attrName>
-                                        </p:attrNameLst>
-                                      </p:cBhvr>
-                                      <p:to>
-                                        <p:strVal val="visible"/>
-                                      </p:to>
-                                    </p:set>
-                                    <p:animEffect transition="in" filter="fade">
-                                      <p:cBhvr>
-                                        <p:cTn id="15" dur="500"/>
-                                        <p:tgtEl>
-                                          <p:spTgt spid="22"/>
-                                        </p:tgtEl>
-                                      </p:cBhvr>
-                                    </p:animEffect>
-                                  </p:childTnLst>
-                                </p:cTn>
-                              </p:par>
-                              <p:par>
-                                <p:cTn id="16" presetID="10" presetClass="entr" presetSubtype="0" fill="hold" grpId="0" nodeType="withEffect">
-                                  <p:stCondLst>
-                                    <p:cond delay="0"/>
+                                    <p:cond delay="2500"/>
                                   </p:stCondLst>
                                   <p:childTnLst>
                                     <p:set>
@@ -25524,7 +26090,7 @@
                                           </p:stCondLst>
                                         </p:cTn>
                                         <p:tgtEl>
-                                          <p:spTgt spid="20"/>
+                                          <p:spTgt spid="26"/>
                                         </p:tgtEl>
                                         <p:attrNameLst>
                                           <p:attrName>style.visibility</p:attrName>
@@ -25534,81 +26100,15 @@
                                         <p:strVal val="visible"/>
                                       </p:to>
                                     </p:set>
-                                    <p:animEffect transition="in" filter="fade">
+                                    <p:animEffect transition="in" filter="barn(outVertical)">
                                       <p:cBhvr>
-                                        <p:cTn id="18" dur="500"/>
-                                        <p:tgtEl>
-                                          <p:spTgt spid="20"/>
-                                        </p:tgtEl>
-                                      </p:cBhvr>
-                                    </p:animEffect>
-                                  </p:childTnLst>
-                                </p:cTn>
-                              </p:par>
-                              <p:par>
-                                <p:cTn id="19" presetID="10" presetClass="entr" presetSubtype="0" fill="hold" nodeType="withEffect">
-                                  <p:stCondLst>
-                                    <p:cond delay="0"/>
-                                  </p:stCondLst>
-                                  <p:childTnLst>
-                                    <p:set>
-                                      <p:cBhvr>
-                                        <p:cTn id="20" dur="1" fill="hold">
+                                        <p:cTn id="18" dur="500" fill="hold">
                                           <p:stCondLst>
                                             <p:cond delay="0"/>
                                           </p:stCondLst>
                                         </p:cTn>
                                         <p:tgtEl>
-                                          <p:spTgt spid="16"/>
-                                        </p:tgtEl>
-                                        <p:attrNameLst>
-                                          <p:attrName>style.visibility</p:attrName>
-                                        </p:attrNameLst>
-                                      </p:cBhvr>
-                                      <p:to>
-                                        <p:strVal val="visible"/>
-                                      </p:to>
-                                    </p:set>
-                                    <p:animEffect transition="in" filter="fade">
-                                      <p:cBhvr>
-                                        <p:cTn id="21" dur="500"/>
-                                        <p:tgtEl>
-                                          <p:spTgt spid="16"/>
-                                        </p:tgtEl>
-                                      </p:cBhvr>
-                                    </p:animEffect>
-                                  </p:childTnLst>
-                                </p:cTn>
-                              </p:par>
-                              <p:par>
-                                <p:cTn id="22" presetID="10" presetClass="entr" presetSubtype="0" fill="hold" grpId="0" nodeType="withEffect">
-                                  <p:stCondLst>
-                                    <p:cond delay="0"/>
-                                  </p:stCondLst>
-                                  <p:childTnLst>
-                                    <p:set>
-                                      <p:cBhvr>
-                                        <p:cTn id="23" dur="1" fill="hold">
-                                          <p:stCondLst>
-                                            <p:cond delay="0"/>
-                                          </p:stCondLst>
-                                        </p:cTn>
-                                        <p:tgtEl>
-                                          <p:spTgt spid="21"/>
-                                        </p:tgtEl>
-                                        <p:attrNameLst>
-                                          <p:attrName>style.visibility</p:attrName>
-                                        </p:attrNameLst>
-                                      </p:cBhvr>
-                                      <p:to>
-                                        <p:strVal val="visible"/>
-                                      </p:to>
-                                    </p:set>
-                                    <p:animEffect transition="in" filter="fade">
-                                      <p:cBhvr>
-                                        <p:cTn id="24" dur="500"/>
-                                        <p:tgtEl>
-                                          <p:spTgt spid="21"/>
+                                          <p:spTgt spid="26"/>
                                         </p:tgtEl>
                                       </p:cBhvr>
                                     </p:animEffect>
@@ -25642,12 +26142,6 @@
         </p:cTn>
       </p:par>
     </p:tnLst>
-    <p:bldLst>
-      <p:bldP spid="20" grpId="0"/>
-      <p:bldP spid="21" grpId="0"/>
-      <p:bldP spid="7" grpId="0" animBg="1"/>
-      <p:bldP spid="22" grpId="0" animBg="1"/>
-    </p:bldLst>
   </p:timing>
 </p:sld>
 </file>
@@ -25966,9 +26460,18 @@
   <p:clrMapOvr>
     <a:masterClrMapping/>
   </p:clrMapOvr>
-  <p:transition>
-    <p:cut/>
-  </p:transition>
+  <mc:AlternateContent xmlns:mc="http://schemas.openxmlformats.org/markup-compatibility/2006">
+    <mc:Choice xmlns:p14="http://schemas.microsoft.com/office/powerpoint/2010/main" Requires="p14">
+      <p:transition spd="med" p14:dur="700" advTm="5000">
+        <p:fade/>
+      </p:transition>
+    </mc:Choice>
+    <mc:Fallback>
+      <p:transition spd="med" advTm="5000">
+        <p:fade/>
+      </p:transition>
+    </mc:Fallback>
+  </mc:AlternateContent>
   <p:timing>
     <p:tnLst>
       <p:par>
@@ -25981,6 +26484,9 @@
                     <p:cTn id="3" fill="hold">
                       <p:stCondLst>
                         <p:cond delay="indefinite"/>
+                        <p:cond evt="onBegin" delay="0">
+                          <p:tn val="2"/>
+                        </p:cond>
                       </p:stCondLst>
                       <p:childTnLst>
                         <p:par>
@@ -25990,9 +26496,9 @@
                             </p:stCondLst>
                             <p:childTnLst>
                               <p:par>
-                                <p:cTn id="5" presetID="1" presetClass="mediacall" presetSubtype="0" fill="hold" nodeType="clickEffect">
+                                <p:cTn id="5" presetID="1" presetClass="mediacall" presetSubtype="0" fill="hold" nodeType="afterEffect">
                                   <p:stCondLst>
-                                    <p:cond delay="0"/>
+                                    <p:cond delay="100"/>
                                   </p:stCondLst>
                                   <p:childTnLst>
                                     <p:cmd type="call" cmd="playFrom(0.0)">
@@ -26050,409 +26556,6 @@
 </file>
 
 <file path=ppt/slides/slide5.xml><?xml version="1.0" encoding="utf-8"?>
-<p:sld xmlns:a="http://schemas.openxmlformats.org/drawingml/2006/main" xmlns:r="http://schemas.openxmlformats.org/officeDocument/2006/relationships" xmlns:p="http://schemas.openxmlformats.org/presentationml/2006/main" showMasterSp="0">
-  <p:cSld>
-    <p:spTree>
-      <p:nvGrpSpPr>
-        <p:cNvPr id="1" name=""/>
-        <p:cNvGrpSpPr/>
-        <p:nvPr/>
-      </p:nvGrpSpPr>
-      <p:grpSpPr>
-        <a:xfrm>
-          <a:off x="0" y="0"/>
-          <a:ext cx="0" cy="0"/>
-          <a:chOff x="0" y="0"/>
-          <a:chExt cx="0" cy="0"/>
-        </a:xfrm>
-      </p:grpSpPr>
-      <p:sp>
-        <p:nvSpPr>
-          <p:cNvPr id="7" name="TextBox 6"/>
-          <p:cNvSpPr txBox="1"/>
-          <p:nvPr/>
-        </p:nvSpPr>
-        <p:spPr>
-          <a:xfrm>
-            <a:off x="990600" y="1039837"/>
-            <a:ext cx="1796415" cy="307777"/>
-          </a:xfrm>
-          <a:prstGeom prst="rect">
-            <a:avLst/>
-          </a:prstGeom>
-          <a:noFill/>
-        </p:spPr>
-        <p:txBody>
-          <a:bodyPr wrap="none">
-            <a:spAutoFit/>
-          </a:bodyPr>
-          <a:lstStyle/>
-          <a:p>
-            <a:pPr lvl="0">
-              <a:defRPr lang="ko-KR" altLang="en-US"/>
-            </a:pPr>
-            <a:r>
-              <a:rPr lang="ko-KR" altLang="en-US" sz="1400" dirty="0" err="1">
-                <a:latin typeface="+mn-lt"/>
-                <a:ea typeface="+mn-ea"/>
-                <a:cs typeface="+mn-cs"/>
-              </a:rPr>
-              <a:t>호남팀의</a:t>
-            </a:r>
-            <a:r>
-              <a:rPr lang="ko-KR" altLang="en-US" sz="1400" dirty="0">
-                <a:latin typeface="+mn-lt"/>
-                <a:ea typeface="+mn-ea"/>
-                <a:cs typeface="+mn-cs"/>
-              </a:rPr>
-              <a:t> </a:t>
-            </a:r>
-            <a:r>
-              <a:rPr lang="en-US" altLang="ko-KR" sz="1400" dirty="0">
-                <a:latin typeface="+mn-lt"/>
-                <a:ea typeface="+mn-ea"/>
-                <a:cs typeface="+mn-cs"/>
-              </a:rPr>
-              <a:t>AR Interior</a:t>
-            </a:r>
-            <a:endParaRPr lang="ko-KR" altLang="en-US" sz="1400" dirty="0">
-              <a:latin typeface="+mn-lt"/>
-              <a:ea typeface="+mn-ea"/>
-              <a:cs typeface="+mn-cs"/>
-            </a:endParaRPr>
-          </a:p>
-        </p:txBody>
-      </p:sp>
-      <p:sp>
-        <p:nvSpPr>
-          <p:cNvPr id="10" name="Title 3"/>
-          <p:cNvSpPr>
-            <a:spLocks noGrp="1"/>
-          </p:cNvSpPr>
-          <p:nvPr>
-            <p:ph type="title"/>
-          </p:nvPr>
-        </p:nvSpPr>
-        <p:spPr>
-          <a:xfrm>
-            <a:off x="1295400" y="285750"/>
-            <a:ext cx="5548963" cy="495383"/>
-          </a:xfrm>
-        </p:spPr>
-        <p:txBody>
-          <a:bodyPr/>
-          <a:lstStyle/>
-          <a:p>
-            <a:pPr algn="l">
-              <a:defRPr lang="ko-KR" altLang="en-US"/>
-            </a:pPr>
-            <a:r>
-              <a:rPr lang="ko-KR" altLang="en-US" dirty="0"/>
-              <a:t>해결</a:t>
-            </a:r>
-            <a:endParaRPr lang="en-US" dirty="0"/>
-          </a:p>
-        </p:txBody>
-      </p:sp>
-      <p:pic>
-        <p:nvPicPr>
-          <p:cNvPr id="2" name="semple">
-            <a:hlinkClick r:id="" action="ppaction://media"/>
-          </p:cNvPr>
-          <p:cNvPicPr>
-            <a:picLocks noChangeAspect="1"/>
-          </p:cNvPicPr>
-          <p:nvPr>
-            <a:videoFile r:link="rId2"/>
-            <p:extLst>
-              <p:ext uri="{DAA4B4D4-6D71-4841-9C94-3DE7FCFB9230}">
-                <p14:media xmlns:p14="http://schemas.microsoft.com/office/powerpoint/2010/main" r:embed="rId1"/>
-              </p:ext>
-            </p:extLst>
-          </p:nvPr>
-        </p:nvPicPr>
-        <p:blipFill>
-          <a:blip r:embed="rId4"/>
-          <a:stretch>
-            <a:fillRect/>
-          </a:stretch>
-        </p:blipFill>
-        <p:spPr>
-          <a:xfrm>
-            <a:off x="1290228" y="1474961"/>
-            <a:ext cx="6552491" cy="3300134"/>
-          </a:xfrm>
-          <a:prstGeom prst="rect">
-            <a:avLst/>
-          </a:prstGeom>
-          <a:noFill/>
-          <a:ln>
-            <a:noFill/>
-          </a:ln>
-        </p:spPr>
-      </p:pic>
-      <p:grpSp>
-        <p:nvGrpSpPr>
-          <p:cNvPr id="5" name="Group 5"/>
-          <p:cNvGrpSpPr/>
-          <p:nvPr/>
-        </p:nvGrpSpPr>
-        <p:grpSpPr>
-          <a:xfrm>
-            <a:off x="-12467" y="840674"/>
-            <a:ext cx="7386538" cy="211899"/>
-            <a:chOff x="0" y="2852400"/>
-            <a:chExt cx="7386538" cy="211899"/>
-          </a:xfrm>
-          <a:solidFill>
-            <a:schemeClr val="accent2"/>
-          </a:solidFill>
-        </p:grpSpPr>
-        <p:sp>
-          <p:nvSpPr>
-            <p:cNvPr id="6" name="Freeform 29"/>
-            <p:cNvSpPr/>
-            <p:nvPr/>
-          </p:nvSpPr>
-          <p:spPr>
-            <a:xfrm>
-              <a:off x="6306768" y="2852400"/>
-              <a:ext cx="1079770" cy="211899"/>
-            </a:xfrm>
-            <a:custGeom>
-              <a:avLst/>
-              <a:gdLst>
-                <a:gd name="connsiteX0" fmla="*/ 0 w 7238044"/>
-                <a:gd name="connsiteY0" fmla="*/ 0 h 1420425"/>
-                <a:gd name="connsiteX1" fmla="*/ 1841770 w 7238044"/>
-                <a:gd name="connsiteY1" fmla="*/ 0 h 1420425"/>
-                <a:gd name="connsiteX2" fmla="*/ 5396274 w 7238044"/>
-                <a:gd name="connsiteY2" fmla="*/ 0 h 1420425"/>
-                <a:gd name="connsiteX3" fmla="*/ 7238044 w 7238044"/>
-                <a:gd name="connsiteY3" fmla="*/ 0 h 1420425"/>
-                <a:gd name="connsiteX4" fmla="*/ 6575004 w 7238044"/>
-                <a:gd name="connsiteY4" fmla="*/ 1420425 h 1420425"/>
-                <a:gd name="connsiteX5" fmla="*/ 4733234 w 7238044"/>
-                <a:gd name="connsiteY5" fmla="*/ 1420425 h 1420425"/>
-                <a:gd name="connsiteX6" fmla="*/ 1841770 w 7238044"/>
-                <a:gd name="connsiteY6" fmla="*/ 1420425 h 1420425"/>
-                <a:gd name="connsiteX7" fmla="*/ 0 w 7238044"/>
-                <a:gd name="connsiteY7" fmla="*/ 1420425 h 1420425"/>
-              </a:gdLst>
-              <a:ahLst/>
-              <a:cxnLst>
-                <a:cxn ang="0">
-                  <a:pos x="connsiteX0" y="connsiteY0"/>
-                </a:cxn>
-                <a:cxn ang="0">
-                  <a:pos x="connsiteX1" y="connsiteY1"/>
-                </a:cxn>
-                <a:cxn ang="0">
-                  <a:pos x="connsiteX2" y="connsiteY2"/>
-                </a:cxn>
-                <a:cxn ang="0">
-                  <a:pos x="connsiteX3" y="connsiteY3"/>
-                </a:cxn>
-                <a:cxn ang="0">
-                  <a:pos x="connsiteX4" y="connsiteY4"/>
-                </a:cxn>
-                <a:cxn ang="0">
-                  <a:pos x="connsiteX5" y="connsiteY5"/>
-                </a:cxn>
-                <a:cxn ang="0">
-                  <a:pos x="connsiteX6" y="connsiteY6"/>
-                </a:cxn>
-                <a:cxn ang="0">
-                  <a:pos x="connsiteX7" y="connsiteY7"/>
-                </a:cxn>
-              </a:cxnLst>
-              <a:rect l="l" t="t" r="r" b="b"/>
-              <a:pathLst>
-                <a:path w="7238044" h="1420425">
-                  <a:moveTo>
-                    <a:pt x="0" y="0"/>
-                  </a:moveTo>
-                  <a:lnTo>
-                    <a:pt x="1841770" y="0"/>
-                  </a:lnTo>
-                  <a:lnTo>
-                    <a:pt x="5396274" y="0"/>
-                  </a:lnTo>
-                  <a:lnTo>
-                    <a:pt x="7238044" y="0"/>
-                  </a:lnTo>
-                  <a:lnTo>
-                    <a:pt x="6575004" y="1420425"/>
-                  </a:lnTo>
-                  <a:lnTo>
-                    <a:pt x="4733234" y="1420425"/>
-                  </a:lnTo>
-                  <a:lnTo>
-                    <a:pt x="1841770" y="1420425"/>
-                  </a:lnTo>
-                  <a:lnTo>
-                    <a:pt x="0" y="1420425"/>
-                  </a:lnTo>
-                  <a:close/>
-                </a:path>
-              </a:pathLst>
-            </a:custGeom>
-            <a:grpFill/>
-            <a:ln w="9525">
-              <a:noFill/>
-              <a:round/>
-            </a:ln>
-          </p:spPr>
-          <p:txBody>
-            <a:bodyPr vert="horz" wrap="square" lIns="91440" tIns="45720" rIns="91440" bIns="45720" anchor="t" anchorCtr="0"/>
-            <a:lstStyle/>
-            <a:p>
-              <a:pPr algn="ctr">
-                <a:defRPr lang="ko-KR" altLang="en-US"/>
-              </a:pPr>
-              <a:endParaRPr lang="en-US">
-                <a:latin typeface="+mn-lt"/>
-                <a:ea typeface="+mn-ea"/>
-                <a:cs typeface="+mn-cs"/>
-              </a:endParaRPr>
-            </a:p>
-          </p:txBody>
-        </p:sp>
-        <p:sp>
-          <p:nvSpPr>
-            <p:cNvPr id="8" name="Rectangle 30"/>
-            <p:cNvSpPr/>
-            <p:nvPr/>
-          </p:nvSpPr>
-          <p:spPr>
-            <a:xfrm>
-              <a:off x="0" y="2852400"/>
-              <a:ext cx="6334330" cy="211899"/>
-            </a:xfrm>
-            <a:prstGeom prst="rect">
-              <a:avLst/>
-            </a:prstGeom>
-            <a:grpFill/>
-            <a:ln w="9525">
-              <a:noFill/>
-              <a:round/>
-            </a:ln>
-          </p:spPr>
-          <p:txBody>
-            <a:bodyPr vert="horz" wrap="square" lIns="91440" tIns="45720" rIns="91440" bIns="45720" anchor="t" anchorCtr="0"/>
-            <a:lstStyle/>
-            <a:p>
-              <a:pPr algn="ctr">
-                <a:defRPr lang="ko-KR" altLang="en-US"/>
-              </a:pPr>
-              <a:endParaRPr lang="en-US">
-                <a:latin typeface="+mn-lt"/>
-                <a:ea typeface="+mn-ea"/>
-                <a:cs typeface="+mn-cs"/>
-              </a:endParaRPr>
-            </a:p>
-          </p:txBody>
-        </p:sp>
-      </p:grpSp>
-    </p:spTree>
-    <p:extLst>
-      <p:ext uri="{BB962C8B-B14F-4D97-AF65-F5344CB8AC3E}">
-        <p14:creationId xmlns:p14="http://schemas.microsoft.com/office/powerpoint/2010/main" val="2186825483"/>
-      </p:ext>
-    </p:extLst>
-  </p:cSld>
-  <p:clrMapOvr>
-    <a:masterClrMapping/>
-  </p:clrMapOvr>
-  <mc:AlternateContent xmlns:mc="http://schemas.openxmlformats.org/markup-compatibility/2006" xmlns:p14="http://schemas.microsoft.com/office/powerpoint/2010/main">
-    <mc:Choice Requires="p14">
-      <p:transition spd="slow" p14:dur="2000" advClick="0"/>
-    </mc:Choice>
-    <mc:Fallback xmlns="">
-      <p:transition spd="slow" advClick="0"/>
-    </mc:Fallback>
-  </mc:AlternateContent>
-  <p:timing>
-    <p:tnLst>
-      <p:par>
-        <p:cTn id="1" dur="indefinite" restart="never" nodeType="tmRoot">
-          <p:childTnLst>
-            <p:seq concurrent="1" nextAc="seek">
-              <p:cTn id="2" dur="indefinite" nodeType="mainSeq">
-                <p:childTnLst>
-                  <p:par>
-                    <p:cTn id="3" fill="hold">
-                      <p:stCondLst>
-                        <p:cond delay="indefinite"/>
-                      </p:stCondLst>
-                      <p:childTnLst>
-                        <p:par>
-                          <p:cTn id="4" fill="hold">
-                            <p:stCondLst>
-                              <p:cond delay="0"/>
-                            </p:stCondLst>
-                            <p:childTnLst>
-                              <p:par>
-                                <p:cTn id="5" presetID="1" presetClass="mediacall" presetSubtype="0" fill="hold" nodeType="clickEffect">
-                                  <p:stCondLst>
-                                    <p:cond delay="0"/>
-                                  </p:stCondLst>
-                                  <p:childTnLst>
-                                    <p:cmd type="call" cmd="playFrom(0.0)">
-                                      <p:cBhvr>
-                                        <p:cTn id="6" dur="14634" fill="hold"/>
-                                        <p:tgtEl>
-                                          <p:spTgt spid="2"/>
-                                        </p:tgtEl>
-                                      </p:cBhvr>
-                                    </p:cmd>
-                                  </p:childTnLst>
-                                </p:cTn>
-                              </p:par>
-                            </p:childTnLst>
-                          </p:cTn>
-                        </p:par>
-                      </p:childTnLst>
-                    </p:cTn>
-                  </p:par>
-                </p:childTnLst>
-              </p:cTn>
-              <p:prevCondLst>
-                <p:cond evt="onPrev" delay="0">
-                  <p:tgtEl>
-                    <p:sldTgt/>
-                  </p:tgtEl>
-                </p:cond>
-              </p:prevCondLst>
-              <p:nextCondLst>
-                <p:cond evt="onNext" delay="0">
-                  <p:tgtEl>
-                    <p:sldTgt/>
-                  </p:tgtEl>
-                </p:cond>
-              </p:nextCondLst>
-            </p:seq>
-            <p:video>
-              <p:cMediaNode vol="80000">
-                <p:cTn id="7" fill="hold" display="0">
-                  <p:stCondLst>
-                    <p:cond delay="indefinite"/>
-                  </p:stCondLst>
-                </p:cTn>
-                <p:tgtEl>
-                  <p:spTgt spid="2"/>
-                </p:tgtEl>
-              </p:cMediaNode>
-            </p:video>
-          </p:childTnLst>
-        </p:cTn>
-      </p:par>
-    </p:tnLst>
-  </p:timing>
-</p:sld>
-</file>
-
-<file path=ppt/slides/slide6.xml><?xml version="1.0" encoding="utf-8"?>
 <p:sld xmlns:a="http://schemas.openxmlformats.org/drawingml/2006/main" xmlns:r="http://schemas.openxmlformats.org/officeDocument/2006/relationships" xmlns:p="http://schemas.openxmlformats.org/presentationml/2006/main">
   <p:cSld>
     <p:spTree>
@@ -27057,7 +27160,7 @@
   <p:clrMapOvr>
     <a:masterClrMapping/>
   </p:clrMapOvr>
-  <p:transition spd="med">
+  <p:transition spd="med" advTm="10000">
     <p:fade/>
   </p:transition>
   <p:timing>
@@ -27083,7 +27186,7 @@
                               <p:par>
                                 <p:cTn id="5" presetID="22" presetClass="entr" presetSubtype="8" fill="hold" grpId="0" nodeType="withEffect">
                                   <p:stCondLst>
-                                    <p:cond delay="0"/>
+                                    <p:cond delay="500"/>
                                   </p:stCondLst>
                                   <p:iterate>
                                     <p:tmPct val="10000"/>
@@ -27122,8 +27225,17 @@
                                   </p:childTnLst>
                                 </p:cTn>
                               </p:par>
+                            </p:childTnLst>
+                          </p:cTn>
+                        </p:par>
+                        <p:par>
+                          <p:cTn id="8" fill="hold">
+                            <p:stCondLst>
+                              <p:cond delay="1000"/>
+                            </p:stCondLst>
+                            <p:childTnLst>
                               <p:par>
-                                <p:cTn id="8" presetID="22" presetClass="entr" presetSubtype="8" fill="hold" grpId="0" nodeType="withEffect">
+                                <p:cTn id="9" presetID="22" presetClass="entr" presetSubtype="8" fill="hold" grpId="0" nodeType="afterEffect">
                                   <p:stCondLst>
                                     <p:cond delay="0"/>
                                   </p:stCondLst>
@@ -27133,7 +27245,7 @@
                                   <p:childTnLst>
                                     <p:set>
                                       <p:cBhvr>
-                                        <p:cTn id="9" dur="1" fill="hold">
+                                        <p:cTn id="10" dur="1" fill="hold">
                                           <p:stCondLst>
                                             <p:cond delay="0"/>
                                           </p:stCondLst>
@@ -27151,7 +27263,7 @@
                                     </p:set>
                                     <p:animEffect transition="in" filter="wipe(left)">
                                       <p:cBhvr>
-                                        <p:cTn id="10" dur="500" fill="hold">
+                                        <p:cTn id="11" dur="500" fill="hold">
                                           <p:stCondLst>
                                             <p:cond delay="0"/>
                                           </p:stCondLst>
@@ -27199,7 +27311,7 @@
 </p:sld>
 </file>
 
-<file path=ppt/slides/slide7.xml><?xml version="1.0" encoding="utf-8"?>
+<file path=ppt/slides/slide6.xml><?xml version="1.0" encoding="utf-8"?>
 <p:sld xmlns:a="http://schemas.openxmlformats.org/drawingml/2006/main" xmlns:r="http://schemas.openxmlformats.org/officeDocument/2006/relationships" xmlns:p="http://schemas.openxmlformats.org/presentationml/2006/main">
   <p:cSld>
     <p:spTree>
@@ -27780,7 +27892,7 @@
   <p:clrMapOvr>
     <a:masterClrMapping/>
   </p:clrMapOvr>
-  <p:transition spd="med">
+  <p:transition spd="med" advTm="10000">
     <p:fade/>
   </p:transition>
   <p:timing>
@@ -27848,8 +27960,17 @@
                                   </p:childTnLst>
                                 </p:cTn>
                               </p:par>
+                            </p:childTnLst>
+                          </p:cTn>
+                        </p:par>
+                        <p:par>
+                          <p:cTn id="8" fill="hold">
+                            <p:stCondLst>
+                              <p:cond delay="500"/>
+                            </p:stCondLst>
+                            <p:childTnLst>
                               <p:par>
-                                <p:cTn id="8" presetID="22" presetClass="entr" presetSubtype="8" fill="hold" grpId="0" nodeType="withEffect">
+                                <p:cTn id="9" presetID="22" presetClass="entr" presetSubtype="8" fill="hold" grpId="0" nodeType="afterEffect">
                                   <p:stCondLst>
                                     <p:cond delay="0"/>
                                   </p:stCondLst>
@@ -27859,7 +27980,7 @@
                                   <p:childTnLst>
                                     <p:set>
                                       <p:cBhvr>
-                                        <p:cTn id="9" dur="1" fill="hold">
+                                        <p:cTn id="10" dur="1" fill="hold">
                                           <p:stCondLst>
                                             <p:cond delay="0"/>
                                           </p:stCondLst>
@@ -27877,7 +27998,7 @@
                                     </p:set>
                                     <p:animEffect transition="in" filter="wipe(left)">
                                       <p:cBhvr>
-                                        <p:cTn id="10" dur="500" fill="hold">
+                                        <p:cTn id="11" dur="500" fill="hold">
                                           <p:stCondLst>
                                             <p:cond delay="0"/>
                                           </p:stCondLst>
@@ -27925,7 +28046,7 @@
 </p:sld>
 </file>
 
-<file path=ppt/slides/slide8.xml><?xml version="1.0" encoding="utf-8"?>
+<file path=ppt/slides/slide7.xml><?xml version="1.0" encoding="utf-8"?>
 <p:sld xmlns:a="http://schemas.openxmlformats.org/drawingml/2006/main" xmlns:r="http://schemas.openxmlformats.org/officeDocument/2006/relationships" xmlns:p="http://schemas.openxmlformats.org/presentationml/2006/main">
   <p:cSld>
     <p:spTree>
@@ -28524,7 +28645,7 @@
   <p:clrMapOvr>
     <a:masterClrMapping/>
   </p:clrMapOvr>
-  <p:transition spd="med">
+  <p:transition spd="med" advTm="10000">
     <p:fade/>
   </p:transition>
   <p:timing>
@@ -28592,8 +28713,17 @@
                                   </p:childTnLst>
                                 </p:cTn>
                               </p:par>
+                            </p:childTnLst>
+                          </p:cTn>
+                        </p:par>
+                        <p:par>
+                          <p:cTn id="8" fill="hold">
+                            <p:stCondLst>
+                              <p:cond delay="500"/>
+                            </p:stCondLst>
+                            <p:childTnLst>
                               <p:par>
-                                <p:cTn id="8" presetID="22" presetClass="entr" presetSubtype="8" fill="hold" grpId="0" nodeType="withEffect">
+                                <p:cTn id="9" presetID="22" presetClass="entr" presetSubtype="8" fill="hold" grpId="0" nodeType="afterEffect">
                                   <p:stCondLst>
                                     <p:cond delay="0"/>
                                   </p:stCondLst>
@@ -28603,7 +28733,7 @@
                                   <p:childTnLst>
                                     <p:set>
                                       <p:cBhvr>
-                                        <p:cTn id="9" dur="1" fill="hold">
+                                        <p:cTn id="10" dur="1" fill="hold">
                                           <p:stCondLst>
                                             <p:cond delay="0"/>
                                           </p:stCondLst>
@@ -28621,7 +28751,7 @@
                                     </p:set>
                                     <p:animEffect transition="in" filter="wipe(left)">
                                       <p:cBhvr>
-                                        <p:cTn id="10" dur="500" fill="hold">
+                                        <p:cTn id="11" dur="500" fill="hold">
                                           <p:stCondLst>
                                             <p:cond delay="0"/>
                                           </p:stCondLst>
@@ -28669,7 +28799,7 @@
 </p:sld>
 </file>
 
-<file path=ppt/slides/slide9.xml><?xml version="1.0" encoding="utf-8"?>
+<file path=ppt/slides/slide8.xml><?xml version="1.0" encoding="utf-8"?>
 <p:sld xmlns:a="http://schemas.openxmlformats.org/drawingml/2006/main" xmlns:r="http://schemas.openxmlformats.org/officeDocument/2006/relationships" xmlns:p="http://schemas.openxmlformats.org/presentationml/2006/main" showMasterSp="0">
   <p:cSld>
     <p:spTree>
@@ -28695,14 +28825,14 @@
           <p:nvPr>
             <p:extLst>
               <p:ext uri="{D42A27DB-BD31-4B8C-83A1-F6EECF244321}">
-                <p14:modId xmlns:p14="http://schemas.microsoft.com/office/powerpoint/2010/main" val="3851060037"/>
+                <p14:modId xmlns:p14="http://schemas.microsoft.com/office/powerpoint/2010/main" val="2937456179"/>
               </p:ext>
             </p:extLst>
           </p:nvPr>
         </p:nvGraphicFramePr>
         <p:xfrm>
           <a:off x="228600" y="819150"/>
-          <a:ext cx="8762998" cy="4139290"/>
+          <a:ext cx="8762998" cy="3865138"/>
         </p:xfrm>
         <a:graphic>
           <a:graphicData uri="http://schemas.openxmlformats.org/drawingml/2006/table">
@@ -28711,12 +28841,12 @@
                 <a:tableStyleId>{073A0DAA-6AF3-43AB-8588-CEC1D06C72B9}</a:tableStyleId>
               </a:tblPr>
               <a:tblGrid>
-                <a:gridCol w="1371600"/>
-                <a:gridCol w="1135596"/>
-                <a:gridCol w="1908212"/>
+                <a:gridCol w="1427076"/>
+                <a:gridCol w="1152128"/>
+                <a:gridCol w="1836204"/>
                 <a:gridCol w="1296144"/>
-                <a:gridCol w="1451248"/>
-                <a:gridCol w="1600198"/>
+                <a:gridCol w="1332148"/>
+                <a:gridCol w="1719298"/>
               </a:tblGrid>
               <a:tr h="381168">
                 <a:tc>
@@ -28853,14 +28983,14 @@
                         <a:defRPr lang="ko-KR" altLang="en-US"/>
                       </a:pPr>
                       <a:r>
-                        <a:rPr lang="en-US" altLang="ko-KR" sz="1400">
+                        <a:rPr lang="en-US" altLang="ko-KR" sz="1400" dirty="0" err="1">
                           <a:latin typeface="+mn-lt"/>
                           <a:ea typeface="+mn-ea"/>
                           <a:cs typeface="+mn-cs"/>
                         </a:rPr>
                         <a:t>PlaceFurnitureAR</a:t>
                       </a:r>
-                      <a:endParaRPr lang="ko-KR" altLang="en-US" sz="1400">
+                      <a:endParaRPr lang="ko-KR" altLang="en-US" sz="1400" dirty="0">
                         <a:latin typeface="+mn-lt"/>
                         <a:ea typeface="+mn-ea"/>
                         <a:cs typeface="+mn-cs"/>
@@ -29980,19 +30110,35 @@
                         <a:defRPr lang="ko-KR" altLang="en-US"/>
                       </a:pPr>
                       <a:r>
-                        <a:rPr lang="ko-KR" altLang="en-US" sz="1400">
+                        <a:rPr lang="ko-KR" altLang="en-US" sz="1400" dirty="0">
                           <a:latin typeface="+mn-lt"/>
                           <a:ea typeface="+mn-ea"/>
                           <a:cs typeface="+mn-cs"/>
                         </a:rPr>
-                        <a:t>전체적으로 로딩시간이 김</a:t>
+                        <a:t>전체적으로 </a:t>
+                      </a:r>
+                      <a:r>
+                        <a:rPr lang="ko-KR" altLang="en-US" sz="1400" dirty="0" smtClean="0">
+                          <a:latin typeface="+mn-lt"/>
+                          <a:ea typeface="+mn-ea"/>
+                          <a:cs typeface="+mn-cs"/>
+                        </a:rPr>
+                        <a:t>  로딩시간이 </a:t>
+                      </a:r>
+                      <a:r>
+                        <a:rPr lang="ko-KR" altLang="en-US" sz="1400" dirty="0">
+                          <a:latin typeface="+mn-lt"/>
+                          <a:ea typeface="+mn-ea"/>
+                          <a:cs typeface="+mn-cs"/>
+                        </a:rPr>
+                        <a:t>김</a:t>
                       </a:r>
                     </a:p>
                     <a:p>
                       <a:pPr algn="ctr" latinLnBrk="1">
                         <a:defRPr lang="ko-KR" altLang="en-US"/>
                       </a:pPr>
-                      <a:endParaRPr lang="ko-KR" altLang="en-US" sz="1400">
+                      <a:endParaRPr lang="ko-KR" altLang="en-US" sz="1400" dirty="0">
                         <a:latin typeface="+mn-lt"/>
                         <a:ea typeface="+mn-ea"/>
                         <a:cs typeface="+mn-cs"/>
@@ -30093,6 +30239,14 @@
   <p:clrMapOvr>
     <a:masterClrMapping/>
   </p:clrMapOvr>
+  <mc:AlternateContent xmlns:mc="http://schemas.openxmlformats.org/markup-compatibility/2006">
+    <mc:Choice xmlns:p14="http://schemas.microsoft.com/office/powerpoint/2010/main" Requires="p14">
+      <p:transition spd="slow" p14:dur="2000" advTm="17000"/>
+    </mc:Choice>
+    <mc:Fallback>
+      <p:transition spd="slow" advTm="17000"/>
+    </mc:Fallback>
+  </mc:AlternateContent>
   <p:timing>
     <p:tnLst>
       <p:par>
@@ -30105,6 +30259,9 @@
                     <p:cTn id="3" fill="hold">
                       <p:stCondLst>
                         <p:cond delay="indefinite"/>
+                        <p:cond evt="onBegin" delay="0">
+                          <p:tn val="2"/>
+                        </p:cond>
                       </p:stCondLst>
                       <p:childTnLst>
                         <p:par>
@@ -30114,9 +30271,9 @@
                             </p:stCondLst>
                             <p:childTnLst>
                               <p:par>
-                                <p:cTn id="5" presetID="10" presetClass="entr" presetSubtype="0" fill="hold" nodeType="clickEffect">
+                                <p:cTn id="5" presetID="10" presetClass="entr" presetSubtype="0" fill="hold" nodeType="afterEffect">
                                   <p:stCondLst>
-                                    <p:cond delay="0"/>
+                                    <p:cond delay="500"/>
                                   </p:stCondLst>
                                   <p:childTnLst>
                                     <p:set>
@@ -30173,6 +30330,427 @@
             </p:seq>
           </p:childTnLst>
         </p:cTn>
+      </p:par>
+    </p:tnLst>
+  </p:timing>
+</p:sld>
+</file>
+
+<file path=ppt/slides/slide9.xml><?xml version="1.0" encoding="utf-8"?>
+<p:sld xmlns:a="http://schemas.openxmlformats.org/drawingml/2006/main" xmlns:r="http://schemas.openxmlformats.org/officeDocument/2006/relationships" xmlns:p="http://schemas.openxmlformats.org/presentationml/2006/main" showMasterSp="0">
+  <p:cSld>
+    <p:spTree>
+      <p:nvGrpSpPr>
+        <p:cNvPr id="1" name=""/>
+        <p:cNvGrpSpPr/>
+        <p:nvPr/>
+      </p:nvGrpSpPr>
+      <p:grpSpPr>
+        <a:xfrm>
+          <a:off x="0" y="0"/>
+          <a:ext cx="0" cy="0"/>
+          <a:chOff x="0" y="0"/>
+          <a:chExt cx="0" cy="0"/>
+        </a:xfrm>
+      </p:grpSpPr>
+      <p:sp>
+        <p:nvSpPr>
+          <p:cNvPr id="5" name="Title 3"/>
+          <p:cNvSpPr>
+            <a:spLocks noGrp="1"/>
+          </p:cNvSpPr>
+          <p:nvPr>
+            <p:ph type="title"/>
+          </p:nvPr>
+        </p:nvSpPr>
+        <p:spPr>
+          <a:xfrm>
+            <a:off x="1295400" y="285750"/>
+            <a:ext cx="5548963" cy="495383"/>
+          </a:xfrm>
+        </p:spPr>
+        <p:txBody>
+          <a:bodyPr/>
+          <a:lstStyle/>
+          <a:p>
+            <a:pPr algn="l">
+              <a:defRPr lang="ko-KR" altLang="en-US"/>
+            </a:pPr>
+            <a:r>
+              <a:rPr lang="ko-KR" altLang="en-US" dirty="0" smtClean="0"/>
+              <a:t>단점 방안</a:t>
+            </a:r>
+            <a:endParaRPr lang="en-US" dirty="0"/>
+          </a:p>
+        </p:txBody>
+      </p:sp>
+      <p:grpSp>
+        <p:nvGrpSpPr>
+          <p:cNvPr id="6" name="Group 5"/>
+          <p:cNvGrpSpPr/>
+          <p:nvPr/>
+        </p:nvGrpSpPr>
+        <p:grpSpPr>
+          <a:xfrm>
+            <a:off x="-12467" y="840674"/>
+            <a:ext cx="7386538" cy="211899"/>
+            <a:chOff x="0" y="2852400"/>
+            <a:chExt cx="7386538" cy="211899"/>
+          </a:xfrm>
+          <a:solidFill>
+            <a:schemeClr val="accent2"/>
+          </a:solidFill>
+        </p:grpSpPr>
+        <p:sp>
+          <p:nvSpPr>
+            <p:cNvPr id="8" name="Freeform 29"/>
+            <p:cNvSpPr/>
+            <p:nvPr/>
+          </p:nvSpPr>
+          <p:spPr>
+            <a:xfrm>
+              <a:off x="6306768" y="2852400"/>
+              <a:ext cx="1079770" cy="211899"/>
+            </a:xfrm>
+            <a:custGeom>
+              <a:avLst/>
+              <a:gdLst>
+                <a:gd name="connsiteX0" fmla="*/ 0 w 7238044"/>
+                <a:gd name="connsiteY0" fmla="*/ 0 h 1420425"/>
+                <a:gd name="connsiteX1" fmla="*/ 1841770 w 7238044"/>
+                <a:gd name="connsiteY1" fmla="*/ 0 h 1420425"/>
+                <a:gd name="connsiteX2" fmla="*/ 5396274 w 7238044"/>
+                <a:gd name="connsiteY2" fmla="*/ 0 h 1420425"/>
+                <a:gd name="connsiteX3" fmla="*/ 7238044 w 7238044"/>
+                <a:gd name="connsiteY3" fmla="*/ 0 h 1420425"/>
+                <a:gd name="connsiteX4" fmla="*/ 6575004 w 7238044"/>
+                <a:gd name="connsiteY4" fmla="*/ 1420425 h 1420425"/>
+                <a:gd name="connsiteX5" fmla="*/ 4733234 w 7238044"/>
+                <a:gd name="connsiteY5" fmla="*/ 1420425 h 1420425"/>
+                <a:gd name="connsiteX6" fmla="*/ 1841770 w 7238044"/>
+                <a:gd name="connsiteY6" fmla="*/ 1420425 h 1420425"/>
+                <a:gd name="connsiteX7" fmla="*/ 0 w 7238044"/>
+                <a:gd name="connsiteY7" fmla="*/ 1420425 h 1420425"/>
+              </a:gdLst>
+              <a:ahLst/>
+              <a:cxnLst>
+                <a:cxn ang="0">
+                  <a:pos x="connsiteX0" y="connsiteY0"/>
+                </a:cxn>
+                <a:cxn ang="0">
+                  <a:pos x="connsiteX1" y="connsiteY1"/>
+                </a:cxn>
+                <a:cxn ang="0">
+                  <a:pos x="connsiteX2" y="connsiteY2"/>
+                </a:cxn>
+                <a:cxn ang="0">
+                  <a:pos x="connsiteX3" y="connsiteY3"/>
+                </a:cxn>
+                <a:cxn ang="0">
+                  <a:pos x="connsiteX4" y="connsiteY4"/>
+                </a:cxn>
+                <a:cxn ang="0">
+                  <a:pos x="connsiteX5" y="connsiteY5"/>
+                </a:cxn>
+                <a:cxn ang="0">
+                  <a:pos x="connsiteX6" y="connsiteY6"/>
+                </a:cxn>
+                <a:cxn ang="0">
+                  <a:pos x="connsiteX7" y="connsiteY7"/>
+                </a:cxn>
+              </a:cxnLst>
+              <a:rect l="l" t="t" r="r" b="b"/>
+              <a:pathLst>
+                <a:path w="7238044" h="1420425">
+                  <a:moveTo>
+                    <a:pt x="0" y="0"/>
+                  </a:moveTo>
+                  <a:lnTo>
+                    <a:pt x="1841770" y="0"/>
+                  </a:lnTo>
+                  <a:lnTo>
+                    <a:pt x="5396274" y="0"/>
+                  </a:lnTo>
+                  <a:lnTo>
+                    <a:pt x="7238044" y="0"/>
+                  </a:lnTo>
+                  <a:lnTo>
+                    <a:pt x="6575004" y="1420425"/>
+                  </a:lnTo>
+                  <a:lnTo>
+                    <a:pt x="4733234" y="1420425"/>
+                  </a:lnTo>
+                  <a:lnTo>
+                    <a:pt x="1841770" y="1420425"/>
+                  </a:lnTo>
+                  <a:lnTo>
+                    <a:pt x="0" y="1420425"/>
+                  </a:lnTo>
+                  <a:close/>
+                </a:path>
+              </a:pathLst>
+            </a:custGeom>
+            <a:grpFill/>
+            <a:ln w="9525">
+              <a:noFill/>
+              <a:round/>
+            </a:ln>
+          </p:spPr>
+          <p:txBody>
+            <a:bodyPr vert="horz" wrap="square" lIns="91440" tIns="45720" rIns="91440" bIns="45720" anchor="t" anchorCtr="0"/>
+            <a:lstStyle/>
+            <a:p>
+              <a:pPr algn="ctr">
+                <a:defRPr lang="ko-KR" altLang="en-US"/>
+              </a:pPr>
+              <a:endParaRPr lang="en-US">
+                <a:latin typeface="+mn-lt"/>
+                <a:ea typeface="+mn-ea"/>
+                <a:cs typeface="+mn-cs"/>
+              </a:endParaRPr>
+            </a:p>
+          </p:txBody>
+        </p:sp>
+        <p:sp>
+          <p:nvSpPr>
+            <p:cNvPr id="9" name="Rectangle 30"/>
+            <p:cNvSpPr/>
+            <p:nvPr/>
+          </p:nvSpPr>
+          <p:spPr>
+            <a:xfrm>
+              <a:off x="0" y="2852400"/>
+              <a:ext cx="6334330" cy="211899"/>
+            </a:xfrm>
+            <a:prstGeom prst="rect">
+              <a:avLst/>
+            </a:prstGeom>
+            <a:grpFill/>
+            <a:ln w="9525">
+              <a:noFill/>
+              <a:round/>
+            </a:ln>
+          </p:spPr>
+          <p:txBody>
+            <a:bodyPr vert="horz" wrap="square" lIns="91440" tIns="45720" rIns="91440" bIns="45720" anchor="t" anchorCtr="0"/>
+            <a:lstStyle/>
+            <a:p>
+              <a:pPr algn="ctr">
+                <a:defRPr lang="ko-KR" altLang="en-US"/>
+              </a:pPr>
+              <a:endParaRPr lang="en-US">
+                <a:latin typeface="+mn-lt"/>
+                <a:ea typeface="+mn-ea"/>
+                <a:cs typeface="+mn-cs"/>
+              </a:endParaRPr>
+            </a:p>
+          </p:txBody>
+        </p:sp>
+      </p:grpSp>
+      <p:grpSp>
+        <p:nvGrpSpPr>
+          <p:cNvPr id="2" name="그룹 1"/>
+          <p:cNvGrpSpPr/>
+          <p:nvPr/>
+        </p:nvGrpSpPr>
+        <p:grpSpPr>
+          <a:xfrm>
+            <a:off x="1295400" y="2823778"/>
+            <a:ext cx="6427830" cy="1661877"/>
+            <a:chOff x="701334" y="2150702"/>
+            <a:chExt cx="8066248" cy="2298949"/>
+          </a:xfrm>
+        </p:grpSpPr>
+        <p:pic>
+          <p:nvPicPr>
+            <p:cNvPr id="1026" name="Picture 2" descr="알고 실천하자! 악수의 예절 : 네이버 블로그"/>
+            <p:cNvPicPr>
+              <a:picLocks noChangeAspect="1" noChangeArrowheads="1"/>
+            </p:cNvPicPr>
+            <p:nvPr/>
+          </p:nvPicPr>
+          <p:blipFill>
+            <a:blip r:embed="rId2">
+              <a:extLst>
+                <a:ext uri="{28A0092B-C50C-407E-A947-70E740481C1C}">
+                  <a14:useLocalDpi xmlns:a14="http://schemas.microsoft.com/office/drawing/2010/main" val="0"/>
+                </a:ext>
+              </a:extLst>
+            </a:blip>
+            <a:srcRect/>
+            <a:stretch>
+              <a:fillRect/>
+            </a:stretch>
+          </p:blipFill>
+          <p:spPr bwMode="auto">
+            <a:xfrm>
+              <a:off x="2193456" y="2430350"/>
+              <a:ext cx="3752850" cy="2019301"/>
+            </a:xfrm>
+            <a:prstGeom prst="rect">
+              <a:avLst/>
+            </a:prstGeom>
+            <a:noFill/>
+            <a:extLst>
+              <a:ext uri="{909E8E84-426E-40DD-AFC4-6F175D3DCCD1}">
+                <a14:hiddenFill xmlns:a14="http://schemas.microsoft.com/office/drawing/2010/main">
+                  <a:solidFill>
+                    <a:srgbClr val="FFFFFF"/>
+                  </a:solidFill>
+                </a14:hiddenFill>
+              </a:ext>
+            </a:extLst>
+          </p:spPr>
+        </p:pic>
+        <p:pic>
+          <p:nvPicPr>
+            <p:cNvPr id="1030" name="Picture 6" descr="기업 작명 스토리]① 가구업체들의 다양한 이름…그 비밀은? - 이뉴스투데이"/>
+            <p:cNvPicPr>
+              <a:picLocks noChangeAspect="1" noChangeArrowheads="1"/>
+            </p:cNvPicPr>
+            <p:nvPr/>
+          </p:nvPicPr>
+          <p:blipFill>
+            <a:blip r:embed="rId3" cstate="print">
+              <a:extLst>
+                <a:ext uri="{28A0092B-C50C-407E-A947-70E740481C1C}">
+                  <a14:useLocalDpi xmlns:a14="http://schemas.microsoft.com/office/drawing/2010/main" val="0"/>
+                </a:ext>
+              </a:extLst>
+            </a:blip>
+            <a:srcRect/>
+            <a:stretch>
+              <a:fillRect/>
+            </a:stretch>
+          </p:blipFill>
+          <p:spPr bwMode="auto">
+            <a:xfrm>
+              <a:off x="5980560" y="2528032"/>
+              <a:ext cx="2787022" cy="1300299"/>
+            </a:xfrm>
+            <a:prstGeom prst="rect">
+              <a:avLst/>
+            </a:prstGeom>
+            <a:noFill/>
+            <a:extLst>
+              <a:ext uri="{909E8E84-426E-40DD-AFC4-6F175D3DCCD1}">
+                <a14:hiddenFill xmlns:a14="http://schemas.microsoft.com/office/drawing/2010/main">
+                  <a:solidFill>
+                    <a:srgbClr val="FFFFFF"/>
+                  </a:solidFill>
+                </a14:hiddenFill>
+              </a:ext>
+            </a:extLst>
+          </p:spPr>
+        </p:pic>
+        <p:pic>
+          <p:nvPicPr>
+            <p:cNvPr id="1032" name="Picture 8" descr="호남대학교 로고"/>
+            <p:cNvPicPr>
+              <a:picLocks noChangeAspect="1" noChangeArrowheads="1"/>
+            </p:cNvPicPr>
+            <p:nvPr/>
+          </p:nvPicPr>
+          <p:blipFill rotWithShape="1">
+            <a:blip r:embed="rId4">
+              <a:extLst>
+                <a:ext uri="{28A0092B-C50C-407E-A947-70E740481C1C}">
+                  <a14:useLocalDpi xmlns:a14="http://schemas.microsoft.com/office/drawing/2010/main" val="0"/>
+                </a:ext>
+              </a:extLst>
+            </a:blip>
+            <a:srcRect l="38813" t="718" r="36687" b="-718"/>
+            <a:stretch/>
+          </p:blipFill>
+          <p:spPr bwMode="auto">
+            <a:xfrm>
+              <a:off x="701334" y="2150702"/>
+              <a:ext cx="1188132" cy="2054958"/>
+            </a:xfrm>
+            <a:prstGeom prst="rect">
+              <a:avLst/>
+            </a:prstGeom>
+            <a:noFill/>
+            <a:extLst>
+              <a:ext uri="{909E8E84-426E-40DD-AFC4-6F175D3DCCD1}">
+                <a14:hiddenFill xmlns:a14="http://schemas.microsoft.com/office/drawing/2010/main">
+                  <a:solidFill>
+                    <a:srgbClr val="FFFFFF"/>
+                  </a:solidFill>
+                </a14:hiddenFill>
+              </a:ext>
+            </a:extLst>
+          </p:spPr>
+        </p:pic>
+      </p:grpSp>
+      <p:sp>
+        <p:nvSpPr>
+          <p:cNvPr id="4" name="TextBox 3"/>
+          <p:cNvSpPr txBox="1"/>
+          <p:nvPr/>
+        </p:nvSpPr>
+        <p:spPr>
+          <a:xfrm>
+            <a:off x="647564" y="1669919"/>
+            <a:ext cx="5112568" cy="738664"/>
+          </a:xfrm>
+          <a:prstGeom prst="rect">
+            <a:avLst/>
+          </a:prstGeom>
+        </p:spPr>
+        <p:txBody>
+          <a:bodyPr wrap="square" lIns="0" tIns="0" rIns="0" bIns="0" rtlCol="0" anchor="ctr">
+            <a:spAutoFit/>
+          </a:bodyPr>
+          <a:lstStyle/>
+          <a:p>
+            <a:pPr marL="0" indent="0">
+              <a:lnSpc>
+                <a:spcPct val="150000"/>
+              </a:lnSpc>
+              <a:buNone/>
+            </a:pPr>
+            <a:r>
+              <a:rPr lang="ko-KR" altLang="en-US" sz="1600" b="1" dirty="0" smtClean="0">
+                <a:latin typeface="+mj-lt"/>
+              </a:rPr>
+              <a:t>가구가 매우 적다는 단점은 다른 가구 업체와 계약을 해서 </a:t>
+            </a:r>
+            <a:r>
+              <a:rPr lang="en-US" altLang="ko-KR" sz="1600" b="1" dirty="0" smtClean="0">
+                <a:latin typeface="+mj-lt"/>
+              </a:rPr>
+              <a:t>3D </a:t>
+            </a:r>
+            <a:r>
+              <a:rPr lang="ko-KR" altLang="en-US" sz="1600" b="1" dirty="0" smtClean="0">
+                <a:latin typeface="+mj-lt"/>
+              </a:rPr>
+              <a:t>모델만 얻으면 쉽게 단점보안 할 수 있음</a:t>
+            </a:r>
+            <a:endParaRPr lang="ko-KR" altLang="en-US" sz="1600" b="1" dirty="0" smtClean="0">
+              <a:solidFill>
+                <a:schemeClr val="tx1"/>
+              </a:solidFill>
+              <a:latin typeface="+mj-lt"/>
+            </a:endParaRPr>
+          </a:p>
+        </p:txBody>
+      </p:sp>
+    </p:spTree>
+    <p:extLst>
+      <p:ext uri="{BB962C8B-B14F-4D97-AF65-F5344CB8AC3E}">
+        <p14:creationId xmlns:p14="http://schemas.microsoft.com/office/powerpoint/2010/main" val="3593365627"/>
+      </p:ext>
+    </p:extLst>
+  </p:cSld>
+  <p:clrMapOvr>
+    <a:masterClrMapping/>
+  </p:clrMapOvr>
+  <p:timing>
+    <p:tnLst>
+      <p:par>
+        <p:cTn id="1" dur="indefinite" restart="never" nodeType="tmRoot"/>
       </p:par>
     </p:tnLst>
   </p:timing>

--- a/호남-발표자료 - 복사본.pptx
+++ b/호남-발표자료 - 복사본.pptx
@@ -9978,13 +9978,13 @@
   <p:clrMapOvr>
     <a:masterClrMapping/>
   </p:clrMapOvr>
-  <mc:AlternateContent xmlns:mc="http://schemas.openxmlformats.org/markup-compatibility/2006">
-    <mc:Choice xmlns:p14="http://schemas.microsoft.com/office/powerpoint/2010/main" Requires="p14">
+  <mc:AlternateContent xmlns:mc="http://schemas.openxmlformats.org/markup-compatibility/2006" xmlns:p14="http://schemas.microsoft.com/office/powerpoint/2010/main">
+    <mc:Choice Requires="p14">
       <p:transition spd="med" p14:dur="700" advTm="10000">
         <p:fade/>
       </p:transition>
     </mc:Choice>
-    <mc:Fallback>
+    <mc:Fallback xmlns="">
       <p:transition spd="med" advTm="10000">
         <p:fade/>
       </p:transition>
@@ -10236,7 +10236,7 @@
         </p:nvGraphicFramePr>
         <p:xfrm>
           <a:off x="287522" y="807554"/>
-          <a:ext cx="8496945" cy="3935800"/>
+          <a:ext cx="8496945" cy="3959727"/>
         </p:xfrm>
         <a:graphic>
           <a:graphicData uri="http://schemas.openxmlformats.org/drawingml/2006/table">
@@ -12731,13 +12731,13 @@
   <p:clrMapOvr>
     <a:masterClrMapping/>
   </p:clrMapOvr>
-  <mc:AlternateContent xmlns:mc="http://schemas.openxmlformats.org/markup-compatibility/2006">
-    <mc:Choice xmlns:p14="http://schemas.microsoft.com/office/powerpoint/2010/main" Requires="p14">
+  <mc:AlternateContent xmlns:mc="http://schemas.openxmlformats.org/markup-compatibility/2006" xmlns:p14="http://schemas.microsoft.com/office/powerpoint/2010/main">
+    <mc:Choice Requires="p14">
       <p:transition spd="med" p14:dur="700" advTm="20000">
         <p:fade/>
       </p:transition>
     </mc:Choice>
-    <mc:Fallback>
+    <mc:Fallback xmlns="">
       <p:transition spd="med" advTm="20000">
         <p:fade/>
       </p:transition>
@@ -13618,13 +13618,13 @@
   <p:clrMapOvr>
     <a:masterClrMapping/>
   </p:clrMapOvr>
-  <mc:AlternateContent xmlns:mc="http://schemas.openxmlformats.org/markup-compatibility/2006">
-    <mc:Choice xmlns:p14="http://schemas.microsoft.com/office/powerpoint/2010/main" Requires="p14">
+  <mc:AlternateContent xmlns:mc="http://schemas.openxmlformats.org/markup-compatibility/2006" xmlns:p14="http://schemas.microsoft.com/office/powerpoint/2010/main">
+    <mc:Choice Requires="p14">
       <p:transition spd="med" p14:dur="700" advTm="13000">
         <p:fade/>
       </p:transition>
     </mc:Choice>
-    <mc:Fallback>
+    <mc:Fallback xmlns="">
       <p:transition spd="med" advTm="13000">
         <p:fade/>
       </p:transition>
@@ -15033,13 +15033,13 @@
   <p:clrMapOvr>
     <a:masterClrMapping/>
   </p:clrMapOvr>
-  <mc:AlternateContent xmlns:mc="http://schemas.openxmlformats.org/markup-compatibility/2006">
-    <mc:Choice xmlns:p14="http://schemas.microsoft.com/office/powerpoint/2010/main" Requires="p14">
+  <mc:AlternateContent xmlns:mc="http://schemas.openxmlformats.org/markup-compatibility/2006" xmlns:p14="http://schemas.microsoft.com/office/powerpoint/2010/main">
+    <mc:Choice Requires="p14">
       <p:transition spd="med" p14:dur="700" advTm="20000">
         <p:fade/>
       </p:transition>
     </mc:Choice>
-    <mc:Fallback>
+    <mc:Fallback xmlns="">
       <p:transition spd="med" advTm="20000">
         <p:fade/>
       </p:transition>
@@ -15397,13 +15397,13 @@
   <p:clrMapOvr>
     <a:masterClrMapping/>
   </p:clrMapOvr>
-  <mc:AlternateContent xmlns:mc="http://schemas.openxmlformats.org/markup-compatibility/2006">
-    <mc:Choice xmlns:p14="http://schemas.microsoft.com/office/powerpoint/2010/main" Requires="p14">
+  <mc:AlternateContent xmlns:mc="http://schemas.openxmlformats.org/markup-compatibility/2006" xmlns:p14="http://schemas.microsoft.com/office/powerpoint/2010/main">
+    <mc:Choice Requires="p14">
       <p:transition spd="med" p14:dur="700" advTm="20000">
         <p:fade/>
       </p:transition>
     </mc:Choice>
-    <mc:Fallback>
+    <mc:Fallback xmlns="">
       <p:transition spd="med" advTm="20000">
         <p:fade/>
       </p:transition>
@@ -15536,11 +15536,11 @@
   <p:clrMapOvr>
     <a:masterClrMapping/>
   </p:clrMapOvr>
-  <mc:AlternateContent xmlns:mc="http://schemas.openxmlformats.org/markup-compatibility/2006">
-    <mc:Choice xmlns:p14="http://schemas.microsoft.com/office/powerpoint/2010/main" Requires="p14">
+  <mc:AlternateContent xmlns:mc="http://schemas.openxmlformats.org/markup-compatibility/2006" xmlns:p14="http://schemas.microsoft.com/office/powerpoint/2010/main">
+    <mc:Choice Requires="p14">
       <p:transition spd="slow" p14:dur="2000" advTm="3000"/>
     </mc:Choice>
-    <mc:Fallback>
+    <mc:Fallback xmlns="">
       <p:transition spd="slow" advTm="3000"/>
     </mc:Fallback>
   </mc:AlternateContent>
@@ -15623,11 +15623,11 @@
   <p:clrMapOvr>
     <a:masterClrMapping/>
   </p:clrMapOvr>
-  <mc:AlternateContent xmlns:mc="http://schemas.openxmlformats.org/markup-compatibility/2006">
-    <mc:Choice xmlns:p14="http://schemas.microsoft.com/office/powerpoint/2010/main" Requires="p14">
+  <mc:AlternateContent xmlns:mc="http://schemas.openxmlformats.org/markup-compatibility/2006" xmlns:p14="http://schemas.microsoft.com/office/powerpoint/2010/main">
+    <mc:Choice Requires="p14">
       <p:transition spd="slow" p14:dur="2000" advTm="5000"/>
     </mc:Choice>
-    <mc:Fallback>
+    <mc:Fallback xmlns="">
       <p:transition spd="slow" advTm="5000"/>
     </mc:Fallback>
   </mc:AlternateContent>
@@ -26460,13 +26460,13 @@
   <p:clrMapOvr>
     <a:masterClrMapping/>
   </p:clrMapOvr>
-  <mc:AlternateContent xmlns:mc="http://schemas.openxmlformats.org/markup-compatibility/2006">
-    <mc:Choice xmlns:p14="http://schemas.microsoft.com/office/powerpoint/2010/main" Requires="p14">
+  <mc:AlternateContent xmlns:mc="http://schemas.openxmlformats.org/markup-compatibility/2006" xmlns:p14="http://schemas.microsoft.com/office/powerpoint/2010/main">
+    <mc:Choice Requires="p14">
       <p:transition spd="med" p14:dur="700" advTm="5000">
         <p:fade/>
       </p:transition>
     </mc:Choice>
-    <mc:Fallback>
+    <mc:Fallback xmlns="">
       <p:transition spd="med" advTm="5000">
         <p:fade/>
       </p:transition>
@@ -28825,7 +28825,7 @@
           <p:nvPr>
             <p:extLst>
               <p:ext uri="{D42A27DB-BD31-4B8C-83A1-F6EECF244321}">
-                <p14:modId xmlns:p14="http://schemas.microsoft.com/office/powerpoint/2010/main" val="2937456179"/>
+                <p14:modId xmlns:p14="http://schemas.microsoft.com/office/powerpoint/2010/main" val="1472362289"/>
               </p:ext>
             </p:extLst>
           </p:nvPr>
@@ -28844,9 +28844,9 @@
                 <a:gridCol w="1427076"/>
                 <a:gridCol w="1152128"/>
                 <a:gridCol w="1836204"/>
-                <a:gridCol w="1296144"/>
                 <a:gridCol w="1332148"/>
-                <a:gridCol w="1719298"/>
+                <a:gridCol w="1332148"/>
+                <a:gridCol w="1683294"/>
               </a:tblGrid>
               <a:tr h="381168">
                 <a:tc>
@@ -30095,8 +30095,39 @@
                           <a:ea typeface="+mn-ea"/>
                           <a:cs typeface="+mn-cs"/>
                         </a:rPr>
-                        <a:t>물체 적음</a:t>
+                        <a:t>물체 </a:t>
                       </a:r>
+                      <a:r>
+                        <a:rPr lang="ko-KR" altLang="en-US" sz="1400" dirty="0" smtClean="0">
+                          <a:latin typeface="+mn-lt"/>
+                          <a:ea typeface="+mn-ea"/>
+                          <a:cs typeface="+mn-cs"/>
+                        </a:rPr>
+                        <a:t>적음</a:t>
+                      </a:r>
+                      <a:endParaRPr lang="en-US" altLang="ko-KR" sz="1400" dirty="0" smtClean="0">
+                        <a:latin typeface="+mn-lt"/>
+                        <a:ea typeface="+mn-ea"/>
+                        <a:cs typeface="+mn-cs"/>
+                      </a:endParaRPr>
+                    </a:p>
+                    <a:p>
+                      <a:pPr algn="ctr" latinLnBrk="1">
+                        <a:defRPr lang="ko-KR" altLang="en-US"/>
+                      </a:pPr>
+                      <a:r>
+                        <a:rPr lang="ko-KR" altLang="en-US" sz="1400" dirty="0" smtClean="0">
+                          <a:latin typeface="+mn-lt"/>
+                          <a:ea typeface="+mn-ea"/>
+                          <a:cs typeface="+mn-cs"/>
+                        </a:rPr>
+                        <a:t>한 물체만    배치 가능</a:t>
+                      </a:r>
+                      <a:endParaRPr lang="ko-KR" altLang="en-US" sz="1400" dirty="0">
+                        <a:latin typeface="+mn-lt"/>
+                        <a:ea typeface="+mn-ea"/>
+                        <a:cs typeface="+mn-cs"/>
+                      </a:endParaRPr>
                     </a:p>
                   </a:txBody>
                   <a:tcPr/>
@@ -30156,12 +30187,20 @@
                         <a:defRPr lang="ko-KR" altLang="en-US"/>
                       </a:pPr>
                       <a:r>
+                        <a:rPr lang="ko-KR" altLang="en-US" sz="1400" dirty="0" smtClean="0">
+                          <a:latin typeface="+mn-lt"/>
+                          <a:ea typeface="+mn-ea"/>
+                          <a:cs typeface="+mn-cs"/>
+                        </a:rPr>
+                        <a:t>물체가 </a:t>
+                      </a:r>
+                      <a:r>
                         <a:rPr lang="ko-KR" altLang="en-US" sz="1400" dirty="0">
                           <a:latin typeface="+mn-lt"/>
                           <a:ea typeface="+mn-ea"/>
                           <a:cs typeface="+mn-cs"/>
                         </a:rPr>
-                        <a:t>물체들이 너무 적음 </a:t>
+                        <a:t>적음 </a:t>
                       </a:r>
                     </a:p>
                     <a:p>
@@ -30174,8 +30213,21 @@
                           <a:ea typeface="+mn-ea"/>
                           <a:cs typeface="+mn-cs"/>
                         </a:rPr>
-                        <a:t>정해져 있는 물체 말고는 추가불가</a:t>
+                        <a:t>정해져 있는 물체 말고는 </a:t>
                       </a:r>
+                      <a:r>
+                        <a:rPr lang="ko-KR" altLang="en-US" sz="1400" dirty="0" smtClean="0">
+                          <a:latin typeface="+mn-lt"/>
+                          <a:ea typeface="+mn-ea"/>
+                          <a:cs typeface="+mn-cs"/>
+                        </a:rPr>
+                        <a:t>추가 불가</a:t>
+                      </a:r>
+                      <a:endParaRPr lang="ko-KR" altLang="en-US" sz="1400" dirty="0">
+                        <a:latin typeface="+mn-lt"/>
+                        <a:ea typeface="+mn-ea"/>
+                        <a:cs typeface="+mn-cs"/>
+                      </a:endParaRPr>
                     </a:p>
                   </a:txBody>
                   <a:tcPr/>
@@ -30239,11 +30291,11 @@
   <p:clrMapOvr>
     <a:masterClrMapping/>
   </p:clrMapOvr>
-  <mc:AlternateContent xmlns:mc="http://schemas.openxmlformats.org/markup-compatibility/2006">
-    <mc:Choice xmlns:p14="http://schemas.microsoft.com/office/powerpoint/2010/main" Requires="p14">
+  <mc:AlternateContent xmlns:mc="http://schemas.openxmlformats.org/markup-compatibility/2006" xmlns:p14="http://schemas.microsoft.com/office/powerpoint/2010/main">
+    <mc:Choice Requires="p14">
       <p:transition spd="slow" p14:dur="2000" advTm="17000"/>
     </mc:Choice>
-    <mc:Fallback>
+    <mc:Fallback xmlns="">
       <p:transition spd="slow" advTm="17000"/>
     </mc:Fallback>
   </mc:AlternateContent>
@@ -30747,6 +30799,18 @@
   <p:clrMapOvr>
     <a:masterClrMapping/>
   </p:clrMapOvr>
+  <mc:AlternateContent xmlns:mc="http://schemas.openxmlformats.org/markup-compatibility/2006">
+    <mc:Choice xmlns:p14="http://schemas.microsoft.com/office/powerpoint/2010/main" Requires="p14">
+      <p:transition spd="med" p14:dur="700" advTm="6000">
+        <p:fade/>
+      </p:transition>
+    </mc:Choice>
+    <mc:Fallback>
+      <p:transition spd="med" advTm="6000">
+        <p:fade/>
+      </p:transition>
+    </mc:Fallback>
+  </mc:AlternateContent>
   <p:timing>
     <p:tnLst>
       <p:par>

--- a/호남-발표자료 - 복사본.pptx
+++ b/호남-발표자료 - 복사본.pptx
@@ -6,10 +6,10 @@
     <p:sldMasterId id="2147483660" r:id="rId2"/>
   </p:sldMasterIdLst>
   <p:notesMasterIdLst>
-    <p:notesMasterId r:id="rId20"/>
+    <p:notesMasterId r:id="rId23"/>
   </p:notesMasterIdLst>
   <p:handoutMasterIdLst>
-    <p:handoutMasterId r:id="rId21"/>
+    <p:handoutMasterId r:id="rId24"/>
   </p:handoutMasterIdLst>
   <p:sldIdLst>
     <p:sldId id="257" r:id="rId3"/>
@@ -26,9 +26,12 @@
     <p:sldId id="269" r:id="rId14"/>
     <p:sldId id="268" r:id="rId15"/>
     <p:sldId id="282" r:id="rId16"/>
-    <p:sldId id="281" r:id="rId17"/>
-    <p:sldId id="279" r:id="rId18"/>
-    <p:sldId id="270" r:id="rId19"/>
+    <p:sldId id="286" r:id="rId17"/>
+    <p:sldId id="284" r:id="rId18"/>
+    <p:sldId id="287" r:id="rId19"/>
+    <p:sldId id="288" r:id="rId20"/>
+    <p:sldId id="279" r:id="rId21"/>
+    <p:sldId id="270" r:id="rId22"/>
   </p:sldIdLst>
   <p:sldSz cx="9144000" cy="5143500" type="screen16x9"/>
   <p:notesSz cx="6858000" cy="9144000"/>
@@ -129,7 +132,7 @@
   </p:defaultTextStyle>
   <p:extLst>
     <p:ext uri="{EFAFB233-063F-42B5-8137-9DF3F51BA10A}">
-      <p15:sldGuideLst xmlns:p15="http://schemas.microsoft.com/office/powerpoint/2012/main">
+      <p15:sldGuideLst xmlns:p15="http://schemas.microsoft.com/office/powerpoint/2012/main" xmlns="">
         <p15:guide id="1" orient="horz" pos="1619">
           <p15:clr>
             <a:srgbClr val="A4A3A4"/>
@@ -143,7 +146,7 @@
       </p15:sldGuideLst>
     </p:ext>
     <p:ext uri="{2D200454-40CA-4A62-9FC3-DE9A4176ACB9}">
-      <p15:notesGuideLst xmlns:p15="http://schemas.microsoft.com/office/powerpoint/2012/main"/>
+      <p15:notesGuideLst xmlns:p15="http://schemas.microsoft.com/office/powerpoint/2012/main" xmlns=""/>
     </p:ext>
   </p:extLst>
 </p:presentation>
@@ -10236,7 +10239,7 @@
         </p:nvGraphicFramePr>
         <p:xfrm>
           <a:off x="287522" y="807554"/>
-          <a:ext cx="8496945" cy="3959727"/>
+          <a:ext cx="8496945" cy="3935800"/>
         </p:xfrm>
         <a:graphic>
           <a:graphicData uri="http://schemas.openxmlformats.org/drawingml/2006/table">
@@ -11438,8 +11441,8 @@
         </p:nvSpPr>
         <p:spPr>
           <a:xfrm>
-            <a:off x="5665543" y="3795886"/>
-            <a:ext cx="1392568" cy="155053"/>
+            <a:off x="6547087" y="3795886"/>
+            <a:ext cx="365173" cy="155053"/>
           </a:xfrm>
           <a:prstGeom prst="chevron">
             <a:avLst/>
@@ -12833,10 +12836,10 @@
         </p:nvGrpSpPr>
         <p:grpSpPr>
           <a:xfrm>
-            <a:off x="647564" y="1275606"/>
-            <a:ext cx="7877421" cy="3241908"/>
-            <a:chOff x="1827386" y="1614766"/>
-            <a:chExt cx="7102967" cy="2743941"/>
+            <a:off x="647564" y="1355703"/>
+            <a:ext cx="7877421" cy="3161811"/>
+            <a:chOff x="1827386" y="1682560"/>
+            <a:chExt cx="7102967" cy="2676147"/>
           </a:xfrm>
         </p:grpSpPr>
         <p:sp>
@@ -12934,9 +12937,9 @@
           <p:grpSpPr>
             <a:xfrm>
               <a:off x="4781640" y="2163292"/>
-              <a:ext cx="1630133" cy="2014942"/>
+              <a:ext cx="1630133" cy="2027975"/>
               <a:chOff x="6436722" y="1699182"/>
-              <a:chExt cx="1630133" cy="2014942"/>
+              <a:chExt cx="1630133" cy="2027975"/>
             </a:xfrm>
           </p:grpSpPr>
           <p:pic>
@@ -12977,7 +12980,7 @@
             <p:spPr>
               <a:xfrm>
                 <a:off x="6663972" y="3466655"/>
-                <a:ext cx="1196190" cy="247469"/>
+                <a:ext cx="1069890" cy="260502"/>
               </a:xfrm>
               <a:prstGeom prst="rect">
                 <a:avLst/>
@@ -12994,7 +12997,7 @@
                   <a:defRPr lang="ko-KR" altLang="en-US"/>
                 </a:pPr>
                 <a:r>
-                  <a:rPr lang="en-US" altLang="ko-KR" sz="1400" dirty="0">
+                  <a:rPr lang="en-US" altLang="ko-KR" sz="1400" dirty="0" smtClean="0">
                     <a:latin typeface="+mn-lt"/>
                     <a:ea typeface="+mn-ea"/>
                     <a:cs typeface="+mn-cs"/>
@@ -13002,12 +13005,24 @@
                   <a:t>&lt;</a:t>
                 </a:r>
                 <a:r>
+                  <a:rPr lang="ko-KR" altLang="en-US" sz="1400" dirty="0"/>
+                  <a:t>웹</a:t>
+                </a:r>
+                <a:r>
+                  <a:rPr lang="ko-KR" altLang="en-US" sz="1400" dirty="0" smtClean="0">
+                    <a:latin typeface="+mn-lt"/>
+                    <a:ea typeface="+mn-ea"/>
+                    <a:cs typeface="+mn-cs"/>
+                  </a:rPr>
+                  <a:t> </a:t>
+                </a:r>
+                <a:r>
                   <a:rPr lang="ko-KR" altLang="en-US" sz="1400" dirty="0">
                     <a:latin typeface="+mn-lt"/>
                     <a:ea typeface="+mn-ea"/>
                     <a:cs typeface="+mn-cs"/>
                   </a:rPr>
-                  <a:t>메인 페이지</a:t>
+                  <a:t>페이지</a:t>
                 </a:r>
                 <a:r>
                   <a:rPr lang="en-US" altLang="ko-KR" sz="1400" dirty="0">
@@ -13187,7 +13202,7 @@
           </p:nvSpPr>
           <p:spPr>
             <a:xfrm>
-              <a:off x="2084820" y="1614766"/>
+              <a:off x="1956103" y="1682560"/>
               <a:ext cx="1656184" cy="260502"/>
             </a:xfrm>
             <a:prstGeom prst="rect">
@@ -13403,7 +13418,7 @@
         </p:blipFill>
         <p:spPr>
           <a:xfrm>
-            <a:off x="2924656" y="2574532"/>
+            <a:off x="1917011" y="2886660"/>
             <a:ext cx="828092" cy="774166"/>
           </a:xfrm>
           <a:prstGeom prst="rect">
@@ -13641,7 +13656,7 @@
 </file>
 
 <file path=ppt/slides/slide14.xml><?xml version="1.0" encoding="utf-8"?>
-<p:sld xmlns:a="http://schemas.openxmlformats.org/drawingml/2006/main" xmlns:r="http://schemas.openxmlformats.org/officeDocument/2006/relationships" xmlns:p="http://schemas.openxmlformats.org/presentationml/2006/main">
+<p:sld xmlns:a="http://schemas.openxmlformats.org/drawingml/2006/main" xmlns:r="http://schemas.openxmlformats.org/officeDocument/2006/relationships" xmlns:p="http://schemas.openxmlformats.org/presentationml/2006/main" showMasterSp="0">
   <p:cSld>
     <p:spTree>
       <p:nvGrpSpPr>
@@ -13659,13 +13674,379 @@
       </p:grpSpPr>
       <p:sp>
         <p:nvSpPr>
-          <p:cNvPr id="22" name="Title 1"/>
+          <p:cNvPr id="2" name="직사각형 1"/>
+          <p:cNvSpPr/>
+          <p:nvPr/>
+        </p:nvSpPr>
+        <p:spPr>
+          <a:xfrm>
+            <a:off x="1667309" y="1906517"/>
+            <a:ext cx="1332148" cy="368470"/>
+          </a:xfrm>
+          <a:prstGeom prst="rect">
+            <a:avLst/>
+          </a:prstGeom>
+          <a:ln/>
+        </p:spPr>
+        <p:style>
+          <a:lnRef idx="2">
+            <a:schemeClr val="dk1"/>
+          </a:lnRef>
+          <a:fillRef idx="1">
+            <a:schemeClr val="lt1"/>
+          </a:fillRef>
+          <a:effectRef idx="0">
+            <a:schemeClr val="dk1"/>
+          </a:effectRef>
+          <a:fontRef idx="minor">
+            <a:schemeClr val="dk1"/>
+          </a:fontRef>
+        </p:style>
+        <p:txBody>
+          <a:bodyPr vert="horz" wrap="square" lIns="91440" tIns="45720" rIns="91440" bIns="45720" numCol="1" rtlCol="0" anchor="t" anchorCtr="0" compatLnSpc="1">
+            <a:prstTxWarp prst="textNoShape">
+              <a:avLst/>
+            </a:prstTxWarp>
+          </a:bodyPr>
+          <a:lstStyle/>
+          <a:p>
+            <a:pPr algn="ctr"/>
+            <a:r>
+              <a:rPr lang="ko-KR" altLang="en-US" dirty="0" smtClean="0"/>
+              <a:t>사용자 폰</a:t>
+            </a:r>
+            <a:endParaRPr lang="ko-KR" altLang="en-US" dirty="0"/>
+          </a:p>
+        </p:txBody>
+      </p:sp>
+      <p:sp>
+        <p:nvSpPr>
+          <p:cNvPr id="17" name="타원 16"/>
+          <p:cNvSpPr/>
+          <p:nvPr/>
+        </p:nvSpPr>
+        <p:spPr>
+          <a:xfrm>
+            <a:off x="3815916" y="1743658"/>
+            <a:ext cx="1061474" cy="694187"/>
+          </a:xfrm>
+          <a:prstGeom prst="ellipse">
+            <a:avLst/>
+          </a:prstGeom>
+          <a:ln/>
+        </p:spPr>
+        <p:style>
+          <a:lnRef idx="2">
+            <a:schemeClr val="dk1"/>
+          </a:lnRef>
+          <a:fillRef idx="1">
+            <a:schemeClr val="lt1"/>
+          </a:fillRef>
+          <a:effectRef idx="0">
+            <a:schemeClr val="dk1"/>
+          </a:effectRef>
+          <a:fontRef idx="minor">
+            <a:schemeClr val="dk1"/>
+          </a:fontRef>
+        </p:style>
+        <p:txBody>
+          <a:bodyPr vert="horz" wrap="square" lIns="91440" tIns="45720" rIns="91440" bIns="45720" numCol="1" rtlCol="0" anchor="ctr" anchorCtr="0" compatLnSpc="1">
+            <a:prstTxWarp prst="textNoShape">
+              <a:avLst/>
+            </a:prstTxWarp>
+          </a:bodyPr>
+          <a:lstStyle/>
+          <a:p>
+            <a:pPr algn="ctr"/>
+            <a:r>
+              <a:rPr lang="en-US" altLang="ko-KR" sz="1100" b="1" dirty="0" smtClean="0"/>
+              <a:t>AR</a:t>
+            </a:r>
+            <a:r>
+              <a:rPr lang="ko-KR" altLang="en-US" sz="1100" b="1" dirty="0"/>
+              <a:t> </a:t>
+            </a:r>
+            <a:r>
+              <a:rPr lang="ko-KR" altLang="en-US" sz="1100" b="1" dirty="0" smtClean="0"/>
+              <a:t>실행</a:t>
+            </a:r>
+            <a:r>
+              <a:rPr lang="en-US" altLang="ko-KR" sz="1100" b="1" dirty="0"/>
+              <a:t> </a:t>
+            </a:r>
+            <a:r>
+              <a:rPr lang="ko-KR" altLang="en-US" sz="1100" b="1" dirty="0" smtClean="0"/>
+              <a:t>및 바닥감지</a:t>
+            </a:r>
+            <a:endParaRPr lang="ko-KR" altLang="en-US" sz="1100" b="1" dirty="0"/>
+          </a:p>
+        </p:txBody>
+      </p:sp>
+      <p:sp>
+        <p:nvSpPr>
+          <p:cNvPr id="76" name="TextBox 75"/>
           <p:cNvSpPr txBox="1"/>
           <p:nvPr/>
         </p:nvSpPr>
         <p:spPr>
           <a:xfrm>
-            <a:off x="381000" y="341313"/>
+            <a:off x="3074717" y="1855273"/>
+            <a:ext cx="633187" cy="194925"/>
+          </a:xfrm>
+          <a:prstGeom prst="rect">
+            <a:avLst/>
+          </a:prstGeom>
+        </p:spPr>
+        <p:txBody>
+          <a:bodyPr wrap="none" lIns="0" tIns="0" rIns="0" bIns="0" rtlCol="0" anchor="ctr">
+            <a:spAutoFit/>
+          </a:bodyPr>
+          <a:lstStyle/>
+          <a:p>
+            <a:pPr marL="0" indent="0">
+              <a:lnSpc>
+                <a:spcPct val="150000"/>
+              </a:lnSpc>
+              <a:buNone/>
+            </a:pPr>
+            <a:r>
+              <a:rPr lang="ko-KR" altLang="en-US" sz="1000" b="1" dirty="0" smtClean="0">
+                <a:solidFill>
+                  <a:schemeClr val="tx1"/>
+                </a:solidFill>
+                <a:latin typeface="+mj-lt"/>
+              </a:rPr>
+              <a:t>카메라영상</a:t>
+            </a:r>
+            <a:endParaRPr lang="ko-KR" altLang="en-US" sz="1000" b="1" dirty="0" smtClean="0">
+              <a:solidFill>
+                <a:schemeClr val="tx1"/>
+              </a:solidFill>
+              <a:latin typeface="+mj-lt"/>
+            </a:endParaRPr>
+          </a:p>
+        </p:txBody>
+      </p:sp>
+      <p:sp>
+        <p:nvSpPr>
+          <p:cNvPr id="79" name="TextBox 78"/>
+          <p:cNvSpPr txBox="1"/>
+          <p:nvPr/>
+        </p:nvSpPr>
+        <p:spPr>
+          <a:xfrm>
+            <a:off x="6840252" y="2578137"/>
+            <a:ext cx="921727" cy="461665"/>
+          </a:xfrm>
+          <a:prstGeom prst="rect">
+            <a:avLst/>
+          </a:prstGeom>
+        </p:spPr>
+        <p:txBody>
+          <a:bodyPr wrap="none" lIns="0" tIns="0" rIns="0" bIns="0" rtlCol="0" anchor="ctr">
+            <a:spAutoFit/>
+          </a:bodyPr>
+          <a:lstStyle/>
+          <a:p>
+            <a:pPr marL="0" indent="0">
+              <a:lnSpc>
+                <a:spcPct val="150000"/>
+              </a:lnSpc>
+              <a:buNone/>
+            </a:pPr>
+            <a:r>
+              <a:rPr lang="en-US" altLang="ko-KR" sz="1000" b="1" dirty="0" smtClean="0">
+                <a:latin typeface="+mj-lt"/>
+              </a:rPr>
+              <a:t>Hit-test </a:t>
+            </a:r>
+            <a:r>
+              <a:rPr lang="ko-KR" altLang="en-US" sz="1000" b="1" dirty="0" smtClean="0">
+                <a:latin typeface="+mj-lt"/>
+              </a:rPr>
+              <a:t>좌표 </a:t>
+            </a:r>
+            <a:r>
+              <a:rPr lang="ko-KR" altLang="en-US" sz="1000" b="1" dirty="0" smtClean="0">
+                <a:latin typeface="+mj-lt"/>
+              </a:rPr>
+              <a:t>값</a:t>
+            </a:r>
+            <a:endParaRPr lang="en-US" altLang="ko-KR" sz="1000" b="1" dirty="0" smtClean="0">
+              <a:latin typeface="+mj-lt"/>
+            </a:endParaRPr>
+          </a:p>
+          <a:p>
+            <a:pPr marL="0" indent="0">
+              <a:lnSpc>
+                <a:spcPct val="150000"/>
+              </a:lnSpc>
+              <a:buNone/>
+            </a:pPr>
+            <a:r>
+              <a:rPr lang="en-US" altLang="ko-KR" sz="1000" b="1" dirty="0" smtClean="0">
+                <a:solidFill>
+                  <a:schemeClr val="tx1"/>
+                </a:solidFill>
+                <a:latin typeface="+mj-lt"/>
+              </a:rPr>
+              <a:t>(4x4 </a:t>
+            </a:r>
+            <a:r>
+              <a:rPr lang="ko-KR" altLang="en-US" sz="1000" b="1" dirty="0" smtClean="0">
+                <a:solidFill>
+                  <a:schemeClr val="tx1"/>
+                </a:solidFill>
+                <a:latin typeface="+mj-lt"/>
+              </a:rPr>
+              <a:t>행렬</a:t>
+            </a:r>
+            <a:r>
+              <a:rPr lang="en-US" altLang="ko-KR" sz="1000" b="1" dirty="0" smtClean="0">
+                <a:solidFill>
+                  <a:schemeClr val="tx1"/>
+                </a:solidFill>
+                <a:latin typeface="+mj-lt"/>
+              </a:rPr>
+              <a:t>)</a:t>
+            </a:r>
+            <a:endParaRPr lang="ko-KR" altLang="en-US" sz="1000" b="1" dirty="0" smtClean="0">
+              <a:solidFill>
+                <a:schemeClr val="tx1"/>
+              </a:solidFill>
+              <a:latin typeface="+mj-lt"/>
+            </a:endParaRPr>
+          </a:p>
+        </p:txBody>
+      </p:sp>
+      <p:cxnSp>
+        <p:nvCxnSpPr>
+          <p:cNvPr id="39" name="직선 화살표 연결선 38"/>
+          <p:cNvCxnSpPr>
+            <a:stCxn id="2" idx="3"/>
+            <a:endCxn id="17" idx="2"/>
+          </p:cNvCxnSpPr>
+          <p:nvPr/>
+        </p:nvCxnSpPr>
+        <p:spPr>
+          <a:xfrm>
+            <a:off x="2999457" y="2090752"/>
+            <a:ext cx="816459" cy="0"/>
+          </a:xfrm>
+          <a:prstGeom prst="straightConnector1">
+            <a:avLst/>
+          </a:prstGeom>
+          <a:ln>
+            <a:tailEnd type="arrow"/>
+          </a:ln>
+        </p:spPr>
+        <p:style>
+          <a:lnRef idx="2">
+            <a:schemeClr val="accent1"/>
+          </a:lnRef>
+          <a:fillRef idx="0">
+            <a:schemeClr val="accent1"/>
+          </a:fillRef>
+          <a:effectRef idx="1">
+            <a:schemeClr val="accent1"/>
+          </a:effectRef>
+          <a:fontRef idx="minor">
+            <a:schemeClr val="tx1"/>
+          </a:fontRef>
+        </p:style>
+      </p:cxnSp>
+      <p:cxnSp>
+        <p:nvCxnSpPr>
+          <p:cNvPr id="60" name="직선 화살표 연결선 59"/>
+          <p:cNvCxnSpPr>
+            <a:stCxn id="168" idx="2"/>
+            <a:endCxn id="65" idx="0"/>
+          </p:cNvCxnSpPr>
+          <p:nvPr/>
+        </p:nvCxnSpPr>
+        <p:spPr>
+          <a:xfrm>
+            <a:off x="6772043" y="2319839"/>
+            <a:ext cx="33005" cy="1321920"/>
+          </a:xfrm>
+          <a:prstGeom prst="straightConnector1">
+            <a:avLst/>
+          </a:prstGeom>
+          <a:ln>
+            <a:tailEnd type="arrow"/>
+          </a:ln>
+        </p:spPr>
+        <p:style>
+          <a:lnRef idx="2">
+            <a:schemeClr val="accent1"/>
+          </a:lnRef>
+          <a:fillRef idx="0">
+            <a:schemeClr val="accent1"/>
+          </a:fillRef>
+          <a:effectRef idx="1">
+            <a:schemeClr val="accent1"/>
+          </a:effectRef>
+          <a:fontRef idx="minor">
+            <a:schemeClr val="tx1"/>
+          </a:fontRef>
+        </p:style>
+      </p:cxnSp>
+      <p:sp>
+        <p:nvSpPr>
+          <p:cNvPr id="65" name="타원 64"/>
+          <p:cNvSpPr/>
+          <p:nvPr/>
+        </p:nvSpPr>
+        <p:spPr>
+          <a:xfrm>
+            <a:off x="6301792" y="3641759"/>
+            <a:ext cx="1006512" cy="694187"/>
+          </a:xfrm>
+          <a:prstGeom prst="ellipse">
+            <a:avLst/>
+          </a:prstGeom>
+          <a:ln/>
+        </p:spPr>
+        <p:style>
+          <a:lnRef idx="2">
+            <a:schemeClr val="dk1"/>
+          </a:lnRef>
+          <a:fillRef idx="1">
+            <a:schemeClr val="lt1"/>
+          </a:fillRef>
+          <a:effectRef idx="0">
+            <a:schemeClr val="dk1"/>
+          </a:effectRef>
+          <a:fontRef idx="minor">
+            <a:schemeClr val="dk1"/>
+          </a:fontRef>
+        </p:style>
+        <p:txBody>
+          <a:bodyPr vert="horz" wrap="square" lIns="91440" tIns="45720" rIns="91440" bIns="45720" numCol="1" rtlCol="0" anchor="ctr" anchorCtr="0" compatLnSpc="1">
+            <a:prstTxWarp prst="textNoShape">
+              <a:avLst/>
+            </a:prstTxWarp>
+          </a:bodyPr>
+          <a:lstStyle/>
+          <a:p>
+            <a:pPr algn="ctr"/>
+            <a:r>
+              <a:rPr lang="ko-KR" altLang="en-US" dirty="0" smtClean="0"/>
+              <a:t>원판 생성</a:t>
+            </a:r>
+            <a:endParaRPr lang="ko-KR" altLang="en-US" dirty="0"/>
+          </a:p>
+        </p:txBody>
+      </p:sp>
+      <p:sp>
+        <p:nvSpPr>
+          <p:cNvPr id="128" name="Title 1"/>
+          <p:cNvSpPr txBox="1"/>
+          <p:nvPr/>
+        </p:nvSpPr>
+        <p:spPr>
+          <a:xfrm>
+            <a:off x="381000" y="303498"/>
             <a:ext cx="8368363" cy="495383"/>
           </a:xfrm>
           <a:prstGeom prst="rect">
@@ -13695,7 +14076,7 @@
               <a:defRPr lang="ko-KR" altLang="en-US"/>
             </a:pPr>
             <a:r>
-              <a:rPr lang="ko-KR" altLang="en-US" sz="3200" dirty="0" smtClean="0">
+              <a:rPr lang="ko-KR" altLang="en-US" sz="2800" dirty="0" smtClean="0">
                 <a:solidFill>
                   <a:srgbClr val="FFFFFF">
                     <a:lumMod val="50000"/>
@@ -13705,9 +14086,35 @@
                 <a:ea typeface="+mn-ea"/>
                 <a:cs typeface="+mn-cs"/>
               </a:rPr>
-              <a:t>데이터 흐름도 </a:t>
+              <a:t>데이터 </a:t>
             </a:r>
-            <a:endParaRPr lang="en-US" dirty="0">
+            <a:r>
+              <a:rPr lang="ko-KR" altLang="en-US" sz="2800" dirty="0" smtClean="0">
+                <a:solidFill>
+                  <a:srgbClr val="FFFFFF">
+                    <a:lumMod val="50000"/>
+                  </a:srgbClr>
+                </a:solidFill>
+                <a:latin typeface="+mn-lt"/>
+                <a:ea typeface="+mn-ea"/>
+                <a:cs typeface="+mn-cs"/>
+              </a:rPr>
+              <a:t>흐름도 </a:t>
+            </a:r>
+            <a:r>
+              <a:rPr lang="en-US" altLang="ko-KR" sz="2800" dirty="0" smtClean="0">
+                <a:solidFill>
+                  <a:srgbClr val="FFFFFF">
+                    <a:lumMod val="50000"/>
+                  </a:srgbClr>
+                </a:solidFill>
+                <a:latin typeface="+mn-lt"/>
+                <a:ea typeface="+mn-ea"/>
+                <a:cs typeface="+mn-cs"/>
+              </a:rPr>
+              <a:t>– Hit test</a:t>
+            </a:r>
+            <a:endParaRPr lang="en-US" sz="4000" dirty="0">
               <a:latin typeface="+mn-lt"/>
               <a:ea typeface="+mn-ea"/>
               <a:cs typeface="+mn-cs"/>
@@ -13715,15 +14122,541 @@
           </a:p>
         </p:txBody>
       </p:sp>
+      <p:grpSp>
+        <p:nvGrpSpPr>
+          <p:cNvPr id="158" name="그룹 157"/>
+          <p:cNvGrpSpPr/>
+          <p:nvPr/>
+        </p:nvGrpSpPr>
+        <p:grpSpPr>
+          <a:xfrm>
+            <a:off x="3648170" y="3781101"/>
+            <a:ext cx="1576577" cy="428565"/>
+            <a:chOff x="3851920" y="1809753"/>
+            <a:chExt cx="1620181" cy="555688"/>
+          </a:xfrm>
+        </p:grpSpPr>
+        <p:sp>
+          <p:nvSpPr>
+            <p:cNvPr id="159" name="직사각형 158"/>
+            <p:cNvSpPr/>
+            <p:nvPr/>
+          </p:nvSpPr>
+          <p:spPr>
+            <a:xfrm>
+              <a:off x="3851920" y="1815666"/>
+              <a:ext cx="1620180" cy="45719"/>
+            </a:xfrm>
+            <a:prstGeom prst="rect">
+              <a:avLst/>
+            </a:prstGeom>
+            <a:solidFill>
+              <a:schemeClr val="tx1"/>
+            </a:solidFill>
+            <a:ln w="9525">
+              <a:noFill/>
+              <a:round/>
+            </a:ln>
+          </p:spPr>
+          <p:txBody>
+            <a:bodyPr vert="horz" wrap="square" lIns="91440" tIns="45720" rIns="91440" bIns="45720" numCol="1" rtlCol="0" anchor="t" anchorCtr="0" compatLnSpc="1">
+              <a:prstTxWarp prst="textNoShape">
+                <a:avLst/>
+              </a:prstTxWarp>
+            </a:bodyPr>
+            <a:lstStyle/>
+            <a:p>
+              <a:pPr algn="ctr"/>
+              <a:endParaRPr lang="ko-KR" altLang="en-US"/>
+            </a:p>
+          </p:txBody>
+        </p:sp>
+        <p:sp>
+          <p:nvSpPr>
+            <p:cNvPr id="160" name="직사각형 159"/>
+            <p:cNvSpPr/>
+            <p:nvPr/>
+          </p:nvSpPr>
+          <p:spPr>
+            <a:xfrm>
+              <a:off x="3851920" y="2319722"/>
+              <a:ext cx="1620180" cy="45719"/>
+            </a:xfrm>
+            <a:prstGeom prst="rect">
+              <a:avLst/>
+            </a:prstGeom>
+            <a:solidFill>
+              <a:schemeClr val="tx1"/>
+            </a:solidFill>
+            <a:ln w="9525">
+              <a:noFill/>
+              <a:round/>
+            </a:ln>
+          </p:spPr>
+          <p:txBody>
+            <a:bodyPr vert="horz" wrap="square" lIns="91440" tIns="45720" rIns="91440" bIns="45720" numCol="1" rtlCol="0" anchor="t" anchorCtr="0" compatLnSpc="1">
+              <a:prstTxWarp prst="textNoShape">
+                <a:avLst/>
+              </a:prstTxWarp>
+            </a:bodyPr>
+            <a:lstStyle/>
+            <a:p>
+              <a:pPr algn="ctr"/>
+              <a:endParaRPr lang="ko-KR" altLang="en-US"/>
+            </a:p>
+          </p:txBody>
+        </p:sp>
+        <p:sp>
+          <p:nvSpPr>
+            <p:cNvPr id="161" name="TextBox 160"/>
+            <p:cNvSpPr txBox="1"/>
+            <p:nvPr/>
+          </p:nvSpPr>
+          <p:spPr>
+            <a:xfrm>
+              <a:off x="3851921" y="1809753"/>
+              <a:ext cx="1620180" cy="538745"/>
+            </a:xfrm>
+            <a:prstGeom prst="rect">
+              <a:avLst/>
+            </a:prstGeom>
+          </p:spPr>
+          <p:txBody>
+            <a:bodyPr wrap="square" lIns="0" tIns="0" rIns="0" bIns="0" rtlCol="0" anchor="ctr">
+              <a:spAutoFit/>
+            </a:bodyPr>
+            <a:lstStyle/>
+            <a:p>
+              <a:pPr marL="0" indent="0" algn="ctr">
+                <a:lnSpc>
+                  <a:spcPct val="150000"/>
+                </a:lnSpc>
+                <a:buNone/>
+              </a:pPr>
+              <a:r>
+                <a:rPr lang="ko-KR" altLang="en-US" b="1" dirty="0" smtClean="0">
+                  <a:latin typeface="+mj-lt"/>
+                </a:rPr>
+                <a:t>원판</a:t>
+              </a:r>
+              <a:r>
+                <a:rPr lang="ko-KR" altLang="en-US" b="1" dirty="0">
+                  <a:latin typeface="+mj-lt"/>
+                </a:rPr>
+                <a:t>의</a:t>
+              </a:r>
+              <a:r>
+                <a:rPr lang="en-US" altLang="ko-KR" b="1" dirty="0" smtClean="0">
+                  <a:solidFill>
+                    <a:schemeClr val="tx1"/>
+                  </a:solidFill>
+                  <a:latin typeface="+mj-lt"/>
+                </a:rPr>
+                <a:t> </a:t>
+              </a:r>
+              <a:r>
+                <a:rPr lang="ko-KR" altLang="en-US" b="1" dirty="0" smtClean="0">
+                  <a:solidFill>
+                    <a:schemeClr val="tx1"/>
+                  </a:solidFill>
+                  <a:latin typeface="+mj-lt"/>
+                </a:rPr>
+                <a:t>좌표</a:t>
+              </a:r>
+            </a:p>
+          </p:txBody>
+        </p:sp>
+      </p:grpSp>
       <p:sp>
         <p:nvSpPr>
-          <p:cNvPr id="2" name="직사각형 1"/>
+          <p:cNvPr id="162" name="TextBox 161"/>
+          <p:cNvSpPr txBox="1"/>
+          <p:nvPr/>
+        </p:nvSpPr>
+        <p:spPr>
+          <a:xfrm>
+            <a:off x="5379330" y="3749771"/>
+            <a:ext cx="884858" cy="425758"/>
+          </a:xfrm>
+          <a:prstGeom prst="rect">
+            <a:avLst/>
+          </a:prstGeom>
+        </p:spPr>
+        <p:txBody>
+          <a:bodyPr wrap="none" lIns="0" tIns="0" rIns="0" bIns="0" rtlCol="0" anchor="ctr">
+            <a:spAutoFit/>
+          </a:bodyPr>
+          <a:lstStyle/>
+          <a:p>
+            <a:pPr marL="0" indent="0">
+              <a:lnSpc>
+                <a:spcPct val="150000"/>
+              </a:lnSpc>
+              <a:buNone/>
+            </a:pPr>
+            <a:r>
+              <a:rPr lang="ko-KR" altLang="en-US" sz="1000" b="1" dirty="0" smtClean="0">
+                <a:latin typeface="+mj-lt"/>
+              </a:rPr>
+              <a:t>원판의</a:t>
+            </a:r>
+            <a:r>
+              <a:rPr lang="en-US" altLang="ko-KR" sz="1000" b="1" dirty="0" smtClean="0">
+                <a:latin typeface="+mj-lt"/>
+              </a:rPr>
+              <a:t> </a:t>
+            </a:r>
+            <a:r>
+              <a:rPr lang="ko-KR" altLang="en-US" sz="1000" b="1" dirty="0" smtClean="0">
+                <a:latin typeface="+mj-lt"/>
+              </a:rPr>
+              <a:t>좌표 </a:t>
+            </a:r>
+            <a:r>
+              <a:rPr lang="ko-KR" altLang="en-US" sz="1000" b="1" dirty="0" smtClean="0">
+                <a:latin typeface="+mj-lt"/>
+              </a:rPr>
+              <a:t>값 </a:t>
+            </a:r>
+            <a:endParaRPr lang="en-US" altLang="ko-KR" sz="1000" b="1" dirty="0" smtClean="0">
+              <a:latin typeface="+mj-lt"/>
+            </a:endParaRPr>
+          </a:p>
+          <a:p>
+            <a:pPr marL="0" indent="0">
+              <a:lnSpc>
+                <a:spcPct val="150000"/>
+              </a:lnSpc>
+              <a:buNone/>
+            </a:pPr>
+            <a:r>
+              <a:rPr lang="en-US" altLang="ko-KR" sz="1000" b="1" dirty="0" smtClean="0">
+                <a:latin typeface="+mj-lt"/>
+              </a:rPr>
+              <a:t>(</a:t>
+            </a:r>
+            <a:r>
+              <a:rPr lang="en-US" altLang="ko-KR" sz="1000" b="1" dirty="0" smtClean="0">
+                <a:latin typeface="+mj-lt"/>
+              </a:rPr>
+              <a:t>x, y, z)</a:t>
+            </a:r>
+            <a:endParaRPr lang="ko-KR" altLang="en-US" sz="1000" b="1" dirty="0" smtClean="0">
+              <a:solidFill>
+                <a:schemeClr val="tx1"/>
+              </a:solidFill>
+              <a:latin typeface="+mj-lt"/>
+            </a:endParaRPr>
+          </a:p>
+        </p:txBody>
+      </p:sp>
+      <p:cxnSp>
+        <p:nvCxnSpPr>
+          <p:cNvPr id="163" name="직선 화살표 연결선 162"/>
+          <p:cNvCxnSpPr>
+            <a:stCxn id="65" idx="2"/>
+            <a:endCxn id="161" idx="3"/>
+          </p:cNvCxnSpPr>
+          <p:nvPr/>
+        </p:nvCxnSpPr>
+        <p:spPr>
+          <a:xfrm flipH="1" flipV="1">
+            <a:off x="5224747" y="3988850"/>
+            <a:ext cx="1077045" cy="3"/>
+          </a:xfrm>
+          <a:prstGeom prst="straightConnector1">
+            <a:avLst/>
+          </a:prstGeom>
+          <a:ln>
+            <a:tailEnd type="arrow"/>
+          </a:ln>
+        </p:spPr>
+        <p:style>
+          <a:lnRef idx="2">
+            <a:schemeClr val="accent1"/>
+          </a:lnRef>
+          <a:fillRef idx="0">
+            <a:schemeClr val="accent1"/>
+          </a:fillRef>
+          <a:effectRef idx="1">
+            <a:schemeClr val="accent1"/>
+          </a:effectRef>
+          <a:fontRef idx="minor">
+            <a:schemeClr val="tx1"/>
+          </a:fontRef>
+        </p:style>
+      </p:cxnSp>
+      <p:grpSp>
+        <p:nvGrpSpPr>
+          <p:cNvPr id="166" name="그룹 165"/>
+          <p:cNvGrpSpPr/>
+          <p:nvPr/>
+        </p:nvGrpSpPr>
+        <p:grpSpPr>
+          <a:xfrm>
+            <a:off x="5983755" y="1891277"/>
+            <a:ext cx="1576577" cy="428562"/>
+            <a:chOff x="3851920" y="1809757"/>
+            <a:chExt cx="1620181" cy="555684"/>
+          </a:xfrm>
+        </p:grpSpPr>
+        <p:sp>
+          <p:nvSpPr>
+            <p:cNvPr id="167" name="직사각형 166"/>
+            <p:cNvSpPr/>
+            <p:nvPr/>
+          </p:nvSpPr>
+          <p:spPr>
+            <a:xfrm>
+              <a:off x="3851920" y="1815666"/>
+              <a:ext cx="1620180" cy="45719"/>
+            </a:xfrm>
+            <a:prstGeom prst="rect">
+              <a:avLst/>
+            </a:prstGeom>
+            <a:solidFill>
+              <a:schemeClr val="tx1"/>
+            </a:solidFill>
+            <a:ln w="9525">
+              <a:noFill/>
+              <a:round/>
+            </a:ln>
+          </p:spPr>
+          <p:txBody>
+            <a:bodyPr vert="horz" wrap="square" lIns="91440" tIns="45720" rIns="91440" bIns="45720" numCol="1" rtlCol="0" anchor="t" anchorCtr="0" compatLnSpc="1">
+              <a:prstTxWarp prst="textNoShape">
+                <a:avLst/>
+              </a:prstTxWarp>
+            </a:bodyPr>
+            <a:lstStyle/>
+            <a:p>
+              <a:pPr algn="ctr"/>
+              <a:endParaRPr lang="ko-KR" altLang="en-US"/>
+            </a:p>
+          </p:txBody>
+        </p:sp>
+        <p:sp>
+          <p:nvSpPr>
+            <p:cNvPr id="168" name="직사각형 167"/>
+            <p:cNvSpPr/>
+            <p:nvPr/>
+          </p:nvSpPr>
+          <p:spPr>
+            <a:xfrm>
+              <a:off x="3851920" y="2319722"/>
+              <a:ext cx="1620180" cy="45719"/>
+            </a:xfrm>
+            <a:prstGeom prst="rect">
+              <a:avLst/>
+            </a:prstGeom>
+            <a:solidFill>
+              <a:schemeClr val="tx1"/>
+            </a:solidFill>
+            <a:ln w="9525">
+              <a:noFill/>
+              <a:round/>
+            </a:ln>
+          </p:spPr>
+          <p:txBody>
+            <a:bodyPr vert="horz" wrap="square" lIns="91440" tIns="45720" rIns="91440" bIns="45720" numCol="1" rtlCol="0" anchor="t" anchorCtr="0" compatLnSpc="1">
+              <a:prstTxWarp prst="textNoShape">
+                <a:avLst/>
+              </a:prstTxWarp>
+            </a:bodyPr>
+            <a:lstStyle/>
+            <a:p>
+              <a:pPr algn="ctr"/>
+              <a:endParaRPr lang="ko-KR" altLang="en-US"/>
+            </a:p>
+          </p:txBody>
+        </p:sp>
+        <p:sp>
+          <p:nvSpPr>
+            <p:cNvPr id="169" name="TextBox 168"/>
+            <p:cNvSpPr txBox="1"/>
+            <p:nvPr/>
+          </p:nvSpPr>
+          <p:spPr>
+            <a:xfrm>
+              <a:off x="3851921" y="1809757"/>
+              <a:ext cx="1620180" cy="538745"/>
+            </a:xfrm>
+            <a:prstGeom prst="rect">
+              <a:avLst/>
+            </a:prstGeom>
+          </p:spPr>
+          <p:txBody>
+            <a:bodyPr wrap="square" lIns="0" tIns="0" rIns="0" bIns="0" rtlCol="0" anchor="ctr">
+              <a:spAutoFit/>
+            </a:bodyPr>
+            <a:lstStyle/>
+            <a:p>
+              <a:pPr marL="0" indent="0" algn="ctr">
+                <a:lnSpc>
+                  <a:spcPct val="150000"/>
+                </a:lnSpc>
+                <a:buNone/>
+              </a:pPr>
+              <a:r>
+                <a:rPr lang="en-US" altLang="ko-KR" b="1" dirty="0" smtClean="0">
+                  <a:latin typeface="+mj-lt"/>
+                </a:rPr>
+                <a:t>AR</a:t>
+              </a:r>
+              <a:r>
+                <a:rPr lang="ko-KR" altLang="en-US" b="1" dirty="0" smtClean="0">
+                  <a:solidFill>
+                    <a:schemeClr val="tx1"/>
+                  </a:solidFill>
+                  <a:latin typeface="+mj-lt"/>
+                </a:rPr>
+                <a:t>공간 정보</a:t>
+              </a:r>
+              <a:endParaRPr lang="ko-KR" altLang="en-US" b="1" dirty="0" smtClean="0">
+                <a:solidFill>
+                  <a:schemeClr val="tx1"/>
+                </a:solidFill>
+                <a:latin typeface="+mj-lt"/>
+              </a:endParaRPr>
+            </a:p>
+          </p:txBody>
+        </p:sp>
+      </p:grpSp>
+      <p:cxnSp>
+        <p:nvCxnSpPr>
+          <p:cNvPr id="170" name="직선 화살표 연결선 169"/>
+          <p:cNvCxnSpPr>
+            <a:stCxn id="17" idx="6"/>
+            <a:endCxn id="169" idx="1"/>
+          </p:cNvCxnSpPr>
+          <p:nvPr/>
+        </p:nvCxnSpPr>
+        <p:spPr>
+          <a:xfrm>
+            <a:off x="4877390" y="2090752"/>
+            <a:ext cx="1106366" cy="8274"/>
+          </a:xfrm>
+          <a:prstGeom prst="straightConnector1">
+            <a:avLst/>
+          </a:prstGeom>
+          <a:ln>
+            <a:tailEnd type="arrow"/>
+          </a:ln>
+        </p:spPr>
+        <p:style>
+          <a:lnRef idx="2">
+            <a:schemeClr val="accent1"/>
+          </a:lnRef>
+          <a:fillRef idx="0">
+            <a:schemeClr val="accent1"/>
+          </a:fillRef>
+          <a:effectRef idx="1">
+            <a:schemeClr val="accent1"/>
+          </a:effectRef>
+          <a:fontRef idx="minor">
+            <a:schemeClr val="tx1"/>
+          </a:fontRef>
+        </p:style>
+      </p:cxnSp>
+      <p:sp>
+        <p:nvSpPr>
+          <p:cNvPr id="178" name="TextBox 177"/>
+          <p:cNvSpPr txBox="1"/>
+          <p:nvPr/>
+        </p:nvSpPr>
+        <p:spPr>
+          <a:xfrm>
+            <a:off x="4932040" y="1815666"/>
+            <a:ext cx="969817" cy="230832"/>
+          </a:xfrm>
+          <a:prstGeom prst="rect">
+            <a:avLst/>
+          </a:prstGeom>
+        </p:spPr>
+        <p:txBody>
+          <a:bodyPr wrap="none" lIns="0" tIns="0" rIns="0" bIns="0" rtlCol="0" anchor="ctr">
+            <a:spAutoFit/>
+          </a:bodyPr>
+          <a:lstStyle/>
+          <a:p>
+            <a:pPr marL="0" indent="0">
+              <a:lnSpc>
+                <a:spcPct val="150000"/>
+              </a:lnSpc>
+              <a:buNone/>
+            </a:pPr>
+            <a:r>
+              <a:rPr lang="ko-KR" altLang="en-US" sz="1000" b="1" dirty="0" smtClean="0">
+                <a:latin typeface="+mj-lt"/>
+              </a:rPr>
+              <a:t>바닥감지</a:t>
+            </a:r>
+            <a:r>
+              <a:rPr lang="en-US" altLang="ko-KR" sz="1000" b="1" dirty="0" smtClean="0">
+                <a:latin typeface="+mj-lt"/>
+              </a:rPr>
+              <a:t> </a:t>
+            </a:r>
+            <a:r>
+              <a:rPr lang="ko-KR" altLang="en-US" sz="1000" b="1" dirty="0" smtClean="0">
+                <a:latin typeface="+mj-lt"/>
+              </a:rPr>
+              <a:t>결과 값</a:t>
+            </a:r>
+            <a:endParaRPr lang="ko-KR" altLang="en-US" sz="1000" b="1" dirty="0" smtClean="0">
+              <a:solidFill>
+                <a:schemeClr val="tx1"/>
+              </a:solidFill>
+              <a:latin typeface="+mj-lt"/>
+            </a:endParaRPr>
+          </a:p>
+        </p:txBody>
+      </p:sp>
+      <p:cxnSp>
+        <p:nvCxnSpPr>
+          <p:cNvPr id="179" name="직선 화살표 연결선 178"/>
+          <p:cNvCxnSpPr>
+            <a:stCxn id="65" idx="6"/>
+            <a:endCxn id="182" idx="2"/>
+          </p:cNvCxnSpPr>
+          <p:nvPr/>
+        </p:nvCxnSpPr>
+        <p:spPr>
+          <a:xfrm flipV="1">
+            <a:off x="7308304" y="3480280"/>
+            <a:ext cx="882098" cy="508573"/>
+          </a:xfrm>
+          <a:prstGeom prst="curvedConnector2">
+            <a:avLst/>
+          </a:prstGeom>
+          <a:ln>
+            <a:tailEnd type="arrow"/>
+          </a:ln>
+        </p:spPr>
+        <p:style>
+          <a:lnRef idx="2">
+            <a:schemeClr val="accent1"/>
+          </a:lnRef>
+          <a:fillRef idx="0">
+            <a:schemeClr val="accent1"/>
+          </a:fillRef>
+          <a:effectRef idx="1">
+            <a:schemeClr val="accent1"/>
+          </a:effectRef>
+          <a:fontRef idx="minor">
+            <a:schemeClr val="tx1"/>
+          </a:fontRef>
+        </p:style>
+      </p:cxnSp>
+      <p:sp>
+        <p:nvSpPr>
+          <p:cNvPr id="182" name="직사각형 181"/>
           <p:cNvSpPr/>
           <p:nvPr/>
         </p:nvSpPr>
         <p:spPr>
           <a:xfrm>
-            <a:off x="293620" y="381333"/>
+            <a:off x="7524328" y="3111810"/>
             <a:ext cx="1332148" cy="368470"/>
           </a:xfrm>
           <a:prstGeom prst="rect">
@@ -13756,12 +14689,302 @@
             <a:pPr algn="ctr"/>
             <a:r>
               <a:rPr lang="en-US" altLang="ko-KR" dirty="0" smtClean="0"/>
-              <a:t>interior</a:t>
+              <a:t>AR</a:t>
+            </a:r>
+            <a:r>
+              <a:rPr lang="ko-KR" altLang="en-US" dirty="0" smtClean="0"/>
+              <a:t>화면</a:t>
             </a:r>
             <a:endParaRPr lang="ko-KR" altLang="en-US" dirty="0"/>
           </a:p>
         </p:txBody>
       </p:sp>
+      <p:sp>
+        <p:nvSpPr>
+          <p:cNvPr id="186" name="TextBox 185"/>
+          <p:cNvSpPr txBox="1"/>
+          <p:nvPr/>
+        </p:nvSpPr>
+        <p:spPr>
+          <a:xfrm>
+            <a:off x="7560331" y="3683638"/>
+            <a:ext cx="253274" cy="194925"/>
+          </a:xfrm>
+          <a:prstGeom prst="rect">
+            <a:avLst/>
+          </a:prstGeom>
+        </p:spPr>
+        <p:txBody>
+          <a:bodyPr wrap="none" lIns="0" tIns="0" rIns="0" bIns="0" rtlCol="0" anchor="ctr">
+            <a:spAutoFit/>
+          </a:bodyPr>
+          <a:lstStyle/>
+          <a:p>
+            <a:pPr marL="0" indent="0">
+              <a:lnSpc>
+                <a:spcPct val="150000"/>
+              </a:lnSpc>
+              <a:buNone/>
+            </a:pPr>
+            <a:r>
+              <a:rPr lang="ko-KR" altLang="en-US" sz="1000" b="1" dirty="0" smtClean="0">
+                <a:solidFill>
+                  <a:schemeClr val="tx1"/>
+                </a:solidFill>
+                <a:latin typeface="+mj-lt"/>
+              </a:rPr>
+              <a:t>원판</a:t>
+            </a:r>
+            <a:endParaRPr lang="ko-KR" altLang="en-US" sz="1000" b="1" dirty="0" smtClean="0">
+              <a:solidFill>
+                <a:schemeClr val="tx1"/>
+              </a:solidFill>
+              <a:latin typeface="+mj-lt"/>
+            </a:endParaRPr>
+          </a:p>
+        </p:txBody>
+      </p:sp>
+    </p:spTree>
+    <p:extLst>
+      <p:ext uri="{BB962C8B-B14F-4D97-AF65-F5344CB8AC3E}">
+        <p14:creationId xmlns:p14="http://schemas.microsoft.com/office/powerpoint/2010/main" val="1427322013"/>
+      </p:ext>
+    </p:extLst>
+  </p:cSld>
+  <p:clrMapOvr>
+    <a:masterClrMapping/>
+  </p:clrMapOvr>
+  <mc:AlternateContent xmlns:mc="http://schemas.openxmlformats.org/markup-compatibility/2006" xmlns:p14="http://schemas.microsoft.com/office/powerpoint/2010/main">
+    <mc:Choice Requires="p14">
+      <p:transition spd="med" p14:dur="700" advTm="20000">
+        <p:fade/>
+      </p:transition>
+    </mc:Choice>
+    <mc:Fallback xmlns="">
+      <p:transition spd="med" advTm="20000">
+        <p:fade/>
+      </p:transition>
+    </mc:Fallback>
+  </mc:AlternateContent>
+  <p:timing>
+    <p:tnLst>
+      <p:par>
+        <p:cTn id="1" dur="indefinite" restart="never" nodeType="tmRoot"/>
+      </p:par>
+    </p:tnLst>
+  </p:timing>
+</p:sld>
+</file>
+
+<file path=ppt/slides/slide15.xml><?xml version="1.0" encoding="utf-8"?>
+<p:sld xmlns:a="http://schemas.openxmlformats.org/drawingml/2006/main" xmlns:r="http://schemas.openxmlformats.org/officeDocument/2006/relationships" xmlns:p="http://schemas.openxmlformats.org/presentationml/2006/main" showMasterSp="0">
+  <p:cSld>
+    <p:spTree>
+      <p:nvGrpSpPr>
+        <p:cNvPr id="1" name=""/>
+        <p:cNvGrpSpPr/>
+        <p:nvPr/>
+      </p:nvGrpSpPr>
+      <p:grpSpPr>
+        <a:xfrm>
+          <a:off x="0" y="0"/>
+          <a:ext cx="0" cy="0"/>
+          <a:chOff x="0" y="0"/>
+          <a:chExt cx="0" cy="0"/>
+        </a:xfrm>
+      </p:grpSpPr>
+      <p:sp>
+        <p:nvSpPr>
+          <p:cNvPr id="2" name="직사각형 1"/>
+          <p:cNvSpPr/>
+          <p:nvPr/>
+        </p:nvSpPr>
+        <p:spPr>
+          <a:xfrm>
+            <a:off x="843535" y="1527440"/>
+            <a:ext cx="1332148" cy="368470"/>
+          </a:xfrm>
+          <a:prstGeom prst="rect">
+            <a:avLst/>
+          </a:prstGeom>
+          <a:ln/>
+        </p:spPr>
+        <p:style>
+          <a:lnRef idx="2">
+            <a:schemeClr val="dk1"/>
+          </a:lnRef>
+          <a:fillRef idx="1">
+            <a:schemeClr val="lt1"/>
+          </a:fillRef>
+          <a:effectRef idx="0">
+            <a:schemeClr val="dk1"/>
+          </a:effectRef>
+          <a:fontRef idx="minor">
+            <a:schemeClr val="dk1"/>
+          </a:fontRef>
+        </p:style>
+        <p:txBody>
+          <a:bodyPr vert="horz" wrap="square" lIns="91440" tIns="45720" rIns="91440" bIns="45720" numCol="1" rtlCol="0" anchor="t" anchorCtr="0" compatLnSpc="1">
+            <a:prstTxWarp prst="textNoShape">
+              <a:avLst/>
+            </a:prstTxWarp>
+          </a:bodyPr>
+          <a:lstStyle/>
+          <a:p>
+            <a:pPr algn="ctr"/>
+            <a:r>
+              <a:rPr lang="ko-KR" altLang="en-US" dirty="0" smtClean="0"/>
+              <a:t>사용자 폰</a:t>
+            </a:r>
+            <a:endParaRPr lang="ko-KR" altLang="en-US" dirty="0"/>
+          </a:p>
+        </p:txBody>
+      </p:sp>
+      <p:grpSp>
+        <p:nvGrpSpPr>
+          <p:cNvPr id="12" name="그룹 11"/>
+          <p:cNvGrpSpPr/>
+          <p:nvPr/>
+        </p:nvGrpSpPr>
+        <p:grpSpPr>
+          <a:xfrm>
+            <a:off x="3651847" y="3799369"/>
+            <a:ext cx="1576577" cy="428565"/>
+            <a:chOff x="3851920" y="1809753"/>
+            <a:chExt cx="1620181" cy="555688"/>
+          </a:xfrm>
+        </p:grpSpPr>
+        <p:sp>
+          <p:nvSpPr>
+            <p:cNvPr id="14" name="직사각형 13"/>
+            <p:cNvSpPr/>
+            <p:nvPr/>
+          </p:nvSpPr>
+          <p:spPr>
+            <a:xfrm>
+              <a:off x="3851920" y="1815666"/>
+              <a:ext cx="1620180" cy="45719"/>
+            </a:xfrm>
+            <a:prstGeom prst="rect">
+              <a:avLst/>
+            </a:prstGeom>
+            <a:solidFill>
+              <a:schemeClr val="tx1"/>
+            </a:solidFill>
+            <a:ln w="9525">
+              <a:noFill/>
+              <a:round/>
+            </a:ln>
+          </p:spPr>
+          <p:txBody>
+            <a:bodyPr vert="horz" wrap="square" lIns="91440" tIns="45720" rIns="91440" bIns="45720" numCol="1" rtlCol="0" anchor="t" anchorCtr="0" compatLnSpc="1">
+              <a:prstTxWarp prst="textNoShape">
+                <a:avLst/>
+              </a:prstTxWarp>
+            </a:bodyPr>
+            <a:lstStyle/>
+            <a:p>
+              <a:pPr algn="ctr"/>
+              <a:endParaRPr lang="ko-KR" altLang="en-US"/>
+            </a:p>
+          </p:txBody>
+        </p:sp>
+        <p:sp>
+          <p:nvSpPr>
+            <p:cNvPr id="15" name="직사각형 14"/>
+            <p:cNvSpPr/>
+            <p:nvPr/>
+          </p:nvSpPr>
+          <p:spPr>
+            <a:xfrm>
+              <a:off x="3851920" y="2319722"/>
+              <a:ext cx="1620180" cy="45719"/>
+            </a:xfrm>
+            <a:prstGeom prst="rect">
+              <a:avLst/>
+            </a:prstGeom>
+            <a:solidFill>
+              <a:schemeClr val="tx1"/>
+            </a:solidFill>
+            <a:ln w="9525">
+              <a:noFill/>
+              <a:round/>
+            </a:ln>
+          </p:spPr>
+          <p:txBody>
+            <a:bodyPr vert="horz" wrap="square" lIns="91440" tIns="45720" rIns="91440" bIns="45720" numCol="1" rtlCol="0" anchor="t" anchorCtr="0" compatLnSpc="1">
+              <a:prstTxWarp prst="textNoShape">
+                <a:avLst/>
+              </a:prstTxWarp>
+            </a:bodyPr>
+            <a:lstStyle/>
+            <a:p>
+              <a:pPr algn="ctr"/>
+              <a:endParaRPr lang="ko-KR" altLang="en-US"/>
+            </a:p>
+          </p:txBody>
+        </p:sp>
+        <p:sp>
+          <p:nvSpPr>
+            <p:cNvPr id="16" name="TextBox 15"/>
+            <p:cNvSpPr txBox="1"/>
+            <p:nvPr/>
+          </p:nvSpPr>
+          <p:spPr>
+            <a:xfrm>
+              <a:off x="3851921" y="1809753"/>
+              <a:ext cx="1620180" cy="538745"/>
+            </a:xfrm>
+            <a:prstGeom prst="rect">
+              <a:avLst/>
+            </a:prstGeom>
+          </p:spPr>
+          <p:txBody>
+            <a:bodyPr wrap="square" lIns="0" tIns="0" rIns="0" bIns="0" rtlCol="0" anchor="ctr">
+              <a:spAutoFit/>
+            </a:bodyPr>
+            <a:lstStyle/>
+            <a:p>
+              <a:pPr marL="0" indent="0" algn="ctr">
+                <a:lnSpc>
+                  <a:spcPct val="150000"/>
+                </a:lnSpc>
+                <a:buNone/>
+              </a:pPr>
+              <a:r>
+                <a:rPr lang="ko-KR" altLang="en-US" b="1" dirty="0" smtClean="0">
+                  <a:latin typeface="+mj-lt"/>
+                </a:rPr>
+                <a:t>원판</a:t>
+              </a:r>
+              <a:r>
+                <a:rPr lang="ko-KR" altLang="en-US" b="1" dirty="0">
+                  <a:latin typeface="+mj-lt"/>
+                </a:rPr>
+                <a:t>의</a:t>
+              </a:r>
+              <a:r>
+                <a:rPr lang="en-US" altLang="ko-KR" b="1" dirty="0" smtClean="0">
+                  <a:solidFill>
+                    <a:schemeClr val="tx1"/>
+                  </a:solidFill>
+                  <a:latin typeface="+mj-lt"/>
+                </a:rPr>
+                <a:t> </a:t>
+              </a:r>
+              <a:r>
+                <a:rPr lang="ko-KR" altLang="en-US" b="1" dirty="0" smtClean="0">
+                  <a:solidFill>
+                    <a:schemeClr val="tx1"/>
+                  </a:solidFill>
+                  <a:latin typeface="+mj-lt"/>
+                </a:rPr>
+                <a:t>좌표</a:t>
+              </a:r>
+            </a:p>
+          </p:txBody>
+        </p:sp>
+      </p:grpSp>
       <p:sp>
         <p:nvSpPr>
           <p:cNvPr id="3" name="타원 2"/>
@@ -13770,7 +14993,7 @@
         </p:nvSpPr>
         <p:spPr>
           <a:xfrm>
-            <a:off x="3879134" y="1142158"/>
+            <a:off x="6263903" y="2391730"/>
             <a:ext cx="1276376" cy="855312"/>
           </a:xfrm>
           <a:prstGeom prst="ellipse">
@@ -13803,18 +15026,11 @@
             <a:pPr algn="ctr"/>
             <a:r>
               <a:rPr lang="ko-KR" altLang="en-US" sz="1200" dirty="0" smtClean="0"/>
-              <a:t>물체 생성</a:t>
+              <a:t>물체 </a:t>
             </a:r>
             <a:r>
-              <a:rPr lang="en-US" altLang="ko-KR" sz="1200" dirty="0" smtClean="0"/>
-              <a:t>,</a:t>
-            </a:r>
-          </a:p>
-          <a:p>
-            <a:pPr algn="ctr"/>
-            <a:r>
               <a:rPr lang="ko-KR" altLang="en-US" sz="1200" dirty="0" smtClean="0"/>
-              <a:t>원판 변경</a:t>
+              <a:t>생성 및 원판변경</a:t>
             </a:r>
             <a:endParaRPr lang="en-US" altLang="ko-KR" sz="1200" dirty="0" smtClean="0"/>
           </a:p>
@@ -13828,10 +15044,10 @@
         </p:nvGrpSpPr>
         <p:grpSpPr>
           <a:xfrm>
-            <a:off x="3688135" y="3481658"/>
-            <a:ext cx="1332148" cy="424005"/>
-            <a:chOff x="3851920" y="1815666"/>
-            <a:chExt cx="1620180" cy="549775"/>
+            <a:off x="3759859" y="2633560"/>
+            <a:ext cx="1332148" cy="428878"/>
+            <a:chOff x="3851920" y="1809348"/>
+            <a:chExt cx="1620180" cy="556093"/>
           </a:xfrm>
         </p:grpSpPr>
         <p:sp>
@@ -13912,8 +15128,8 @@
           </p:nvSpPr>
           <p:spPr>
             <a:xfrm>
-              <a:off x="3851920" y="1861385"/>
-              <a:ext cx="1620180" cy="350865"/>
+              <a:off x="3851920" y="1809348"/>
+              <a:ext cx="1620180" cy="454940"/>
             </a:xfrm>
             <a:prstGeom prst="rect">
               <a:avLst/>
@@ -13938,29 +15154,682 @@
                   </a:solidFill>
                   <a:latin typeface="+mj-lt"/>
                 </a:rPr>
-                <a:t>제어판 변수</a:t>
+                <a:t>제어판</a:t>
               </a:r>
+              <a:r>
+                <a:rPr lang="en-US" altLang="ko-KR" b="1" dirty="0" smtClean="0">
+                  <a:solidFill>
+                    <a:schemeClr val="tx1"/>
+                  </a:solidFill>
+                  <a:latin typeface="+mj-lt"/>
+                </a:rPr>
+                <a:t>(</a:t>
+              </a:r>
+              <a:r>
+                <a:rPr lang="ko-KR" altLang="en-US" b="1" dirty="0">
+                  <a:latin typeface="+mj-lt"/>
+                </a:rPr>
+                <a:t>값</a:t>
+              </a:r>
+              <a:r>
+                <a:rPr lang="en-US" altLang="ko-KR" b="1" dirty="0" smtClean="0">
+                  <a:solidFill>
+                    <a:schemeClr val="tx1"/>
+                  </a:solidFill>
+                  <a:latin typeface="+mj-lt"/>
+                </a:rPr>
+                <a:t>)</a:t>
+              </a:r>
+              <a:endParaRPr lang="ko-KR" altLang="en-US" b="1" dirty="0" smtClean="0">
+                <a:solidFill>
+                  <a:schemeClr val="tx1"/>
+                </a:solidFill>
+                <a:latin typeface="+mj-lt"/>
+              </a:endParaRPr>
             </a:p>
           </p:txBody>
         </p:sp>
       </p:grpSp>
+      <p:sp>
+        <p:nvSpPr>
+          <p:cNvPr id="77" name="TextBox 76"/>
+          <p:cNvSpPr txBox="1"/>
+          <p:nvPr/>
+        </p:nvSpPr>
+        <p:spPr>
+          <a:xfrm>
+            <a:off x="5452047" y="3543858"/>
+            <a:ext cx="843180" cy="230832"/>
+          </a:xfrm>
+          <a:prstGeom prst="rect">
+            <a:avLst/>
+          </a:prstGeom>
+        </p:spPr>
+        <p:txBody>
+          <a:bodyPr wrap="none" lIns="0" tIns="0" rIns="0" bIns="0" rtlCol="0" anchor="ctr">
+            <a:spAutoFit/>
+          </a:bodyPr>
+          <a:lstStyle/>
+          <a:p>
+            <a:pPr marL="0" indent="0">
+              <a:lnSpc>
+                <a:spcPct val="150000"/>
+              </a:lnSpc>
+              <a:buNone/>
+            </a:pPr>
+            <a:r>
+              <a:rPr lang="ko-KR" altLang="en-US" sz="1000" b="1" dirty="0" smtClean="0">
+                <a:latin typeface="+mj-lt"/>
+              </a:rPr>
+              <a:t>원판의</a:t>
+            </a:r>
+            <a:r>
+              <a:rPr lang="en-US" altLang="ko-KR" sz="1000" b="1" dirty="0" smtClean="0">
+                <a:latin typeface="+mj-lt"/>
+              </a:rPr>
+              <a:t> </a:t>
+            </a:r>
+            <a:r>
+              <a:rPr lang="ko-KR" altLang="en-US" sz="1000" b="1" dirty="0" smtClean="0">
+                <a:latin typeface="+mj-lt"/>
+              </a:rPr>
+              <a:t>좌표 값</a:t>
+            </a:r>
+            <a:endParaRPr lang="ko-KR" altLang="en-US" sz="1000" b="1" dirty="0" smtClean="0">
+              <a:solidFill>
+                <a:schemeClr val="tx1"/>
+              </a:solidFill>
+              <a:latin typeface="+mj-lt"/>
+            </a:endParaRPr>
+          </a:p>
+        </p:txBody>
+      </p:sp>
+      <p:cxnSp>
+        <p:nvCxnSpPr>
+          <p:cNvPr id="80" name="직선 화살표 연결선 79"/>
+          <p:cNvCxnSpPr>
+            <a:stCxn id="2" idx="3"/>
+            <a:endCxn id="142" idx="2"/>
+          </p:cNvCxnSpPr>
+          <p:nvPr/>
+        </p:nvCxnSpPr>
+        <p:spPr>
+          <a:xfrm>
+            <a:off x="2175683" y="1711675"/>
+            <a:ext cx="541660" cy="0"/>
+          </a:xfrm>
+          <a:prstGeom prst="straightConnector1">
+            <a:avLst/>
+          </a:prstGeom>
+          <a:ln>
+            <a:tailEnd type="arrow"/>
+          </a:ln>
+        </p:spPr>
+        <p:style>
+          <a:lnRef idx="2">
+            <a:schemeClr val="accent6"/>
+          </a:lnRef>
+          <a:fillRef idx="0">
+            <a:schemeClr val="accent6"/>
+          </a:fillRef>
+          <a:effectRef idx="1">
+            <a:schemeClr val="accent6"/>
+          </a:effectRef>
+          <a:fontRef idx="minor">
+            <a:schemeClr val="tx1"/>
+          </a:fontRef>
+        </p:style>
+      </p:cxnSp>
+      <p:cxnSp>
+        <p:nvCxnSpPr>
+          <p:cNvPr id="83" name="직선 화살표 연결선 82"/>
+          <p:cNvCxnSpPr>
+            <a:stCxn id="97" idx="6"/>
+            <a:endCxn id="3" idx="0"/>
+          </p:cNvCxnSpPr>
+          <p:nvPr/>
+        </p:nvCxnSpPr>
+        <p:spPr>
+          <a:xfrm>
+            <a:off x="6203167" y="1694708"/>
+            <a:ext cx="698924" cy="697022"/>
+          </a:xfrm>
+          <a:prstGeom prst="curvedConnector2">
+            <a:avLst/>
+          </a:prstGeom>
+          <a:ln>
+            <a:tailEnd type="arrow"/>
+          </a:ln>
+        </p:spPr>
+        <p:style>
+          <a:lnRef idx="2">
+            <a:schemeClr val="accent6"/>
+          </a:lnRef>
+          <a:fillRef idx="0">
+            <a:schemeClr val="accent6"/>
+          </a:fillRef>
+          <a:effectRef idx="1">
+            <a:schemeClr val="accent6"/>
+          </a:effectRef>
+          <a:fontRef idx="minor">
+            <a:schemeClr val="tx1"/>
+          </a:fontRef>
+        </p:style>
+      </p:cxnSp>
+      <p:sp>
+        <p:nvSpPr>
+          <p:cNvPr id="102" name="TextBox 101"/>
+          <p:cNvSpPr txBox="1"/>
+          <p:nvPr/>
+        </p:nvSpPr>
+        <p:spPr>
+          <a:xfrm>
+            <a:off x="3739368" y="1455626"/>
+            <a:ext cx="1496655" cy="194925"/>
+          </a:xfrm>
+          <a:prstGeom prst="rect">
+            <a:avLst/>
+          </a:prstGeom>
+        </p:spPr>
+        <p:txBody>
+          <a:bodyPr wrap="square" lIns="0" tIns="0" rIns="0" bIns="0" rtlCol="0" anchor="ctr">
+            <a:spAutoFit/>
+          </a:bodyPr>
+          <a:lstStyle/>
+          <a:p>
+            <a:pPr>
+              <a:lnSpc>
+                <a:spcPct val="150000"/>
+              </a:lnSpc>
+            </a:pPr>
+            <a:r>
+              <a:rPr lang="en-US" altLang="ko-KR" sz="1000" b="1" dirty="0" smtClean="0">
+                <a:latin typeface="+mj-lt"/>
+              </a:rPr>
+              <a:t>3D </a:t>
+            </a:r>
+            <a:r>
+              <a:rPr lang="ko-KR" altLang="en-US" sz="1000" b="1" dirty="0" smtClean="0">
+                <a:latin typeface="+mj-lt"/>
+              </a:rPr>
+              <a:t>모델 </a:t>
+            </a:r>
+            <a:r>
+              <a:rPr lang="ko-KR" altLang="en-US" sz="1000" b="1" dirty="0" smtClean="0"/>
+              <a:t>경로 </a:t>
+            </a:r>
+            <a:r>
+              <a:rPr lang="ko-KR" altLang="en-US" sz="1000" b="1" dirty="0"/>
+              <a:t>및 파일 </a:t>
+            </a:r>
+            <a:r>
+              <a:rPr lang="ko-KR" altLang="en-US" sz="1000" b="1" dirty="0" smtClean="0"/>
+              <a:t>명</a:t>
+            </a:r>
+            <a:endParaRPr lang="ko-KR" altLang="en-US" sz="1000" b="1" dirty="0"/>
+          </a:p>
+        </p:txBody>
+      </p:sp>
+      <p:sp>
+        <p:nvSpPr>
+          <p:cNvPr id="109" name="TextBox 108"/>
+          <p:cNvSpPr txBox="1"/>
+          <p:nvPr/>
+        </p:nvSpPr>
+        <p:spPr>
+          <a:xfrm>
+            <a:off x="5341861" y="2558277"/>
+            <a:ext cx="766235" cy="230832"/>
+          </a:xfrm>
+          <a:prstGeom prst="rect">
+            <a:avLst/>
+          </a:prstGeom>
+        </p:spPr>
+        <p:txBody>
+          <a:bodyPr wrap="none" lIns="0" tIns="0" rIns="0" bIns="0" rtlCol="0" anchor="ctr">
+            <a:spAutoFit/>
+          </a:bodyPr>
+          <a:lstStyle/>
+          <a:p>
+            <a:pPr marL="0" indent="0">
+              <a:lnSpc>
+                <a:spcPct val="150000"/>
+              </a:lnSpc>
+              <a:buNone/>
+            </a:pPr>
+            <a:r>
+              <a:rPr lang="ko-KR" altLang="en-US" sz="1000" b="1" dirty="0" smtClean="0">
+                <a:solidFill>
+                  <a:schemeClr val="tx1"/>
+                </a:solidFill>
+                <a:latin typeface="+mj-lt"/>
+              </a:rPr>
+              <a:t>모드 </a:t>
+            </a:r>
+            <a:r>
+              <a:rPr lang="en-US" altLang="ko-KR" sz="1000" b="1" dirty="0" smtClean="0">
+                <a:solidFill>
+                  <a:schemeClr val="tx1"/>
+                </a:solidFill>
+                <a:latin typeface="+mj-lt"/>
+              </a:rPr>
+              <a:t>= select</a:t>
+            </a:r>
+            <a:endParaRPr lang="ko-KR" altLang="en-US" sz="1000" b="1" dirty="0" smtClean="0">
+              <a:solidFill>
+                <a:schemeClr val="tx1"/>
+              </a:solidFill>
+              <a:latin typeface="+mj-lt"/>
+            </a:endParaRPr>
+          </a:p>
+        </p:txBody>
+      </p:sp>
+      <p:sp>
+        <p:nvSpPr>
+          <p:cNvPr id="128" name="Title 1"/>
+          <p:cNvSpPr txBox="1"/>
+          <p:nvPr/>
+        </p:nvSpPr>
+        <p:spPr>
+          <a:xfrm>
+            <a:off x="381000" y="303498"/>
+            <a:ext cx="8368363" cy="495383"/>
+          </a:xfrm>
+          <a:prstGeom prst="rect">
+            <a:avLst/>
+          </a:prstGeom>
+        </p:spPr>
+        <p:txBody>
+          <a:bodyPr/>
+          <a:lstStyle>
+            <a:lvl1pPr algn="ctr" defTabSz="914400" rtl="0" eaLnBrk="1" latinLnBrk="0" hangingPunct="1">
+              <a:spcBef>
+                <a:spcPct val="0"/>
+              </a:spcBef>
+              <a:buNone/>
+              <a:defRPr sz="4400" kern="1200">
+                <a:solidFill>
+                  <a:schemeClr val="tx1"/>
+                </a:solidFill>
+                <a:latin typeface="+mj-lt"/>
+                <a:ea typeface="+mj-ea"/>
+                <a:cs typeface="+mj-cs"/>
+              </a:defRPr>
+            </a:lvl1pPr>
+          </a:lstStyle>
+          <a:p>
+            <a:pPr lvl="0">
+              <a:defRPr lang="ko-KR" altLang="en-US"/>
+            </a:pPr>
+            <a:r>
+              <a:rPr lang="ko-KR" altLang="en-US" sz="2800" dirty="0" smtClean="0">
+                <a:solidFill>
+                  <a:srgbClr val="FFFFFF">
+                    <a:lumMod val="50000"/>
+                  </a:srgbClr>
+                </a:solidFill>
+                <a:latin typeface="+mn-lt"/>
+                <a:ea typeface="+mn-ea"/>
+                <a:cs typeface="+mn-cs"/>
+              </a:rPr>
+              <a:t>데이터 </a:t>
+            </a:r>
+            <a:r>
+              <a:rPr lang="ko-KR" altLang="en-US" sz="2800" dirty="0" smtClean="0">
+                <a:solidFill>
+                  <a:srgbClr val="FFFFFF">
+                    <a:lumMod val="50000"/>
+                  </a:srgbClr>
+                </a:solidFill>
+                <a:latin typeface="+mn-lt"/>
+                <a:ea typeface="+mn-ea"/>
+                <a:cs typeface="+mn-cs"/>
+              </a:rPr>
+              <a:t>흐름도 </a:t>
+            </a:r>
+            <a:r>
+              <a:rPr lang="en-US" altLang="ko-KR" sz="2800" dirty="0" smtClean="0">
+                <a:solidFill>
+                  <a:srgbClr val="FFFFFF">
+                    <a:lumMod val="50000"/>
+                  </a:srgbClr>
+                </a:solidFill>
+                <a:latin typeface="+mn-lt"/>
+                <a:ea typeface="+mn-ea"/>
+                <a:cs typeface="+mn-cs"/>
+              </a:rPr>
+              <a:t>– interior</a:t>
+            </a:r>
+            <a:r>
+              <a:rPr lang="ko-KR" altLang="en-US" sz="2800" dirty="0" smtClean="0">
+                <a:solidFill>
+                  <a:srgbClr val="FFFFFF">
+                    <a:lumMod val="50000"/>
+                  </a:srgbClr>
+                </a:solidFill>
+                <a:latin typeface="+mn-lt"/>
+                <a:ea typeface="+mn-ea"/>
+                <a:cs typeface="+mn-cs"/>
+              </a:rPr>
+              <a:t> 모드 </a:t>
+            </a:r>
+            <a:endParaRPr lang="en-US" sz="4000" dirty="0">
+              <a:latin typeface="+mn-lt"/>
+              <a:ea typeface="+mn-ea"/>
+              <a:cs typeface="+mn-cs"/>
+            </a:endParaRPr>
+          </a:p>
+        </p:txBody>
+      </p:sp>
+      <p:sp>
+        <p:nvSpPr>
+          <p:cNvPr id="142" name="타원 141"/>
+          <p:cNvSpPr/>
+          <p:nvPr/>
+        </p:nvSpPr>
+        <p:spPr>
+          <a:xfrm>
+            <a:off x="2717343" y="1364581"/>
+            <a:ext cx="1006512" cy="694187"/>
+          </a:xfrm>
+          <a:prstGeom prst="ellipse">
+            <a:avLst/>
+          </a:prstGeom>
+          <a:ln/>
+        </p:spPr>
+        <p:style>
+          <a:lnRef idx="2">
+            <a:schemeClr val="dk1"/>
+          </a:lnRef>
+          <a:fillRef idx="1">
+            <a:schemeClr val="lt1"/>
+          </a:fillRef>
+          <a:effectRef idx="0">
+            <a:schemeClr val="dk1"/>
+          </a:effectRef>
+          <a:fontRef idx="minor">
+            <a:schemeClr val="dk1"/>
+          </a:fontRef>
+        </p:style>
+        <p:txBody>
+          <a:bodyPr vert="horz" wrap="square" lIns="91440" tIns="45720" rIns="91440" bIns="45720" numCol="1" rtlCol="0" anchor="ctr" anchorCtr="0" compatLnSpc="1">
+            <a:prstTxWarp prst="textNoShape">
+              <a:avLst/>
+            </a:prstTxWarp>
+          </a:bodyPr>
+          <a:lstStyle/>
+          <a:p>
+            <a:pPr algn="ctr"/>
+            <a:r>
+              <a:rPr lang="ko-KR" altLang="en-US" sz="1200" dirty="0" smtClean="0"/>
+              <a:t>화면을 터치</a:t>
+            </a:r>
+            <a:endParaRPr lang="ko-KR" altLang="en-US" sz="1200" dirty="0"/>
+          </a:p>
+        </p:txBody>
+      </p:sp>
+      <p:cxnSp>
+        <p:nvCxnSpPr>
+          <p:cNvPr id="48" name="직선 화살표 연결선 47"/>
+          <p:cNvCxnSpPr>
+            <a:stCxn id="10" idx="1"/>
+            <a:endCxn id="142" idx="4"/>
+          </p:cNvCxnSpPr>
+          <p:nvPr/>
+        </p:nvCxnSpPr>
+        <p:spPr>
+          <a:xfrm rot="10800000">
+            <a:off x="3220599" y="2058769"/>
+            <a:ext cx="539260" cy="750225"/>
+          </a:xfrm>
+          <a:prstGeom prst="curvedConnector2">
+            <a:avLst/>
+          </a:prstGeom>
+          <a:ln>
+            <a:tailEnd type="arrow"/>
+          </a:ln>
+        </p:spPr>
+        <p:style>
+          <a:lnRef idx="2">
+            <a:schemeClr val="accent6"/>
+          </a:lnRef>
+          <a:fillRef idx="0">
+            <a:schemeClr val="accent6"/>
+          </a:fillRef>
+          <a:effectRef idx="1">
+            <a:schemeClr val="accent6"/>
+          </a:effectRef>
+          <a:fontRef idx="minor">
+            <a:schemeClr val="tx1"/>
+          </a:fontRef>
+        </p:style>
+      </p:cxnSp>
+      <p:sp>
+        <p:nvSpPr>
+          <p:cNvPr id="59" name="TextBox 58"/>
+          <p:cNvSpPr txBox="1"/>
+          <p:nvPr/>
+        </p:nvSpPr>
+        <p:spPr>
+          <a:xfrm>
+            <a:off x="3350307" y="2271502"/>
+            <a:ext cx="1496655" cy="194925"/>
+          </a:xfrm>
+          <a:prstGeom prst="rect">
+            <a:avLst/>
+          </a:prstGeom>
+        </p:spPr>
+        <p:txBody>
+          <a:bodyPr wrap="square" lIns="0" tIns="0" rIns="0" bIns="0" rtlCol="0" anchor="ctr">
+            <a:spAutoFit/>
+          </a:bodyPr>
+          <a:lstStyle/>
+          <a:p>
+            <a:pPr>
+              <a:lnSpc>
+                <a:spcPct val="150000"/>
+              </a:lnSpc>
+            </a:pPr>
+            <a:r>
+              <a:rPr lang="en-US" altLang="ko-KR" sz="1000" b="1" dirty="0" smtClean="0">
+                <a:latin typeface="+mj-lt"/>
+              </a:rPr>
+              <a:t>3D </a:t>
+            </a:r>
+            <a:r>
+              <a:rPr lang="ko-KR" altLang="en-US" sz="1000" b="1" dirty="0" smtClean="0">
+                <a:latin typeface="+mj-lt"/>
+              </a:rPr>
+              <a:t>모델 </a:t>
+            </a:r>
+            <a:r>
+              <a:rPr lang="ko-KR" altLang="en-US" sz="1000" b="1" dirty="0" smtClean="0"/>
+              <a:t>경로 </a:t>
+            </a:r>
+            <a:r>
+              <a:rPr lang="ko-KR" altLang="en-US" sz="1000" b="1" dirty="0"/>
+              <a:t>및 파일 </a:t>
+            </a:r>
+            <a:r>
+              <a:rPr lang="ko-KR" altLang="en-US" sz="1000" b="1" dirty="0" smtClean="0"/>
+              <a:t>명</a:t>
+            </a:r>
+            <a:endParaRPr lang="ko-KR" altLang="en-US" sz="1000" b="1" dirty="0"/>
+          </a:p>
+        </p:txBody>
+      </p:sp>
+      <p:cxnSp>
+        <p:nvCxnSpPr>
+          <p:cNvPr id="61" name="직선 화살표 연결선 60"/>
+          <p:cNvCxnSpPr>
+            <a:stCxn id="142" idx="6"/>
+            <a:endCxn id="97" idx="2"/>
+          </p:cNvCxnSpPr>
+          <p:nvPr/>
+        </p:nvCxnSpPr>
+        <p:spPr>
+          <a:xfrm flipV="1">
+            <a:off x="3723855" y="1694708"/>
+            <a:ext cx="1472800" cy="16967"/>
+          </a:xfrm>
+          <a:prstGeom prst="straightConnector1">
+            <a:avLst/>
+          </a:prstGeom>
+          <a:ln>
+            <a:tailEnd type="arrow"/>
+          </a:ln>
+        </p:spPr>
+        <p:style>
+          <a:lnRef idx="2">
+            <a:schemeClr val="accent6"/>
+          </a:lnRef>
+          <a:fillRef idx="0">
+            <a:schemeClr val="accent6"/>
+          </a:fillRef>
+          <a:effectRef idx="1">
+            <a:schemeClr val="accent6"/>
+          </a:effectRef>
+          <a:fontRef idx="minor">
+            <a:schemeClr val="tx1"/>
+          </a:fontRef>
+        </p:style>
+      </p:cxnSp>
+      <p:cxnSp>
+        <p:nvCxnSpPr>
+          <p:cNvPr id="82" name="직선 화살표 연결선 81"/>
+          <p:cNvCxnSpPr>
+            <a:stCxn id="3" idx="2"/>
+            <a:endCxn id="10" idx="3"/>
+          </p:cNvCxnSpPr>
+          <p:nvPr/>
+        </p:nvCxnSpPr>
+        <p:spPr>
+          <a:xfrm flipH="1" flipV="1">
+            <a:off x="5092007" y="2808993"/>
+            <a:ext cx="1171896" cy="10393"/>
+          </a:xfrm>
+          <a:prstGeom prst="straightConnector1">
+            <a:avLst/>
+          </a:prstGeom>
+          <a:ln>
+            <a:tailEnd type="arrow"/>
+          </a:ln>
+        </p:spPr>
+        <p:style>
+          <a:lnRef idx="2">
+            <a:schemeClr val="accent6"/>
+          </a:lnRef>
+          <a:fillRef idx="0">
+            <a:schemeClr val="accent6"/>
+          </a:fillRef>
+          <a:effectRef idx="1">
+            <a:schemeClr val="accent6"/>
+          </a:effectRef>
+          <a:fontRef idx="minor">
+            <a:schemeClr val="tx1"/>
+          </a:fontRef>
+        </p:style>
+      </p:cxnSp>
+      <p:cxnSp>
+        <p:nvCxnSpPr>
+          <p:cNvPr id="84" name="직선 화살표 연결선 83"/>
+          <p:cNvCxnSpPr>
+            <a:stCxn id="16" idx="3"/>
+            <a:endCxn id="3" idx="4"/>
+          </p:cNvCxnSpPr>
+          <p:nvPr/>
+        </p:nvCxnSpPr>
+        <p:spPr>
+          <a:xfrm flipV="1">
+            <a:off x="5228424" y="3247042"/>
+            <a:ext cx="1673667" cy="760076"/>
+          </a:xfrm>
+          <a:prstGeom prst="curvedConnector2">
+            <a:avLst/>
+          </a:prstGeom>
+          <a:ln>
+            <a:tailEnd type="arrow"/>
+          </a:ln>
+        </p:spPr>
+        <p:style>
+          <a:lnRef idx="2">
+            <a:schemeClr val="accent6"/>
+          </a:lnRef>
+          <a:fillRef idx="0">
+            <a:schemeClr val="accent6"/>
+          </a:fillRef>
+          <a:effectRef idx="1">
+            <a:schemeClr val="accent6"/>
+          </a:effectRef>
+          <a:fontRef idx="minor">
+            <a:schemeClr val="tx1"/>
+          </a:fontRef>
+        </p:style>
+      </p:cxnSp>
+      <p:sp>
+        <p:nvSpPr>
+          <p:cNvPr id="97" name="타원 96"/>
+          <p:cNvSpPr/>
+          <p:nvPr/>
+        </p:nvSpPr>
+        <p:spPr>
+          <a:xfrm>
+            <a:off x="5196655" y="1347614"/>
+            <a:ext cx="1006512" cy="694187"/>
+          </a:xfrm>
+          <a:prstGeom prst="ellipse">
+            <a:avLst/>
+          </a:prstGeom>
+          <a:ln/>
+        </p:spPr>
+        <p:style>
+          <a:lnRef idx="2">
+            <a:schemeClr val="dk1"/>
+          </a:lnRef>
+          <a:fillRef idx="1">
+            <a:schemeClr val="lt1"/>
+          </a:fillRef>
+          <a:effectRef idx="0">
+            <a:schemeClr val="dk1"/>
+          </a:effectRef>
+          <a:fontRef idx="minor">
+            <a:schemeClr val="dk1"/>
+          </a:fontRef>
+        </p:style>
+        <p:txBody>
+          <a:bodyPr vert="horz" wrap="square" lIns="91440" tIns="45720" rIns="91440" bIns="45720" numCol="1" rtlCol="0" anchor="ctr" anchorCtr="0" compatLnSpc="1">
+            <a:prstTxWarp prst="textNoShape">
+              <a:avLst/>
+            </a:prstTxWarp>
+          </a:bodyPr>
+          <a:lstStyle/>
+          <a:p>
+            <a:pPr algn="ctr"/>
+            <a:r>
+              <a:rPr lang="ko-KR" altLang="en-US" sz="1200" dirty="0" smtClean="0"/>
+              <a:t>서버에 요청</a:t>
+            </a:r>
+            <a:endParaRPr lang="ko-KR" altLang="en-US" sz="1200" dirty="0"/>
+          </a:p>
+        </p:txBody>
+      </p:sp>
       <p:grpSp>
         <p:nvGrpSpPr>
-          <p:cNvPr id="12" name="그룹 11"/>
+          <p:cNvPr id="104" name="그룹 103"/>
           <p:cNvGrpSpPr/>
           <p:nvPr/>
         </p:nvGrpSpPr>
         <p:grpSpPr>
           <a:xfrm>
-            <a:off x="381000" y="2460833"/>
-            <a:ext cx="1576577" cy="830997"/>
-            <a:chOff x="3851920" y="1540381"/>
-            <a:chExt cx="1620181" cy="1077491"/>
+            <a:off x="7632340" y="1530804"/>
+            <a:ext cx="1116124" cy="428878"/>
+            <a:chOff x="3851920" y="1809348"/>
+            <a:chExt cx="1620180" cy="556093"/>
           </a:xfrm>
         </p:grpSpPr>
         <p:sp>
           <p:nvSpPr>
-            <p:cNvPr id="14" name="직사각형 13"/>
+            <p:cNvPr id="105" name="직사각형 104"/>
             <p:cNvSpPr/>
             <p:nvPr/>
           </p:nvSpPr>
@@ -13995,7 +15864,7 @@
         </p:sp>
         <p:sp>
           <p:nvSpPr>
-            <p:cNvPr id="15" name="직사각형 14"/>
+            <p:cNvPr id="108" name="직사각형 107"/>
             <p:cNvSpPr/>
             <p:nvPr/>
           </p:nvSpPr>
@@ -14030,652 +15899,7 @@
         </p:sp>
         <p:sp>
           <p:nvSpPr>
-            <p:cNvPr id="16" name="TextBox 15"/>
-            <p:cNvSpPr txBox="1"/>
-            <p:nvPr/>
-          </p:nvSpPr>
-          <p:spPr>
-            <a:xfrm>
-              <a:off x="3851921" y="1540381"/>
-              <a:ext cx="1620180" cy="1077491"/>
-            </a:xfrm>
-            <a:prstGeom prst="rect">
-              <a:avLst/>
-            </a:prstGeom>
-          </p:spPr>
-          <p:txBody>
-            <a:bodyPr wrap="square" lIns="0" tIns="0" rIns="0" bIns="0" rtlCol="0" anchor="ctr">
-              <a:spAutoFit/>
-            </a:bodyPr>
-            <a:lstStyle/>
-            <a:p>
-              <a:pPr marL="0" indent="0" algn="ctr">
-                <a:lnSpc>
-                  <a:spcPct val="150000"/>
-                </a:lnSpc>
-                <a:buNone/>
-              </a:pPr>
-              <a:r>
-                <a:rPr lang="en-US" altLang="ko-KR" b="1" dirty="0" smtClean="0">
-                  <a:solidFill>
-                    <a:schemeClr val="tx1"/>
-                  </a:solidFill>
-                  <a:latin typeface="+mj-lt"/>
-                </a:rPr>
-                <a:t>Hit-test </a:t>
-              </a:r>
-              <a:r>
-                <a:rPr lang="ko-KR" altLang="en-US" b="1" dirty="0" smtClean="0">
-                  <a:solidFill>
-                    <a:schemeClr val="tx1"/>
-                  </a:solidFill>
-                  <a:latin typeface="+mj-lt"/>
-                </a:rPr>
-                <a:t>좌표</a:t>
-              </a:r>
-            </a:p>
-          </p:txBody>
-        </p:sp>
-      </p:grpSp>
-      <p:sp>
-        <p:nvSpPr>
-          <p:cNvPr id="17" name="타원 16"/>
-          <p:cNvSpPr/>
-          <p:nvPr/>
-        </p:nvSpPr>
-        <p:spPr>
-          <a:xfrm>
-            <a:off x="1583668" y="3821779"/>
-            <a:ext cx="1006512" cy="694187"/>
-          </a:xfrm>
-          <a:prstGeom prst="ellipse">
-            <a:avLst/>
-          </a:prstGeom>
-          <a:ln/>
-        </p:spPr>
-        <p:style>
-          <a:lnRef idx="2">
-            <a:schemeClr val="dk1"/>
-          </a:lnRef>
-          <a:fillRef idx="1">
-            <a:schemeClr val="lt1"/>
-          </a:fillRef>
-          <a:effectRef idx="0">
-            <a:schemeClr val="dk1"/>
-          </a:effectRef>
-          <a:fontRef idx="minor">
-            <a:schemeClr val="dk1"/>
-          </a:fontRef>
-        </p:style>
-        <p:txBody>
-          <a:bodyPr vert="horz" wrap="square" lIns="91440" tIns="45720" rIns="91440" bIns="45720" numCol="1" rtlCol="0" anchor="ctr" anchorCtr="0" compatLnSpc="1">
-            <a:prstTxWarp prst="textNoShape">
-              <a:avLst/>
-            </a:prstTxWarp>
-          </a:bodyPr>
-          <a:lstStyle/>
-          <a:p>
-            <a:pPr algn="ctr"/>
-            <a:r>
-              <a:rPr lang="ko-KR" altLang="en-US" dirty="0" smtClean="0"/>
-              <a:t>터치</a:t>
-            </a:r>
-            <a:endParaRPr lang="ko-KR" altLang="en-US" dirty="0"/>
-          </a:p>
-        </p:txBody>
-      </p:sp>
-      <p:cxnSp>
-        <p:nvCxnSpPr>
-          <p:cNvPr id="18" name="구부러진 연결선 17"/>
-          <p:cNvCxnSpPr>
-            <a:stCxn id="2" idx="2"/>
-            <a:endCxn id="64" idx="1"/>
-          </p:cNvCxnSpPr>
-          <p:nvPr/>
-        </p:nvCxnSpPr>
-        <p:spPr>
-          <a:xfrm rot="16200000" flipH="1">
-            <a:off x="1007894" y="701603"/>
-            <a:ext cx="704448" cy="800848"/>
-          </a:xfrm>
-          <a:prstGeom prst="curvedConnector3">
-            <a:avLst>
-              <a:gd name="adj1" fmla="val 50000"/>
-            </a:avLst>
-          </a:prstGeom>
-          <a:ln>
-            <a:tailEnd type="triangle"/>
-          </a:ln>
-        </p:spPr>
-        <p:style>
-          <a:lnRef idx="1">
-            <a:schemeClr val="accent1"/>
-          </a:lnRef>
-          <a:fillRef idx="0">
-            <a:schemeClr val="accent1"/>
-          </a:fillRef>
-          <a:effectRef idx="0">
-            <a:schemeClr val="accent1"/>
-          </a:effectRef>
-          <a:fontRef idx="minor">
-            <a:schemeClr val="tx1"/>
-          </a:fontRef>
-        </p:style>
-      </p:cxnSp>
-      <p:cxnSp>
-        <p:nvCxnSpPr>
-          <p:cNvPr id="25" name="구부러진 연결선 24"/>
-          <p:cNvCxnSpPr>
-            <a:stCxn id="15" idx="2"/>
-            <a:endCxn id="17" idx="0"/>
-          </p:cNvCxnSpPr>
-          <p:nvPr/>
-        </p:nvCxnSpPr>
-        <p:spPr>
-          <a:xfrm rot="16200000" flipH="1">
-            <a:off x="1265790" y="3000645"/>
-            <a:ext cx="724632" cy="917636"/>
-          </a:xfrm>
-          <a:prstGeom prst="curvedConnector3">
-            <a:avLst>
-              <a:gd name="adj1" fmla="val 50000"/>
-            </a:avLst>
-          </a:prstGeom>
-          <a:ln>
-            <a:tailEnd type="triangle"/>
-          </a:ln>
-        </p:spPr>
-        <p:style>
-          <a:lnRef idx="1">
-            <a:schemeClr val="accent1"/>
-          </a:lnRef>
-          <a:fillRef idx="0">
-            <a:schemeClr val="accent1"/>
-          </a:fillRef>
-          <a:effectRef idx="0">
-            <a:schemeClr val="accent1"/>
-          </a:effectRef>
-          <a:fontRef idx="minor">
-            <a:schemeClr val="tx1"/>
-          </a:fontRef>
-        </p:style>
-      </p:cxnSp>
-      <p:cxnSp>
-        <p:nvCxnSpPr>
-          <p:cNvPr id="30" name="구부러진 연결선 29"/>
-          <p:cNvCxnSpPr>
-            <a:stCxn id="17" idx="5"/>
-            <a:endCxn id="20" idx="2"/>
-          </p:cNvCxnSpPr>
-          <p:nvPr/>
-        </p:nvCxnSpPr>
-        <p:spPr>
-          <a:xfrm rot="5400000" flipH="1" flipV="1">
-            <a:off x="3144173" y="3204269"/>
-            <a:ext cx="508642" cy="1911429"/>
-          </a:xfrm>
-          <a:prstGeom prst="curvedConnector3">
-            <a:avLst>
-              <a:gd name="adj1" fmla="val -64930"/>
-            </a:avLst>
-          </a:prstGeom>
-          <a:ln>
-            <a:tailEnd type="triangle"/>
-          </a:ln>
-        </p:spPr>
-        <p:style>
-          <a:lnRef idx="1">
-            <a:schemeClr val="accent1"/>
-          </a:lnRef>
-          <a:fillRef idx="0">
-            <a:schemeClr val="accent1"/>
-          </a:fillRef>
-          <a:effectRef idx="0">
-            <a:schemeClr val="accent1"/>
-          </a:effectRef>
-          <a:fontRef idx="minor">
-            <a:schemeClr val="tx1"/>
-          </a:fontRef>
-        </p:style>
-      </p:cxnSp>
-      <p:cxnSp>
-        <p:nvCxnSpPr>
-          <p:cNvPr id="36" name="구부러진 연결선 35"/>
-          <p:cNvCxnSpPr>
-            <a:stCxn id="10" idx="3"/>
-            <a:endCxn id="110" idx="4"/>
-          </p:cNvCxnSpPr>
-          <p:nvPr/>
-        </p:nvCxnSpPr>
-        <p:spPr>
-          <a:xfrm flipV="1">
-            <a:off x="5020283" y="2827176"/>
-            <a:ext cx="819965" cy="825042"/>
-          </a:xfrm>
-          <a:prstGeom prst="curvedConnector2">
-            <a:avLst/>
-          </a:prstGeom>
-          <a:ln>
-            <a:tailEnd type="triangle"/>
-          </a:ln>
-        </p:spPr>
-        <p:style>
-          <a:lnRef idx="1">
-            <a:schemeClr val="accent1"/>
-          </a:lnRef>
-          <a:fillRef idx="0">
-            <a:schemeClr val="accent1"/>
-          </a:fillRef>
-          <a:effectRef idx="0">
-            <a:schemeClr val="accent1"/>
-          </a:effectRef>
-          <a:fontRef idx="minor">
-            <a:schemeClr val="tx1"/>
-          </a:fontRef>
-        </p:style>
-      </p:cxnSp>
-      <p:cxnSp>
-        <p:nvCxnSpPr>
-          <p:cNvPr id="42" name="구부러진 연결선 41"/>
-          <p:cNvCxnSpPr>
-            <a:stCxn id="3" idx="2"/>
-            <a:endCxn id="10" idx="1"/>
-          </p:cNvCxnSpPr>
-          <p:nvPr/>
-        </p:nvCxnSpPr>
-        <p:spPr>
-          <a:xfrm rot="10800000" flipV="1">
-            <a:off x="3688136" y="1569814"/>
-            <a:ext cx="190999" cy="2082404"/>
-          </a:xfrm>
-          <a:prstGeom prst="curvedConnector3">
-            <a:avLst>
-              <a:gd name="adj1" fmla="val 219686"/>
-            </a:avLst>
-          </a:prstGeom>
-          <a:ln>
-            <a:tailEnd type="triangle"/>
-          </a:ln>
-        </p:spPr>
-        <p:style>
-          <a:lnRef idx="1">
-            <a:schemeClr val="accent1"/>
-          </a:lnRef>
-          <a:fillRef idx="0">
-            <a:schemeClr val="accent1"/>
-          </a:fillRef>
-          <a:effectRef idx="0">
-            <a:schemeClr val="accent1"/>
-          </a:effectRef>
-          <a:fontRef idx="minor">
-            <a:schemeClr val="tx1"/>
-          </a:fontRef>
-        </p:style>
-      </p:cxnSp>
-      <p:sp>
-        <p:nvSpPr>
-          <p:cNvPr id="64" name="타원 63"/>
-          <p:cNvSpPr/>
-          <p:nvPr/>
-        </p:nvSpPr>
-        <p:spPr>
-          <a:xfrm>
-            <a:off x="1613142" y="1352590"/>
-            <a:ext cx="1006512" cy="694187"/>
-          </a:xfrm>
-          <a:prstGeom prst="ellipse">
-            <a:avLst/>
-          </a:prstGeom>
-          <a:ln/>
-        </p:spPr>
-        <p:style>
-          <a:lnRef idx="2">
-            <a:schemeClr val="dk1"/>
-          </a:lnRef>
-          <a:fillRef idx="1">
-            <a:schemeClr val="lt1"/>
-          </a:fillRef>
-          <a:effectRef idx="0">
-            <a:schemeClr val="dk1"/>
-          </a:effectRef>
-          <a:fontRef idx="minor">
-            <a:schemeClr val="dk1"/>
-          </a:fontRef>
-        </p:style>
-        <p:txBody>
-          <a:bodyPr vert="horz" wrap="square" lIns="91440" tIns="45720" rIns="91440" bIns="45720" numCol="1" rtlCol="0" anchor="ctr" anchorCtr="0" compatLnSpc="1">
-            <a:prstTxWarp prst="textNoShape">
-              <a:avLst/>
-            </a:prstTxWarp>
-          </a:bodyPr>
-          <a:lstStyle/>
-          <a:p>
-            <a:pPr algn="ctr"/>
-            <a:r>
-              <a:rPr lang="ko-KR" altLang="en-US" dirty="0" smtClean="0"/>
-              <a:t>바닥 감지</a:t>
-            </a:r>
-            <a:endParaRPr lang="ko-KR" altLang="en-US" dirty="0"/>
-          </a:p>
-        </p:txBody>
-      </p:sp>
-      <p:cxnSp>
-        <p:nvCxnSpPr>
-          <p:cNvPr id="67" name="구부러진 연결선 66"/>
-          <p:cNvCxnSpPr>
-            <a:stCxn id="64" idx="3"/>
-            <a:endCxn id="14" idx="0"/>
-          </p:cNvCxnSpPr>
-          <p:nvPr/>
-        </p:nvCxnSpPr>
-        <p:spPr>
-          <a:xfrm rot="5400000">
-            <a:off x="1100902" y="2013502"/>
-            <a:ext cx="728026" cy="591254"/>
-          </a:xfrm>
-          <a:prstGeom prst="curvedConnector3">
-            <a:avLst>
-              <a:gd name="adj1" fmla="val 50000"/>
-            </a:avLst>
-          </a:prstGeom>
-          <a:ln>
-            <a:tailEnd type="triangle"/>
-          </a:ln>
-        </p:spPr>
-        <p:style>
-          <a:lnRef idx="1">
-            <a:schemeClr val="accent1"/>
-          </a:lnRef>
-          <a:fillRef idx="0">
-            <a:schemeClr val="accent1"/>
-          </a:fillRef>
-          <a:effectRef idx="0">
-            <a:schemeClr val="accent1"/>
-          </a:effectRef>
-          <a:fontRef idx="minor">
-            <a:schemeClr val="tx1"/>
-          </a:fontRef>
-        </p:style>
-      </p:cxnSp>
-      <p:sp>
-        <p:nvSpPr>
-          <p:cNvPr id="73" name="TextBox 72"/>
-          <p:cNvSpPr txBox="1"/>
-          <p:nvPr/>
-        </p:nvSpPr>
-        <p:spPr>
-          <a:xfrm>
-            <a:off x="1043529" y="1058390"/>
-            <a:ext cx="755015" cy="230832"/>
-          </a:xfrm>
-          <a:prstGeom prst="rect">
-            <a:avLst/>
-          </a:prstGeom>
-        </p:spPr>
-        <p:txBody>
-          <a:bodyPr wrap="none" lIns="0" tIns="0" rIns="0" bIns="0" rtlCol="0" anchor="ctr">
-            <a:spAutoFit/>
-          </a:bodyPr>
-          <a:lstStyle/>
-          <a:p>
-            <a:pPr marL="0" indent="0">
-              <a:lnSpc>
-                <a:spcPct val="150000"/>
-              </a:lnSpc>
-              <a:buNone/>
-            </a:pPr>
-            <a:r>
-              <a:rPr lang="en-US" altLang="ko-KR" sz="1000" b="1" dirty="0" smtClean="0">
-                <a:solidFill>
-                  <a:schemeClr val="tx1"/>
-                </a:solidFill>
-                <a:latin typeface="+mj-lt"/>
-              </a:rPr>
-              <a:t>AR </a:t>
-            </a:r>
-            <a:r>
-              <a:rPr lang="ko-KR" altLang="en-US" sz="1000" b="1" dirty="0" smtClean="0">
-                <a:solidFill>
-                  <a:schemeClr val="tx1"/>
-                </a:solidFill>
-                <a:latin typeface="+mj-lt"/>
-              </a:rPr>
-              <a:t>세션 접속</a:t>
-            </a:r>
-          </a:p>
-        </p:txBody>
-      </p:sp>
-      <p:sp>
-        <p:nvSpPr>
-          <p:cNvPr id="76" name="TextBox 75"/>
-          <p:cNvSpPr txBox="1"/>
-          <p:nvPr/>
-        </p:nvSpPr>
-        <p:spPr>
-          <a:xfrm>
-            <a:off x="1223628" y="2124894"/>
-            <a:ext cx="921727" cy="230832"/>
-          </a:xfrm>
-          <a:prstGeom prst="rect">
-            <a:avLst/>
-          </a:prstGeom>
-        </p:spPr>
-        <p:txBody>
-          <a:bodyPr wrap="none" lIns="0" tIns="0" rIns="0" bIns="0" rtlCol="0" anchor="ctr">
-            <a:spAutoFit/>
-          </a:bodyPr>
-          <a:lstStyle/>
-          <a:p>
-            <a:pPr marL="0" indent="0">
-              <a:lnSpc>
-                <a:spcPct val="150000"/>
-              </a:lnSpc>
-              <a:buNone/>
-            </a:pPr>
-            <a:r>
-              <a:rPr lang="en-US" altLang="ko-KR" sz="1000" b="1" dirty="0" smtClean="0">
-                <a:latin typeface="+mj-lt"/>
-              </a:rPr>
-              <a:t>Hit-test </a:t>
-            </a:r>
-            <a:r>
-              <a:rPr lang="ko-KR" altLang="en-US" sz="1000" b="1" dirty="0" smtClean="0">
-                <a:latin typeface="+mj-lt"/>
-              </a:rPr>
-              <a:t>좌표 값</a:t>
-            </a:r>
-            <a:endParaRPr lang="ko-KR" altLang="en-US" sz="1000" b="1" dirty="0" smtClean="0">
-              <a:solidFill>
-                <a:schemeClr val="tx1"/>
-              </a:solidFill>
-              <a:latin typeface="+mj-lt"/>
-            </a:endParaRPr>
-          </a:p>
-        </p:txBody>
-      </p:sp>
-      <p:sp>
-        <p:nvSpPr>
-          <p:cNvPr id="79" name="TextBox 78"/>
-          <p:cNvSpPr txBox="1"/>
-          <p:nvPr/>
-        </p:nvSpPr>
-        <p:spPr>
-          <a:xfrm>
-            <a:off x="1346017" y="3396937"/>
-            <a:ext cx="921727" cy="230832"/>
-          </a:xfrm>
-          <a:prstGeom prst="rect">
-            <a:avLst/>
-          </a:prstGeom>
-        </p:spPr>
-        <p:txBody>
-          <a:bodyPr wrap="none" lIns="0" tIns="0" rIns="0" bIns="0" rtlCol="0" anchor="ctr">
-            <a:spAutoFit/>
-          </a:bodyPr>
-          <a:lstStyle/>
-          <a:p>
-            <a:pPr marL="0" indent="0">
-              <a:lnSpc>
-                <a:spcPct val="150000"/>
-              </a:lnSpc>
-              <a:buNone/>
-            </a:pPr>
-            <a:r>
-              <a:rPr lang="en-US" altLang="ko-KR" sz="1000" b="1" dirty="0" smtClean="0">
-                <a:latin typeface="+mj-lt"/>
-              </a:rPr>
-              <a:t>Hit-test </a:t>
-            </a:r>
-            <a:r>
-              <a:rPr lang="ko-KR" altLang="en-US" sz="1000" b="1" dirty="0" smtClean="0">
-                <a:latin typeface="+mj-lt"/>
-              </a:rPr>
-              <a:t>좌표 값</a:t>
-            </a:r>
-            <a:endParaRPr lang="ko-KR" altLang="en-US" sz="1000" b="1" dirty="0" smtClean="0">
-              <a:solidFill>
-                <a:schemeClr val="tx1"/>
-              </a:solidFill>
-              <a:latin typeface="+mj-lt"/>
-            </a:endParaRPr>
-          </a:p>
-        </p:txBody>
-      </p:sp>
-      <p:sp>
-        <p:nvSpPr>
-          <p:cNvPr id="81" name="TextBox 80"/>
-          <p:cNvSpPr txBox="1"/>
-          <p:nvPr/>
-        </p:nvSpPr>
-        <p:spPr>
-          <a:xfrm>
-            <a:off x="3300881" y="4234304"/>
-            <a:ext cx="921727" cy="230832"/>
-          </a:xfrm>
-          <a:prstGeom prst="rect">
-            <a:avLst/>
-          </a:prstGeom>
-        </p:spPr>
-        <p:txBody>
-          <a:bodyPr wrap="none" lIns="0" tIns="0" rIns="0" bIns="0" rtlCol="0" anchor="ctr">
-            <a:spAutoFit/>
-          </a:bodyPr>
-          <a:lstStyle/>
-          <a:p>
-            <a:pPr marL="0" indent="0">
-              <a:lnSpc>
-                <a:spcPct val="150000"/>
-              </a:lnSpc>
-              <a:buNone/>
-            </a:pPr>
-            <a:r>
-              <a:rPr lang="en-US" altLang="ko-KR" sz="1000" b="1" dirty="0" smtClean="0">
-                <a:latin typeface="+mj-lt"/>
-              </a:rPr>
-              <a:t>Hit-test </a:t>
-            </a:r>
-            <a:r>
-              <a:rPr lang="ko-KR" altLang="en-US" sz="1000" b="1" dirty="0" smtClean="0">
-                <a:latin typeface="+mj-lt"/>
-              </a:rPr>
-              <a:t>좌표 값</a:t>
-            </a:r>
-            <a:endParaRPr lang="ko-KR" altLang="en-US" sz="1000" b="1" dirty="0" smtClean="0">
-              <a:solidFill>
-                <a:schemeClr val="tx1"/>
-              </a:solidFill>
-              <a:latin typeface="+mj-lt"/>
-            </a:endParaRPr>
-          </a:p>
-        </p:txBody>
-      </p:sp>
-      <p:grpSp>
-        <p:nvGrpSpPr>
-          <p:cNvPr id="92" name="그룹 91"/>
-          <p:cNvGrpSpPr/>
-          <p:nvPr/>
-        </p:nvGrpSpPr>
-        <p:grpSpPr>
-          <a:xfrm>
-            <a:off x="7417215" y="2421031"/>
-            <a:ext cx="1332148" cy="428878"/>
-            <a:chOff x="3851920" y="1809348"/>
-            <a:chExt cx="1620180" cy="556093"/>
-          </a:xfrm>
-        </p:grpSpPr>
-        <p:sp>
-          <p:nvSpPr>
-            <p:cNvPr id="93" name="직사각형 92"/>
-            <p:cNvSpPr/>
-            <p:nvPr/>
-          </p:nvSpPr>
-          <p:spPr>
-            <a:xfrm>
-              <a:off x="3851920" y="1815666"/>
-              <a:ext cx="1620180" cy="45719"/>
-            </a:xfrm>
-            <a:prstGeom prst="rect">
-              <a:avLst/>
-            </a:prstGeom>
-            <a:solidFill>
-              <a:schemeClr val="tx1"/>
-            </a:solidFill>
-            <a:ln w="9525">
-              <a:noFill/>
-              <a:round/>
-            </a:ln>
-          </p:spPr>
-          <p:txBody>
-            <a:bodyPr vert="horz" wrap="square" lIns="91440" tIns="45720" rIns="91440" bIns="45720" numCol="1" rtlCol="0" anchor="t" anchorCtr="0" compatLnSpc="1">
-              <a:prstTxWarp prst="textNoShape">
-                <a:avLst/>
-              </a:prstTxWarp>
-            </a:bodyPr>
-            <a:lstStyle/>
-            <a:p>
-              <a:pPr algn="ctr"/>
-              <a:endParaRPr lang="ko-KR" altLang="en-US"/>
-            </a:p>
-          </p:txBody>
-        </p:sp>
-        <p:sp>
-          <p:nvSpPr>
-            <p:cNvPr id="94" name="직사각형 93"/>
-            <p:cNvSpPr/>
-            <p:nvPr/>
-          </p:nvSpPr>
-          <p:spPr>
-            <a:xfrm>
-              <a:off x="3851920" y="2319722"/>
-              <a:ext cx="1620180" cy="45719"/>
-            </a:xfrm>
-            <a:prstGeom prst="rect">
-              <a:avLst/>
-            </a:prstGeom>
-            <a:solidFill>
-              <a:schemeClr val="tx1"/>
-            </a:solidFill>
-            <a:ln w="9525">
-              <a:noFill/>
-              <a:round/>
-            </a:ln>
-          </p:spPr>
-          <p:txBody>
-            <a:bodyPr vert="horz" wrap="square" lIns="91440" tIns="45720" rIns="91440" bIns="45720" numCol="1" rtlCol="0" anchor="t" anchorCtr="0" compatLnSpc="1">
-              <a:prstTxWarp prst="textNoShape">
-                <a:avLst/>
-              </a:prstTxWarp>
-            </a:bodyPr>
-            <a:lstStyle/>
-            <a:p>
-              <a:pPr algn="ctr"/>
-              <a:endParaRPr lang="ko-KR" altLang="en-US"/>
-            </a:p>
-          </p:txBody>
-        </p:sp>
-        <p:sp>
-          <p:nvSpPr>
-            <p:cNvPr id="95" name="TextBox 94"/>
+            <p:cNvPr id="111" name="TextBox 110"/>
             <p:cNvSpPr txBox="1"/>
             <p:nvPr/>
           </p:nvSpPr>
@@ -14715,34 +15939,34 @@
       </p:grpSp>
       <p:cxnSp>
         <p:nvCxnSpPr>
-          <p:cNvPr id="97" name="구부러진 연결선 96"/>
+          <p:cNvPr id="112" name="직선 화살표 연결선 111"/>
           <p:cNvCxnSpPr>
-            <a:stCxn id="110" idx="0"/>
-            <a:endCxn id="3" idx="6"/>
+            <a:stCxn id="111" idx="1"/>
+            <a:endCxn id="97" idx="6"/>
           </p:cNvCxnSpPr>
           <p:nvPr/>
         </p:nvCxnSpPr>
         <p:spPr>
-          <a:xfrm rot="16200000" flipV="1">
-            <a:off x="5216292" y="1509033"/>
-            <a:ext cx="563175" cy="684738"/>
+          <a:xfrm flipH="1" flipV="1">
+            <a:off x="6203167" y="1694708"/>
+            <a:ext cx="1429173" cy="11529"/>
           </a:xfrm>
-          <a:prstGeom prst="curvedConnector2">
+          <a:prstGeom prst="straightConnector1">
             <a:avLst/>
           </a:prstGeom>
           <a:ln>
-            <a:tailEnd type="triangle"/>
+            <a:tailEnd type="arrow"/>
           </a:ln>
         </p:spPr>
         <p:style>
-          <a:lnRef idx="1">
-            <a:schemeClr val="accent1"/>
+          <a:lnRef idx="2">
+            <a:schemeClr val="accent6"/>
           </a:lnRef>
           <a:fillRef idx="0">
-            <a:schemeClr val="accent1"/>
+            <a:schemeClr val="accent6"/>
           </a:fillRef>
-          <a:effectRef idx="0">
-            <a:schemeClr val="accent1"/>
+          <a:effectRef idx="1">
+            <a:schemeClr val="accent6"/>
           </a:effectRef>
           <a:fontRef idx="minor">
             <a:schemeClr val="tx1"/>
@@ -14751,240 +15975,14 @@
       </p:cxnSp>
       <p:sp>
         <p:nvSpPr>
-          <p:cNvPr id="107" name="TextBox 106"/>
+          <p:cNvPr id="113" name="TextBox 112"/>
           <p:cNvSpPr txBox="1"/>
           <p:nvPr/>
         </p:nvSpPr>
         <p:spPr>
           <a:xfrm>
-            <a:off x="4952435" y="3130732"/>
-            <a:ext cx="1384995" cy="230832"/>
-          </a:xfrm>
-          <a:prstGeom prst="rect">
-            <a:avLst/>
-          </a:prstGeom>
-        </p:spPr>
-        <p:txBody>
-          <a:bodyPr wrap="none" lIns="0" tIns="0" rIns="0" bIns="0" rtlCol="0" anchor="ctr">
-            <a:spAutoFit/>
-          </a:bodyPr>
-          <a:lstStyle/>
-          <a:p>
-            <a:pPr marL="0" indent="0">
-              <a:lnSpc>
-                <a:spcPct val="150000"/>
-              </a:lnSpc>
-              <a:buNone/>
-            </a:pPr>
-            <a:r>
-              <a:rPr lang="en-US" altLang="ko-KR" sz="1000" b="1" dirty="0" smtClean="0">
-                <a:latin typeface="+mj-lt"/>
-              </a:rPr>
-              <a:t>3D </a:t>
-            </a:r>
-            <a:r>
-              <a:rPr lang="ko-KR" altLang="en-US" sz="1000" b="1" dirty="0" smtClean="0">
-                <a:latin typeface="+mj-lt"/>
-              </a:rPr>
-              <a:t>모델 경로 및 파일 명</a:t>
-            </a:r>
-            <a:endParaRPr lang="ko-KR" altLang="en-US" sz="1000" b="1" dirty="0" smtClean="0">
-              <a:solidFill>
-                <a:schemeClr val="tx1"/>
-              </a:solidFill>
-              <a:latin typeface="+mj-lt"/>
-            </a:endParaRPr>
-          </a:p>
-        </p:txBody>
-      </p:sp>
-      <p:sp>
-        <p:nvSpPr>
-          <p:cNvPr id="108" name="TextBox 107"/>
-          <p:cNvSpPr txBox="1"/>
-          <p:nvPr/>
-        </p:nvSpPr>
-        <p:spPr>
-          <a:xfrm>
-            <a:off x="6462397" y="2337933"/>
-            <a:ext cx="702158" cy="230832"/>
-          </a:xfrm>
-          <a:prstGeom prst="rect">
-            <a:avLst/>
-          </a:prstGeom>
-        </p:spPr>
-        <p:txBody>
-          <a:bodyPr wrap="square" lIns="0" tIns="0" rIns="0" bIns="0" rtlCol="0" anchor="ctr">
-            <a:spAutoFit/>
-          </a:bodyPr>
-          <a:lstStyle/>
-          <a:p>
-            <a:pPr marL="0" indent="0">
-              <a:lnSpc>
-                <a:spcPct val="150000"/>
-              </a:lnSpc>
-              <a:buNone/>
-            </a:pPr>
-            <a:r>
-              <a:rPr lang="en-US" altLang="ko-KR" sz="1000" b="1" dirty="0" smtClean="0">
-                <a:latin typeface="+mj-lt"/>
-              </a:rPr>
-              <a:t>3D </a:t>
-            </a:r>
-            <a:r>
-              <a:rPr lang="ko-KR" altLang="en-US" sz="1000" b="1" dirty="0" smtClean="0">
-                <a:latin typeface="+mj-lt"/>
-              </a:rPr>
-              <a:t>모델 </a:t>
-            </a:r>
-            <a:endParaRPr lang="en-US" altLang="ko-KR" sz="1000" b="1" dirty="0" smtClean="0">
-              <a:latin typeface="+mj-lt"/>
-            </a:endParaRPr>
-          </a:p>
-        </p:txBody>
-      </p:sp>
-      <p:sp>
-        <p:nvSpPr>
-          <p:cNvPr id="110" name="타원 109"/>
-          <p:cNvSpPr/>
-          <p:nvPr/>
-        </p:nvSpPr>
-        <p:spPr>
-          <a:xfrm>
-            <a:off x="5336992" y="2132989"/>
-            <a:ext cx="1006512" cy="694187"/>
-          </a:xfrm>
-          <a:prstGeom prst="ellipse">
-            <a:avLst/>
-          </a:prstGeom>
-          <a:ln/>
-        </p:spPr>
-        <p:style>
-          <a:lnRef idx="2">
-            <a:schemeClr val="dk1"/>
-          </a:lnRef>
-          <a:fillRef idx="1">
-            <a:schemeClr val="lt1"/>
-          </a:fillRef>
-          <a:effectRef idx="0">
-            <a:schemeClr val="dk1"/>
-          </a:effectRef>
-          <a:fontRef idx="minor">
-            <a:schemeClr val="dk1"/>
-          </a:fontRef>
-        </p:style>
-        <p:txBody>
-          <a:bodyPr vert="horz" wrap="square" lIns="91440" tIns="45720" rIns="91440" bIns="45720" numCol="1" rtlCol="0" anchor="ctr" anchorCtr="0" compatLnSpc="1">
-            <a:prstTxWarp prst="textNoShape">
-              <a:avLst/>
-            </a:prstTxWarp>
-          </a:bodyPr>
-          <a:lstStyle/>
-          <a:p>
-            <a:pPr algn="ctr"/>
-            <a:r>
-              <a:rPr lang="ko-KR" altLang="en-US" sz="1200" dirty="0" smtClean="0"/>
-              <a:t>서버에 요청</a:t>
-            </a:r>
-            <a:endParaRPr lang="ko-KR" altLang="en-US" sz="1200" dirty="0"/>
-          </a:p>
-        </p:txBody>
-      </p:sp>
-      <p:cxnSp>
-        <p:nvCxnSpPr>
-          <p:cNvPr id="114" name="구부러진 연결선 113"/>
-          <p:cNvCxnSpPr>
-            <a:stCxn id="95" idx="1"/>
-            <a:endCxn id="110" idx="6"/>
-          </p:cNvCxnSpPr>
-          <p:nvPr/>
-        </p:nvCxnSpPr>
-        <p:spPr>
-          <a:xfrm rot="10800000">
-            <a:off x="6343505" y="2480084"/>
-            <a:ext cx="1073711" cy="116381"/>
-          </a:xfrm>
-          <a:prstGeom prst="curvedConnector3">
-            <a:avLst>
-              <a:gd name="adj1" fmla="val 50000"/>
-            </a:avLst>
-          </a:prstGeom>
-          <a:ln>
-            <a:tailEnd type="triangle"/>
-          </a:ln>
-        </p:spPr>
-        <p:style>
-          <a:lnRef idx="1">
-            <a:schemeClr val="accent1"/>
-          </a:lnRef>
-          <a:fillRef idx="0">
-            <a:schemeClr val="accent1"/>
-          </a:fillRef>
-          <a:effectRef idx="0">
-            <a:schemeClr val="accent1"/>
-          </a:effectRef>
-          <a:fontRef idx="minor">
-            <a:schemeClr val="tx1"/>
-          </a:fontRef>
-        </p:style>
-      </p:cxnSp>
-      <p:sp>
-        <p:nvSpPr>
-          <p:cNvPr id="137" name="TextBox 136"/>
-          <p:cNvSpPr txBox="1"/>
-          <p:nvPr/>
-        </p:nvSpPr>
-        <p:spPr>
-          <a:xfrm>
-            <a:off x="5451855" y="1695705"/>
-            <a:ext cx="1308723" cy="230832"/>
-          </a:xfrm>
-          <a:prstGeom prst="rect">
-            <a:avLst/>
-          </a:prstGeom>
-        </p:spPr>
-        <p:txBody>
-          <a:bodyPr wrap="square" lIns="0" tIns="0" rIns="0" bIns="0" rtlCol="0" anchor="ctr">
-            <a:spAutoFit/>
-          </a:bodyPr>
-          <a:lstStyle/>
-          <a:p>
-            <a:pPr marL="0" indent="0">
-              <a:lnSpc>
-                <a:spcPct val="150000"/>
-              </a:lnSpc>
-              <a:buNone/>
-            </a:pPr>
-            <a:r>
-              <a:rPr lang="en-US" altLang="ko-KR" sz="1000" b="1" dirty="0" smtClean="0">
-                <a:latin typeface="+mj-lt"/>
-              </a:rPr>
-              <a:t>3D </a:t>
-            </a:r>
-            <a:r>
-              <a:rPr lang="ko-KR" altLang="en-US" sz="1000" b="1" dirty="0" smtClean="0">
-                <a:latin typeface="+mj-lt"/>
-              </a:rPr>
-              <a:t>모델 </a:t>
-            </a:r>
-            <a:endParaRPr lang="ko-KR" altLang="en-US" sz="1000" b="1" dirty="0" smtClean="0">
-              <a:solidFill>
-                <a:schemeClr val="tx1"/>
-              </a:solidFill>
-              <a:latin typeface="+mj-lt"/>
-            </a:endParaRPr>
-          </a:p>
-        </p:txBody>
-      </p:sp>
-      <p:sp>
-        <p:nvSpPr>
-          <p:cNvPr id="138" name="TextBox 137"/>
-          <p:cNvSpPr txBox="1"/>
-          <p:nvPr/>
-        </p:nvSpPr>
-        <p:spPr>
-          <a:xfrm>
-            <a:off x="3052537" y="2386214"/>
-            <a:ext cx="1308723" cy="230832"/>
+            <a:off x="6784195" y="1779662"/>
+            <a:ext cx="776137" cy="230832"/>
           </a:xfrm>
           <a:prstGeom prst="rect">
             <a:avLst/>
@@ -15006,140 +16004,72 @@
               <a:rPr lang="ko-KR" altLang="en-US" sz="1000" b="1" dirty="0" smtClean="0">
                 <a:latin typeface="+mj-lt"/>
               </a:rPr>
-              <a:t>모드 </a:t>
+              <a:t>찾은 </a:t>
             </a:r>
             <a:r>
               <a:rPr lang="en-US" altLang="ko-KR" sz="1000" b="1" dirty="0" smtClean="0">
                 <a:latin typeface="+mj-lt"/>
               </a:rPr>
-              <a:t>= select</a:t>
+              <a:t>3D </a:t>
             </a:r>
-            <a:endParaRPr lang="ko-KR" altLang="en-US" sz="1000" b="1" dirty="0" smtClean="0">
-              <a:solidFill>
-                <a:schemeClr val="tx1"/>
-              </a:solidFill>
+            <a:r>
+              <a:rPr lang="ko-KR" altLang="en-US" sz="1000" b="1" dirty="0" smtClean="0">
+                <a:latin typeface="+mj-lt"/>
+              </a:rPr>
+              <a:t>모델 </a:t>
+            </a:r>
+            <a:endParaRPr lang="en-US" altLang="ko-KR" sz="1000" b="1" dirty="0" smtClean="0">
               <a:latin typeface="+mj-lt"/>
             </a:endParaRPr>
           </a:p>
         </p:txBody>
       </p:sp>
-    </p:spTree>
-    <p:extLst>
-      <p:ext uri="{BB962C8B-B14F-4D97-AF65-F5344CB8AC3E}">
-        <p14:creationId xmlns:p14="http://schemas.microsoft.com/office/powerpoint/2010/main" val="1427322013"/>
-      </p:ext>
-    </p:extLst>
-  </p:cSld>
-  <p:clrMapOvr>
-    <a:masterClrMapping/>
-  </p:clrMapOvr>
-  <mc:AlternateContent xmlns:mc="http://schemas.openxmlformats.org/markup-compatibility/2006" xmlns:p14="http://schemas.microsoft.com/office/powerpoint/2010/main">
-    <mc:Choice Requires="p14">
-      <p:transition spd="med" p14:dur="700" advTm="20000">
-        <p:fade/>
-      </p:transition>
-    </mc:Choice>
-    <mc:Fallback xmlns="">
-      <p:transition spd="med" advTm="20000">
-        <p:fade/>
-      </p:transition>
-    </mc:Fallback>
-  </mc:AlternateContent>
-  <p:timing>
-    <p:tnLst>
-      <p:par>
-        <p:cTn id="1" dur="indefinite" restart="never" nodeType="tmRoot"/>
-      </p:par>
-    </p:tnLst>
-  </p:timing>
-</p:sld>
-</file>
-
-<file path=ppt/slides/slide15.xml><?xml version="1.0" encoding="utf-8"?>
-<p:sld xmlns:a="http://schemas.openxmlformats.org/drawingml/2006/main" xmlns:r="http://schemas.openxmlformats.org/officeDocument/2006/relationships" xmlns:p="http://schemas.openxmlformats.org/presentationml/2006/main">
-  <p:cSld>
-    <p:spTree>
-      <p:nvGrpSpPr>
-        <p:cNvPr id="1" name=""/>
-        <p:cNvGrpSpPr/>
-        <p:nvPr/>
-      </p:nvGrpSpPr>
-      <p:grpSpPr>
-        <a:xfrm>
-          <a:off x="0" y="0"/>
-          <a:ext cx="0" cy="0"/>
-          <a:chOff x="0" y="0"/>
-          <a:chExt cx="0" cy="0"/>
-        </a:xfrm>
-      </p:grpSpPr>
+      <p:cxnSp>
+        <p:nvCxnSpPr>
+          <p:cNvPr id="114" name="직선 화살표 연결선 113"/>
+          <p:cNvCxnSpPr>
+            <a:stCxn id="3" idx="6"/>
+            <a:endCxn id="115" idx="0"/>
+          </p:cNvCxnSpPr>
+          <p:nvPr/>
+        </p:nvCxnSpPr>
+        <p:spPr>
+          <a:xfrm>
+            <a:off x="7540279" y="2819386"/>
+            <a:ext cx="686127" cy="609849"/>
+          </a:xfrm>
+          <a:prstGeom prst="curvedConnector2">
+            <a:avLst/>
+          </a:prstGeom>
+          <a:ln>
+            <a:tailEnd type="arrow"/>
+          </a:ln>
+        </p:spPr>
+        <p:style>
+          <a:lnRef idx="2">
+            <a:schemeClr val="accent6"/>
+          </a:lnRef>
+          <a:fillRef idx="0">
+            <a:schemeClr val="accent6"/>
+          </a:fillRef>
+          <a:effectRef idx="1">
+            <a:schemeClr val="accent6"/>
+          </a:effectRef>
+          <a:fontRef idx="minor">
+            <a:schemeClr val="tx1"/>
+          </a:fontRef>
+        </p:style>
+      </p:cxnSp>
       <p:sp>
         <p:nvSpPr>
-          <p:cNvPr id="22" name="Title 1"/>
-          <p:cNvSpPr txBox="1"/>
-          <p:nvPr/>
-        </p:nvSpPr>
-        <p:spPr>
-          <a:xfrm>
-            <a:off x="381000" y="341313"/>
-            <a:ext cx="8368363" cy="495383"/>
-          </a:xfrm>
-          <a:prstGeom prst="rect">
-            <a:avLst/>
-          </a:prstGeom>
-        </p:spPr>
-        <p:txBody>
-          <a:bodyPr/>
-          <a:lstStyle>
-            <a:lvl1pPr algn="ctr" defTabSz="914400" rtl="0" eaLnBrk="1" latinLnBrk="0" hangingPunct="1">
-              <a:spcBef>
-                <a:spcPct val="0"/>
-              </a:spcBef>
-              <a:buNone/>
-              <a:defRPr sz="4400" kern="1200">
-                <a:solidFill>
-                  <a:schemeClr val="tx1"/>
-                </a:solidFill>
-                <a:latin typeface="+mj-lt"/>
-                <a:ea typeface="+mj-ea"/>
-                <a:cs typeface="+mj-cs"/>
-              </a:defRPr>
-            </a:lvl1pPr>
-          </a:lstStyle>
-          <a:p>
-            <a:pPr lvl="0">
-              <a:defRPr lang="ko-KR" altLang="en-US"/>
-            </a:pPr>
-            <a:r>
-              <a:rPr lang="ko-KR" altLang="en-US" sz="3200" dirty="0" smtClean="0">
-                <a:solidFill>
-                  <a:srgbClr val="FFFFFF">
-                    <a:lumMod val="50000"/>
-                  </a:srgbClr>
-                </a:solidFill>
-                <a:latin typeface="+mn-lt"/>
-                <a:ea typeface="+mn-ea"/>
-                <a:cs typeface="+mn-cs"/>
-              </a:rPr>
-              <a:t>데이터 흐름도 </a:t>
-            </a:r>
-            <a:endParaRPr lang="en-US" dirty="0">
-              <a:latin typeface="+mn-lt"/>
-              <a:ea typeface="+mn-ea"/>
-              <a:cs typeface="+mn-cs"/>
-            </a:endParaRPr>
-          </a:p>
-        </p:txBody>
-      </p:sp>
-      <p:sp>
-        <p:nvSpPr>
-          <p:cNvPr id="2" name="직사각형 1"/>
+          <p:cNvPr id="115" name="직사각형 114"/>
           <p:cNvSpPr/>
           <p:nvPr/>
         </p:nvSpPr>
         <p:spPr>
           <a:xfrm>
-            <a:off x="719572" y="1154447"/>
-            <a:ext cx="1620180" cy="477767"/>
+            <a:off x="7560332" y="3429235"/>
+            <a:ext cx="1332148" cy="368470"/>
           </a:xfrm>
           <a:prstGeom prst="rect">
             <a:avLst/>
@@ -15169,53 +16099,106 @@
           <a:lstStyle/>
           <a:p>
             <a:pPr algn="ctr"/>
+            <a:r>
+              <a:rPr lang="en-US" altLang="ko-KR" dirty="0" smtClean="0"/>
+              <a:t>AR</a:t>
+            </a:r>
+            <a:r>
+              <a:rPr lang="ko-KR" altLang="en-US" dirty="0" smtClean="0"/>
+              <a:t>화면</a:t>
+            </a:r>
             <a:endParaRPr lang="ko-KR" altLang="en-US" dirty="0"/>
           </a:p>
         </p:txBody>
       </p:sp>
       <p:sp>
         <p:nvSpPr>
-          <p:cNvPr id="3" name="타원 2"/>
-          <p:cNvSpPr/>
+          <p:cNvPr id="117" name="TextBox 116"/>
+          <p:cNvSpPr txBox="1"/>
           <p:nvPr/>
         </p:nvSpPr>
         <p:spPr>
           <a:xfrm>
-            <a:off x="1799692" y="3075806"/>
-            <a:ext cx="1224136" cy="900100"/>
+            <a:off x="8028384" y="2848325"/>
+            <a:ext cx="776137" cy="194925"/>
           </a:xfrm>
-          <a:prstGeom prst="ellipse">
+          <a:prstGeom prst="rect">
             <a:avLst/>
           </a:prstGeom>
-          <a:ln/>
         </p:spPr>
-        <p:style>
-          <a:lnRef idx="2">
-            <a:schemeClr val="dk1"/>
-          </a:lnRef>
-          <a:fillRef idx="1">
-            <a:schemeClr val="lt1"/>
-          </a:fillRef>
-          <a:effectRef idx="0">
-            <a:schemeClr val="dk1"/>
-          </a:effectRef>
-          <a:fontRef idx="minor">
-            <a:schemeClr val="dk1"/>
-          </a:fontRef>
-        </p:style>
         <p:txBody>
-          <a:bodyPr vert="horz" wrap="square" lIns="91440" tIns="45720" rIns="91440" bIns="45720" numCol="1" rtlCol="0" anchor="t" anchorCtr="0" compatLnSpc="1">
-            <a:prstTxWarp prst="textNoShape">
-              <a:avLst/>
-            </a:prstTxWarp>
+          <a:bodyPr wrap="square" lIns="0" tIns="0" rIns="0" bIns="0" rtlCol="0" anchor="ctr">
+            <a:spAutoFit/>
           </a:bodyPr>
           <a:lstStyle/>
           <a:p>
-            <a:pPr algn="ctr"/>
-            <a:endParaRPr lang="ko-KR" altLang="en-US"/>
+            <a:pPr marL="0" indent="0">
+              <a:lnSpc>
+                <a:spcPct val="150000"/>
+              </a:lnSpc>
+              <a:buNone/>
+            </a:pPr>
+            <a:r>
+              <a:rPr lang="ko-KR" altLang="en-US" sz="1000" b="1" dirty="0" smtClean="0">
+                <a:latin typeface="+mj-lt"/>
+              </a:rPr>
+              <a:t>생성한 물체</a:t>
+            </a:r>
+            <a:endParaRPr lang="en-US" altLang="ko-KR" sz="1000" b="1" dirty="0" smtClean="0">
+              <a:latin typeface="+mj-lt"/>
+            </a:endParaRPr>
           </a:p>
         </p:txBody>
       </p:sp>
+    </p:spTree>
+    <p:extLst>
+      <p:ext uri="{BB962C8B-B14F-4D97-AF65-F5344CB8AC3E}">
+        <p14:creationId xmlns:p14="http://schemas.microsoft.com/office/powerpoint/2010/main" val="953317854"/>
+      </p:ext>
+    </p:extLst>
+  </p:cSld>
+  <p:clrMapOvr>
+    <a:masterClrMapping/>
+  </p:clrMapOvr>
+  <mc:AlternateContent xmlns:mc="http://schemas.openxmlformats.org/markup-compatibility/2006" xmlns:p14="http://schemas.microsoft.com/office/powerpoint/2010/main">
+    <mc:Choice Requires="p14">
+      <p:transition spd="med" p14:dur="700" advTm="20000">
+        <p:fade/>
+      </p:transition>
+    </mc:Choice>
+    <mc:Fallback xmlns="">
+      <p:transition spd="med" advTm="20000">
+        <p:fade/>
+      </p:transition>
+    </mc:Fallback>
+  </mc:AlternateContent>
+  <p:timing>
+    <p:tnLst>
+      <p:par>
+        <p:cTn id="1" dur="indefinite" restart="never" nodeType="tmRoot"/>
+      </p:par>
+    </p:tnLst>
+  </p:timing>
+</p:sld>
+</file>
+
+<file path=ppt/slides/slide16.xml><?xml version="1.0" encoding="utf-8"?>
+<p:sld xmlns:a="http://schemas.openxmlformats.org/drawingml/2006/main" xmlns:r="http://schemas.openxmlformats.org/officeDocument/2006/relationships" xmlns:p="http://schemas.openxmlformats.org/presentationml/2006/main" showMasterSp="0">
+  <p:cSld>
+    <p:spTree>
+      <p:nvGrpSpPr>
+        <p:cNvPr id="1" name=""/>
+        <p:cNvGrpSpPr/>
+        <p:nvPr/>
+      </p:nvGrpSpPr>
+      <p:grpSpPr>
+        <a:xfrm>
+          <a:off x="0" y="0"/>
+          <a:ext cx="0" cy="0"/>
+          <a:chOff x="0" y="0"/>
+          <a:chExt cx="0" cy="0"/>
+        </a:xfrm>
+      </p:grpSpPr>
       <p:grpSp>
         <p:nvGrpSpPr>
           <p:cNvPr id="13" name="그룹 12"/>
@@ -15224,10 +16207,10 @@
         </p:nvGrpSpPr>
         <p:grpSpPr>
           <a:xfrm>
-            <a:off x="3635896" y="1923678"/>
-            <a:ext cx="1620180" cy="549775"/>
-            <a:chOff x="3851920" y="1815666"/>
-            <a:chExt cx="1620180" cy="549775"/>
+            <a:off x="1412491" y="2631059"/>
+            <a:ext cx="1332148" cy="428878"/>
+            <a:chOff x="3851920" y="1809348"/>
+            <a:chExt cx="1620180" cy="556093"/>
           </a:xfrm>
         </p:grpSpPr>
         <p:sp>
@@ -15308,8 +16291,8 @@
           </p:nvSpPr>
           <p:spPr>
             <a:xfrm>
-              <a:off x="3851920" y="1981661"/>
-              <a:ext cx="1620180" cy="194925"/>
+              <a:off x="3851920" y="1809348"/>
+              <a:ext cx="1620180" cy="454940"/>
             </a:xfrm>
             <a:prstGeom prst="rect">
               <a:avLst/>
@@ -15328,28 +16311,1106 @@
                 <a:buNone/>
               </a:pPr>
               <a:r>
-                <a:rPr lang="ko-KR" altLang="en-US" sz="1000" b="1" dirty="0" smtClean="0">
+                <a:rPr lang="ko-KR" altLang="en-US" b="1" dirty="0" smtClean="0">
                   <a:solidFill>
                     <a:schemeClr val="tx1"/>
                   </a:solidFill>
                   <a:latin typeface="+mj-lt"/>
                 </a:rPr>
-                <a:t>내용</a:t>
+                <a:t>제어판</a:t>
               </a:r>
+              <a:r>
+                <a:rPr lang="en-US" altLang="ko-KR" b="1" dirty="0" smtClean="0">
+                  <a:solidFill>
+                    <a:schemeClr val="tx1"/>
+                  </a:solidFill>
+                  <a:latin typeface="+mj-lt"/>
+                </a:rPr>
+                <a:t>(</a:t>
+              </a:r>
+              <a:r>
+                <a:rPr lang="ko-KR" altLang="en-US" b="1" dirty="0">
+                  <a:latin typeface="+mj-lt"/>
+                </a:rPr>
+                <a:t>값</a:t>
+              </a:r>
+              <a:r>
+                <a:rPr lang="en-US" altLang="ko-KR" b="1" dirty="0" smtClean="0">
+                  <a:solidFill>
+                    <a:schemeClr val="tx1"/>
+                  </a:solidFill>
+                  <a:latin typeface="+mj-lt"/>
+                </a:rPr>
+                <a:t>)</a:t>
+              </a:r>
+              <a:endParaRPr lang="ko-KR" altLang="en-US" b="1" dirty="0" smtClean="0">
+                <a:solidFill>
+                  <a:schemeClr val="tx1"/>
+                </a:solidFill>
+                <a:latin typeface="+mj-lt"/>
+              </a:endParaRPr>
             </a:p>
           </p:txBody>
         </p:sp>
       </p:grpSp>
       <p:sp>
         <p:nvSpPr>
-          <p:cNvPr id="23" name="직사각형 22"/>
+          <p:cNvPr id="128" name="Title 1"/>
+          <p:cNvSpPr txBox="1"/>
+          <p:nvPr/>
+        </p:nvSpPr>
+        <p:spPr>
+          <a:xfrm>
+            <a:off x="381000" y="303498"/>
+            <a:ext cx="8368363" cy="495383"/>
+          </a:xfrm>
+          <a:prstGeom prst="rect">
+            <a:avLst/>
+          </a:prstGeom>
+        </p:spPr>
+        <p:txBody>
+          <a:bodyPr/>
+          <a:lstStyle>
+            <a:lvl1pPr algn="ctr" defTabSz="914400" rtl="0" eaLnBrk="1" latinLnBrk="0" hangingPunct="1">
+              <a:spcBef>
+                <a:spcPct val="0"/>
+              </a:spcBef>
+              <a:buNone/>
+              <a:defRPr sz="4400" kern="1200">
+                <a:solidFill>
+                  <a:schemeClr val="tx1"/>
+                </a:solidFill>
+                <a:latin typeface="+mj-lt"/>
+                <a:ea typeface="+mj-ea"/>
+                <a:cs typeface="+mj-cs"/>
+              </a:defRPr>
+            </a:lvl1pPr>
+          </a:lstStyle>
+          <a:p>
+            <a:pPr lvl="0">
+              <a:defRPr lang="ko-KR" altLang="en-US"/>
+            </a:pPr>
+            <a:r>
+              <a:rPr lang="en-US" altLang="ko-KR" sz="2800" dirty="0" smtClean="0">
+                <a:solidFill>
+                  <a:srgbClr val="FFFFFF">
+                    <a:lumMod val="50000"/>
+                  </a:srgbClr>
+                </a:solidFill>
+                <a:latin typeface="+mn-lt"/>
+                <a:ea typeface="+mn-ea"/>
+                <a:cs typeface="+mn-cs"/>
+              </a:rPr>
+              <a:t>select </a:t>
+            </a:r>
+            <a:r>
+              <a:rPr lang="ko-KR" altLang="en-US" sz="2800" dirty="0" smtClean="0">
+                <a:solidFill>
+                  <a:srgbClr val="FFFFFF">
+                    <a:lumMod val="50000"/>
+                  </a:srgbClr>
+                </a:solidFill>
+                <a:latin typeface="+mn-lt"/>
+                <a:ea typeface="+mn-ea"/>
+                <a:cs typeface="+mn-cs"/>
+              </a:rPr>
+              <a:t>모드</a:t>
+            </a:r>
+            <a:r>
+              <a:rPr lang="en-US" altLang="ko-KR" sz="2800" dirty="0" smtClean="0">
+                <a:solidFill>
+                  <a:srgbClr val="FFFFFF">
+                    <a:lumMod val="50000"/>
+                  </a:srgbClr>
+                </a:solidFill>
+                <a:latin typeface="+mn-lt"/>
+                <a:ea typeface="+mn-ea"/>
+                <a:cs typeface="+mn-cs"/>
+              </a:rPr>
+              <a:t>_</a:t>
+            </a:r>
+            <a:r>
+              <a:rPr lang="ko-KR" altLang="en-US" sz="2800" dirty="0" smtClean="0">
+                <a:solidFill>
+                  <a:srgbClr val="FFFFFF">
+                    <a:lumMod val="50000"/>
+                  </a:srgbClr>
+                </a:solidFill>
+                <a:latin typeface="+mn-lt"/>
+                <a:ea typeface="+mn-ea"/>
+                <a:cs typeface="+mn-cs"/>
+              </a:rPr>
+              <a:t>물체 </a:t>
+            </a:r>
+            <a:r>
+              <a:rPr lang="ko-KR" altLang="en-US" sz="2800" b="1" dirty="0" smtClean="0">
+                <a:solidFill>
+                  <a:srgbClr val="FFFFFF">
+                    <a:lumMod val="50000"/>
+                  </a:srgbClr>
+                </a:solidFill>
+                <a:latin typeface="+mn-lt"/>
+                <a:ea typeface="+mn-ea"/>
+                <a:cs typeface="+mn-cs"/>
+              </a:rPr>
+              <a:t>선택</a:t>
+            </a:r>
+            <a:r>
+              <a:rPr lang="ko-KR" altLang="en-US" sz="2800" dirty="0" smtClean="0">
+                <a:solidFill>
+                  <a:srgbClr val="FFFFFF">
+                    <a:lumMod val="50000"/>
+                  </a:srgbClr>
+                </a:solidFill>
+                <a:latin typeface="+mn-lt"/>
+                <a:ea typeface="+mn-ea"/>
+                <a:cs typeface="+mn-cs"/>
+              </a:rPr>
+              <a:t> </a:t>
+            </a:r>
+            <a:endParaRPr lang="en-US" sz="4000" dirty="0">
+              <a:latin typeface="+mn-lt"/>
+              <a:ea typeface="+mn-ea"/>
+              <a:cs typeface="+mn-cs"/>
+            </a:endParaRPr>
+          </a:p>
+        </p:txBody>
+      </p:sp>
+      <p:sp>
+        <p:nvSpPr>
+          <p:cNvPr id="47" name="타원 46"/>
           <p:cNvSpPr/>
           <p:nvPr/>
         </p:nvSpPr>
         <p:spPr>
           <a:xfrm>
-            <a:off x="381000" y="1956251"/>
-            <a:ext cx="1620180" cy="477767"/>
+            <a:off x="3927128" y="2448518"/>
+            <a:ext cx="1006512" cy="694187"/>
+          </a:xfrm>
+          <a:prstGeom prst="ellipse">
+            <a:avLst/>
+          </a:prstGeom>
+          <a:ln/>
+        </p:spPr>
+        <p:style>
+          <a:lnRef idx="2">
+            <a:schemeClr val="dk1"/>
+          </a:lnRef>
+          <a:fillRef idx="1">
+            <a:schemeClr val="lt1"/>
+          </a:fillRef>
+          <a:effectRef idx="0">
+            <a:schemeClr val="dk1"/>
+          </a:effectRef>
+          <a:fontRef idx="minor">
+            <a:schemeClr val="dk1"/>
+          </a:fontRef>
+        </p:style>
+        <p:txBody>
+          <a:bodyPr vert="horz" wrap="square" lIns="91440" tIns="45720" rIns="91440" bIns="45720" numCol="1" rtlCol="0" anchor="ctr" anchorCtr="0" compatLnSpc="1">
+            <a:prstTxWarp prst="textNoShape">
+              <a:avLst/>
+            </a:prstTxWarp>
+          </a:bodyPr>
+          <a:lstStyle/>
+          <a:p>
+            <a:pPr algn="ctr"/>
+            <a:r>
+              <a:rPr lang="ko-KR" altLang="en-US" dirty="0" smtClean="0"/>
+              <a:t>광선 투사</a:t>
+            </a:r>
+            <a:endParaRPr lang="ko-KR" altLang="en-US" dirty="0"/>
+          </a:p>
+        </p:txBody>
+      </p:sp>
+      <p:sp>
+        <p:nvSpPr>
+          <p:cNvPr id="58" name="타원 57"/>
+          <p:cNvSpPr/>
+          <p:nvPr/>
+        </p:nvSpPr>
+        <p:spPr>
+          <a:xfrm>
+            <a:off x="5868144" y="2376510"/>
+            <a:ext cx="1692188" cy="836676"/>
+          </a:xfrm>
+          <a:prstGeom prst="ellipse">
+            <a:avLst/>
+          </a:prstGeom>
+          <a:ln/>
+        </p:spPr>
+        <p:style>
+          <a:lnRef idx="2">
+            <a:schemeClr val="dk1"/>
+          </a:lnRef>
+          <a:fillRef idx="1">
+            <a:schemeClr val="lt1"/>
+          </a:fillRef>
+          <a:effectRef idx="0">
+            <a:schemeClr val="dk1"/>
+          </a:effectRef>
+          <a:fontRef idx="minor">
+            <a:schemeClr val="dk1"/>
+          </a:fontRef>
+        </p:style>
+        <p:txBody>
+          <a:bodyPr vert="horz" wrap="square" lIns="91440" tIns="45720" rIns="91440" bIns="45720" numCol="1" rtlCol="0" anchor="ctr" anchorCtr="0" compatLnSpc="1">
+            <a:prstTxWarp prst="textNoShape">
+              <a:avLst/>
+            </a:prstTxWarp>
+          </a:bodyPr>
+          <a:lstStyle/>
+          <a:p>
+            <a:pPr algn="ctr"/>
+            <a:r>
+              <a:rPr lang="ko-KR" altLang="en-US" sz="1150" dirty="0" smtClean="0"/>
+              <a:t>투사</a:t>
+            </a:r>
+            <a:r>
+              <a:rPr lang="ko-KR" altLang="en-US" sz="1150" dirty="0"/>
+              <a:t>된</a:t>
+            </a:r>
+            <a:r>
+              <a:rPr lang="ko-KR" altLang="en-US" sz="1150" dirty="0" smtClean="0"/>
+              <a:t> 물체 중 가장 가까운 물체를 등록</a:t>
+            </a:r>
+            <a:endParaRPr lang="ko-KR" altLang="en-US" sz="1150" dirty="0"/>
+          </a:p>
+        </p:txBody>
+      </p:sp>
+      <p:sp>
+        <p:nvSpPr>
+          <p:cNvPr id="59" name="TextBox 58"/>
+          <p:cNvSpPr txBox="1"/>
+          <p:nvPr/>
+        </p:nvSpPr>
+        <p:spPr>
+          <a:xfrm>
+            <a:off x="5005648" y="2279814"/>
+            <a:ext cx="801501" cy="425758"/>
+          </a:xfrm>
+          <a:prstGeom prst="rect">
+            <a:avLst/>
+          </a:prstGeom>
+        </p:spPr>
+        <p:txBody>
+          <a:bodyPr wrap="none" lIns="0" tIns="0" rIns="0" bIns="0" rtlCol="0" anchor="ctr">
+            <a:spAutoFit/>
+          </a:bodyPr>
+          <a:lstStyle/>
+          <a:p>
+            <a:pPr marL="0" indent="0">
+              <a:lnSpc>
+                <a:spcPct val="150000"/>
+              </a:lnSpc>
+              <a:buNone/>
+            </a:pPr>
+            <a:r>
+              <a:rPr lang="ko-KR" altLang="en-US" sz="1000" b="1" dirty="0" smtClean="0">
+                <a:latin typeface="+mj-lt"/>
+              </a:rPr>
+              <a:t>원판의 좌표로</a:t>
+            </a:r>
+            <a:endParaRPr lang="en-US" altLang="ko-KR" sz="1000" b="1" dirty="0" smtClean="0">
+              <a:latin typeface="+mj-lt"/>
+            </a:endParaRPr>
+          </a:p>
+          <a:p>
+            <a:pPr marL="0" indent="0">
+              <a:lnSpc>
+                <a:spcPct val="150000"/>
+              </a:lnSpc>
+              <a:buNone/>
+            </a:pPr>
+            <a:r>
+              <a:rPr lang="ko-KR" altLang="en-US" sz="1000" b="1" dirty="0" smtClean="0">
+                <a:latin typeface="+mj-lt"/>
+              </a:rPr>
+              <a:t>향하는</a:t>
+            </a:r>
+            <a:r>
+              <a:rPr lang="ko-KR" altLang="en-US" sz="1000" b="1" dirty="0" smtClean="0">
+                <a:solidFill>
+                  <a:schemeClr val="tx1"/>
+                </a:solidFill>
+                <a:latin typeface="+mj-lt"/>
+              </a:rPr>
+              <a:t> 광선</a:t>
+            </a:r>
+            <a:endParaRPr lang="ko-KR" altLang="en-US" sz="1000" b="1" dirty="0" smtClean="0">
+              <a:solidFill>
+                <a:schemeClr val="tx1"/>
+              </a:solidFill>
+              <a:latin typeface="+mj-lt"/>
+            </a:endParaRPr>
+          </a:p>
+        </p:txBody>
+      </p:sp>
+      <p:cxnSp>
+        <p:nvCxnSpPr>
+          <p:cNvPr id="63" name="직선 화살표 연결선 62"/>
+          <p:cNvCxnSpPr>
+            <a:stCxn id="47" idx="6"/>
+            <a:endCxn id="58" idx="2"/>
+          </p:cNvCxnSpPr>
+          <p:nvPr/>
+        </p:nvCxnSpPr>
+        <p:spPr>
+          <a:xfrm flipV="1">
+            <a:off x="4933640" y="2794848"/>
+            <a:ext cx="934504" cy="764"/>
+          </a:xfrm>
+          <a:prstGeom prst="straightConnector1">
+            <a:avLst/>
+          </a:prstGeom>
+          <a:ln>
+            <a:tailEnd type="arrow"/>
+          </a:ln>
+        </p:spPr>
+        <p:style>
+          <a:lnRef idx="2">
+            <a:schemeClr val="accent3"/>
+          </a:lnRef>
+          <a:fillRef idx="0">
+            <a:schemeClr val="accent3"/>
+          </a:fillRef>
+          <a:effectRef idx="1">
+            <a:schemeClr val="accent3"/>
+          </a:effectRef>
+          <a:fontRef idx="minor">
+            <a:schemeClr val="tx1"/>
+          </a:fontRef>
+        </p:style>
+      </p:cxnSp>
+      <p:cxnSp>
+        <p:nvCxnSpPr>
+          <p:cNvPr id="97" name="직선 화살표 연결선 96"/>
+          <p:cNvCxnSpPr>
+            <a:stCxn id="125" idx="0"/>
+            <a:endCxn id="47" idx="4"/>
+          </p:cNvCxnSpPr>
+          <p:nvPr/>
+        </p:nvCxnSpPr>
+        <p:spPr>
+          <a:xfrm flipH="1" flipV="1">
+            <a:off x="4430384" y="3142705"/>
+            <a:ext cx="9752" cy="656664"/>
+          </a:xfrm>
+          <a:prstGeom prst="straightConnector1">
+            <a:avLst/>
+          </a:prstGeom>
+          <a:ln>
+            <a:tailEnd type="arrow"/>
+          </a:ln>
+        </p:spPr>
+        <p:style>
+          <a:lnRef idx="2">
+            <a:schemeClr val="accent3"/>
+          </a:lnRef>
+          <a:fillRef idx="0">
+            <a:schemeClr val="accent3"/>
+          </a:fillRef>
+          <a:effectRef idx="1">
+            <a:schemeClr val="accent3"/>
+          </a:effectRef>
+          <a:fontRef idx="minor">
+            <a:schemeClr val="tx1"/>
+          </a:fontRef>
+        </p:style>
+      </p:cxnSp>
+      <p:grpSp>
+        <p:nvGrpSpPr>
+          <p:cNvPr id="105" name="그룹 104"/>
+          <p:cNvGrpSpPr/>
+          <p:nvPr/>
+        </p:nvGrpSpPr>
+        <p:grpSpPr>
+          <a:xfrm>
+            <a:off x="3601492" y="1547113"/>
+            <a:ext cx="1332148" cy="428878"/>
+            <a:chOff x="3851920" y="1809348"/>
+            <a:chExt cx="1620180" cy="556093"/>
+          </a:xfrm>
+        </p:grpSpPr>
+        <p:sp>
+          <p:nvSpPr>
+            <p:cNvPr id="108" name="직사각형 107"/>
+            <p:cNvSpPr/>
+            <p:nvPr/>
+          </p:nvSpPr>
+          <p:spPr>
+            <a:xfrm>
+              <a:off x="3851920" y="1815666"/>
+              <a:ext cx="1620180" cy="45719"/>
+            </a:xfrm>
+            <a:prstGeom prst="rect">
+              <a:avLst/>
+            </a:prstGeom>
+            <a:solidFill>
+              <a:schemeClr val="tx1"/>
+            </a:solidFill>
+            <a:ln w="9525">
+              <a:noFill/>
+              <a:round/>
+            </a:ln>
+          </p:spPr>
+          <p:txBody>
+            <a:bodyPr vert="horz" wrap="square" lIns="91440" tIns="45720" rIns="91440" bIns="45720" numCol="1" rtlCol="0" anchor="t" anchorCtr="0" compatLnSpc="1">
+              <a:prstTxWarp prst="textNoShape">
+                <a:avLst/>
+              </a:prstTxWarp>
+            </a:bodyPr>
+            <a:lstStyle/>
+            <a:p>
+              <a:pPr algn="ctr"/>
+              <a:endParaRPr lang="ko-KR" altLang="en-US"/>
+            </a:p>
+          </p:txBody>
+        </p:sp>
+        <p:sp>
+          <p:nvSpPr>
+            <p:cNvPr id="111" name="직사각형 110"/>
+            <p:cNvSpPr/>
+            <p:nvPr/>
+          </p:nvSpPr>
+          <p:spPr>
+            <a:xfrm>
+              <a:off x="3851920" y="2319722"/>
+              <a:ext cx="1620180" cy="45719"/>
+            </a:xfrm>
+            <a:prstGeom prst="rect">
+              <a:avLst/>
+            </a:prstGeom>
+            <a:solidFill>
+              <a:schemeClr val="tx1"/>
+            </a:solidFill>
+            <a:ln w="9525">
+              <a:noFill/>
+              <a:round/>
+            </a:ln>
+          </p:spPr>
+          <p:txBody>
+            <a:bodyPr vert="horz" wrap="square" lIns="91440" tIns="45720" rIns="91440" bIns="45720" numCol="1" rtlCol="0" anchor="t" anchorCtr="0" compatLnSpc="1">
+              <a:prstTxWarp prst="textNoShape">
+                <a:avLst/>
+              </a:prstTxWarp>
+            </a:bodyPr>
+            <a:lstStyle/>
+            <a:p>
+              <a:pPr algn="ctr"/>
+              <a:endParaRPr lang="ko-KR" altLang="en-US"/>
+            </a:p>
+          </p:txBody>
+        </p:sp>
+        <p:sp>
+          <p:nvSpPr>
+            <p:cNvPr id="112" name="TextBox 111"/>
+            <p:cNvSpPr txBox="1"/>
+            <p:nvPr/>
+          </p:nvSpPr>
+          <p:spPr>
+            <a:xfrm>
+              <a:off x="3851920" y="1809348"/>
+              <a:ext cx="1620180" cy="454940"/>
+            </a:xfrm>
+            <a:prstGeom prst="rect">
+              <a:avLst/>
+            </a:prstGeom>
+          </p:spPr>
+          <p:txBody>
+            <a:bodyPr wrap="square" lIns="0" tIns="0" rIns="0" bIns="0" rtlCol="0" anchor="ctr">
+              <a:spAutoFit/>
+            </a:bodyPr>
+            <a:lstStyle/>
+            <a:p>
+              <a:pPr marL="0" indent="0" algn="ctr">
+                <a:lnSpc>
+                  <a:spcPct val="150000"/>
+                </a:lnSpc>
+                <a:buNone/>
+              </a:pPr>
+              <a:r>
+                <a:rPr lang="ko-KR" altLang="en-US" b="1" dirty="0" smtClean="0">
+                  <a:latin typeface="+mj-lt"/>
+                </a:rPr>
+                <a:t>선택된 물체</a:t>
+              </a:r>
+              <a:endParaRPr lang="ko-KR" altLang="en-US" b="1" dirty="0" smtClean="0">
+                <a:solidFill>
+                  <a:schemeClr val="tx1"/>
+                </a:solidFill>
+                <a:latin typeface="+mj-lt"/>
+              </a:endParaRPr>
+            </a:p>
+          </p:txBody>
+        </p:sp>
+      </p:grpSp>
+      <p:sp>
+        <p:nvSpPr>
+          <p:cNvPr id="113" name="TextBox 112"/>
+          <p:cNvSpPr txBox="1"/>
+          <p:nvPr/>
+        </p:nvSpPr>
+        <p:spPr>
+          <a:xfrm>
+            <a:off x="5390861" y="1504233"/>
+            <a:ext cx="766235" cy="230832"/>
+          </a:xfrm>
+          <a:prstGeom prst="rect">
+            <a:avLst/>
+          </a:prstGeom>
+        </p:spPr>
+        <p:txBody>
+          <a:bodyPr wrap="none" lIns="0" tIns="0" rIns="0" bIns="0" rtlCol="0" anchor="ctr">
+            <a:spAutoFit/>
+          </a:bodyPr>
+          <a:lstStyle/>
+          <a:p>
+            <a:pPr marL="0" indent="0">
+              <a:lnSpc>
+                <a:spcPct val="150000"/>
+              </a:lnSpc>
+              <a:buNone/>
+            </a:pPr>
+            <a:r>
+              <a:rPr lang="ko-KR" altLang="en-US" sz="1000" b="1" dirty="0" smtClean="0">
+                <a:solidFill>
+                  <a:schemeClr val="tx1"/>
+                </a:solidFill>
+                <a:latin typeface="+mj-lt"/>
+              </a:rPr>
+              <a:t>물체</a:t>
+            </a:r>
+            <a:r>
+              <a:rPr lang="en-US" altLang="ko-KR" sz="1000" b="1" dirty="0" smtClean="0">
+                <a:solidFill>
+                  <a:schemeClr val="tx1"/>
+                </a:solidFill>
+                <a:latin typeface="+mj-lt"/>
+              </a:rPr>
+              <a:t>(3</a:t>
+            </a:r>
+            <a:r>
+              <a:rPr lang="en-US" altLang="ko-KR" sz="1000" b="1" dirty="0" smtClean="0">
+                <a:latin typeface="+mj-lt"/>
+              </a:rPr>
+              <a:t>D</a:t>
+            </a:r>
+            <a:r>
+              <a:rPr lang="ko-KR" altLang="en-US" sz="1000" b="1" dirty="0" smtClean="0">
+                <a:latin typeface="+mj-lt"/>
+              </a:rPr>
+              <a:t>모델</a:t>
+            </a:r>
+            <a:r>
+              <a:rPr lang="en-US" altLang="ko-KR" sz="1000" b="1" dirty="0" smtClean="0">
+                <a:latin typeface="+mj-lt"/>
+              </a:rPr>
+              <a:t>)</a:t>
+            </a:r>
+            <a:endParaRPr lang="ko-KR" altLang="en-US" sz="1000" b="1" dirty="0" smtClean="0">
+              <a:solidFill>
+                <a:schemeClr val="tx1"/>
+              </a:solidFill>
+              <a:latin typeface="+mj-lt"/>
+            </a:endParaRPr>
+          </a:p>
+        </p:txBody>
+      </p:sp>
+      <p:cxnSp>
+        <p:nvCxnSpPr>
+          <p:cNvPr id="114" name="직선 화살표 연결선 63"/>
+          <p:cNvCxnSpPr>
+            <a:stCxn id="58" idx="0"/>
+            <a:endCxn id="112" idx="3"/>
+          </p:cNvCxnSpPr>
+          <p:nvPr/>
+        </p:nvCxnSpPr>
+        <p:spPr>
+          <a:xfrm rot="16200000" flipV="1">
+            <a:off x="5496957" y="1159229"/>
+            <a:ext cx="653964" cy="1780598"/>
+          </a:xfrm>
+          <a:prstGeom prst="curvedConnector2">
+            <a:avLst/>
+          </a:prstGeom>
+          <a:ln>
+            <a:tailEnd type="arrow"/>
+          </a:ln>
+        </p:spPr>
+        <p:style>
+          <a:lnRef idx="2">
+            <a:schemeClr val="accent3"/>
+          </a:lnRef>
+          <a:fillRef idx="0">
+            <a:schemeClr val="accent3"/>
+          </a:fillRef>
+          <a:effectRef idx="1">
+            <a:schemeClr val="accent3"/>
+          </a:effectRef>
+          <a:fontRef idx="minor">
+            <a:schemeClr val="tx1"/>
+          </a:fontRef>
+        </p:style>
+      </p:cxnSp>
+      <p:cxnSp>
+        <p:nvCxnSpPr>
+          <p:cNvPr id="115" name="직선 화살표 연결선 66"/>
+          <p:cNvCxnSpPr>
+            <a:stCxn id="112" idx="1"/>
+            <a:endCxn id="10" idx="0"/>
+          </p:cNvCxnSpPr>
+          <p:nvPr/>
+        </p:nvCxnSpPr>
+        <p:spPr>
+          <a:xfrm rot="10800000" flipV="1">
+            <a:off x="2078566" y="1722545"/>
+            <a:ext cx="1522927" cy="908513"/>
+          </a:xfrm>
+          <a:prstGeom prst="curvedConnector2">
+            <a:avLst/>
+          </a:prstGeom>
+          <a:ln>
+            <a:tailEnd type="arrow"/>
+          </a:ln>
+        </p:spPr>
+        <p:style>
+          <a:lnRef idx="2">
+            <a:schemeClr val="accent3"/>
+          </a:lnRef>
+          <a:fillRef idx="0">
+            <a:schemeClr val="accent3"/>
+          </a:fillRef>
+          <a:effectRef idx="1">
+            <a:schemeClr val="accent3"/>
+          </a:effectRef>
+          <a:fontRef idx="minor">
+            <a:schemeClr val="tx1"/>
+          </a:fontRef>
+        </p:style>
+      </p:cxnSp>
+      <p:sp>
+        <p:nvSpPr>
+          <p:cNvPr id="116" name="TextBox 115"/>
+          <p:cNvSpPr txBox="1"/>
+          <p:nvPr/>
+        </p:nvSpPr>
+        <p:spPr>
+          <a:xfrm>
+            <a:off x="2287348" y="1491713"/>
+            <a:ext cx="1040349" cy="230832"/>
+          </a:xfrm>
+          <a:prstGeom prst="rect">
+            <a:avLst/>
+          </a:prstGeom>
+        </p:spPr>
+        <p:txBody>
+          <a:bodyPr wrap="none" lIns="0" tIns="0" rIns="0" bIns="0" rtlCol="0" anchor="ctr">
+            <a:spAutoFit/>
+          </a:bodyPr>
+          <a:lstStyle/>
+          <a:p>
+            <a:pPr marL="0" indent="0">
+              <a:lnSpc>
+                <a:spcPct val="150000"/>
+              </a:lnSpc>
+              <a:buNone/>
+            </a:pPr>
+            <a:r>
+              <a:rPr lang="ko-KR" altLang="en-US" sz="1000" b="1" dirty="0" smtClean="0">
+                <a:solidFill>
+                  <a:schemeClr val="tx1"/>
+                </a:solidFill>
+                <a:latin typeface="+mj-lt"/>
+              </a:rPr>
+              <a:t>물체</a:t>
+            </a:r>
+            <a:r>
+              <a:rPr lang="ko-KR" altLang="en-US" sz="1000" b="1" dirty="0" smtClean="0">
+                <a:latin typeface="+mj-lt"/>
+              </a:rPr>
+              <a:t>의 </a:t>
+            </a:r>
+            <a:r>
+              <a:rPr lang="en-US" altLang="ko-KR" sz="1000" b="1" dirty="0" smtClean="0">
+                <a:latin typeface="+mj-lt"/>
+              </a:rPr>
+              <a:t>rotation</a:t>
+            </a:r>
+            <a:r>
+              <a:rPr lang="ko-KR" altLang="en-US" sz="1000" b="1" dirty="0" smtClean="0">
+                <a:latin typeface="+mj-lt"/>
+              </a:rPr>
+              <a:t> 값</a:t>
+            </a:r>
+            <a:endParaRPr lang="ko-KR" altLang="en-US" sz="1000" b="1" dirty="0" smtClean="0">
+              <a:solidFill>
+                <a:schemeClr val="tx1"/>
+              </a:solidFill>
+              <a:latin typeface="+mj-lt"/>
+            </a:endParaRPr>
+          </a:p>
+        </p:txBody>
+      </p:sp>
+      <p:sp>
+        <p:nvSpPr>
+          <p:cNvPr id="121" name="TextBox 120"/>
+          <p:cNvSpPr txBox="1"/>
+          <p:nvPr/>
+        </p:nvSpPr>
+        <p:spPr>
+          <a:xfrm>
+            <a:off x="4482042" y="3399842"/>
+            <a:ext cx="674865" cy="194925"/>
+          </a:xfrm>
+          <a:prstGeom prst="rect">
+            <a:avLst/>
+          </a:prstGeom>
+        </p:spPr>
+        <p:txBody>
+          <a:bodyPr wrap="none" lIns="0" tIns="0" rIns="0" bIns="0" rtlCol="0" anchor="ctr">
+            <a:spAutoFit/>
+          </a:bodyPr>
+          <a:lstStyle/>
+          <a:p>
+            <a:pPr marL="0" indent="0">
+              <a:lnSpc>
+                <a:spcPct val="150000"/>
+              </a:lnSpc>
+              <a:buNone/>
+            </a:pPr>
+            <a:r>
+              <a:rPr lang="ko-KR" altLang="en-US" sz="1000" b="1" dirty="0" smtClean="0">
+                <a:solidFill>
+                  <a:schemeClr val="tx1"/>
+                </a:solidFill>
+                <a:latin typeface="+mj-lt"/>
+              </a:rPr>
+              <a:t>원판의 좌표</a:t>
+            </a:r>
+            <a:endParaRPr lang="ko-KR" altLang="en-US" sz="1000" b="1" dirty="0" smtClean="0">
+              <a:solidFill>
+                <a:schemeClr val="tx1"/>
+              </a:solidFill>
+              <a:latin typeface="+mj-lt"/>
+            </a:endParaRPr>
+          </a:p>
+        </p:txBody>
+      </p:sp>
+      <p:grpSp>
+        <p:nvGrpSpPr>
+          <p:cNvPr id="122" name="그룹 121"/>
+          <p:cNvGrpSpPr/>
+          <p:nvPr/>
+        </p:nvGrpSpPr>
+        <p:grpSpPr>
+          <a:xfrm>
+            <a:off x="3651847" y="3799369"/>
+            <a:ext cx="1576577" cy="428565"/>
+            <a:chOff x="3851920" y="1809753"/>
+            <a:chExt cx="1620181" cy="555688"/>
+          </a:xfrm>
+        </p:grpSpPr>
+        <p:sp>
+          <p:nvSpPr>
+            <p:cNvPr id="123" name="직사각형 122"/>
+            <p:cNvSpPr/>
+            <p:nvPr/>
+          </p:nvSpPr>
+          <p:spPr>
+            <a:xfrm>
+              <a:off x="3851920" y="1815666"/>
+              <a:ext cx="1620180" cy="45719"/>
+            </a:xfrm>
+            <a:prstGeom prst="rect">
+              <a:avLst/>
+            </a:prstGeom>
+            <a:solidFill>
+              <a:schemeClr val="tx1"/>
+            </a:solidFill>
+            <a:ln w="9525">
+              <a:noFill/>
+              <a:round/>
+            </a:ln>
+          </p:spPr>
+          <p:txBody>
+            <a:bodyPr vert="horz" wrap="square" lIns="91440" tIns="45720" rIns="91440" bIns="45720" numCol="1" rtlCol="0" anchor="t" anchorCtr="0" compatLnSpc="1">
+              <a:prstTxWarp prst="textNoShape">
+                <a:avLst/>
+              </a:prstTxWarp>
+            </a:bodyPr>
+            <a:lstStyle/>
+            <a:p>
+              <a:pPr algn="ctr"/>
+              <a:endParaRPr lang="ko-KR" altLang="en-US"/>
+            </a:p>
+          </p:txBody>
+        </p:sp>
+        <p:sp>
+          <p:nvSpPr>
+            <p:cNvPr id="124" name="직사각형 123"/>
+            <p:cNvSpPr/>
+            <p:nvPr/>
+          </p:nvSpPr>
+          <p:spPr>
+            <a:xfrm>
+              <a:off x="3851920" y="2319722"/>
+              <a:ext cx="1620180" cy="45719"/>
+            </a:xfrm>
+            <a:prstGeom prst="rect">
+              <a:avLst/>
+            </a:prstGeom>
+            <a:solidFill>
+              <a:schemeClr val="tx1"/>
+            </a:solidFill>
+            <a:ln w="9525">
+              <a:noFill/>
+              <a:round/>
+            </a:ln>
+          </p:spPr>
+          <p:txBody>
+            <a:bodyPr vert="horz" wrap="square" lIns="91440" tIns="45720" rIns="91440" bIns="45720" numCol="1" rtlCol="0" anchor="t" anchorCtr="0" compatLnSpc="1">
+              <a:prstTxWarp prst="textNoShape">
+                <a:avLst/>
+              </a:prstTxWarp>
+            </a:bodyPr>
+            <a:lstStyle/>
+            <a:p>
+              <a:pPr algn="ctr"/>
+              <a:endParaRPr lang="ko-KR" altLang="en-US"/>
+            </a:p>
+          </p:txBody>
+        </p:sp>
+        <p:sp>
+          <p:nvSpPr>
+            <p:cNvPr id="125" name="TextBox 124"/>
+            <p:cNvSpPr txBox="1"/>
+            <p:nvPr/>
+          </p:nvSpPr>
+          <p:spPr>
+            <a:xfrm>
+              <a:off x="3851921" y="1809753"/>
+              <a:ext cx="1620180" cy="538745"/>
+            </a:xfrm>
+            <a:prstGeom prst="rect">
+              <a:avLst/>
+            </a:prstGeom>
+          </p:spPr>
+          <p:txBody>
+            <a:bodyPr wrap="square" lIns="0" tIns="0" rIns="0" bIns="0" rtlCol="0" anchor="ctr">
+              <a:spAutoFit/>
+            </a:bodyPr>
+            <a:lstStyle/>
+            <a:p>
+              <a:pPr marL="0" indent="0" algn="ctr">
+                <a:lnSpc>
+                  <a:spcPct val="150000"/>
+                </a:lnSpc>
+                <a:buNone/>
+              </a:pPr>
+              <a:r>
+                <a:rPr lang="ko-KR" altLang="en-US" b="1" dirty="0" smtClean="0">
+                  <a:latin typeface="+mj-lt"/>
+                </a:rPr>
+                <a:t>원판</a:t>
+              </a:r>
+              <a:r>
+                <a:rPr lang="ko-KR" altLang="en-US" b="1" dirty="0">
+                  <a:latin typeface="+mj-lt"/>
+                </a:rPr>
+                <a:t>의</a:t>
+              </a:r>
+              <a:r>
+                <a:rPr lang="en-US" altLang="ko-KR" b="1" dirty="0" smtClean="0">
+                  <a:solidFill>
+                    <a:schemeClr val="tx1"/>
+                  </a:solidFill>
+                  <a:latin typeface="+mj-lt"/>
+                </a:rPr>
+                <a:t> </a:t>
+              </a:r>
+              <a:r>
+                <a:rPr lang="ko-KR" altLang="en-US" b="1" dirty="0" smtClean="0">
+                  <a:solidFill>
+                    <a:schemeClr val="tx1"/>
+                  </a:solidFill>
+                  <a:latin typeface="+mj-lt"/>
+                </a:rPr>
+                <a:t>좌표</a:t>
+              </a:r>
+            </a:p>
+          </p:txBody>
+        </p:sp>
+      </p:grpSp>
+    </p:spTree>
+    <p:extLst>
+      <p:ext uri="{BB962C8B-B14F-4D97-AF65-F5344CB8AC3E}">
+        <p14:creationId xmlns:p14="http://schemas.microsoft.com/office/powerpoint/2010/main" val="1515139336"/>
+      </p:ext>
+    </p:extLst>
+  </p:cSld>
+  <p:clrMapOvr>
+    <a:masterClrMapping/>
+  </p:clrMapOvr>
+  <mc:AlternateContent xmlns:mc="http://schemas.openxmlformats.org/markup-compatibility/2006" xmlns:p14="http://schemas.microsoft.com/office/powerpoint/2010/main">
+    <mc:Choice Requires="p14">
+      <p:transition spd="med" p14:dur="700" advTm="20000">
+        <p:fade/>
+      </p:transition>
+    </mc:Choice>
+    <mc:Fallback xmlns="">
+      <p:transition spd="med" advTm="20000">
+        <p:fade/>
+      </p:transition>
+    </mc:Fallback>
+  </mc:AlternateContent>
+  <p:timing>
+    <p:tnLst>
+      <p:par>
+        <p:cTn id="1" dur="indefinite" restart="never" nodeType="tmRoot"/>
+      </p:par>
+    </p:tnLst>
+  </p:timing>
+</p:sld>
+</file>
+
+<file path=ppt/slides/slide17.xml><?xml version="1.0" encoding="utf-8"?>
+<p:sld xmlns:a="http://schemas.openxmlformats.org/drawingml/2006/main" xmlns:r="http://schemas.openxmlformats.org/officeDocument/2006/relationships" xmlns:p="http://schemas.openxmlformats.org/presentationml/2006/main" showMasterSp="0">
+  <p:cSld>
+    <p:spTree>
+      <p:nvGrpSpPr>
+        <p:cNvPr id="1" name=""/>
+        <p:cNvGrpSpPr/>
+        <p:nvPr/>
+      </p:nvGrpSpPr>
+      <p:grpSpPr>
+        <a:xfrm>
+          <a:off x="0" y="0"/>
+          <a:ext cx="0" cy="0"/>
+          <a:chOff x="0" y="0"/>
+          <a:chExt cx="0" cy="0"/>
+        </a:xfrm>
+      </p:grpSpPr>
+      <p:sp>
+        <p:nvSpPr>
+          <p:cNvPr id="128" name="Title 1"/>
+          <p:cNvSpPr txBox="1"/>
+          <p:nvPr/>
+        </p:nvSpPr>
+        <p:spPr>
+          <a:xfrm>
+            <a:off x="381000" y="303498"/>
+            <a:ext cx="8368363" cy="495383"/>
+          </a:xfrm>
+          <a:prstGeom prst="rect">
+            <a:avLst/>
+          </a:prstGeom>
+        </p:spPr>
+        <p:txBody>
+          <a:bodyPr/>
+          <a:lstStyle>
+            <a:lvl1pPr algn="ctr" defTabSz="914400" rtl="0" eaLnBrk="1" latinLnBrk="0" hangingPunct="1">
+              <a:spcBef>
+                <a:spcPct val="0"/>
+              </a:spcBef>
+              <a:buNone/>
+              <a:defRPr sz="4400" kern="1200">
+                <a:solidFill>
+                  <a:schemeClr val="tx1"/>
+                </a:solidFill>
+                <a:latin typeface="+mj-lt"/>
+                <a:ea typeface="+mj-ea"/>
+                <a:cs typeface="+mj-cs"/>
+              </a:defRPr>
+            </a:lvl1pPr>
+          </a:lstStyle>
+          <a:p>
+            <a:pPr lvl="0">
+              <a:defRPr lang="ko-KR" altLang="en-US"/>
+            </a:pPr>
+            <a:r>
+              <a:rPr lang="en-US" altLang="ko-KR" sz="2800" dirty="0" smtClean="0">
+                <a:solidFill>
+                  <a:srgbClr val="FFFFFF">
+                    <a:lumMod val="50000"/>
+                  </a:srgbClr>
+                </a:solidFill>
+                <a:latin typeface="+mn-lt"/>
+                <a:ea typeface="+mn-ea"/>
+                <a:cs typeface="+mn-cs"/>
+              </a:rPr>
+              <a:t>select </a:t>
+            </a:r>
+            <a:r>
+              <a:rPr lang="ko-KR" altLang="en-US" sz="2800" dirty="0" smtClean="0">
+                <a:solidFill>
+                  <a:srgbClr val="FFFFFF">
+                    <a:lumMod val="50000"/>
+                  </a:srgbClr>
+                </a:solidFill>
+                <a:latin typeface="+mn-lt"/>
+                <a:ea typeface="+mn-ea"/>
+                <a:cs typeface="+mn-cs"/>
+              </a:rPr>
+              <a:t>모드</a:t>
+            </a:r>
+            <a:r>
+              <a:rPr lang="en-US" altLang="ko-KR" sz="2800" dirty="0" smtClean="0">
+                <a:solidFill>
+                  <a:srgbClr val="FFFFFF">
+                    <a:lumMod val="50000"/>
+                  </a:srgbClr>
+                </a:solidFill>
+                <a:latin typeface="+mn-lt"/>
+                <a:ea typeface="+mn-ea"/>
+                <a:cs typeface="+mn-cs"/>
+              </a:rPr>
+              <a:t>_</a:t>
+            </a:r>
+            <a:r>
+              <a:rPr lang="ko-KR" altLang="en-US" sz="2800" dirty="0" smtClean="0">
+                <a:solidFill>
+                  <a:srgbClr val="FFFFFF">
+                    <a:lumMod val="50000"/>
+                  </a:srgbClr>
+                </a:solidFill>
+                <a:latin typeface="+mn-lt"/>
+                <a:ea typeface="+mn-ea"/>
+                <a:cs typeface="+mn-cs"/>
+              </a:rPr>
+              <a:t>물체 </a:t>
+            </a:r>
+            <a:r>
+              <a:rPr lang="ko-KR" altLang="en-US" sz="2800" b="1" dirty="0" smtClean="0">
+                <a:solidFill>
+                  <a:srgbClr val="FFFFFF">
+                    <a:lumMod val="50000"/>
+                  </a:srgbClr>
+                </a:solidFill>
+                <a:latin typeface="+mn-lt"/>
+                <a:ea typeface="+mn-ea"/>
+                <a:cs typeface="+mn-cs"/>
+              </a:rPr>
+              <a:t>이동</a:t>
+            </a:r>
+            <a:endParaRPr lang="en-US" sz="4000" b="1" dirty="0">
+              <a:latin typeface="+mn-lt"/>
+              <a:ea typeface="+mn-ea"/>
+              <a:cs typeface="+mn-cs"/>
+            </a:endParaRPr>
+          </a:p>
+        </p:txBody>
+      </p:sp>
+      <p:sp>
+        <p:nvSpPr>
+          <p:cNvPr id="69" name="직사각형 68"/>
+          <p:cNvSpPr/>
+          <p:nvPr/>
+        </p:nvSpPr>
+        <p:spPr>
+          <a:xfrm>
+            <a:off x="843482" y="2939104"/>
+            <a:ext cx="1332148" cy="368470"/>
           </a:xfrm>
           <a:prstGeom prst="rect">
             <a:avLst/>
@@ -15381,16 +17442,672 @@
             <a:pPr algn="ctr"/>
             <a:r>
               <a:rPr lang="ko-KR" altLang="en-US" dirty="0" smtClean="0"/>
-              <a:t>길이 측정</a:t>
+              <a:t>사용자 폰</a:t>
             </a:r>
             <a:endParaRPr lang="ko-KR" altLang="en-US" dirty="0"/>
           </a:p>
         </p:txBody>
       </p:sp>
+      <p:cxnSp>
+        <p:nvCxnSpPr>
+          <p:cNvPr id="75" name="직선 화살표 연결선 74"/>
+          <p:cNvCxnSpPr>
+            <a:stCxn id="69" idx="3"/>
+            <a:endCxn id="84" idx="2"/>
+          </p:cNvCxnSpPr>
+          <p:nvPr/>
+        </p:nvCxnSpPr>
+        <p:spPr>
+          <a:xfrm flipV="1">
+            <a:off x="2175630" y="3123338"/>
+            <a:ext cx="684076" cy="1"/>
+          </a:xfrm>
+          <a:prstGeom prst="straightConnector1">
+            <a:avLst/>
+          </a:prstGeom>
+          <a:ln>
+            <a:tailEnd type="arrow"/>
+          </a:ln>
+        </p:spPr>
+        <p:style>
+          <a:lnRef idx="2">
+            <a:schemeClr val="accent6"/>
+          </a:lnRef>
+          <a:fillRef idx="0">
+            <a:schemeClr val="accent6"/>
+          </a:fillRef>
+          <a:effectRef idx="1">
+            <a:schemeClr val="accent6"/>
+          </a:effectRef>
+          <a:fontRef idx="minor">
+            <a:schemeClr val="tx1"/>
+          </a:fontRef>
+        </p:style>
+      </p:cxnSp>
+      <p:sp>
+        <p:nvSpPr>
+          <p:cNvPr id="84" name="타원 83"/>
+          <p:cNvSpPr/>
+          <p:nvPr/>
+        </p:nvSpPr>
+        <p:spPr>
+          <a:xfrm>
+            <a:off x="2859706" y="2776244"/>
+            <a:ext cx="1006512" cy="694187"/>
+          </a:xfrm>
+          <a:prstGeom prst="ellipse">
+            <a:avLst/>
+          </a:prstGeom>
+          <a:ln/>
+        </p:spPr>
+        <p:style>
+          <a:lnRef idx="2">
+            <a:schemeClr val="dk1"/>
+          </a:lnRef>
+          <a:fillRef idx="1">
+            <a:schemeClr val="lt1"/>
+          </a:fillRef>
+          <a:effectRef idx="0">
+            <a:schemeClr val="dk1"/>
+          </a:effectRef>
+          <a:fontRef idx="minor">
+            <a:schemeClr val="dk1"/>
+          </a:fontRef>
+        </p:style>
+        <p:txBody>
+          <a:bodyPr vert="horz" wrap="square" lIns="91440" tIns="45720" rIns="91440" bIns="45720" numCol="1" rtlCol="0" anchor="ctr" anchorCtr="0" compatLnSpc="1">
+            <a:prstTxWarp prst="textNoShape">
+              <a:avLst/>
+            </a:prstTxWarp>
+          </a:bodyPr>
+          <a:lstStyle/>
+          <a:p>
+            <a:pPr algn="ctr"/>
+            <a:r>
+              <a:rPr lang="ko-KR" altLang="en-US" sz="1200" dirty="0" smtClean="0"/>
+              <a:t>화면을 터치</a:t>
+            </a:r>
+            <a:endParaRPr lang="ko-KR" altLang="en-US" sz="1200" dirty="0"/>
+          </a:p>
+        </p:txBody>
+      </p:sp>
+      <p:cxnSp>
+        <p:nvCxnSpPr>
+          <p:cNvPr id="100" name="직선 화살표 연결선 99"/>
+          <p:cNvCxnSpPr>
+            <a:stCxn id="169" idx="2"/>
+            <a:endCxn id="131" idx="6"/>
+          </p:cNvCxnSpPr>
+          <p:nvPr/>
+        </p:nvCxnSpPr>
+        <p:spPr>
+          <a:xfrm rot="5400000">
+            <a:off x="6020817" y="2192093"/>
+            <a:ext cx="803500" cy="1058992"/>
+          </a:xfrm>
+          <a:prstGeom prst="curvedConnector2">
+            <a:avLst/>
+          </a:prstGeom>
+          <a:ln>
+            <a:tailEnd type="arrow"/>
+          </a:ln>
+        </p:spPr>
+        <p:style>
+          <a:lnRef idx="2">
+            <a:schemeClr val="accent6"/>
+          </a:lnRef>
+          <a:fillRef idx="0">
+            <a:schemeClr val="accent6"/>
+          </a:fillRef>
+          <a:effectRef idx="1">
+            <a:schemeClr val="accent6"/>
+          </a:effectRef>
+          <a:fontRef idx="minor">
+            <a:schemeClr val="tx1"/>
+          </a:fontRef>
+        </p:style>
+      </p:cxnSp>
+      <p:sp>
+        <p:nvSpPr>
+          <p:cNvPr id="104" name="TextBox 103"/>
+          <p:cNvSpPr txBox="1"/>
+          <p:nvPr/>
+        </p:nvSpPr>
+        <p:spPr>
+          <a:xfrm>
+            <a:off x="3909294" y="2859782"/>
+            <a:ext cx="716543" cy="230832"/>
+          </a:xfrm>
+          <a:prstGeom prst="rect">
+            <a:avLst/>
+          </a:prstGeom>
+        </p:spPr>
+        <p:txBody>
+          <a:bodyPr wrap="none" lIns="0" tIns="0" rIns="0" bIns="0" rtlCol="0" anchor="ctr">
+            <a:spAutoFit/>
+          </a:bodyPr>
+          <a:lstStyle/>
+          <a:p>
+            <a:pPr marL="0" indent="0">
+              <a:lnSpc>
+                <a:spcPct val="150000"/>
+              </a:lnSpc>
+              <a:buNone/>
+            </a:pPr>
+            <a:r>
+              <a:rPr lang="ko-KR" altLang="en-US" sz="1000" b="1" dirty="0" smtClean="0">
+                <a:latin typeface="+mj-lt"/>
+              </a:rPr>
+              <a:t>터치 좌표 값</a:t>
+            </a:r>
+            <a:endParaRPr lang="ko-KR" altLang="en-US" sz="1000" b="1" dirty="0" smtClean="0">
+              <a:solidFill>
+                <a:schemeClr val="tx1"/>
+              </a:solidFill>
+              <a:latin typeface="+mj-lt"/>
+            </a:endParaRPr>
+          </a:p>
+        </p:txBody>
+      </p:sp>
+      <p:cxnSp>
+        <p:nvCxnSpPr>
+          <p:cNvPr id="122" name="직선 화살표 연결선 121"/>
+          <p:cNvCxnSpPr>
+            <a:stCxn id="84" idx="6"/>
+            <a:endCxn id="131" idx="2"/>
+          </p:cNvCxnSpPr>
+          <p:nvPr/>
+        </p:nvCxnSpPr>
+        <p:spPr>
+          <a:xfrm>
+            <a:off x="3866218" y="3123338"/>
+            <a:ext cx="885802" cy="1"/>
+          </a:xfrm>
+          <a:prstGeom prst="straightConnector1">
+            <a:avLst/>
+          </a:prstGeom>
+          <a:ln>
+            <a:tailEnd type="arrow"/>
+          </a:ln>
+        </p:spPr>
+        <p:style>
+          <a:lnRef idx="2">
+            <a:schemeClr val="accent6"/>
+          </a:lnRef>
+          <a:fillRef idx="0">
+            <a:schemeClr val="accent6"/>
+          </a:fillRef>
+          <a:effectRef idx="1">
+            <a:schemeClr val="accent6"/>
+          </a:effectRef>
+          <a:fontRef idx="minor">
+            <a:schemeClr val="tx1"/>
+          </a:fontRef>
+        </p:style>
+      </p:cxnSp>
+      <p:sp>
+        <p:nvSpPr>
+          <p:cNvPr id="130" name="TextBox 129"/>
+          <p:cNvSpPr txBox="1"/>
+          <p:nvPr/>
+        </p:nvSpPr>
+        <p:spPr>
+          <a:xfrm>
+            <a:off x="4385413" y="2355726"/>
+            <a:ext cx="548227" cy="307777"/>
+          </a:xfrm>
+          <a:prstGeom prst="rect">
+            <a:avLst/>
+          </a:prstGeom>
+        </p:spPr>
+        <p:txBody>
+          <a:bodyPr wrap="none" lIns="0" tIns="0" rIns="0" bIns="0" rtlCol="0" anchor="ctr">
+            <a:spAutoFit/>
+          </a:bodyPr>
+          <a:lstStyle/>
+          <a:p>
+            <a:pPr marL="0" indent="0">
+              <a:buNone/>
+            </a:pPr>
+            <a:r>
+              <a:rPr lang="ko-KR" altLang="en-US" sz="1000" b="1" dirty="0" smtClean="0">
+                <a:solidFill>
+                  <a:schemeClr val="tx1"/>
+                </a:solidFill>
+                <a:latin typeface="+mj-lt"/>
+              </a:rPr>
+              <a:t>물체의</a:t>
+            </a:r>
+            <a:endParaRPr lang="en-US" altLang="ko-KR" sz="1000" b="1" dirty="0" smtClean="0">
+              <a:solidFill>
+                <a:schemeClr val="tx1"/>
+              </a:solidFill>
+              <a:latin typeface="+mj-lt"/>
+            </a:endParaRPr>
+          </a:p>
+          <a:p>
+            <a:pPr marL="0" indent="0">
+              <a:buNone/>
+            </a:pPr>
+            <a:r>
+              <a:rPr lang="ko-KR" altLang="en-US" sz="1000" b="1" dirty="0" smtClean="0">
+                <a:solidFill>
+                  <a:schemeClr val="tx1"/>
+                </a:solidFill>
+                <a:latin typeface="+mj-lt"/>
+              </a:rPr>
+              <a:t>위치 좌표</a:t>
+            </a:r>
+            <a:endParaRPr lang="ko-KR" altLang="en-US" sz="1000" b="1" dirty="0" smtClean="0">
+              <a:solidFill>
+                <a:schemeClr val="tx1"/>
+              </a:solidFill>
+              <a:latin typeface="+mj-lt"/>
+            </a:endParaRPr>
+          </a:p>
+        </p:txBody>
+      </p:sp>
+      <p:sp>
+        <p:nvSpPr>
+          <p:cNvPr id="131" name="타원 130"/>
+          <p:cNvSpPr/>
+          <p:nvPr/>
+        </p:nvSpPr>
+        <p:spPr>
+          <a:xfrm>
+            <a:off x="4752020" y="2715766"/>
+            <a:ext cx="1141051" cy="815146"/>
+          </a:xfrm>
+          <a:prstGeom prst="ellipse">
+            <a:avLst/>
+          </a:prstGeom>
+          <a:ln/>
+        </p:spPr>
+        <p:style>
+          <a:lnRef idx="2">
+            <a:schemeClr val="dk1"/>
+          </a:lnRef>
+          <a:fillRef idx="1">
+            <a:schemeClr val="lt1"/>
+          </a:fillRef>
+          <a:effectRef idx="0">
+            <a:schemeClr val="dk1"/>
+          </a:effectRef>
+          <a:fontRef idx="minor">
+            <a:schemeClr val="dk1"/>
+          </a:fontRef>
+        </p:style>
+        <p:txBody>
+          <a:bodyPr vert="horz" wrap="square" lIns="91440" tIns="45720" rIns="91440" bIns="45720" numCol="1" rtlCol="0" anchor="ctr" anchorCtr="0" compatLnSpc="1">
+            <a:prstTxWarp prst="textNoShape">
+              <a:avLst/>
+            </a:prstTxWarp>
+          </a:bodyPr>
+          <a:lstStyle/>
+          <a:p>
+            <a:pPr algn="ctr"/>
+            <a:r>
+              <a:rPr lang="ko-KR" altLang="en-US" sz="1100" b="1" dirty="0" smtClean="0"/>
+              <a:t>물체의 위치 좌표 갱신</a:t>
+            </a:r>
+            <a:endParaRPr lang="ko-KR" altLang="en-US" sz="1100" b="1" dirty="0"/>
+          </a:p>
+        </p:txBody>
+      </p:sp>
+      <p:sp>
+        <p:nvSpPr>
+          <p:cNvPr id="132" name="TextBox 131"/>
+          <p:cNvSpPr txBox="1"/>
+          <p:nvPr/>
+        </p:nvSpPr>
+        <p:spPr>
+          <a:xfrm>
+            <a:off x="5909961" y="2624238"/>
+            <a:ext cx="713337" cy="230832"/>
+          </a:xfrm>
+          <a:prstGeom prst="rect">
+            <a:avLst/>
+          </a:prstGeom>
+        </p:spPr>
+        <p:txBody>
+          <a:bodyPr wrap="none" lIns="0" tIns="0" rIns="0" bIns="0" rtlCol="0" anchor="ctr">
+            <a:spAutoFit/>
+          </a:bodyPr>
+          <a:lstStyle/>
+          <a:p>
+            <a:pPr marL="0" indent="0">
+              <a:lnSpc>
+                <a:spcPct val="150000"/>
+              </a:lnSpc>
+              <a:buNone/>
+            </a:pPr>
+            <a:r>
+              <a:rPr lang="en-US" altLang="ko-KR" sz="1000" b="1" dirty="0" smtClean="0">
+                <a:latin typeface="+mj-lt"/>
+              </a:rPr>
+              <a:t>AR</a:t>
+            </a:r>
+            <a:r>
+              <a:rPr lang="ko-KR" altLang="en-US" sz="1000" b="1" dirty="0" smtClean="0">
+                <a:latin typeface="+mj-lt"/>
+              </a:rPr>
+              <a:t>공간 정보</a:t>
+            </a:r>
+            <a:endParaRPr lang="ko-KR" altLang="en-US" sz="1000" b="1" dirty="0" smtClean="0">
+              <a:solidFill>
+                <a:schemeClr val="tx1"/>
+              </a:solidFill>
+              <a:latin typeface="+mj-lt"/>
+            </a:endParaRPr>
+          </a:p>
+        </p:txBody>
+      </p:sp>
+      <p:cxnSp>
+        <p:nvCxnSpPr>
+          <p:cNvPr id="150" name="직선 화살표 연결선 149"/>
+          <p:cNvCxnSpPr>
+            <a:stCxn id="153" idx="2"/>
+            <a:endCxn id="131" idx="0"/>
+          </p:cNvCxnSpPr>
+          <p:nvPr/>
+        </p:nvCxnSpPr>
+        <p:spPr>
+          <a:xfrm rot="16200000" flipH="1">
+            <a:off x="4425169" y="1818388"/>
+            <a:ext cx="739775" cy="1054980"/>
+          </a:xfrm>
+          <a:prstGeom prst="curvedConnector3">
+            <a:avLst>
+              <a:gd name="adj1" fmla="val 50000"/>
+            </a:avLst>
+          </a:prstGeom>
+          <a:ln>
+            <a:headEnd type="arrow"/>
+            <a:tailEnd type="arrow"/>
+          </a:ln>
+        </p:spPr>
+        <p:style>
+          <a:lnRef idx="2">
+            <a:schemeClr val="accent6"/>
+          </a:lnRef>
+          <a:fillRef idx="0">
+            <a:schemeClr val="accent6"/>
+          </a:fillRef>
+          <a:effectRef idx="1">
+            <a:schemeClr val="accent6"/>
+          </a:effectRef>
+          <a:fontRef idx="minor">
+            <a:schemeClr val="tx1"/>
+          </a:fontRef>
+        </p:style>
+      </p:cxnSp>
+      <p:grpSp>
+        <p:nvGrpSpPr>
+          <p:cNvPr id="151" name="그룹 150"/>
+          <p:cNvGrpSpPr/>
+          <p:nvPr/>
+        </p:nvGrpSpPr>
+        <p:grpSpPr>
+          <a:xfrm>
+            <a:off x="3601492" y="1547113"/>
+            <a:ext cx="1332148" cy="428878"/>
+            <a:chOff x="3851920" y="1809348"/>
+            <a:chExt cx="1620180" cy="556093"/>
+          </a:xfrm>
+        </p:grpSpPr>
+        <p:sp>
+          <p:nvSpPr>
+            <p:cNvPr id="152" name="직사각형 151"/>
+            <p:cNvSpPr/>
+            <p:nvPr/>
+          </p:nvSpPr>
+          <p:spPr>
+            <a:xfrm>
+              <a:off x="3851920" y="1815666"/>
+              <a:ext cx="1620180" cy="45719"/>
+            </a:xfrm>
+            <a:prstGeom prst="rect">
+              <a:avLst/>
+            </a:prstGeom>
+            <a:solidFill>
+              <a:schemeClr val="tx1"/>
+            </a:solidFill>
+            <a:ln w="9525">
+              <a:noFill/>
+              <a:round/>
+            </a:ln>
+          </p:spPr>
+          <p:txBody>
+            <a:bodyPr vert="horz" wrap="square" lIns="91440" tIns="45720" rIns="91440" bIns="45720" numCol="1" rtlCol="0" anchor="t" anchorCtr="0" compatLnSpc="1">
+              <a:prstTxWarp prst="textNoShape">
+                <a:avLst/>
+              </a:prstTxWarp>
+            </a:bodyPr>
+            <a:lstStyle/>
+            <a:p>
+              <a:pPr algn="ctr"/>
+              <a:endParaRPr lang="ko-KR" altLang="en-US"/>
+            </a:p>
+          </p:txBody>
+        </p:sp>
+        <p:sp>
+          <p:nvSpPr>
+            <p:cNvPr id="153" name="직사각형 152"/>
+            <p:cNvSpPr/>
+            <p:nvPr/>
+          </p:nvSpPr>
+          <p:spPr>
+            <a:xfrm>
+              <a:off x="3851920" y="2319722"/>
+              <a:ext cx="1620180" cy="45719"/>
+            </a:xfrm>
+            <a:prstGeom prst="rect">
+              <a:avLst/>
+            </a:prstGeom>
+            <a:solidFill>
+              <a:schemeClr val="tx1"/>
+            </a:solidFill>
+            <a:ln w="9525">
+              <a:noFill/>
+              <a:round/>
+            </a:ln>
+          </p:spPr>
+          <p:txBody>
+            <a:bodyPr vert="horz" wrap="square" lIns="91440" tIns="45720" rIns="91440" bIns="45720" numCol="1" rtlCol="0" anchor="t" anchorCtr="0" compatLnSpc="1">
+              <a:prstTxWarp prst="textNoShape">
+                <a:avLst/>
+              </a:prstTxWarp>
+            </a:bodyPr>
+            <a:lstStyle/>
+            <a:p>
+              <a:pPr algn="ctr"/>
+              <a:endParaRPr lang="ko-KR" altLang="en-US"/>
+            </a:p>
+          </p:txBody>
+        </p:sp>
+        <p:sp>
+          <p:nvSpPr>
+            <p:cNvPr id="154" name="TextBox 153"/>
+            <p:cNvSpPr txBox="1"/>
+            <p:nvPr/>
+          </p:nvSpPr>
+          <p:spPr>
+            <a:xfrm>
+              <a:off x="3851920" y="1809348"/>
+              <a:ext cx="1620180" cy="454940"/>
+            </a:xfrm>
+            <a:prstGeom prst="rect">
+              <a:avLst/>
+            </a:prstGeom>
+          </p:spPr>
+          <p:txBody>
+            <a:bodyPr wrap="square" lIns="0" tIns="0" rIns="0" bIns="0" rtlCol="0" anchor="ctr">
+              <a:spAutoFit/>
+            </a:bodyPr>
+            <a:lstStyle/>
+            <a:p>
+              <a:pPr marL="0" indent="0" algn="ctr">
+                <a:lnSpc>
+                  <a:spcPct val="150000"/>
+                </a:lnSpc>
+                <a:buNone/>
+              </a:pPr>
+              <a:r>
+                <a:rPr lang="ko-KR" altLang="en-US" b="1" dirty="0" smtClean="0">
+                  <a:latin typeface="+mj-lt"/>
+                </a:rPr>
+                <a:t>선택된 물체</a:t>
+              </a:r>
+              <a:endParaRPr lang="ko-KR" altLang="en-US" b="1" dirty="0" smtClean="0">
+                <a:solidFill>
+                  <a:schemeClr val="tx1"/>
+                </a:solidFill>
+                <a:latin typeface="+mj-lt"/>
+              </a:endParaRPr>
+            </a:p>
+          </p:txBody>
+        </p:sp>
+      </p:grpSp>
+      <p:grpSp>
+        <p:nvGrpSpPr>
+          <p:cNvPr id="167" name="그룹 166"/>
+          <p:cNvGrpSpPr/>
+          <p:nvPr/>
+        </p:nvGrpSpPr>
+        <p:grpSpPr>
+          <a:xfrm>
+            <a:off x="6163775" y="1891277"/>
+            <a:ext cx="1576577" cy="428562"/>
+            <a:chOff x="3851920" y="1809757"/>
+            <a:chExt cx="1620181" cy="555684"/>
+          </a:xfrm>
+        </p:grpSpPr>
+        <p:sp>
+          <p:nvSpPr>
+            <p:cNvPr id="168" name="직사각형 167"/>
+            <p:cNvSpPr/>
+            <p:nvPr/>
+          </p:nvSpPr>
+          <p:spPr>
+            <a:xfrm>
+              <a:off x="3851920" y="1815666"/>
+              <a:ext cx="1620180" cy="45719"/>
+            </a:xfrm>
+            <a:prstGeom prst="rect">
+              <a:avLst/>
+            </a:prstGeom>
+            <a:solidFill>
+              <a:schemeClr val="tx1"/>
+            </a:solidFill>
+            <a:ln w="9525">
+              <a:noFill/>
+              <a:round/>
+            </a:ln>
+          </p:spPr>
+          <p:txBody>
+            <a:bodyPr vert="horz" wrap="square" lIns="91440" tIns="45720" rIns="91440" bIns="45720" numCol="1" rtlCol="0" anchor="t" anchorCtr="0" compatLnSpc="1">
+              <a:prstTxWarp prst="textNoShape">
+                <a:avLst/>
+              </a:prstTxWarp>
+            </a:bodyPr>
+            <a:lstStyle/>
+            <a:p>
+              <a:pPr algn="ctr"/>
+              <a:endParaRPr lang="ko-KR" altLang="en-US"/>
+            </a:p>
+          </p:txBody>
+        </p:sp>
+        <p:sp>
+          <p:nvSpPr>
+            <p:cNvPr id="169" name="직사각형 168"/>
+            <p:cNvSpPr/>
+            <p:nvPr/>
+          </p:nvSpPr>
+          <p:spPr>
+            <a:xfrm>
+              <a:off x="3851920" y="2319722"/>
+              <a:ext cx="1620180" cy="45719"/>
+            </a:xfrm>
+            <a:prstGeom prst="rect">
+              <a:avLst/>
+            </a:prstGeom>
+            <a:solidFill>
+              <a:schemeClr val="tx1"/>
+            </a:solidFill>
+            <a:ln w="9525">
+              <a:noFill/>
+              <a:round/>
+            </a:ln>
+          </p:spPr>
+          <p:txBody>
+            <a:bodyPr vert="horz" wrap="square" lIns="91440" tIns="45720" rIns="91440" bIns="45720" numCol="1" rtlCol="0" anchor="t" anchorCtr="0" compatLnSpc="1">
+              <a:prstTxWarp prst="textNoShape">
+                <a:avLst/>
+              </a:prstTxWarp>
+            </a:bodyPr>
+            <a:lstStyle/>
+            <a:p>
+              <a:pPr algn="ctr"/>
+              <a:endParaRPr lang="ko-KR" altLang="en-US"/>
+            </a:p>
+          </p:txBody>
+        </p:sp>
+        <p:sp>
+          <p:nvSpPr>
+            <p:cNvPr id="170" name="TextBox 169"/>
+            <p:cNvSpPr txBox="1"/>
+            <p:nvPr/>
+          </p:nvSpPr>
+          <p:spPr>
+            <a:xfrm>
+              <a:off x="3851921" y="1809757"/>
+              <a:ext cx="1620180" cy="538745"/>
+            </a:xfrm>
+            <a:prstGeom prst="rect">
+              <a:avLst/>
+            </a:prstGeom>
+          </p:spPr>
+          <p:txBody>
+            <a:bodyPr wrap="square" lIns="0" tIns="0" rIns="0" bIns="0" rtlCol="0" anchor="ctr">
+              <a:spAutoFit/>
+            </a:bodyPr>
+            <a:lstStyle/>
+            <a:p>
+              <a:pPr marL="0" indent="0" algn="ctr">
+                <a:lnSpc>
+                  <a:spcPct val="150000"/>
+                </a:lnSpc>
+                <a:buNone/>
+              </a:pPr>
+              <a:r>
+                <a:rPr lang="en-US" altLang="ko-KR" b="1" dirty="0" smtClean="0">
+                  <a:latin typeface="+mj-lt"/>
+                </a:rPr>
+                <a:t>AR</a:t>
+              </a:r>
+              <a:r>
+                <a:rPr lang="ko-KR" altLang="en-US" b="1" dirty="0" smtClean="0">
+                  <a:solidFill>
+                    <a:schemeClr val="tx1"/>
+                  </a:solidFill>
+                  <a:latin typeface="+mj-lt"/>
+                </a:rPr>
+                <a:t>공간 정보</a:t>
+              </a:r>
+              <a:endParaRPr lang="ko-KR" altLang="en-US" b="1" dirty="0" smtClean="0">
+                <a:solidFill>
+                  <a:schemeClr val="tx1"/>
+                </a:solidFill>
+                <a:latin typeface="+mj-lt"/>
+              </a:endParaRPr>
+            </a:p>
+          </p:txBody>
+        </p:sp>
+      </p:grpSp>
     </p:spTree>
     <p:extLst>
       <p:ext uri="{BB962C8B-B14F-4D97-AF65-F5344CB8AC3E}">
-        <p14:creationId xmlns:p14="http://schemas.microsoft.com/office/powerpoint/2010/main" val="1957242805"/>
+        <p14:creationId xmlns:p14="http://schemas.microsoft.com/office/powerpoint/2010/main" val="1869652262"/>
       </p:ext>
     </p:extLst>
   </p:cSld>
@@ -15419,8 +18136,1605 @@
 </p:sld>
 </file>
 
-<file path=ppt/slides/slide16.xml><?xml version="1.0" encoding="utf-8"?>
-<p:sld xmlns:a="http://schemas.openxmlformats.org/drawingml/2006/main" xmlns:r="http://schemas.openxmlformats.org/officeDocument/2006/relationships" xmlns:p="http://schemas.openxmlformats.org/presentationml/2006/main">
+<file path=ppt/slides/slide18.xml><?xml version="1.0" encoding="utf-8"?>
+<p:sld xmlns:a="http://schemas.openxmlformats.org/drawingml/2006/main" xmlns:r="http://schemas.openxmlformats.org/officeDocument/2006/relationships" xmlns:p="http://schemas.openxmlformats.org/presentationml/2006/main" showMasterSp="0">
+  <p:cSld>
+    <p:spTree>
+      <p:nvGrpSpPr>
+        <p:cNvPr id="1" name=""/>
+        <p:cNvGrpSpPr/>
+        <p:nvPr/>
+      </p:nvGrpSpPr>
+      <p:grpSpPr>
+        <a:xfrm>
+          <a:off x="0" y="0"/>
+          <a:ext cx="0" cy="0"/>
+          <a:chOff x="0" y="0"/>
+          <a:chExt cx="0" cy="0"/>
+        </a:xfrm>
+      </p:grpSpPr>
+      <p:sp>
+        <p:nvSpPr>
+          <p:cNvPr id="128" name="Title 1"/>
+          <p:cNvSpPr txBox="1"/>
+          <p:nvPr/>
+        </p:nvSpPr>
+        <p:spPr>
+          <a:xfrm>
+            <a:off x="381000" y="303498"/>
+            <a:ext cx="8368363" cy="495383"/>
+          </a:xfrm>
+          <a:prstGeom prst="rect">
+            <a:avLst/>
+          </a:prstGeom>
+        </p:spPr>
+        <p:txBody>
+          <a:bodyPr/>
+          <a:lstStyle>
+            <a:lvl1pPr algn="ctr" defTabSz="914400" rtl="0" eaLnBrk="1" latinLnBrk="0" hangingPunct="1">
+              <a:spcBef>
+                <a:spcPct val="0"/>
+              </a:spcBef>
+              <a:buNone/>
+              <a:defRPr sz="4400" kern="1200">
+                <a:solidFill>
+                  <a:schemeClr val="tx1"/>
+                </a:solidFill>
+                <a:latin typeface="+mj-lt"/>
+                <a:ea typeface="+mj-ea"/>
+                <a:cs typeface="+mj-cs"/>
+              </a:defRPr>
+            </a:lvl1pPr>
+          </a:lstStyle>
+          <a:p>
+            <a:pPr lvl="0">
+              <a:defRPr lang="ko-KR" altLang="en-US"/>
+            </a:pPr>
+            <a:r>
+              <a:rPr lang="ko-KR" altLang="en-US" sz="2800" dirty="0" smtClean="0">
+                <a:solidFill>
+                  <a:srgbClr val="FFFFFF">
+                    <a:lumMod val="50000"/>
+                  </a:srgbClr>
+                </a:solidFill>
+                <a:latin typeface="+mn-lt"/>
+                <a:ea typeface="+mn-ea"/>
+                <a:cs typeface="+mn-cs"/>
+              </a:rPr>
+              <a:t>길이측</a:t>
+            </a:r>
+            <a:r>
+              <a:rPr lang="ko-KR" altLang="en-US" sz="2800" dirty="0">
+                <a:solidFill>
+                  <a:srgbClr val="FFFFFF">
+                    <a:lumMod val="50000"/>
+                  </a:srgbClr>
+                </a:solidFill>
+                <a:latin typeface="+mn-lt"/>
+                <a:ea typeface="+mn-ea"/>
+                <a:cs typeface="+mn-cs"/>
+              </a:rPr>
+              <a:t>정</a:t>
+            </a:r>
+            <a:r>
+              <a:rPr lang="en-US" altLang="ko-KR" sz="2800" dirty="0" smtClean="0">
+                <a:solidFill>
+                  <a:srgbClr val="FFFFFF">
+                    <a:lumMod val="50000"/>
+                  </a:srgbClr>
+                </a:solidFill>
+                <a:latin typeface="+mn-lt"/>
+                <a:ea typeface="+mn-ea"/>
+                <a:cs typeface="+mn-cs"/>
+              </a:rPr>
+              <a:t> </a:t>
+            </a:r>
+            <a:r>
+              <a:rPr lang="ko-KR" altLang="en-US" sz="2800" dirty="0" smtClean="0">
+                <a:solidFill>
+                  <a:srgbClr val="FFFFFF">
+                    <a:lumMod val="50000"/>
+                  </a:srgbClr>
+                </a:solidFill>
+                <a:latin typeface="+mn-lt"/>
+                <a:ea typeface="+mn-ea"/>
+                <a:cs typeface="+mn-cs"/>
+              </a:rPr>
+              <a:t>모드</a:t>
+            </a:r>
+            <a:endParaRPr lang="en-US" sz="4000" dirty="0">
+              <a:latin typeface="+mn-lt"/>
+              <a:ea typeface="+mn-ea"/>
+              <a:cs typeface="+mn-cs"/>
+            </a:endParaRPr>
+          </a:p>
+        </p:txBody>
+      </p:sp>
+      <p:grpSp>
+        <p:nvGrpSpPr>
+          <p:cNvPr id="21" name="그룹 20"/>
+          <p:cNvGrpSpPr/>
+          <p:nvPr/>
+        </p:nvGrpSpPr>
+        <p:grpSpPr>
+          <a:xfrm>
+            <a:off x="3671900" y="3799369"/>
+            <a:ext cx="1576577" cy="428565"/>
+            <a:chOff x="3851920" y="1809753"/>
+            <a:chExt cx="1620181" cy="555688"/>
+          </a:xfrm>
+        </p:grpSpPr>
+        <p:sp>
+          <p:nvSpPr>
+            <p:cNvPr id="22" name="직사각형 21"/>
+            <p:cNvSpPr/>
+            <p:nvPr/>
+          </p:nvSpPr>
+          <p:spPr>
+            <a:xfrm>
+              <a:off x="3851920" y="1815666"/>
+              <a:ext cx="1620180" cy="45719"/>
+            </a:xfrm>
+            <a:prstGeom prst="rect">
+              <a:avLst/>
+            </a:prstGeom>
+            <a:solidFill>
+              <a:schemeClr val="tx1"/>
+            </a:solidFill>
+            <a:ln w="9525">
+              <a:noFill/>
+              <a:round/>
+            </a:ln>
+          </p:spPr>
+          <p:txBody>
+            <a:bodyPr vert="horz" wrap="square" lIns="91440" tIns="45720" rIns="91440" bIns="45720" numCol="1" rtlCol="0" anchor="t" anchorCtr="0" compatLnSpc="1">
+              <a:prstTxWarp prst="textNoShape">
+                <a:avLst/>
+              </a:prstTxWarp>
+            </a:bodyPr>
+            <a:lstStyle/>
+            <a:p>
+              <a:pPr algn="ctr"/>
+              <a:endParaRPr lang="ko-KR" altLang="en-US"/>
+            </a:p>
+          </p:txBody>
+        </p:sp>
+        <p:sp>
+          <p:nvSpPr>
+            <p:cNvPr id="23" name="직사각형 22"/>
+            <p:cNvSpPr/>
+            <p:nvPr/>
+          </p:nvSpPr>
+          <p:spPr>
+            <a:xfrm>
+              <a:off x="3851920" y="2319722"/>
+              <a:ext cx="1620180" cy="45719"/>
+            </a:xfrm>
+            <a:prstGeom prst="rect">
+              <a:avLst/>
+            </a:prstGeom>
+            <a:solidFill>
+              <a:schemeClr val="tx1"/>
+            </a:solidFill>
+            <a:ln w="9525">
+              <a:noFill/>
+              <a:round/>
+            </a:ln>
+          </p:spPr>
+          <p:txBody>
+            <a:bodyPr vert="horz" wrap="square" lIns="91440" tIns="45720" rIns="91440" bIns="45720" numCol="1" rtlCol="0" anchor="t" anchorCtr="0" compatLnSpc="1">
+              <a:prstTxWarp prst="textNoShape">
+                <a:avLst/>
+              </a:prstTxWarp>
+            </a:bodyPr>
+            <a:lstStyle/>
+            <a:p>
+              <a:pPr algn="ctr"/>
+              <a:endParaRPr lang="ko-KR" altLang="en-US"/>
+            </a:p>
+          </p:txBody>
+        </p:sp>
+        <p:sp>
+          <p:nvSpPr>
+            <p:cNvPr id="24" name="TextBox 23"/>
+            <p:cNvSpPr txBox="1"/>
+            <p:nvPr/>
+          </p:nvSpPr>
+          <p:spPr>
+            <a:xfrm>
+              <a:off x="3851921" y="1809753"/>
+              <a:ext cx="1620180" cy="538745"/>
+            </a:xfrm>
+            <a:prstGeom prst="rect">
+              <a:avLst/>
+            </a:prstGeom>
+          </p:spPr>
+          <p:txBody>
+            <a:bodyPr wrap="square" lIns="0" tIns="0" rIns="0" bIns="0" rtlCol="0" anchor="ctr">
+              <a:spAutoFit/>
+            </a:bodyPr>
+            <a:lstStyle/>
+            <a:p>
+              <a:pPr marL="0" indent="0" algn="ctr">
+                <a:lnSpc>
+                  <a:spcPct val="150000"/>
+                </a:lnSpc>
+                <a:buNone/>
+              </a:pPr>
+              <a:r>
+                <a:rPr lang="ko-KR" altLang="en-US" b="1" dirty="0" smtClean="0">
+                  <a:latin typeface="+mj-lt"/>
+                </a:rPr>
+                <a:t>원판</a:t>
+              </a:r>
+              <a:r>
+                <a:rPr lang="ko-KR" altLang="en-US" b="1" dirty="0">
+                  <a:latin typeface="+mj-lt"/>
+                </a:rPr>
+                <a:t>의</a:t>
+              </a:r>
+              <a:r>
+                <a:rPr lang="en-US" altLang="ko-KR" b="1" dirty="0" smtClean="0">
+                  <a:solidFill>
+                    <a:schemeClr val="tx1"/>
+                  </a:solidFill>
+                  <a:latin typeface="+mj-lt"/>
+                </a:rPr>
+                <a:t> </a:t>
+              </a:r>
+              <a:r>
+                <a:rPr lang="ko-KR" altLang="en-US" b="1" dirty="0" smtClean="0">
+                  <a:solidFill>
+                    <a:schemeClr val="tx1"/>
+                  </a:solidFill>
+                  <a:latin typeface="+mj-lt"/>
+                </a:rPr>
+                <a:t>좌표</a:t>
+              </a:r>
+            </a:p>
+          </p:txBody>
+        </p:sp>
+      </p:grpSp>
+      <p:sp>
+        <p:nvSpPr>
+          <p:cNvPr id="25" name="직사각형 24"/>
+          <p:cNvSpPr/>
+          <p:nvPr/>
+        </p:nvSpPr>
+        <p:spPr>
+          <a:xfrm>
+            <a:off x="287524" y="2642379"/>
+            <a:ext cx="1332148" cy="368470"/>
+          </a:xfrm>
+          <a:prstGeom prst="rect">
+            <a:avLst/>
+          </a:prstGeom>
+          <a:ln/>
+        </p:spPr>
+        <p:style>
+          <a:lnRef idx="2">
+            <a:schemeClr val="dk1"/>
+          </a:lnRef>
+          <a:fillRef idx="1">
+            <a:schemeClr val="lt1"/>
+          </a:fillRef>
+          <a:effectRef idx="0">
+            <a:schemeClr val="dk1"/>
+          </a:effectRef>
+          <a:fontRef idx="minor">
+            <a:schemeClr val="dk1"/>
+          </a:fontRef>
+        </p:style>
+        <p:txBody>
+          <a:bodyPr vert="horz" wrap="square" lIns="91440" tIns="45720" rIns="91440" bIns="45720" numCol="1" rtlCol="0" anchor="t" anchorCtr="0" compatLnSpc="1">
+            <a:prstTxWarp prst="textNoShape">
+              <a:avLst/>
+            </a:prstTxWarp>
+          </a:bodyPr>
+          <a:lstStyle/>
+          <a:p>
+            <a:pPr algn="ctr"/>
+            <a:r>
+              <a:rPr lang="ko-KR" altLang="en-US" dirty="0" smtClean="0"/>
+              <a:t>사용자 폰</a:t>
+            </a:r>
+            <a:endParaRPr lang="ko-KR" altLang="en-US" dirty="0"/>
+          </a:p>
+        </p:txBody>
+      </p:sp>
+      <p:cxnSp>
+        <p:nvCxnSpPr>
+          <p:cNvPr id="26" name="직선 화살표 연결선 25"/>
+          <p:cNvCxnSpPr>
+            <a:stCxn id="25" idx="3"/>
+            <a:endCxn id="27" idx="2"/>
+          </p:cNvCxnSpPr>
+          <p:nvPr/>
+        </p:nvCxnSpPr>
+        <p:spPr>
+          <a:xfrm>
+            <a:off x="1619672" y="2826614"/>
+            <a:ext cx="324036" cy="0"/>
+          </a:xfrm>
+          <a:prstGeom prst="straightConnector1">
+            <a:avLst/>
+          </a:prstGeom>
+          <a:ln>
+            <a:tailEnd type="arrow"/>
+          </a:ln>
+        </p:spPr>
+        <p:style>
+          <a:lnRef idx="2">
+            <a:schemeClr val="accent6"/>
+          </a:lnRef>
+          <a:fillRef idx="0">
+            <a:schemeClr val="accent6"/>
+          </a:fillRef>
+          <a:effectRef idx="1">
+            <a:schemeClr val="accent6"/>
+          </a:effectRef>
+          <a:fontRef idx="minor">
+            <a:schemeClr val="tx1"/>
+          </a:fontRef>
+        </p:style>
+      </p:cxnSp>
+      <p:sp>
+        <p:nvSpPr>
+          <p:cNvPr id="27" name="타원 26"/>
+          <p:cNvSpPr/>
+          <p:nvPr/>
+        </p:nvSpPr>
+        <p:spPr>
+          <a:xfrm>
+            <a:off x="1943708" y="2479520"/>
+            <a:ext cx="1006512" cy="694187"/>
+          </a:xfrm>
+          <a:prstGeom prst="ellipse">
+            <a:avLst/>
+          </a:prstGeom>
+          <a:ln/>
+        </p:spPr>
+        <p:style>
+          <a:lnRef idx="2">
+            <a:schemeClr val="dk1"/>
+          </a:lnRef>
+          <a:fillRef idx="1">
+            <a:schemeClr val="lt1"/>
+          </a:fillRef>
+          <a:effectRef idx="0">
+            <a:schemeClr val="dk1"/>
+          </a:effectRef>
+          <a:fontRef idx="minor">
+            <a:schemeClr val="dk1"/>
+          </a:fontRef>
+        </p:style>
+        <p:txBody>
+          <a:bodyPr vert="horz" wrap="square" lIns="91440" tIns="45720" rIns="91440" bIns="45720" numCol="1" rtlCol="0" anchor="ctr" anchorCtr="0" compatLnSpc="1">
+            <a:prstTxWarp prst="textNoShape">
+              <a:avLst/>
+            </a:prstTxWarp>
+          </a:bodyPr>
+          <a:lstStyle/>
+          <a:p>
+            <a:pPr algn="ctr"/>
+            <a:r>
+              <a:rPr lang="ko-KR" altLang="en-US" sz="1200" dirty="0" smtClean="0"/>
+              <a:t>화면을 터치</a:t>
+            </a:r>
+            <a:endParaRPr lang="ko-KR" altLang="en-US" sz="1200" dirty="0"/>
+          </a:p>
+        </p:txBody>
+      </p:sp>
+      <p:sp>
+        <p:nvSpPr>
+          <p:cNvPr id="33" name="타원 32"/>
+          <p:cNvSpPr/>
+          <p:nvPr/>
+        </p:nvSpPr>
+        <p:spPr>
+          <a:xfrm>
+            <a:off x="3678415" y="2345615"/>
+            <a:ext cx="1584176" cy="946215"/>
+          </a:xfrm>
+          <a:prstGeom prst="ellipse">
+            <a:avLst/>
+          </a:prstGeom>
+          <a:ln/>
+        </p:spPr>
+        <p:style>
+          <a:lnRef idx="2">
+            <a:schemeClr val="dk1"/>
+          </a:lnRef>
+          <a:fillRef idx="1">
+            <a:schemeClr val="lt1"/>
+          </a:fillRef>
+          <a:effectRef idx="0">
+            <a:schemeClr val="dk1"/>
+          </a:effectRef>
+          <a:fontRef idx="minor">
+            <a:schemeClr val="dk1"/>
+          </a:fontRef>
+        </p:style>
+        <p:txBody>
+          <a:bodyPr vert="horz" wrap="square" lIns="91440" tIns="45720" rIns="91440" bIns="45720" numCol="1" rtlCol="0" anchor="ctr" anchorCtr="0" compatLnSpc="1">
+            <a:prstTxWarp prst="textNoShape">
+              <a:avLst/>
+            </a:prstTxWarp>
+          </a:bodyPr>
+          <a:lstStyle/>
+          <a:p>
+            <a:pPr algn="ctr"/>
+            <a:r>
+              <a:rPr lang="ko-KR" altLang="en-US" sz="1200" dirty="0" smtClean="0"/>
+              <a:t>직</a:t>
+            </a:r>
+            <a:r>
+              <a:rPr lang="ko-KR" altLang="en-US" sz="1200" dirty="0"/>
+              <a:t>선</a:t>
+            </a:r>
+            <a:r>
+              <a:rPr lang="ko-KR" altLang="en-US" sz="1200" dirty="0" smtClean="0"/>
+              <a:t>의 시작점</a:t>
+            </a:r>
+            <a:r>
+              <a:rPr lang="en-US" altLang="ko-KR" sz="1200" dirty="0" smtClean="0"/>
+              <a:t>or</a:t>
+            </a:r>
+            <a:r>
+              <a:rPr lang="ko-KR" altLang="en-US" sz="1200" dirty="0" smtClean="0"/>
+              <a:t>끝점 생성</a:t>
+            </a:r>
+            <a:endParaRPr lang="ko-KR" altLang="en-US" sz="1200" dirty="0"/>
+          </a:p>
+        </p:txBody>
+      </p:sp>
+      <p:cxnSp>
+        <p:nvCxnSpPr>
+          <p:cNvPr id="34" name="직선 화살표 연결선 33"/>
+          <p:cNvCxnSpPr>
+            <a:stCxn id="27" idx="6"/>
+            <a:endCxn id="33" idx="2"/>
+          </p:cNvCxnSpPr>
+          <p:nvPr/>
+        </p:nvCxnSpPr>
+        <p:spPr>
+          <a:xfrm flipV="1">
+            <a:off x="2950220" y="2818723"/>
+            <a:ext cx="728195" cy="7891"/>
+          </a:xfrm>
+          <a:prstGeom prst="straightConnector1">
+            <a:avLst/>
+          </a:prstGeom>
+          <a:ln>
+            <a:tailEnd type="arrow"/>
+          </a:ln>
+        </p:spPr>
+        <p:style>
+          <a:lnRef idx="2">
+            <a:schemeClr val="accent6"/>
+          </a:lnRef>
+          <a:fillRef idx="0">
+            <a:schemeClr val="accent6"/>
+          </a:fillRef>
+          <a:effectRef idx="1">
+            <a:schemeClr val="accent6"/>
+          </a:effectRef>
+          <a:fontRef idx="minor">
+            <a:schemeClr val="tx1"/>
+          </a:fontRef>
+        </p:style>
+      </p:cxnSp>
+      <p:cxnSp>
+        <p:nvCxnSpPr>
+          <p:cNvPr id="37" name="직선 화살표 연결선 36"/>
+          <p:cNvCxnSpPr>
+            <a:stCxn id="24" idx="0"/>
+            <a:endCxn id="33" idx="4"/>
+          </p:cNvCxnSpPr>
+          <p:nvPr/>
+        </p:nvCxnSpPr>
+        <p:spPr>
+          <a:xfrm flipV="1">
+            <a:off x="4460189" y="3291830"/>
+            <a:ext cx="10314" cy="507539"/>
+          </a:xfrm>
+          <a:prstGeom prst="straightConnector1">
+            <a:avLst/>
+          </a:prstGeom>
+          <a:ln>
+            <a:tailEnd type="arrow"/>
+          </a:ln>
+        </p:spPr>
+        <p:style>
+          <a:lnRef idx="2">
+            <a:schemeClr val="accent6"/>
+          </a:lnRef>
+          <a:fillRef idx="0">
+            <a:schemeClr val="accent6"/>
+          </a:fillRef>
+          <a:effectRef idx="1">
+            <a:schemeClr val="accent6"/>
+          </a:effectRef>
+          <a:fontRef idx="minor">
+            <a:schemeClr val="tx1"/>
+          </a:fontRef>
+        </p:style>
+      </p:cxnSp>
+      <p:sp>
+        <p:nvSpPr>
+          <p:cNvPr id="40" name="TextBox 39"/>
+          <p:cNvSpPr txBox="1"/>
+          <p:nvPr/>
+        </p:nvSpPr>
+        <p:spPr>
+          <a:xfrm>
+            <a:off x="4554399" y="3327834"/>
+            <a:ext cx="421590" cy="384721"/>
+          </a:xfrm>
+          <a:prstGeom prst="rect">
+            <a:avLst/>
+          </a:prstGeom>
+        </p:spPr>
+        <p:txBody>
+          <a:bodyPr wrap="none" lIns="0" tIns="0" rIns="0" bIns="0" rtlCol="0" anchor="ctr">
+            <a:spAutoFit/>
+          </a:bodyPr>
+          <a:lstStyle/>
+          <a:p>
+            <a:pPr marL="0" indent="0">
+              <a:lnSpc>
+                <a:spcPct val="150000"/>
+              </a:lnSpc>
+              <a:buNone/>
+            </a:pPr>
+            <a:r>
+              <a:rPr lang="ko-KR" altLang="en-US" sz="1000" b="1" dirty="0" smtClean="0">
+                <a:latin typeface="+mj-lt"/>
+              </a:rPr>
+              <a:t>원판의 </a:t>
+            </a:r>
+            <a:endParaRPr lang="en-US" altLang="ko-KR" sz="1000" b="1" dirty="0" smtClean="0">
+              <a:latin typeface="+mj-lt"/>
+            </a:endParaRPr>
+          </a:p>
+          <a:p>
+            <a:pPr marL="0" indent="0">
+              <a:buNone/>
+            </a:pPr>
+            <a:r>
+              <a:rPr lang="ko-KR" altLang="en-US" sz="1000" b="1" dirty="0" smtClean="0">
+                <a:latin typeface="+mj-lt"/>
+              </a:rPr>
+              <a:t>좌표</a:t>
+            </a:r>
+            <a:endParaRPr lang="ko-KR" altLang="en-US" sz="1000" b="1" dirty="0" smtClean="0">
+              <a:solidFill>
+                <a:schemeClr val="tx1"/>
+              </a:solidFill>
+              <a:latin typeface="+mj-lt"/>
+            </a:endParaRPr>
+          </a:p>
+        </p:txBody>
+      </p:sp>
+      <p:sp>
+        <p:nvSpPr>
+          <p:cNvPr id="41" name="TextBox 40"/>
+          <p:cNvSpPr txBox="1"/>
+          <p:nvPr/>
+        </p:nvSpPr>
+        <p:spPr>
+          <a:xfrm>
+            <a:off x="2951820" y="2525635"/>
+            <a:ext cx="674865" cy="194925"/>
+          </a:xfrm>
+          <a:prstGeom prst="rect">
+            <a:avLst/>
+          </a:prstGeom>
+        </p:spPr>
+        <p:txBody>
+          <a:bodyPr wrap="none" lIns="0" tIns="0" rIns="0" bIns="0" rtlCol="0" anchor="ctr">
+            <a:spAutoFit/>
+          </a:bodyPr>
+          <a:lstStyle/>
+          <a:p>
+            <a:pPr marL="0" indent="0">
+              <a:lnSpc>
+                <a:spcPct val="150000"/>
+              </a:lnSpc>
+              <a:buNone/>
+            </a:pPr>
+            <a:r>
+              <a:rPr lang="ko-KR" altLang="en-US" sz="1000" b="1" dirty="0" smtClean="0">
+                <a:solidFill>
+                  <a:schemeClr val="tx1"/>
+                </a:solidFill>
+                <a:latin typeface="+mj-lt"/>
+              </a:rPr>
+              <a:t>터치 이벤트</a:t>
+            </a:r>
+            <a:endParaRPr lang="ko-KR" altLang="en-US" sz="1000" b="1" dirty="0" smtClean="0">
+              <a:solidFill>
+                <a:schemeClr val="tx1"/>
+              </a:solidFill>
+              <a:latin typeface="+mj-lt"/>
+            </a:endParaRPr>
+          </a:p>
+        </p:txBody>
+      </p:sp>
+      <p:grpSp>
+        <p:nvGrpSpPr>
+          <p:cNvPr id="44" name="그룹 43"/>
+          <p:cNvGrpSpPr/>
+          <p:nvPr/>
+        </p:nvGrpSpPr>
+        <p:grpSpPr>
+          <a:xfrm>
+            <a:off x="3686014" y="1319653"/>
+            <a:ext cx="1576577" cy="424005"/>
+            <a:chOff x="3851920" y="1815666"/>
+            <a:chExt cx="1620181" cy="549775"/>
+          </a:xfrm>
+        </p:grpSpPr>
+        <p:sp>
+          <p:nvSpPr>
+            <p:cNvPr id="45" name="직사각형 44"/>
+            <p:cNvSpPr/>
+            <p:nvPr/>
+          </p:nvSpPr>
+          <p:spPr>
+            <a:xfrm>
+              <a:off x="3851920" y="1815666"/>
+              <a:ext cx="1620180" cy="45719"/>
+            </a:xfrm>
+            <a:prstGeom prst="rect">
+              <a:avLst/>
+            </a:prstGeom>
+            <a:solidFill>
+              <a:schemeClr val="tx1"/>
+            </a:solidFill>
+            <a:ln w="9525">
+              <a:noFill/>
+              <a:round/>
+            </a:ln>
+          </p:spPr>
+          <p:txBody>
+            <a:bodyPr vert="horz" wrap="square" lIns="91440" tIns="45720" rIns="91440" bIns="45720" numCol="1" rtlCol="0" anchor="t" anchorCtr="0" compatLnSpc="1">
+              <a:prstTxWarp prst="textNoShape">
+                <a:avLst/>
+              </a:prstTxWarp>
+            </a:bodyPr>
+            <a:lstStyle/>
+            <a:p>
+              <a:pPr algn="ctr"/>
+              <a:endParaRPr lang="ko-KR" altLang="en-US"/>
+            </a:p>
+          </p:txBody>
+        </p:sp>
+        <p:sp>
+          <p:nvSpPr>
+            <p:cNvPr id="46" name="직사각형 45"/>
+            <p:cNvSpPr/>
+            <p:nvPr/>
+          </p:nvSpPr>
+          <p:spPr>
+            <a:xfrm>
+              <a:off x="3851920" y="2319722"/>
+              <a:ext cx="1620180" cy="45719"/>
+            </a:xfrm>
+            <a:prstGeom prst="rect">
+              <a:avLst/>
+            </a:prstGeom>
+            <a:solidFill>
+              <a:schemeClr val="tx1"/>
+            </a:solidFill>
+            <a:ln w="9525">
+              <a:noFill/>
+              <a:round/>
+            </a:ln>
+          </p:spPr>
+          <p:txBody>
+            <a:bodyPr vert="horz" wrap="square" lIns="91440" tIns="45720" rIns="91440" bIns="45720" numCol="1" rtlCol="0" anchor="t" anchorCtr="0" compatLnSpc="1">
+              <a:prstTxWarp prst="textNoShape">
+                <a:avLst/>
+              </a:prstTxWarp>
+            </a:bodyPr>
+            <a:lstStyle/>
+            <a:p>
+              <a:pPr algn="ctr"/>
+              <a:endParaRPr lang="ko-KR" altLang="en-US"/>
+            </a:p>
+          </p:txBody>
+        </p:sp>
+        <p:sp>
+          <p:nvSpPr>
+            <p:cNvPr id="47" name="TextBox 46"/>
+            <p:cNvSpPr txBox="1"/>
+            <p:nvPr/>
+          </p:nvSpPr>
+          <p:spPr>
+            <a:xfrm>
+              <a:off x="3851921" y="1869612"/>
+              <a:ext cx="1620180" cy="419023"/>
+            </a:xfrm>
+            <a:prstGeom prst="rect">
+              <a:avLst/>
+            </a:prstGeom>
+          </p:spPr>
+          <p:txBody>
+            <a:bodyPr wrap="square" lIns="0" tIns="0" rIns="0" bIns="0" rtlCol="0" anchor="ctr">
+              <a:spAutoFit/>
+            </a:bodyPr>
+            <a:lstStyle/>
+            <a:p>
+              <a:pPr marL="0" indent="0" algn="ctr">
+                <a:lnSpc>
+                  <a:spcPct val="150000"/>
+                </a:lnSpc>
+                <a:buNone/>
+              </a:pPr>
+              <a:r>
+                <a:rPr lang="ko-KR" altLang="en-US" sz="1400" b="1" dirty="0" smtClean="0">
+                  <a:latin typeface="+mj-lt"/>
+                </a:rPr>
+                <a:t>직선의 양 끝점 좌표</a:t>
+              </a:r>
+              <a:endParaRPr lang="ko-KR" altLang="en-US" sz="1400" b="1" dirty="0" smtClean="0">
+                <a:solidFill>
+                  <a:schemeClr val="tx1"/>
+                </a:solidFill>
+                <a:latin typeface="+mj-lt"/>
+              </a:endParaRPr>
+            </a:p>
+          </p:txBody>
+        </p:sp>
+      </p:grpSp>
+      <p:cxnSp>
+        <p:nvCxnSpPr>
+          <p:cNvPr id="48" name="직선 화살표 연결선 47"/>
+          <p:cNvCxnSpPr>
+            <a:stCxn id="33" idx="0"/>
+            <a:endCxn id="46" idx="0"/>
+          </p:cNvCxnSpPr>
+          <p:nvPr/>
+        </p:nvCxnSpPr>
+        <p:spPr>
+          <a:xfrm flipV="1">
+            <a:off x="4470503" y="1708398"/>
+            <a:ext cx="3799" cy="637217"/>
+          </a:xfrm>
+          <a:prstGeom prst="straightConnector1">
+            <a:avLst/>
+          </a:prstGeom>
+          <a:ln>
+            <a:tailEnd type="arrow"/>
+          </a:ln>
+        </p:spPr>
+        <p:style>
+          <a:lnRef idx="2">
+            <a:schemeClr val="accent6"/>
+          </a:lnRef>
+          <a:fillRef idx="0">
+            <a:schemeClr val="accent6"/>
+          </a:fillRef>
+          <a:effectRef idx="1">
+            <a:schemeClr val="accent6"/>
+          </a:effectRef>
+          <a:fontRef idx="minor">
+            <a:schemeClr val="tx1"/>
+          </a:fontRef>
+        </p:style>
+      </p:cxnSp>
+      <p:sp>
+        <p:nvSpPr>
+          <p:cNvPr id="51" name="TextBox 50"/>
+          <p:cNvSpPr txBox="1"/>
+          <p:nvPr/>
+        </p:nvSpPr>
+        <p:spPr>
+          <a:xfrm>
+            <a:off x="4516965" y="1858057"/>
+            <a:ext cx="811119" cy="461665"/>
+          </a:xfrm>
+          <a:prstGeom prst="rect">
+            <a:avLst/>
+          </a:prstGeom>
+        </p:spPr>
+        <p:txBody>
+          <a:bodyPr wrap="none" lIns="0" tIns="0" rIns="0" bIns="0" rtlCol="0" anchor="ctr">
+            <a:spAutoFit/>
+          </a:bodyPr>
+          <a:lstStyle/>
+          <a:p>
+            <a:pPr marL="0" indent="0">
+              <a:buNone/>
+            </a:pPr>
+            <a:r>
+              <a:rPr lang="ko-KR" altLang="en-US" sz="1000" b="1" dirty="0" smtClean="0">
+                <a:latin typeface="+mj-lt"/>
+              </a:rPr>
+              <a:t>직</a:t>
+            </a:r>
+            <a:r>
+              <a:rPr lang="ko-KR" altLang="en-US" sz="1000" b="1" dirty="0">
+                <a:latin typeface="+mj-lt"/>
+              </a:rPr>
+              <a:t>선</a:t>
+            </a:r>
+            <a:r>
+              <a:rPr lang="ko-KR" altLang="en-US" sz="1000" b="1" dirty="0" smtClean="0">
+                <a:latin typeface="+mj-lt"/>
+              </a:rPr>
+              <a:t>의 </a:t>
+            </a:r>
+            <a:endParaRPr lang="en-US" altLang="ko-KR" sz="1000" b="1" dirty="0" smtClean="0">
+              <a:latin typeface="+mj-lt"/>
+            </a:endParaRPr>
+          </a:p>
+          <a:p>
+            <a:pPr marL="0" indent="0">
+              <a:buNone/>
+            </a:pPr>
+            <a:r>
+              <a:rPr lang="ko-KR" altLang="en-US" sz="1000" b="1" dirty="0" smtClean="0">
+                <a:latin typeface="+mj-lt"/>
+              </a:rPr>
+              <a:t>시작점 </a:t>
+            </a:r>
+            <a:r>
+              <a:rPr lang="en-US" altLang="ko-KR" sz="1000" b="1" dirty="0" smtClean="0">
+                <a:latin typeface="+mj-lt"/>
+              </a:rPr>
+              <a:t>/ </a:t>
+            </a:r>
+            <a:r>
+              <a:rPr lang="ko-KR" altLang="en-US" sz="1000" b="1" dirty="0" smtClean="0">
+                <a:latin typeface="+mj-lt"/>
+              </a:rPr>
+              <a:t>끝점 </a:t>
+            </a:r>
+            <a:endParaRPr lang="en-US" altLang="ko-KR" sz="1000" b="1" dirty="0" smtClean="0">
+              <a:latin typeface="+mj-lt"/>
+            </a:endParaRPr>
+          </a:p>
+          <a:p>
+            <a:pPr marL="0" indent="0">
+              <a:buNone/>
+            </a:pPr>
+            <a:r>
+              <a:rPr lang="ko-KR" altLang="en-US" sz="1000" b="1" dirty="0" smtClean="0">
+                <a:latin typeface="+mj-lt"/>
+              </a:rPr>
+              <a:t>좌표</a:t>
+            </a:r>
+            <a:endParaRPr lang="ko-KR" altLang="en-US" sz="1000" b="1" dirty="0" smtClean="0">
+              <a:solidFill>
+                <a:schemeClr val="tx1"/>
+              </a:solidFill>
+              <a:latin typeface="+mj-lt"/>
+            </a:endParaRPr>
+          </a:p>
+        </p:txBody>
+      </p:sp>
+      <p:cxnSp>
+        <p:nvCxnSpPr>
+          <p:cNvPr id="61" name="직선 화살표 연결선 60"/>
+          <p:cNvCxnSpPr>
+            <a:stCxn id="47" idx="3"/>
+            <a:endCxn id="66" idx="2"/>
+          </p:cNvCxnSpPr>
+          <p:nvPr/>
+        </p:nvCxnSpPr>
+        <p:spPr>
+          <a:xfrm>
+            <a:off x="5262591" y="1522841"/>
+            <a:ext cx="821127" cy="1295881"/>
+          </a:xfrm>
+          <a:prstGeom prst="curvedConnector3">
+            <a:avLst>
+              <a:gd name="adj1" fmla="val 50000"/>
+            </a:avLst>
+          </a:prstGeom>
+          <a:ln>
+            <a:tailEnd type="arrow"/>
+          </a:ln>
+        </p:spPr>
+        <p:style>
+          <a:lnRef idx="2">
+            <a:schemeClr val="accent6"/>
+          </a:lnRef>
+          <a:fillRef idx="0">
+            <a:schemeClr val="accent6"/>
+          </a:fillRef>
+          <a:effectRef idx="1">
+            <a:schemeClr val="accent6"/>
+          </a:effectRef>
+          <a:fontRef idx="minor">
+            <a:schemeClr val="tx1"/>
+          </a:fontRef>
+        </p:style>
+      </p:cxnSp>
+      <p:sp>
+        <p:nvSpPr>
+          <p:cNvPr id="66" name="타원 65"/>
+          <p:cNvSpPr/>
+          <p:nvPr/>
+        </p:nvSpPr>
+        <p:spPr>
+          <a:xfrm>
+            <a:off x="6083718" y="2471628"/>
+            <a:ext cx="1006512" cy="694187"/>
+          </a:xfrm>
+          <a:prstGeom prst="ellipse">
+            <a:avLst/>
+          </a:prstGeom>
+          <a:ln/>
+        </p:spPr>
+        <p:style>
+          <a:lnRef idx="2">
+            <a:schemeClr val="dk1"/>
+          </a:lnRef>
+          <a:fillRef idx="1">
+            <a:schemeClr val="lt1"/>
+          </a:fillRef>
+          <a:effectRef idx="0">
+            <a:schemeClr val="dk1"/>
+          </a:effectRef>
+          <a:fontRef idx="minor">
+            <a:schemeClr val="dk1"/>
+          </a:fontRef>
+        </p:style>
+        <p:txBody>
+          <a:bodyPr vert="horz" wrap="square" lIns="91440" tIns="45720" rIns="91440" bIns="45720" numCol="1" rtlCol="0" anchor="ctr" anchorCtr="0" compatLnSpc="1">
+            <a:prstTxWarp prst="textNoShape">
+              <a:avLst/>
+            </a:prstTxWarp>
+          </a:bodyPr>
+          <a:lstStyle/>
+          <a:p>
+            <a:pPr algn="ctr"/>
+            <a:r>
+              <a:rPr lang="ko-KR" altLang="en-US" sz="1200" dirty="0" smtClean="0"/>
+              <a:t>선의 길이 계산</a:t>
+            </a:r>
+            <a:endParaRPr lang="ko-KR" altLang="en-US" sz="1200" dirty="0"/>
+          </a:p>
+        </p:txBody>
+      </p:sp>
+      <p:grpSp>
+        <p:nvGrpSpPr>
+          <p:cNvPr id="74" name="그룹 73"/>
+          <p:cNvGrpSpPr/>
+          <p:nvPr/>
+        </p:nvGrpSpPr>
+        <p:grpSpPr>
+          <a:xfrm>
+            <a:off x="5803735" y="1387104"/>
+            <a:ext cx="1576577" cy="428562"/>
+            <a:chOff x="3851920" y="1809757"/>
+            <a:chExt cx="1620181" cy="555684"/>
+          </a:xfrm>
+        </p:grpSpPr>
+        <p:sp>
+          <p:nvSpPr>
+            <p:cNvPr id="76" name="직사각형 75"/>
+            <p:cNvSpPr/>
+            <p:nvPr/>
+          </p:nvSpPr>
+          <p:spPr>
+            <a:xfrm>
+              <a:off x="3851920" y="1815666"/>
+              <a:ext cx="1620180" cy="45719"/>
+            </a:xfrm>
+            <a:prstGeom prst="rect">
+              <a:avLst/>
+            </a:prstGeom>
+            <a:solidFill>
+              <a:schemeClr val="tx1"/>
+            </a:solidFill>
+            <a:ln w="9525">
+              <a:noFill/>
+              <a:round/>
+            </a:ln>
+          </p:spPr>
+          <p:txBody>
+            <a:bodyPr vert="horz" wrap="square" lIns="91440" tIns="45720" rIns="91440" bIns="45720" numCol="1" rtlCol="0" anchor="t" anchorCtr="0" compatLnSpc="1">
+              <a:prstTxWarp prst="textNoShape">
+                <a:avLst/>
+              </a:prstTxWarp>
+            </a:bodyPr>
+            <a:lstStyle/>
+            <a:p>
+              <a:pPr algn="ctr"/>
+              <a:endParaRPr lang="ko-KR" altLang="en-US"/>
+            </a:p>
+          </p:txBody>
+        </p:sp>
+        <p:sp>
+          <p:nvSpPr>
+            <p:cNvPr id="77" name="직사각형 76"/>
+            <p:cNvSpPr/>
+            <p:nvPr/>
+          </p:nvSpPr>
+          <p:spPr>
+            <a:xfrm>
+              <a:off x="3851920" y="2319722"/>
+              <a:ext cx="1620180" cy="45719"/>
+            </a:xfrm>
+            <a:prstGeom prst="rect">
+              <a:avLst/>
+            </a:prstGeom>
+            <a:solidFill>
+              <a:schemeClr val="tx1"/>
+            </a:solidFill>
+            <a:ln w="9525">
+              <a:noFill/>
+              <a:round/>
+            </a:ln>
+          </p:spPr>
+          <p:txBody>
+            <a:bodyPr vert="horz" wrap="square" lIns="91440" tIns="45720" rIns="91440" bIns="45720" numCol="1" rtlCol="0" anchor="t" anchorCtr="0" compatLnSpc="1">
+              <a:prstTxWarp prst="textNoShape">
+                <a:avLst/>
+              </a:prstTxWarp>
+            </a:bodyPr>
+            <a:lstStyle/>
+            <a:p>
+              <a:pPr algn="ctr"/>
+              <a:endParaRPr lang="ko-KR" altLang="en-US"/>
+            </a:p>
+          </p:txBody>
+        </p:sp>
+        <p:sp>
+          <p:nvSpPr>
+            <p:cNvPr id="78" name="TextBox 77"/>
+            <p:cNvSpPr txBox="1"/>
+            <p:nvPr/>
+          </p:nvSpPr>
+          <p:spPr>
+            <a:xfrm>
+              <a:off x="3851921" y="1809757"/>
+              <a:ext cx="1620180" cy="538745"/>
+            </a:xfrm>
+            <a:prstGeom prst="rect">
+              <a:avLst/>
+            </a:prstGeom>
+          </p:spPr>
+          <p:txBody>
+            <a:bodyPr wrap="square" lIns="0" tIns="0" rIns="0" bIns="0" rtlCol="0" anchor="ctr">
+              <a:spAutoFit/>
+            </a:bodyPr>
+            <a:lstStyle/>
+            <a:p>
+              <a:pPr marL="0" indent="0" algn="ctr">
+                <a:lnSpc>
+                  <a:spcPct val="150000"/>
+                </a:lnSpc>
+                <a:buNone/>
+              </a:pPr>
+              <a:r>
+                <a:rPr lang="en-US" altLang="ko-KR" b="1" dirty="0" smtClean="0">
+                  <a:latin typeface="+mj-lt"/>
+                </a:rPr>
+                <a:t>AR</a:t>
+              </a:r>
+              <a:r>
+                <a:rPr lang="ko-KR" altLang="en-US" b="1" dirty="0" smtClean="0">
+                  <a:solidFill>
+                    <a:schemeClr val="tx1"/>
+                  </a:solidFill>
+                  <a:latin typeface="+mj-lt"/>
+                </a:rPr>
+                <a:t>공간 정보</a:t>
+              </a:r>
+              <a:endParaRPr lang="ko-KR" altLang="en-US" b="1" dirty="0" smtClean="0">
+                <a:solidFill>
+                  <a:schemeClr val="tx1"/>
+                </a:solidFill>
+                <a:latin typeface="+mj-lt"/>
+              </a:endParaRPr>
+            </a:p>
+          </p:txBody>
+        </p:sp>
+      </p:grpSp>
+      <p:cxnSp>
+        <p:nvCxnSpPr>
+          <p:cNvPr id="79" name="직선 화살표 연결선 78"/>
+          <p:cNvCxnSpPr>
+            <a:stCxn id="77" idx="2"/>
+            <a:endCxn id="66" idx="0"/>
+          </p:cNvCxnSpPr>
+          <p:nvPr/>
+        </p:nvCxnSpPr>
+        <p:spPr>
+          <a:xfrm flipH="1">
+            <a:off x="6586974" y="1815666"/>
+            <a:ext cx="5049" cy="655962"/>
+          </a:xfrm>
+          <a:prstGeom prst="straightConnector1">
+            <a:avLst/>
+          </a:prstGeom>
+          <a:ln>
+            <a:tailEnd type="arrow"/>
+          </a:ln>
+        </p:spPr>
+        <p:style>
+          <a:lnRef idx="2">
+            <a:schemeClr val="accent6"/>
+          </a:lnRef>
+          <a:fillRef idx="0">
+            <a:schemeClr val="accent6"/>
+          </a:fillRef>
+          <a:effectRef idx="1">
+            <a:schemeClr val="accent6"/>
+          </a:effectRef>
+          <a:fontRef idx="minor">
+            <a:schemeClr val="tx1"/>
+          </a:fontRef>
+        </p:style>
+      </p:cxnSp>
+      <p:sp>
+        <p:nvSpPr>
+          <p:cNvPr id="80" name="TextBox 79"/>
+          <p:cNvSpPr txBox="1"/>
+          <p:nvPr/>
+        </p:nvSpPr>
+        <p:spPr>
+          <a:xfrm>
+            <a:off x="5701618" y="2079017"/>
+            <a:ext cx="548227" cy="384721"/>
+          </a:xfrm>
+          <a:prstGeom prst="rect">
+            <a:avLst/>
+          </a:prstGeom>
+        </p:spPr>
+        <p:txBody>
+          <a:bodyPr wrap="none" lIns="0" tIns="0" rIns="0" bIns="0" rtlCol="0" anchor="ctr">
+            <a:spAutoFit/>
+          </a:bodyPr>
+          <a:lstStyle/>
+          <a:p>
+            <a:pPr marL="0" indent="0">
+              <a:lnSpc>
+                <a:spcPct val="150000"/>
+              </a:lnSpc>
+              <a:buNone/>
+            </a:pPr>
+            <a:r>
+              <a:rPr lang="ko-KR" altLang="en-US" sz="1000" b="1" dirty="0">
+                <a:latin typeface="+mj-lt"/>
+              </a:rPr>
+              <a:t>양</a:t>
+            </a:r>
+            <a:r>
+              <a:rPr lang="ko-KR" altLang="en-US" sz="1000" b="1" dirty="0" smtClean="0">
+                <a:latin typeface="+mj-lt"/>
+              </a:rPr>
+              <a:t> 끝점의</a:t>
+            </a:r>
+            <a:endParaRPr lang="en-US" altLang="ko-KR" sz="1000" b="1" dirty="0" smtClean="0">
+              <a:latin typeface="+mj-lt"/>
+            </a:endParaRPr>
+          </a:p>
+          <a:p>
+            <a:pPr marL="0" indent="0">
+              <a:buNone/>
+            </a:pPr>
+            <a:r>
+              <a:rPr lang="ko-KR" altLang="en-US" sz="1000" b="1" dirty="0" smtClean="0">
+                <a:latin typeface="+mj-lt"/>
+              </a:rPr>
+              <a:t> 좌표 </a:t>
+            </a:r>
+            <a:endParaRPr lang="en-US" altLang="ko-KR" sz="1000" b="1" dirty="0" smtClean="0">
+              <a:latin typeface="+mj-lt"/>
+            </a:endParaRPr>
+          </a:p>
+        </p:txBody>
+      </p:sp>
+      <p:sp>
+        <p:nvSpPr>
+          <p:cNvPr id="82" name="TextBox 81"/>
+          <p:cNvSpPr txBox="1"/>
+          <p:nvPr/>
+        </p:nvSpPr>
+        <p:spPr>
+          <a:xfrm>
+            <a:off x="6628292" y="2014355"/>
+            <a:ext cx="548227" cy="194925"/>
+          </a:xfrm>
+          <a:prstGeom prst="rect">
+            <a:avLst/>
+          </a:prstGeom>
+        </p:spPr>
+        <p:txBody>
+          <a:bodyPr wrap="none" lIns="0" tIns="0" rIns="0" bIns="0" rtlCol="0" anchor="ctr">
+            <a:spAutoFit/>
+          </a:bodyPr>
+          <a:lstStyle/>
+          <a:p>
+            <a:pPr marL="0" indent="0">
+              <a:lnSpc>
+                <a:spcPct val="150000"/>
+              </a:lnSpc>
+              <a:buNone/>
+            </a:pPr>
+            <a:r>
+              <a:rPr lang="ko-KR" altLang="en-US" sz="1000" b="1" dirty="0" smtClean="0">
+                <a:latin typeface="+mj-lt"/>
+              </a:rPr>
+              <a:t>공간 정보</a:t>
+            </a:r>
+            <a:endParaRPr lang="en-US" altLang="ko-KR" sz="1000" b="1" dirty="0" smtClean="0">
+              <a:latin typeface="+mj-lt"/>
+            </a:endParaRPr>
+          </a:p>
+        </p:txBody>
+      </p:sp>
+      <p:cxnSp>
+        <p:nvCxnSpPr>
+          <p:cNvPr id="83" name="직선 화살표 연결선 82"/>
+          <p:cNvCxnSpPr>
+            <a:stCxn id="66" idx="6"/>
+            <a:endCxn id="88" idx="2"/>
+          </p:cNvCxnSpPr>
+          <p:nvPr/>
+        </p:nvCxnSpPr>
+        <p:spPr>
+          <a:xfrm>
+            <a:off x="7090230" y="2818722"/>
+            <a:ext cx="798652" cy="18003"/>
+          </a:xfrm>
+          <a:prstGeom prst="straightConnector1">
+            <a:avLst/>
+          </a:prstGeom>
+          <a:ln>
+            <a:tailEnd type="arrow"/>
+          </a:ln>
+        </p:spPr>
+        <p:style>
+          <a:lnRef idx="2">
+            <a:schemeClr val="accent6"/>
+          </a:lnRef>
+          <a:fillRef idx="0">
+            <a:schemeClr val="accent6"/>
+          </a:fillRef>
+          <a:effectRef idx="1">
+            <a:schemeClr val="accent6"/>
+          </a:effectRef>
+          <a:fontRef idx="minor">
+            <a:schemeClr val="tx1"/>
+          </a:fontRef>
+        </p:style>
+      </p:cxnSp>
+      <p:sp>
+        <p:nvSpPr>
+          <p:cNvPr id="88" name="타원 87"/>
+          <p:cNvSpPr/>
+          <p:nvPr/>
+        </p:nvSpPr>
+        <p:spPr>
+          <a:xfrm>
+            <a:off x="7888882" y="2417623"/>
+            <a:ext cx="1147614" cy="838203"/>
+          </a:xfrm>
+          <a:prstGeom prst="ellipse">
+            <a:avLst/>
+          </a:prstGeom>
+          <a:ln/>
+        </p:spPr>
+        <p:style>
+          <a:lnRef idx="2">
+            <a:schemeClr val="dk1"/>
+          </a:lnRef>
+          <a:fillRef idx="1">
+            <a:schemeClr val="lt1"/>
+          </a:fillRef>
+          <a:effectRef idx="0">
+            <a:schemeClr val="dk1"/>
+          </a:effectRef>
+          <a:fontRef idx="minor">
+            <a:schemeClr val="dk1"/>
+          </a:fontRef>
+        </p:style>
+        <p:txBody>
+          <a:bodyPr vert="horz" wrap="square" lIns="91440" tIns="45720" rIns="91440" bIns="45720" numCol="1" rtlCol="0" anchor="ctr" anchorCtr="0" compatLnSpc="1">
+            <a:prstTxWarp prst="textNoShape">
+              <a:avLst/>
+            </a:prstTxWarp>
+          </a:bodyPr>
+          <a:lstStyle/>
+          <a:p>
+            <a:pPr algn="ctr"/>
+            <a:r>
+              <a:rPr lang="ko-KR" altLang="en-US" sz="1100" b="1" dirty="0" smtClean="0"/>
+              <a:t>선의 길이를 표시할 라벨 생성</a:t>
+            </a:r>
+            <a:endParaRPr lang="ko-KR" altLang="en-US" sz="1100" b="1" dirty="0"/>
+          </a:p>
+        </p:txBody>
+      </p:sp>
+      <p:sp>
+        <p:nvSpPr>
+          <p:cNvPr id="90" name="TextBox 89"/>
+          <p:cNvSpPr txBox="1"/>
+          <p:nvPr/>
+        </p:nvSpPr>
+        <p:spPr>
+          <a:xfrm>
+            <a:off x="7176519" y="2551630"/>
+            <a:ext cx="548227" cy="194925"/>
+          </a:xfrm>
+          <a:prstGeom prst="rect">
+            <a:avLst/>
+          </a:prstGeom>
+        </p:spPr>
+        <p:txBody>
+          <a:bodyPr wrap="none" lIns="0" tIns="0" rIns="0" bIns="0" rtlCol="0" anchor="ctr">
+            <a:spAutoFit/>
+          </a:bodyPr>
+          <a:lstStyle/>
+          <a:p>
+            <a:pPr marL="0" indent="0">
+              <a:lnSpc>
+                <a:spcPct val="150000"/>
+              </a:lnSpc>
+              <a:buNone/>
+            </a:pPr>
+            <a:r>
+              <a:rPr lang="ko-KR" altLang="en-US" sz="1000" b="1" dirty="0" smtClean="0">
+                <a:latin typeface="+mj-lt"/>
+              </a:rPr>
+              <a:t>선의 길이</a:t>
+            </a:r>
+            <a:endParaRPr lang="en-US" altLang="ko-KR" sz="1000" b="1" dirty="0" smtClean="0">
+              <a:latin typeface="+mj-lt"/>
+            </a:endParaRPr>
+          </a:p>
+        </p:txBody>
+      </p:sp>
+      <p:cxnSp>
+        <p:nvCxnSpPr>
+          <p:cNvPr id="91" name="직선 화살표 연결선 90"/>
+          <p:cNvCxnSpPr>
+            <a:stCxn id="88" idx="4"/>
+            <a:endCxn id="95" idx="3"/>
+          </p:cNvCxnSpPr>
+          <p:nvPr/>
+        </p:nvCxnSpPr>
+        <p:spPr>
+          <a:xfrm rot="5400000">
+            <a:off x="7663985" y="3189460"/>
+            <a:ext cx="732338" cy="865071"/>
+          </a:xfrm>
+          <a:prstGeom prst="curvedConnector2">
+            <a:avLst/>
+          </a:prstGeom>
+          <a:ln>
+            <a:tailEnd type="arrow"/>
+          </a:ln>
+        </p:spPr>
+        <p:style>
+          <a:lnRef idx="2">
+            <a:schemeClr val="accent6"/>
+          </a:lnRef>
+          <a:fillRef idx="0">
+            <a:schemeClr val="accent6"/>
+          </a:fillRef>
+          <a:effectRef idx="1">
+            <a:schemeClr val="accent6"/>
+          </a:effectRef>
+          <a:fontRef idx="minor">
+            <a:schemeClr val="tx1"/>
+          </a:fontRef>
+        </p:style>
+      </p:cxnSp>
+      <p:sp>
+        <p:nvSpPr>
+          <p:cNvPr id="95" name="직사각형 94"/>
+          <p:cNvSpPr/>
+          <p:nvPr/>
+        </p:nvSpPr>
+        <p:spPr>
+          <a:xfrm>
+            <a:off x="6265470" y="3803929"/>
+            <a:ext cx="1332148" cy="368470"/>
+          </a:xfrm>
+          <a:prstGeom prst="rect">
+            <a:avLst/>
+          </a:prstGeom>
+          <a:ln/>
+        </p:spPr>
+        <p:style>
+          <a:lnRef idx="2">
+            <a:schemeClr val="dk1"/>
+          </a:lnRef>
+          <a:fillRef idx="1">
+            <a:schemeClr val="lt1"/>
+          </a:fillRef>
+          <a:effectRef idx="0">
+            <a:schemeClr val="dk1"/>
+          </a:effectRef>
+          <a:fontRef idx="minor">
+            <a:schemeClr val="dk1"/>
+          </a:fontRef>
+        </p:style>
+        <p:txBody>
+          <a:bodyPr vert="horz" wrap="square" lIns="91440" tIns="45720" rIns="91440" bIns="45720" numCol="1" rtlCol="0" anchor="t" anchorCtr="0" compatLnSpc="1">
+            <a:prstTxWarp prst="textNoShape">
+              <a:avLst/>
+            </a:prstTxWarp>
+          </a:bodyPr>
+          <a:lstStyle/>
+          <a:p>
+            <a:pPr algn="ctr"/>
+            <a:r>
+              <a:rPr lang="en-US" altLang="ko-KR" dirty="0" smtClean="0"/>
+              <a:t>AR</a:t>
+            </a:r>
+            <a:r>
+              <a:rPr lang="ko-KR" altLang="en-US" dirty="0" smtClean="0"/>
+              <a:t>화면</a:t>
+            </a:r>
+            <a:endParaRPr lang="ko-KR" altLang="en-US" dirty="0"/>
+          </a:p>
+        </p:txBody>
+      </p:sp>
+      <p:sp>
+        <p:nvSpPr>
+          <p:cNvPr id="96" name="TextBox 95"/>
+          <p:cNvSpPr txBox="1"/>
+          <p:nvPr/>
+        </p:nvSpPr>
+        <p:spPr>
+          <a:xfrm>
+            <a:off x="7956376" y="3517630"/>
+            <a:ext cx="253274" cy="194925"/>
+          </a:xfrm>
+          <a:prstGeom prst="rect">
+            <a:avLst/>
+          </a:prstGeom>
+        </p:spPr>
+        <p:txBody>
+          <a:bodyPr wrap="none" lIns="0" tIns="0" rIns="0" bIns="0" rtlCol="0" anchor="ctr">
+            <a:spAutoFit/>
+          </a:bodyPr>
+          <a:lstStyle/>
+          <a:p>
+            <a:pPr marL="0" indent="0">
+              <a:lnSpc>
+                <a:spcPct val="150000"/>
+              </a:lnSpc>
+              <a:buNone/>
+            </a:pPr>
+            <a:r>
+              <a:rPr lang="ko-KR" altLang="en-US" sz="1000" b="1" dirty="0" smtClean="0">
+                <a:latin typeface="+mj-lt"/>
+              </a:rPr>
+              <a:t>라벨</a:t>
+            </a:r>
+            <a:endParaRPr lang="en-US" altLang="ko-KR" sz="1000" b="1" dirty="0" smtClean="0">
+              <a:latin typeface="+mj-lt"/>
+            </a:endParaRPr>
+          </a:p>
+        </p:txBody>
+      </p:sp>
+      <p:cxnSp>
+        <p:nvCxnSpPr>
+          <p:cNvPr id="97" name="직선 화살표 연결선 60"/>
+          <p:cNvCxnSpPr>
+            <a:stCxn id="33" idx="6"/>
+            <a:endCxn id="95" idx="1"/>
+          </p:cNvCxnSpPr>
+          <p:nvPr/>
+        </p:nvCxnSpPr>
+        <p:spPr>
+          <a:xfrm>
+            <a:off x="5262591" y="2818723"/>
+            <a:ext cx="1002879" cy="1169441"/>
+          </a:xfrm>
+          <a:prstGeom prst="curvedConnector3">
+            <a:avLst>
+              <a:gd name="adj1" fmla="val 50000"/>
+            </a:avLst>
+          </a:prstGeom>
+          <a:ln>
+            <a:tailEnd type="arrow"/>
+          </a:ln>
+        </p:spPr>
+        <p:style>
+          <a:lnRef idx="2">
+            <a:schemeClr val="accent6"/>
+          </a:lnRef>
+          <a:fillRef idx="0">
+            <a:schemeClr val="accent6"/>
+          </a:fillRef>
+          <a:effectRef idx="1">
+            <a:schemeClr val="accent6"/>
+          </a:effectRef>
+          <a:fontRef idx="minor">
+            <a:schemeClr val="tx1"/>
+          </a:fontRef>
+        </p:style>
+      </p:cxnSp>
+      <p:sp>
+        <p:nvSpPr>
+          <p:cNvPr id="101" name="TextBox 100"/>
+          <p:cNvSpPr txBox="1"/>
+          <p:nvPr/>
+        </p:nvSpPr>
+        <p:spPr>
+          <a:xfrm>
+            <a:off x="5816654" y="3365117"/>
+            <a:ext cx="253274" cy="194925"/>
+          </a:xfrm>
+          <a:prstGeom prst="rect">
+            <a:avLst/>
+          </a:prstGeom>
+        </p:spPr>
+        <p:txBody>
+          <a:bodyPr wrap="none" lIns="0" tIns="0" rIns="0" bIns="0" rtlCol="0" anchor="ctr">
+            <a:spAutoFit/>
+          </a:bodyPr>
+          <a:lstStyle/>
+          <a:p>
+            <a:pPr marL="0" indent="0">
+              <a:lnSpc>
+                <a:spcPct val="150000"/>
+              </a:lnSpc>
+              <a:buNone/>
+            </a:pPr>
+            <a:r>
+              <a:rPr lang="ko-KR" altLang="en-US" sz="1000" b="1" dirty="0" smtClean="0">
+                <a:latin typeface="+mj-lt"/>
+              </a:rPr>
+              <a:t>직</a:t>
+            </a:r>
+            <a:r>
+              <a:rPr lang="ko-KR" altLang="en-US" sz="1000" b="1" dirty="0">
+                <a:latin typeface="+mj-lt"/>
+              </a:rPr>
+              <a:t>선</a:t>
+            </a:r>
+            <a:endParaRPr lang="en-US" altLang="ko-KR" sz="1000" b="1" dirty="0" smtClean="0">
+              <a:latin typeface="+mj-lt"/>
+            </a:endParaRPr>
+          </a:p>
+        </p:txBody>
+      </p:sp>
+    </p:spTree>
+    <p:extLst>
+      <p:ext uri="{BB962C8B-B14F-4D97-AF65-F5344CB8AC3E}">
+        <p14:creationId xmlns:p14="http://schemas.microsoft.com/office/powerpoint/2010/main" val="416823838"/>
+      </p:ext>
+    </p:extLst>
+  </p:cSld>
+  <p:clrMapOvr>
+    <a:masterClrMapping/>
+  </p:clrMapOvr>
+  <mc:AlternateContent xmlns:mc="http://schemas.openxmlformats.org/markup-compatibility/2006" xmlns:p14="http://schemas.microsoft.com/office/powerpoint/2010/main">
+    <mc:Choice Requires="p14">
+      <p:transition spd="med" p14:dur="700" advTm="20000">
+        <p:fade/>
+      </p:transition>
+    </mc:Choice>
+    <mc:Fallback xmlns="">
+      <p:transition spd="med" advTm="20000">
+        <p:fade/>
+      </p:transition>
+    </mc:Fallback>
+  </mc:AlternateContent>
+  <p:timing>
+    <p:tnLst>
+      <p:par>
+        <p:cTn id="1" dur="indefinite" restart="never" nodeType="tmRoot"/>
+      </p:par>
+    </p:tnLst>
+  </p:timing>
+</p:sld>
+</file>
+
+<file path=ppt/slides/slide19.xml><?xml version="1.0" encoding="utf-8"?>
+<p:sld xmlns:a="http://schemas.openxmlformats.org/drawingml/2006/main" xmlns:r="http://schemas.openxmlformats.org/officeDocument/2006/relationships" xmlns:p="http://schemas.openxmlformats.org/presentationml/2006/main" showMasterSp="0">
   <p:cSld>
     <p:spTree>
       <p:nvGrpSpPr>
@@ -15542,93 +19856,6 @@
     </mc:Choice>
     <mc:Fallback xmlns="">
       <p:transition spd="slow" advTm="3000"/>
-    </mc:Fallback>
-  </mc:AlternateContent>
-  <p:timing>
-    <p:tnLst>
-      <p:par>
-        <p:cTn id="1" dur="indefinite" restart="never" nodeType="tmRoot"/>
-      </p:par>
-    </p:tnLst>
-  </p:timing>
-</p:sld>
-</file>
-
-<file path=ppt/slides/slide17.xml><?xml version="1.0" encoding="utf-8"?>
-<p:sld xmlns:a="http://schemas.openxmlformats.org/drawingml/2006/main" xmlns:r="http://schemas.openxmlformats.org/officeDocument/2006/relationships" xmlns:p="http://schemas.openxmlformats.org/presentationml/2006/main" showMasterSp="0">
-  <p:cSld>
-    <p:spTree>
-      <p:nvGrpSpPr>
-        <p:cNvPr id="1" name=""/>
-        <p:cNvGrpSpPr/>
-        <p:nvPr/>
-      </p:nvGrpSpPr>
-      <p:grpSpPr>
-        <a:xfrm>
-          <a:off x="0" y="0"/>
-          <a:ext cx="0" cy="0"/>
-          <a:chOff x="0" y="0"/>
-          <a:chExt cx="0" cy="0"/>
-        </a:xfrm>
-      </p:grpSpPr>
-      <p:sp>
-        <p:nvSpPr>
-          <p:cNvPr id="12" name="제목 11"/>
-          <p:cNvSpPr>
-            <a:spLocks noGrp="1"/>
-          </p:cNvSpPr>
-          <p:nvPr>
-            <p:ph type="title"/>
-          </p:nvPr>
-        </p:nvSpPr>
-        <p:spPr/>
-        <p:txBody>
-          <a:bodyPr/>
-          <a:lstStyle/>
-          <a:p>
-            <a:pPr lvl="0">
-              <a:defRPr lang="ko-KR" altLang="en-US"/>
-            </a:pPr>
-            <a:r>
-              <a:rPr lang="ko-KR" altLang="en-US"/>
-              <a:t>역할분담</a:t>
-            </a:r>
-          </a:p>
-        </p:txBody>
-      </p:sp>
-      <p:graphicFrame>
-        <p:nvGraphicFramePr>
-          <p:cNvPr id="13" name="다이어그램 12"/>
-          <p:cNvGraphicFramePr/>
-          <p:nvPr>
-            <p:extLst>
-              <p:ext uri="{D42A27DB-BD31-4B8C-83A1-F6EECF244321}">
-                <p14:modId xmlns:p14="http://schemas.microsoft.com/office/powerpoint/2010/main" val="1277653635"/>
-              </p:ext>
-            </p:extLst>
-          </p:nvPr>
-        </p:nvGraphicFramePr>
-        <p:xfrm>
-          <a:off x="1727684" y="1707654"/>
-          <a:ext cx="5868652" cy="2232248"/>
-        </p:xfrm>
-        <a:graphic>
-          <a:graphicData uri="http://schemas.openxmlformats.org/drawingml/2006/diagram">
-            <dgm:relIds xmlns:dgm="http://schemas.openxmlformats.org/drawingml/2006/diagram" xmlns:r="http://schemas.openxmlformats.org/officeDocument/2006/relationships" r:dm="rId2" r:lo="rId3" r:qs="rId4" r:cs="rId5"/>
-          </a:graphicData>
-        </a:graphic>
-      </p:graphicFrame>
-    </p:spTree>
-  </p:cSld>
-  <p:clrMapOvr>
-    <a:masterClrMapping/>
-  </p:clrMapOvr>
-  <mc:AlternateContent xmlns:mc="http://schemas.openxmlformats.org/markup-compatibility/2006" xmlns:p14="http://schemas.microsoft.com/office/powerpoint/2010/main">
-    <mc:Choice Requires="p14">
-      <p:transition spd="slow" p14:dur="2000" advTm="5000"/>
-    </mc:Choice>
-    <mc:Fallback xmlns="">
-      <p:transition spd="slow" advTm="5000"/>
     </mc:Fallback>
   </mc:AlternateContent>
   <p:timing>
@@ -25039,6 +29266,93 @@
       <p:bldP spid="31" grpId="0" autoUpdateAnimBg="0"/>
       <p:bldP spid="60" grpId="0" animBg="1"/>
     </p:bldLst>
+  </p:timing>
+</p:sld>
+</file>
+
+<file path=ppt/slides/slide20.xml><?xml version="1.0" encoding="utf-8"?>
+<p:sld xmlns:a="http://schemas.openxmlformats.org/drawingml/2006/main" xmlns:r="http://schemas.openxmlformats.org/officeDocument/2006/relationships" xmlns:p="http://schemas.openxmlformats.org/presentationml/2006/main" showMasterSp="0">
+  <p:cSld>
+    <p:spTree>
+      <p:nvGrpSpPr>
+        <p:cNvPr id="1" name=""/>
+        <p:cNvGrpSpPr/>
+        <p:nvPr/>
+      </p:nvGrpSpPr>
+      <p:grpSpPr>
+        <a:xfrm>
+          <a:off x="0" y="0"/>
+          <a:ext cx="0" cy="0"/>
+          <a:chOff x="0" y="0"/>
+          <a:chExt cx="0" cy="0"/>
+        </a:xfrm>
+      </p:grpSpPr>
+      <p:sp>
+        <p:nvSpPr>
+          <p:cNvPr id="12" name="제목 11"/>
+          <p:cNvSpPr>
+            <a:spLocks noGrp="1"/>
+          </p:cNvSpPr>
+          <p:nvPr>
+            <p:ph type="title"/>
+          </p:nvPr>
+        </p:nvSpPr>
+        <p:spPr/>
+        <p:txBody>
+          <a:bodyPr/>
+          <a:lstStyle/>
+          <a:p>
+            <a:pPr lvl="0">
+              <a:defRPr lang="ko-KR" altLang="en-US"/>
+            </a:pPr>
+            <a:r>
+              <a:rPr lang="ko-KR" altLang="en-US"/>
+              <a:t>역할분담</a:t>
+            </a:r>
+          </a:p>
+        </p:txBody>
+      </p:sp>
+      <p:graphicFrame>
+        <p:nvGraphicFramePr>
+          <p:cNvPr id="13" name="다이어그램 12"/>
+          <p:cNvGraphicFramePr/>
+          <p:nvPr>
+            <p:extLst>
+              <p:ext uri="{D42A27DB-BD31-4B8C-83A1-F6EECF244321}">
+                <p14:modId xmlns:p14="http://schemas.microsoft.com/office/powerpoint/2010/main" val="1277653635"/>
+              </p:ext>
+            </p:extLst>
+          </p:nvPr>
+        </p:nvGraphicFramePr>
+        <p:xfrm>
+          <a:off x="1727684" y="1707654"/>
+          <a:ext cx="5868652" cy="2232248"/>
+        </p:xfrm>
+        <a:graphic>
+          <a:graphicData uri="http://schemas.openxmlformats.org/drawingml/2006/diagram">
+            <dgm:relIds xmlns:dgm="http://schemas.openxmlformats.org/drawingml/2006/diagram" xmlns:r="http://schemas.openxmlformats.org/officeDocument/2006/relationships" r:dm="rId2" r:lo="rId3" r:qs="rId4" r:cs="rId5"/>
+          </a:graphicData>
+        </a:graphic>
+      </p:graphicFrame>
+    </p:spTree>
+  </p:cSld>
+  <p:clrMapOvr>
+    <a:masterClrMapping/>
+  </p:clrMapOvr>
+  <mc:AlternateContent xmlns:mc="http://schemas.openxmlformats.org/markup-compatibility/2006" xmlns:p14="http://schemas.microsoft.com/office/powerpoint/2010/main">
+    <mc:Choice Requires="p14">
+      <p:transition spd="slow" p14:dur="2000" advTm="5000"/>
+    </mc:Choice>
+    <mc:Fallback xmlns="">
+      <p:transition spd="slow" advTm="5000"/>
+    </mc:Fallback>
+  </mc:AlternateContent>
+  <p:timing>
+    <p:tnLst>
+      <p:par>
+        <p:cTn id="1" dur="indefinite" restart="never" nodeType="tmRoot"/>
+      </p:par>
+    </p:tnLst>
   </p:timing>
 </p:sld>
 </file>
@@ -28825,7 +33139,7 @@
           <p:nvPr>
             <p:extLst>
               <p:ext uri="{D42A27DB-BD31-4B8C-83A1-F6EECF244321}">
-                <p14:modId xmlns:p14="http://schemas.microsoft.com/office/powerpoint/2010/main" val="1472362289"/>
+                <p14:modId xmlns:p14="http://schemas.microsoft.com/office/powerpoint/2010/main" val="3125146149"/>
               </p:ext>
             </p:extLst>
           </p:nvPr>
@@ -30020,13 +34334,26 @@
                         <a:t>받아야 </a:t>
                       </a:r>
                       <a:r>
-                        <a:rPr lang="ko-KR" altLang="en-US" sz="1400" dirty="0">
+                        <a:rPr lang="ko-KR" altLang="en-US" sz="1400" dirty="0" smtClean="0">
                           <a:latin typeface="+mn-lt"/>
                           <a:ea typeface="+mn-ea"/>
                           <a:cs typeface="+mn-cs"/>
                         </a:rPr>
                         <a:t>함</a:t>
                       </a:r>
+                      <a:r>
+                        <a:rPr lang="en-US" altLang="ko-KR" sz="1400" dirty="0" smtClean="0">
+                          <a:latin typeface="+mn-lt"/>
+                          <a:ea typeface="+mn-ea"/>
+                          <a:cs typeface="+mn-cs"/>
+                        </a:rPr>
+                        <a:t>.</a:t>
+                      </a:r>
+                      <a:endParaRPr lang="ko-KR" altLang="en-US" sz="1400" dirty="0">
+                        <a:latin typeface="+mn-lt"/>
+                        <a:ea typeface="+mn-ea"/>
+                        <a:cs typeface="+mn-cs"/>
+                      </a:endParaRPr>
                     </a:p>
                     <a:p>
                       <a:pPr algn="ctr" latinLnBrk="1">
@@ -30105,6 +34432,14 @@
                         </a:rPr>
                         <a:t>적음</a:t>
                       </a:r>
+                      <a:r>
+                        <a:rPr lang="en-US" altLang="ko-KR" sz="1400" dirty="0" smtClean="0">
+                          <a:latin typeface="+mn-lt"/>
+                          <a:ea typeface="+mn-ea"/>
+                          <a:cs typeface="+mn-cs"/>
+                        </a:rPr>
+                        <a:t>.</a:t>
+                      </a:r>
                       <a:endParaRPr lang="en-US" altLang="ko-KR" sz="1400" dirty="0" smtClean="0">
                         <a:latin typeface="+mn-lt"/>
                         <a:ea typeface="+mn-ea"/>
@@ -30157,13 +34492,18 @@
                         <a:t>  로딩시간이 </a:t>
                       </a:r>
                       <a:r>
-                        <a:rPr lang="ko-KR" altLang="en-US" sz="1400" dirty="0">
+                        <a:rPr lang="ko-KR" altLang="en-US" sz="1400" dirty="0" smtClean="0">
                           <a:latin typeface="+mn-lt"/>
                           <a:ea typeface="+mn-ea"/>
                           <a:cs typeface="+mn-cs"/>
                         </a:rPr>
-                        <a:t>김</a:t>
+                        <a:t>긺</a:t>
                       </a:r>
+                      <a:endParaRPr lang="ko-KR" altLang="en-US" sz="1400" dirty="0">
+                        <a:latin typeface="+mn-lt"/>
+                        <a:ea typeface="+mn-ea"/>
+                        <a:cs typeface="+mn-cs"/>
+                      </a:endParaRPr>
                     </a:p>
                     <a:p>
                       <a:pPr algn="ctr" latinLnBrk="1">
@@ -30195,13 +34535,34 @@
                         <a:t>물체가 </a:t>
                       </a:r>
                       <a:r>
-                        <a:rPr lang="ko-KR" altLang="en-US" sz="1400" dirty="0">
+                        <a:rPr lang="ko-KR" altLang="en-US" sz="1400" dirty="0" smtClean="0">
                           <a:latin typeface="+mn-lt"/>
                           <a:ea typeface="+mn-ea"/>
                           <a:cs typeface="+mn-cs"/>
                         </a:rPr>
-                        <a:t>적음 </a:t>
+                        <a:t>적음</a:t>
                       </a:r>
+                      <a:r>
+                        <a:rPr lang="en-US" altLang="ko-KR" sz="1400" dirty="0" smtClean="0">
+                          <a:latin typeface="+mn-lt"/>
+                          <a:ea typeface="+mn-ea"/>
+                          <a:cs typeface="+mn-cs"/>
+                        </a:rPr>
+                        <a:t>.</a:t>
+                      </a:r>
+                      <a:r>
+                        <a:rPr lang="ko-KR" altLang="en-US" sz="1400" dirty="0" smtClean="0">
+                          <a:latin typeface="+mn-lt"/>
+                          <a:ea typeface="+mn-ea"/>
+                          <a:cs typeface="+mn-cs"/>
+                        </a:rPr>
+                        <a:t> </a:t>
+                      </a:r>
+                      <a:endParaRPr lang="ko-KR" altLang="en-US" sz="1400" dirty="0">
+                        <a:latin typeface="+mn-lt"/>
+                        <a:ea typeface="+mn-ea"/>
+                        <a:cs typeface="+mn-cs"/>
+                      </a:endParaRPr>
                     </a:p>
                     <a:p>
                       <a:pPr algn="ctr" latinLnBrk="1">
@@ -30778,7 +35139,19 @@
               <a:rPr lang="ko-KR" altLang="en-US" sz="1600" b="1" dirty="0" smtClean="0">
                 <a:latin typeface="+mj-lt"/>
               </a:rPr>
-              <a:t>모델만 얻으면 쉽게 단점보안 할 수 있음</a:t>
+              <a:t>모델만 얻으면 쉽게 </a:t>
+            </a:r>
+            <a:r>
+              <a:rPr lang="ko-KR" altLang="en-US" sz="1600" b="1" dirty="0" smtClean="0">
+                <a:latin typeface="+mj-lt"/>
+              </a:rPr>
+              <a:t>단점을 보완할 </a:t>
+            </a:r>
+            <a:r>
+              <a:rPr lang="ko-KR" altLang="en-US" sz="1600" b="1" dirty="0" smtClean="0">
+                <a:latin typeface="+mj-lt"/>
+              </a:rPr>
+              <a:t>수 있음</a:t>
             </a:r>
             <a:endParaRPr lang="ko-KR" altLang="en-US" sz="1600" b="1" dirty="0" smtClean="0">
               <a:solidFill>
@@ -30799,13 +35172,13 @@
   <p:clrMapOvr>
     <a:masterClrMapping/>
   </p:clrMapOvr>
-  <mc:AlternateContent xmlns:mc="http://schemas.openxmlformats.org/markup-compatibility/2006">
-    <mc:Choice xmlns:p14="http://schemas.microsoft.com/office/powerpoint/2010/main" Requires="p14">
+  <mc:AlternateContent xmlns:mc="http://schemas.openxmlformats.org/markup-compatibility/2006" xmlns:p14="http://schemas.microsoft.com/office/powerpoint/2010/main">
+    <mc:Choice Requires="p14">
       <p:transition spd="med" p14:dur="700" advTm="6000">
         <p:fade/>
       </p:transition>
     </mc:Choice>
-    <mc:Fallback>
+    <mc:Fallback xmlns="">
       <p:transition spd="med" advTm="6000">
         <p:fade/>
       </p:transition>
@@ -31072,6 +35445,30 @@
         </a:fontRef>
       </a:style>
     </a:spDef>
+    <a:lnDef>
+      <a:spPr>
+        <a:ln>
+          <a:headEnd type="arrow"/>
+          <a:tailEnd type="arrow"/>
+        </a:ln>
+      </a:spPr>
+      <a:bodyPr/>
+      <a:lstStyle/>
+      <a:style>
+        <a:lnRef idx="2">
+          <a:schemeClr val="accent1"/>
+        </a:lnRef>
+        <a:fillRef idx="0">
+          <a:schemeClr val="accent1"/>
+        </a:fillRef>
+        <a:effectRef idx="1">
+          <a:schemeClr val="accent1"/>
+        </a:effectRef>
+        <a:fontRef idx="minor">
+          <a:schemeClr val="tx1"/>
+        </a:fontRef>
+      </a:style>
+    </a:lnDef>
     <a:txDef>
       <a:spPr/>
       <a:bodyPr wrap="square" lIns="0" tIns="0" rIns="0" bIns="0" anchor="ctr">

--- a/호남-발표자료 - 복사본.pptx
+++ b/호남-발표자료 - 복사본.pptx
@@ -132,7 +132,7 @@
   </p:defaultTextStyle>
   <p:extLst>
     <p:ext uri="{EFAFB233-063F-42B5-8137-9DF3F51BA10A}">
-      <p15:sldGuideLst xmlns:p15="http://schemas.microsoft.com/office/powerpoint/2012/main" xmlns="">
+      <p15:sldGuideLst xmlns="" xmlns:p15="http://schemas.microsoft.com/office/powerpoint/2012/main">
         <p15:guide id="1" orient="horz" pos="1619">
           <p15:clr>
             <a:srgbClr val="A4A3A4"/>
@@ -146,7 +146,7 @@
       </p15:sldGuideLst>
     </p:ext>
     <p:ext uri="{2D200454-40CA-4A62-9FC3-DE9A4176ACB9}">
-      <p15:notesGuideLst xmlns:p15="http://schemas.microsoft.com/office/powerpoint/2012/main" xmlns=""/>
+      <p15:notesGuideLst xmlns="" xmlns:p15="http://schemas.microsoft.com/office/powerpoint/2012/main"/>
     </p:ext>
   </p:extLst>
 </p:presentation>
@@ -3351,7 +3351,7 @@
               <a:pPr lvl="0">
                 <a:defRPr lang="ko-KR" altLang="en-US"/>
               </a:pPr>
-              <a:t>11/21/2020</a:t>
+              <a:t>11/22/2020</a:t>
             </a:fld>
             <a:endParaRPr lang="en-US"/>
           </a:p>
@@ -3534,7 +3534,7 @@
               <a:pPr lvl="0">
                 <a:defRPr lang="ko-KR" altLang="en-US"/>
               </a:pPr>
-              <a:t>11/21/2020</a:t>
+              <a:t>11/22/2020</a:t>
             </a:fld>
             <a:endParaRPr lang="en-US"/>
           </a:p>
@@ -13818,12 +13818,6 @@
               </a:rPr>
               <a:t>카메라영상</a:t>
             </a:r>
-            <a:endParaRPr lang="ko-KR" altLang="en-US" sz="1000" b="1" dirty="0" smtClean="0">
-              <a:solidFill>
-                <a:schemeClr val="tx1"/>
-              </a:solidFill>
-              <a:latin typeface="+mj-lt"/>
-            </a:endParaRPr>
           </a:p>
         </p:txBody>
       </p:sp>
@@ -13864,13 +13858,7 @@
               <a:rPr lang="ko-KR" altLang="en-US" sz="1000" b="1" dirty="0" smtClean="0">
                 <a:latin typeface="+mj-lt"/>
               </a:rPr>
-              <a:t>좌표 </a:t>
-            </a:r>
-            <a:r>
-              <a:rPr lang="ko-KR" altLang="en-US" sz="1000" b="1" dirty="0" smtClean="0">
-                <a:latin typeface="+mj-lt"/>
-              </a:rPr>
-              <a:t>값</a:t>
+              <a:t>좌표 값</a:t>
             </a:r>
             <a:endParaRPr lang="en-US" altLang="ko-KR" sz="1000" b="1" dirty="0" smtClean="0">
               <a:latin typeface="+mj-lt"/>
@@ -14086,20 +14074,7 @@
                 <a:ea typeface="+mn-ea"/>
                 <a:cs typeface="+mn-cs"/>
               </a:rPr>
-              <a:t>데이터 </a:t>
-            </a:r>
-            <a:r>
-              <a:rPr lang="ko-KR" altLang="en-US" sz="2800" dirty="0" smtClean="0">
-                <a:solidFill>
-                  <a:srgbClr val="FFFFFF">
-                    <a:lumMod val="50000"/>
-                  </a:srgbClr>
-                </a:solidFill>
-                <a:latin typeface="+mn-lt"/>
-                <a:ea typeface="+mn-ea"/>
-                <a:cs typeface="+mn-cs"/>
-              </a:rPr>
-              <a:t>흐름도 </a:t>
+              <a:t>데이터 흐름도 </a:t>
             </a:r>
             <a:r>
               <a:rPr lang="en-US" altLang="ko-KR" sz="2800" dirty="0" smtClean="0">
@@ -14310,13 +14285,7 @@
               <a:rPr lang="ko-KR" altLang="en-US" sz="1000" b="1" dirty="0" smtClean="0">
                 <a:latin typeface="+mj-lt"/>
               </a:rPr>
-              <a:t>좌표 </a:t>
-            </a:r>
-            <a:r>
-              <a:rPr lang="ko-KR" altLang="en-US" sz="1000" b="1" dirty="0" smtClean="0">
-                <a:latin typeface="+mj-lt"/>
-              </a:rPr>
-              <a:t>값 </a:t>
+              <a:t>좌표 값 </a:t>
             </a:r>
             <a:endParaRPr lang="en-US" altLang="ko-KR" sz="1000" b="1" dirty="0" smtClean="0">
               <a:latin typeface="+mj-lt"/>
@@ -14333,13 +14302,7 @@
               <a:rPr lang="en-US" altLang="ko-KR" sz="1000" b="1" dirty="0" smtClean="0">
                 <a:latin typeface="+mj-lt"/>
               </a:rPr>
-              <a:t>(</a:t>
-            </a:r>
-            <a:r>
-              <a:rPr lang="en-US" altLang="ko-KR" sz="1000" b="1" dirty="0" smtClean="0">
-                <a:latin typeface="+mj-lt"/>
-              </a:rPr>
-              <a:t>x, y, z)</a:t>
+              <a:t>(x, y, z)</a:t>
             </a:r>
             <a:endParaRPr lang="ko-KR" altLang="en-US" sz="1000" b="1" dirty="0" smtClean="0">
               <a:solidFill>
@@ -14512,12 +14475,6 @@
                 </a:rPr>
                 <a:t>공간 정보</a:t>
               </a:r>
-              <a:endParaRPr lang="ko-KR" altLang="en-US" b="1" dirty="0" smtClean="0">
-                <a:solidFill>
-                  <a:schemeClr val="tx1"/>
-                </a:solidFill>
-                <a:latin typeface="+mj-lt"/>
-              </a:endParaRPr>
             </a:p>
           </p:txBody>
         </p:sp>
@@ -14735,12 +14692,6 @@
               </a:rPr>
               <a:t>원판</a:t>
             </a:r>
-            <a:endParaRPr lang="ko-KR" altLang="en-US" sz="1000" b="1" dirty="0" smtClean="0">
-              <a:solidFill>
-                <a:schemeClr val="tx1"/>
-              </a:solidFill>
-              <a:latin typeface="+mj-lt"/>
-            </a:endParaRPr>
           </a:p>
         </p:txBody>
       </p:sp>
@@ -15026,11 +14977,7 @@
             <a:pPr algn="ctr"/>
             <a:r>
               <a:rPr lang="ko-KR" altLang="en-US" sz="1200" dirty="0" smtClean="0"/>
-              <a:t>물체 </a:t>
-            </a:r>
-            <a:r>
-              <a:rPr lang="ko-KR" altLang="en-US" sz="1200" dirty="0" smtClean="0"/>
-              <a:t>생성 및 원판변경</a:t>
+              <a:t>물체 생성 및 원판변경</a:t>
             </a:r>
             <a:endParaRPr lang="en-US" altLang="ko-KR" sz="1200" dirty="0" smtClean="0"/>
           </a:p>
@@ -15472,20 +15419,7 @@
                 <a:ea typeface="+mn-ea"/>
                 <a:cs typeface="+mn-cs"/>
               </a:rPr>
-              <a:t>데이터 </a:t>
-            </a:r>
-            <a:r>
-              <a:rPr lang="ko-KR" altLang="en-US" sz="2800" dirty="0" smtClean="0">
-                <a:solidFill>
-                  <a:srgbClr val="FFFFFF">
-                    <a:lumMod val="50000"/>
-                  </a:srgbClr>
-                </a:solidFill>
-                <a:latin typeface="+mn-lt"/>
-                <a:ea typeface="+mn-ea"/>
-                <a:cs typeface="+mn-cs"/>
-              </a:rPr>
-              <a:t>흐름도 </a:t>
+              <a:t>데이터 흐름도 </a:t>
             </a:r>
             <a:r>
               <a:rPr lang="en-US" altLang="ko-KR" sz="2800" dirty="0" smtClean="0">
@@ -16637,12 +16571,6 @@
               </a:rPr>
               <a:t> 광선</a:t>
             </a:r>
-            <a:endParaRPr lang="ko-KR" altLang="en-US" sz="1000" b="1" dirty="0" smtClean="0">
-              <a:solidFill>
-                <a:schemeClr val="tx1"/>
-              </a:solidFill>
-              <a:latin typeface="+mj-lt"/>
-            </a:endParaRPr>
           </a:p>
         </p:txBody>
       </p:sp>
@@ -17088,12 +17016,6 @@
               </a:rPr>
               <a:t>원판의 좌표</a:t>
             </a:r>
-            <a:endParaRPr lang="ko-KR" altLang="en-US" sz="1000" b="1" dirty="0" smtClean="0">
-              <a:solidFill>
-                <a:schemeClr val="tx1"/>
-              </a:solidFill>
-              <a:latin typeface="+mj-lt"/>
-            </a:endParaRPr>
           </a:p>
         </p:txBody>
       </p:sp>
@@ -17698,12 +17620,6 @@
               </a:rPr>
               <a:t>위치 좌표</a:t>
             </a:r>
-            <a:endParaRPr lang="ko-KR" altLang="en-US" sz="1000" b="1" dirty="0" smtClean="0">
-              <a:solidFill>
-                <a:schemeClr val="tx1"/>
-              </a:solidFill>
-              <a:latin typeface="+mj-lt"/>
-            </a:endParaRPr>
           </a:p>
         </p:txBody>
       </p:sp>
@@ -18094,12 +18010,6 @@
                 </a:rPr>
                 <a:t>공간 정보</a:t>
               </a:r>
-              <a:endParaRPr lang="ko-KR" altLang="en-US" b="1" dirty="0" smtClean="0">
-                <a:solidFill>
-                  <a:schemeClr val="tx1"/>
-                </a:solidFill>
-                <a:latin typeface="+mj-lt"/>
-              </a:endParaRPr>
             </a:p>
           </p:txBody>
         </p:sp>
@@ -18752,12 +18662,6 @@
               </a:rPr>
               <a:t>터치 이벤트</a:t>
             </a:r>
-            <a:endParaRPr lang="ko-KR" altLang="en-US" sz="1000" b="1" dirty="0" smtClean="0">
-              <a:solidFill>
-                <a:schemeClr val="tx1"/>
-              </a:solidFill>
-              <a:latin typeface="+mj-lt"/>
-            </a:endParaRPr>
           </a:p>
         </p:txBody>
       </p:sp>
@@ -19226,12 +19130,6 @@
                 </a:rPr>
                 <a:t>공간 정보</a:t>
               </a:r>
-              <a:endParaRPr lang="ko-KR" altLang="en-US" b="1" dirty="0" smtClean="0">
-                <a:solidFill>
-                  <a:schemeClr val="tx1"/>
-                </a:solidFill>
-                <a:latin typeface="+mj-lt"/>
-              </a:endParaRPr>
             </a:p>
           </p:txBody>
         </p:sp>
@@ -19850,12 +19748,16 @@
   <p:clrMapOvr>
     <a:masterClrMapping/>
   </p:clrMapOvr>
-  <mc:AlternateContent xmlns:mc="http://schemas.openxmlformats.org/markup-compatibility/2006" xmlns:p14="http://schemas.microsoft.com/office/powerpoint/2010/main">
-    <mc:Choice Requires="p14">
-      <p:transition spd="slow" p14:dur="2000" advTm="3000"/>
+  <mc:AlternateContent xmlns:mc="http://schemas.openxmlformats.org/markup-compatibility/2006">
+    <mc:Choice xmlns:p14="http://schemas.microsoft.com/office/powerpoint/2010/main" Requires="p14">
+      <p:transition spd="med" p14:dur="700" advTm="3000">
+        <p:fade/>
+      </p:transition>
     </mc:Choice>
-    <mc:Fallback xmlns="">
-      <p:transition spd="slow" advTm="3000"/>
+    <mc:Fallback>
+      <p:transition spd="med" advTm="3000">
+        <p:fade/>
+      </p:transition>
     </mc:Fallback>
   </mc:AlternateContent>
   <p:timing>
@@ -29339,12 +29241,16 @@
   <p:clrMapOvr>
     <a:masterClrMapping/>
   </p:clrMapOvr>
-  <mc:AlternateContent xmlns:mc="http://schemas.openxmlformats.org/markup-compatibility/2006" xmlns:p14="http://schemas.microsoft.com/office/powerpoint/2010/main">
-    <mc:Choice Requires="p14">
-      <p:transition spd="slow" p14:dur="2000" advTm="5000"/>
+  <mc:AlternateContent xmlns:mc="http://schemas.openxmlformats.org/markup-compatibility/2006">
+    <mc:Choice xmlns:p14="http://schemas.microsoft.com/office/powerpoint/2010/main" Requires="p14">
+      <p:transition spd="med" p14:dur="700" advTm="5000">
+        <p:fade/>
+      </p:transition>
     </mc:Choice>
-    <mc:Fallback xmlns="">
-      <p:transition spd="slow" advTm="5000"/>
+    <mc:Fallback>
+      <p:transition spd="med" advTm="5000">
+        <p:fade/>
+      </p:transition>
     </mc:Fallback>
   </mc:AlternateContent>
   <p:timing>
@@ -34331,15 +34237,7 @@
                           <a:ea typeface="+mn-ea"/>
                           <a:cs typeface="+mn-cs"/>
                         </a:rPr>
-                        <a:t>받아야 </a:t>
-                      </a:r>
-                      <a:r>
-                        <a:rPr lang="ko-KR" altLang="en-US" sz="1400" dirty="0" smtClean="0">
-                          <a:latin typeface="+mn-lt"/>
-                          <a:ea typeface="+mn-ea"/>
-                          <a:cs typeface="+mn-cs"/>
-                        </a:rPr>
-                        <a:t>함</a:t>
+                        <a:t>받아야 함</a:t>
                       </a:r>
                       <a:r>
                         <a:rPr lang="en-US" altLang="ko-KR" sz="1400" dirty="0" smtClean="0">
@@ -34440,11 +34338,6 @@
                         </a:rPr>
                         <a:t>.</a:t>
                       </a:r>
-                      <a:endParaRPr lang="en-US" altLang="ko-KR" sz="1400" dirty="0" smtClean="0">
-                        <a:latin typeface="+mn-lt"/>
-                        <a:ea typeface="+mn-ea"/>
-                        <a:cs typeface="+mn-cs"/>
-                      </a:endParaRPr>
                     </a:p>
                     <a:p>
                       <a:pPr algn="ctr" latinLnBrk="1">
@@ -34489,15 +34382,7 @@
                           <a:ea typeface="+mn-ea"/>
                           <a:cs typeface="+mn-cs"/>
                         </a:rPr>
-                        <a:t>  로딩시간이 </a:t>
-                      </a:r>
-                      <a:r>
-                        <a:rPr lang="ko-KR" altLang="en-US" sz="1400" dirty="0" smtClean="0">
-                          <a:latin typeface="+mn-lt"/>
-                          <a:ea typeface="+mn-ea"/>
-                          <a:cs typeface="+mn-cs"/>
-                        </a:rPr>
-                        <a:t>긺</a:t>
+                        <a:t>  로딩시간이 긺</a:t>
                       </a:r>
                       <a:endParaRPr lang="ko-KR" altLang="en-US" sz="1400" dirty="0">
                         <a:latin typeface="+mn-lt"/>
@@ -34532,15 +34417,7 @@
                           <a:ea typeface="+mn-ea"/>
                           <a:cs typeface="+mn-cs"/>
                         </a:rPr>
-                        <a:t>물체가 </a:t>
-                      </a:r>
-                      <a:r>
-                        <a:rPr lang="ko-KR" altLang="en-US" sz="1400" dirty="0" smtClean="0">
-                          <a:latin typeface="+mn-lt"/>
-                          <a:ea typeface="+mn-ea"/>
-                          <a:cs typeface="+mn-cs"/>
-                        </a:rPr>
-                        <a:t>적음</a:t>
+                        <a:t>물체가 적음</a:t>
                       </a:r>
                       <a:r>
                         <a:rPr lang="en-US" altLang="ko-KR" sz="1400" dirty="0" smtClean="0">
@@ -35139,19 +35016,7 @@
               <a:rPr lang="ko-KR" altLang="en-US" sz="1600" b="1" dirty="0" smtClean="0">
                 <a:latin typeface="+mj-lt"/>
               </a:rPr>
-              <a:t>모델만 얻으면 쉽게 </a:t>
-            </a:r>
-            <a:r>
-              <a:rPr lang="ko-KR" altLang="en-US" sz="1600" b="1" dirty="0" smtClean="0">
-                <a:latin typeface="+mj-lt"/>
-              </a:rPr>
-              <a:t>단점을 보완할 </a:t>
-            </a:r>
-            <a:r>
-              <a:rPr lang="ko-KR" altLang="en-US" sz="1600" b="1" dirty="0" smtClean="0">
-                <a:latin typeface="+mj-lt"/>
-              </a:rPr>
-              <a:t>수 있음</a:t>
+              <a:t>모델만 얻으면 쉽게 단점을 보완할 수 있음</a:t>
             </a:r>
             <a:endParaRPr lang="ko-KR" altLang="en-US" sz="1600" b="1" dirty="0" smtClean="0">
               <a:solidFill>

--- a/호남-발표자료 - 복사본.pptx
+++ b/호남-발표자료 - 복사본.pptx
@@ -16,12 +16,12 @@
     <p:sldId id="258" r:id="rId4"/>
     <p:sldId id="283" r:id="rId5"/>
     <p:sldId id="259" r:id="rId6"/>
-    <p:sldId id="275" r:id="rId7"/>
-    <p:sldId id="273" r:id="rId8"/>
-    <p:sldId id="276" r:id="rId9"/>
-    <p:sldId id="263" r:id="rId10"/>
-    <p:sldId id="280" r:id="rId11"/>
-    <p:sldId id="266" r:id="rId12"/>
+    <p:sldId id="266" r:id="rId7"/>
+    <p:sldId id="275" r:id="rId8"/>
+    <p:sldId id="273" r:id="rId9"/>
+    <p:sldId id="276" r:id="rId10"/>
+    <p:sldId id="263" r:id="rId11"/>
+    <p:sldId id="280" r:id="rId12"/>
     <p:sldId id="278" r:id="rId13"/>
     <p:sldId id="269" r:id="rId14"/>
     <p:sldId id="268" r:id="rId15"/>
@@ -132,7 +132,7 @@
   </p:defaultTextStyle>
   <p:extLst>
     <p:ext uri="{EFAFB233-063F-42B5-8137-9DF3F51BA10A}">
-      <p15:sldGuideLst xmlns="" xmlns:p15="http://schemas.microsoft.com/office/powerpoint/2012/main">
+      <p15:sldGuideLst xmlns:p15="http://schemas.microsoft.com/office/powerpoint/2012/main" xmlns="">
         <p15:guide id="1" orient="horz" pos="1619">
           <p15:clr>
             <a:srgbClr val="A4A3A4"/>
@@ -146,7 +146,7 @@
       </p15:sldGuideLst>
     </p:ext>
     <p:ext uri="{2D200454-40CA-4A62-9FC3-DE9A4176ACB9}">
-      <p15:notesGuideLst xmlns="" xmlns:p15="http://schemas.microsoft.com/office/powerpoint/2012/main"/>
+      <p15:notesGuideLst xmlns:p15="http://schemas.microsoft.com/office/powerpoint/2012/main" xmlns=""/>
     </p:ext>
   </p:extLst>
 </p:presentation>
@@ -1063,12 +1063,8 @@
         <a:p>
           <a:pPr latinLnBrk="1"/>
           <a:r>
-            <a:rPr lang="en-US" altLang="ko-KR" sz="2400" dirty="0" smtClean="0"/>
-            <a:t>SERVER</a:t>
-          </a:r>
-          <a:r>
             <a:rPr lang="ko-KR" altLang="en-US" sz="2400" dirty="0" smtClean="0"/>
-            <a:t> </a:t>
+            <a:t>서버</a:t>
           </a:r>
           <a:endParaRPr lang="ko-KR" altLang="en-US" sz="2400" dirty="0"/>
         </a:p>
@@ -1693,12 +1689,8 @@
             </a:spcAft>
           </a:pPr>
           <a:r>
-            <a:rPr lang="en-US" altLang="ko-KR" sz="2400" kern="1200" dirty="0" smtClean="0"/>
-            <a:t>SERVER</a:t>
-          </a:r>
-          <a:r>
             <a:rPr lang="ko-KR" altLang="en-US" sz="2400" kern="1200" dirty="0" smtClean="0"/>
-            <a:t> </a:t>
+            <a:t>서버</a:t>
           </a:r>
           <a:endParaRPr lang="ko-KR" altLang="en-US" sz="2400" kern="1200" dirty="0"/>
         </a:p>
@@ -9052,7 +9044,7 @@
       </p:grpSpPr>
       <p:sp>
         <p:nvSpPr>
-          <p:cNvPr id="4" name="제목 3"/>
+          <p:cNvPr id="5" name="Title 3"/>
           <p:cNvSpPr>
             <a:spLocks noGrp="1"/>
           </p:cNvSpPr>
@@ -9062,933 +9054,396 @@
         </p:nvSpPr>
         <p:spPr>
           <a:xfrm>
-            <a:off x="337413" y="341711"/>
-            <a:ext cx="8368363" cy="495383"/>
+            <a:off x="1295400" y="285750"/>
+            <a:ext cx="5548963" cy="495383"/>
           </a:xfrm>
         </p:spPr>
         <p:txBody>
           <a:bodyPr/>
           <a:lstStyle/>
           <a:p>
-            <a:pPr lvl="0">
+            <a:pPr algn="l">
               <a:defRPr lang="ko-KR" altLang="en-US"/>
             </a:pPr>
             <a:r>
-              <a:rPr lang="ko-KR" altLang="en-US" b="1" dirty="0"/>
-              <a:t>사용한 라이브러리</a:t>
-            </a:r>
+              <a:rPr lang="ko-KR" altLang="en-US" dirty="0" smtClean="0"/>
+              <a:t>단점 방안</a:t>
+            </a:r>
+            <a:endParaRPr lang="en-US" dirty="0"/>
           </a:p>
         </p:txBody>
       </p:sp>
+      <p:grpSp>
+        <p:nvGrpSpPr>
+          <p:cNvPr id="6" name="Group 5"/>
+          <p:cNvGrpSpPr/>
+          <p:nvPr/>
+        </p:nvGrpSpPr>
+        <p:grpSpPr>
+          <a:xfrm>
+            <a:off x="-12467" y="840674"/>
+            <a:ext cx="7386538" cy="211899"/>
+            <a:chOff x="0" y="2852400"/>
+            <a:chExt cx="7386538" cy="211899"/>
+          </a:xfrm>
+          <a:solidFill>
+            <a:schemeClr val="accent2"/>
+          </a:solidFill>
+        </p:grpSpPr>
+        <p:sp>
+          <p:nvSpPr>
+            <p:cNvPr id="8" name="Freeform 29"/>
+            <p:cNvSpPr/>
+            <p:nvPr/>
+          </p:nvSpPr>
+          <p:spPr>
+            <a:xfrm>
+              <a:off x="6306768" y="2852400"/>
+              <a:ext cx="1079770" cy="211899"/>
+            </a:xfrm>
+            <a:custGeom>
+              <a:avLst/>
+              <a:gdLst>
+                <a:gd name="connsiteX0" fmla="*/ 0 w 7238044"/>
+                <a:gd name="connsiteY0" fmla="*/ 0 h 1420425"/>
+                <a:gd name="connsiteX1" fmla="*/ 1841770 w 7238044"/>
+                <a:gd name="connsiteY1" fmla="*/ 0 h 1420425"/>
+                <a:gd name="connsiteX2" fmla="*/ 5396274 w 7238044"/>
+                <a:gd name="connsiteY2" fmla="*/ 0 h 1420425"/>
+                <a:gd name="connsiteX3" fmla="*/ 7238044 w 7238044"/>
+                <a:gd name="connsiteY3" fmla="*/ 0 h 1420425"/>
+                <a:gd name="connsiteX4" fmla="*/ 6575004 w 7238044"/>
+                <a:gd name="connsiteY4" fmla="*/ 1420425 h 1420425"/>
+                <a:gd name="connsiteX5" fmla="*/ 4733234 w 7238044"/>
+                <a:gd name="connsiteY5" fmla="*/ 1420425 h 1420425"/>
+                <a:gd name="connsiteX6" fmla="*/ 1841770 w 7238044"/>
+                <a:gd name="connsiteY6" fmla="*/ 1420425 h 1420425"/>
+                <a:gd name="connsiteX7" fmla="*/ 0 w 7238044"/>
+                <a:gd name="connsiteY7" fmla="*/ 1420425 h 1420425"/>
+              </a:gdLst>
+              <a:ahLst/>
+              <a:cxnLst>
+                <a:cxn ang="0">
+                  <a:pos x="connsiteX0" y="connsiteY0"/>
+                </a:cxn>
+                <a:cxn ang="0">
+                  <a:pos x="connsiteX1" y="connsiteY1"/>
+                </a:cxn>
+                <a:cxn ang="0">
+                  <a:pos x="connsiteX2" y="connsiteY2"/>
+                </a:cxn>
+                <a:cxn ang="0">
+                  <a:pos x="connsiteX3" y="connsiteY3"/>
+                </a:cxn>
+                <a:cxn ang="0">
+                  <a:pos x="connsiteX4" y="connsiteY4"/>
+                </a:cxn>
+                <a:cxn ang="0">
+                  <a:pos x="connsiteX5" y="connsiteY5"/>
+                </a:cxn>
+                <a:cxn ang="0">
+                  <a:pos x="connsiteX6" y="connsiteY6"/>
+                </a:cxn>
+                <a:cxn ang="0">
+                  <a:pos x="connsiteX7" y="connsiteY7"/>
+                </a:cxn>
+              </a:cxnLst>
+              <a:rect l="l" t="t" r="r" b="b"/>
+              <a:pathLst>
+                <a:path w="7238044" h="1420425">
+                  <a:moveTo>
+                    <a:pt x="0" y="0"/>
+                  </a:moveTo>
+                  <a:lnTo>
+                    <a:pt x="1841770" y="0"/>
+                  </a:lnTo>
+                  <a:lnTo>
+                    <a:pt x="5396274" y="0"/>
+                  </a:lnTo>
+                  <a:lnTo>
+                    <a:pt x="7238044" y="0"/>
+                  </a:lnTo>
+                  <a:lnTo>
+                    <a:pt x="6575004" y="1420425"/>
+                  </a:lnTo>
+                  <a:lnTo>
+                    <a:pt x="4733234" y="1420425"/>
+                  </a:lnTo>
+                  <a:lnTo>
+                    <a:pt x="1841770" y="1420425"/>
+                  </a:lnTo>
+                  <a:lnTo>
+                    <a:pt x="0" y="1420425"/>
+                  </a:lnTo>
+                  <a:close/>
+                </a:path>
+              </a:pathLst>
+            </a:custGeom>
+            <a:grpFill/>
+            <a:ln w="9525">
+              <a:noFill/>
+              <a:round/>
+            </a:ln>
+          </p:spPr>
+          <p:txBody>
+            <a:bodyPr vert="horz" wrap="square" lIns="91440" tIns="45720" rIns="91440" bIns="45720" anchor="t" anchorCtr="0"/>
+            <a:lstStyle/>
+            <a:p>
+              <a:pPr algn="ctr">
+                <a:defRPr lang="ko-KR" altLang="en-US"/>
+              </a:pPr>
+              <a:endParaRPr lang="en-US">
+                <a:latin typeface="+mn-lt"/>
+                <a:ea typeface="+mn-ea"/>
+                <a:cs typeface="+mn-cs"/>
+              </a:endParaRPr>
+            </a:p>
+          </p:txBody>
+        </p:sp>
+        <p:sp>
+          <p:nvSpPr>
+            <p:cNvPr id="9" name="Rectangle 30"/>
+            <p:cNvSpPr/>
+            <p:nvPr/>
+          </p:nvSpPr>
+          <p:spPr>
+            <a:xfrm>
+              <a:off x="0" y="2852400"/>
+              <a:ext cx="6334330" cy="211899"/>
+            </a:xfrm>
+            <a:prstGeom prst="rect">
+              <a:avLst/>
+            </a:prstGeom>
+            <a:grpFill/>
+            <a:ln w="9525">
+              <a:noFill/>
+              <a:round/>
+            </a:ln>
+          </p:spPr>
+          <p:txBody>
+            <a:bodyPr vert="horz" wrap="square" lIns="91440" tIns="45720" rIns="91440" bIns="45720" anchor="t" anchorCtr="0"/>
+            <a:lstStyle/>
+            <a:p>
+              <a:pPr algn="ctr">
+                <a:defRPr lang="ko-KR" altLang="en-US"/>
+              </a:pPr>
+              <a:endParaRPr lang="en-US">
+                <a:latin typeface="+mn-lt"/>
+                <a:ea typeface="+mn-ea"/>
+                <a:cs typeface="+mn-cs"/>
+              </a:endParaRPr>
+            </a:p>
+          </p:txBody>
+        </p:sp>
+      </p:grpSp>
+      <p:grpSp>
+        <p:nvGrpSpPr>
+          <p:cNvPr id="2" name="그룹 1"/>
+          <p:cNvGrpSpPr/>
+          <p:nvPr/>
+        </p:nvGrpSpPr>
+        <p:grpSpPr>
+          <a:xfrm>
+            <a:off x="1295400" y="2823778"/>
+            <a:ext cx="6427830" cy="1661877"/>
+            <a:chOff x="701334" y="2150702"/>
+            <a:chExt cx="8066248" cy="2298949"/>
+          </a:xfrm>
+        </p:grpSpPr>
+        <p:pic>
+          <p:nvPicPr>
+            <p:cNvPr id="1026" name="Picture 2" descr="알고 실천하자! 악수의 예절 : 네이버 블로그"/>
+            <p:cNvPicPr>
+              <a:picLocks noChangeAspect="1" noChangeArrowheads="1"/>
+            </p:cNvPicPr>
+            <p:nvPr/>
+          </p:nvPicPr>
+          <p:blipFill>
+            <a:blip r:embed="rId2">
+              <a:extLst>
+                <a:ext uri="{28A0092B-C50C-407E-A947-70E740481C1C}">
+                  <a14:useLocalDpi xmlns:a14="http://schemas.microsoft.com/office/drawing/2010/main" val="0"/>
+                </a:ext>
+              </a:extLst>
+            </a:blip>
+            <a:srcRect/>
+            <a:stretch>
+              <a:fillRect/>
+            </a:stretch>
+          </p:blipFill>
+          <p:spPr bwMode="auto">
+            <a:xfrm>
+              <a:off x="2193456" y="2430350"/>
+              <a:ext cx="3752850" cy="2019301"/>
+            </a:xfrm>
+            <a:prstGeom prst="rect">
+              <a:avLst/>
+            </a:prstGeom>
+            <a:noFill/>
+            <a:extLst>
+              <a:ext uri="{909E8E84-426E-40DD-AFC4-6F175D3DCCD1}">
+                <a14:hiddenFill xmlns:a14="http://schemas.microsoft.com/office/drawing/2010/main">
+                  <a:solidFill>
+                    <a:srgbClr val="FFFFFF"/>
+                  </a:solidFill>
+                </a14:hiddenFill>
+              </a:ext>
+            </a:extLst>
+          </p:spPr>
+        </p:pic>
+        <p:pic>
+          <p:nvPicPr>
+            <p:cNvPr id="1030" name="Picture 6" descr="기업 작명 스토리]① 가구업체들의 다양한 이름…그 비밀은? - 이뉴스투데이"/>
+            <p:cNvPicPr>
+              <a:picLocks noChangeAspect="1" noChangeArrowheads="1"/>
+            </p:cNvPicPr>
+            <p:nvPr/>
+          </p:nvPicPr>
+          <p:blipFill>
+            <a:blip r:embed="rId3" cstate="print">
+              <a:extLst>
+                <a:ext uri="{28A0092B-C50C-407E-A947-70E740481C1C}">
+                  <a14:useLocalDpi xmlns:a14="http://schemas.microsoft.com/office/drawing/2010/main" val="0"/>
+                </a:ext>
+              </a:extLst>
+            </a:blip>
+            <a:srcRect/>
+            <a:stretch>
+              <a:fillRect/>
+            </a:stretch>
+          </p:blipFill>
+          <p:spPr bwMode="auto">
+            <a:xfrm>
+              <a:off x="5980560" y="2528032"/>
+              <a:ext cx="2787022" cy="1300299"/>
+            </a:xfrm>
+            <a:prstGeom prst="rect">
+              <a:avLst/>
+            </a:prstGeom>
+            <a:noFill/>
+            <a:extLst>
+              <a:ext uri="{909E8E84-426E-40DD-AFC4-6F175D3DCCD1}">
+                <a14:hiddenFill xmlns:a14="http://schemas.microsoft.com/office/drawing/2010/main">
+                  <a:solidFill>
+                    <a:srgbClr val="FFFFFF"/>
+                  </a:solidFill>
+                </a14:hiddenFill>
+              </a:ext>
+            </a:extLst>
+          </p:spPr>
+        </p:pic>
+        <p:pic>
+          <p:nvPicPr>
+            <p:cNvPr id="1032" name="Picture 8" descr="호남대학교 로고"/>
+            <p:cNvPicPr>
+              <a:picLocks noChangeAspect="1" noChangeArrowheads="1"/>
+            </p:cNvPicPr>
+            <p:nvPr/>
+          </p:nvPicPr>
+          <p:blipFill rotWithShape="1">
+            <a:blip r:embed="rId4">
+              <a:extLst>
+                <a:ext uri="{28A0092B-C50C-407E-A947-70E740481C1C}">
+                  <a14:useLocalDpi xmlns:a14="http://schemas.microsoft.com/office/drawing/2010/main" val="0"/>
+                </a:ext>
+              </a:extLst>
+            </a:blip>
+            <a:srcRect l="38813" t="718" r="36687" b="-718"/>
+            <a:stretch/>
+          </p:blipFill>
+          <p:spPr bwMode="auto">
+            <a:xfrm>
+              <a:off x="701334" y="2150702"/>
+              <a:ext cx="1188132" cy="2054958"/>
+            </a:xfrm>
+            <a:prstGeom prst="rect">
+              <a:avLst/>
+            </a:prstGeom>
+            <a:noFill/>
+            <a:extLst>
+              <a:ext uri="{909E8E84-426E-40DD-AFC4-6F175D3DCCD1}">
+                <a14:hiddenFill xmlns:a14="http://schemas.microsoft.com/office/drawing/2010/main">
+                  <a:solidFill>
+                    <a:srgbClr val="FFFFFF"/>
+                  </a:solidFill>
+                </a14:hiddenFill>
+              </a:ext>
+            </a:extLst>
+          </p:spPr>
+        </p:pic>
+      </p:grpSp>
       <p:sp>
         <p:nvSpPr>
-          <p:cNvPr id="3" name="텍스트 개체 틀 2"/>
-          <p:cNvSpPr>
-            <a:spLocks noGrp="1"/>
-          </p:cNvSpPr>
-          <p:nvPr>
-            <p:ph type="body" sz="half" idx="2"/>
-          </p:nvPr>
-        </p:nvSpPr>
-        <p:spPr>
-          <a:xfrm>
-            <a:off x="139003" y="889397"/>
-            <a:ext cx="8368363" cy="173255"/>
-          </a:xfrm>
-        </p:spPr>
-        <p:txBody>
-          <a:bodyPr/>
-          <a:lstStyle/>
-          <a:p>
-            <a:pPr lvl="0">
-              <a:defRPr lang="ko-KR" altLang="en-US"/>
-            </a:pPr>
-            <a:r>
-              <a:rPr lang="en-US" altLang="ko-KR" b="1" dirty="0" err="1"/>
-              <a:t>WebXR</a:t>
-            </a:r>
-            <a:r>
-              <a:rPr lang="en-US" altLang="ko-KR" b="1" dirty="0"/>
-              <a:t> Device API </a:t>
-            </a:r>
-            <a:r>
-              <a:rPr lang="en-US" altLang="ko-KR" b="1" dirty="0" smtClean="0"/>
-              <a:t>		</a:t>
-            </a:r>
-            <a:r>
-              <a:rPr lang="en-US" altLang="ko-KR" b="1" dirty="0"/>
-              <a:t>	Three.js	</a:t>
-            </a:r>
-            <a:r>
-              <a:rPr lang="en-US" altLang="ko-KR" b="1" dirty="0" smtClean="0"/>
-              <a:t>	</a:t>
-            </a:r>
-            <a:r>
-              <a:rPr lang="en-US" altLang="ko-KR" b="1" dirty="0"/>
-              <a:t>	dat.gui.js</a:t>
-            </a:r>
-            <a:endParaRPr lang="ko-KR" altLang="en-US" b="1" dirty="0"/>
-          </a:p>
-        </p:txBody>
-      </p:sp>
-      <p:sp>
-        <p:nvSpPr>
-          <p:cNvPr id="8" name="Rectangle 5"/>
-          <p:cNvSpPr/>
-          <p:nvPr/>
-        </p:nvSpPr>
-        <p:spPr>
-          <a:xfrm>
-            <a:off x="0" y="3028950"/>
-            <a:ext cx="9144000" cy="2114550"/>
-          </a:xfrm>
-          <a:prstGeom prst="rect">
-            <a:avLst/>
-          </a:prstGeom>
-          <a:solidFill>
-            <a:srgbClr val="3F4C55"/>
-          </a:solidFill>
-          <a:ln w="9525">
-            <a:noFill/>
-            <a:round/>
-          </a:ln>
-        </p:spPr>
-        <p:txBody>
-          <a:bodyPr vert="horz" wrap="square" lIns="91440" tIns="45720" rIns="91440" bIns="45720" anchor="ctr" anchorCtr="0"/>
-          <a:lstStyle/>
-          <a:p>
-            <a:pPr algn="ctr">
-              <a:defRPr lang="ko-KR" altLang="en-US"/>
-            </a:pPr>
-            <a:endParaRPr lang="en-US">
-              <a:solidFill>
-                <a:schemeClr val="bg1"/>
-              </a:solidFill>
-              <a:latin typeface="+mn-lt"/>
-              <a:ea typeface="+mn-ea"/>
-              <a:cs typeface="+mn-cs"/>
-            </a:endParaRPr>
-          </a:p>
-        </p:txBody>
-      </p:sp>
-      <p:sp>
-        <p:nvSpPr>
-          <p:cNvPr id="9" name="Inhaltsplatzhalter 4"/>
+          <p:cNvPr id="4" name="TextBox 3"/>
           <p:cNvSpPr txBox="1"/>
           <p:nvPr/>
         </p:nvSpPr>
         <p:spPr>
           <a:xfrm>
-            <a:off x="762000" y="3324225"/>
-            <a:ext cx="1573219" cy="1015612"/>
+            <a:off x="647564" y="1669919"/>
+            <a:ext cx="5112568" cy="738664"/>
           </a:xfrm>
           <a:prstGeom prst="rect">
             <a:avLst/>
           </a:prstGeom>
         </p:spPr>
         <p:txBody>
-          <a:bodyPr wrap="square" lIns="0" tIns="0" rIns="0" bIns="0" anchor="ctr">
+          <a:bodyPr wrap="square" lIns="0" tIns="0" rIns="0" bIns="0" rtlCol="0" anchor="ctr">
             <a:spAutoFit/>
           </a:bodyPr>
-          <a:lstStyle>
-            <a:lvl1pPr marL="272967" indent="-272967" algn="l" defTabSz="914127" rtl="0" eaLnBrk="1" latinLnBrk="0" hangingPunct="1">
-              <a:lnSpc>
-                <a:spcPct val="90000"/>
-              </a:lnSpc>
-              <a:spcBef>
-                <a:spcPts val="0"/>
-              </a:spcBef>
-              <a:spcAft>
-                <a:spcPts val="1000"/>
-              </a:spcAft>
-              <a:buFont typeface="Wingdings"/>
-              <a:buChar char="§"/>
-              <a:defRPr sz="2300" kern="1200">
-                <a:solidFill>
-                  <a:schemeClr val="bg1"/>
-                </a:solidFill>
-                <a:latin typeface="Calibri Light"/>
-                <a:ea typeface="+mn-ea"/>
-                <a:cs typeface="+mn-cs"/>
-              </a:defRPr>
-            </a:lvl1pPr>
-            <a:lvl2pPr marL="807798" indent="-272967" algn="l" defTabSz="914127" rtl="0" eaLnBrk="1" latinLnBrk="0" hangingPunct="1">
-              <a:lnSpc>
-                <a:spcPct val="90000"/>
-              </a:lnSpc>
-              <a:spcBef>
-                <a:spcPts val="0"/>
-              </a:spcBef>
-              <a:spcAft>
-                <a:spcPts val="1000"/>
-              </a:spcAft>
-              <a:buFont typeface="Symbol"/>
-              <a:buChar char="-"/>
-              <a:defRPr sz="2000" kern="1200">
-                <a:solidFill>
-                  <a:schemeClr val="bg1"/>
-                </a:solidFill>
-                <a:latin typeface="Calibri Light"/>
-                <a:ea typeface="+mn-ea"/>
-                <a:cs typeface="+mn-cs"/>
-              </a:defRPr>
-            </a:lvl2pPr>
-            <a:lvl3pPr marL="1080764" indent="-177748" algn="l" defTabSz="914127" rtl="0" eaLnBrk="1" latinLnBrk="0" hangingPunct="1">
-              <a:lnSpc>
-                <a:spcPct val="90000"/>
-              </a:lnSpc>
-              <a:spcBef>
-                <a:spcPts val="0"/>
-              </a:spcBef>
-              <a:spcAft>
-                <a:spcPts val="1000"/>
-              </a:spcAft>
-              <a:buFont typeface="Symbol"/>
-              <a:buChar char="-"/>
-              <a:defRPr sz="1900" kern="1200">
-                <a:solidFill>
-                  <a:schemeClr val="bg1"/>
-                </a:solidFill>
-                <a:latin typeface="Calibri Light"/>
-                <a:ea typeface="+mn-ea"/>
-                <a:cs typeface="+mn-cs"/>
-              </a:defRPr>
-            </a:lvl3pPr>
-            <a:lvl4pPr marL="1436256" indent="-177748" algn="l" defTabSz="914127" rtl="0" eaLnBrk="1" latinLnBrk="0" hangingPunct="1">
-              <a:lnSpc>
-                <a:spcPct val="90000"/>
-              </a:lnSpc>
-              <a:spcBef>
-                <a:spcPts val="0"/>
-              </a:spcBef>
-              <a:spcAft>
-                <a:spcPts val="1000"/>
-              </a:spcAft>
-              <a:buFont typeface="Symbol"/>
-              <a:buChar char="-"/>
-              <a:defRPr sz="1600" kern="1200">
-                <a:solidFill>
-                  <a:schemeClr val="bg1"/>
-                </a:solidFill>
-                <a:latin typeface="Calibri Light"/>
-                <a:ea typeface="+mn-ea"/>
-                <a:cs typeface="+mn-cs"/>
-              </a:defRPr>
-            </a:lvl4pPr>
-            <a:lvl5pPr marL="1793335" indent="-179335" algn="l" defTabSz="914127" rtl="0" eaLnBrk="1" latinLnBrk="0" hangingPunct="1">
-              <a:lnSpc>
-                <a:spcPct val="90000"/>
-              </a:lnSpc>
-              <a:spcBef>
-                <a:spcPts val="0"/>
-              </a:spcBef>
-              <a:spcAft>
-                <a:spcPts val="1000"/>
-              </a:spcAft>
-              <a:buFont typeface="Symbol"/>
-              <a:buChar char="-"/>
-              <a:defRPr sz="1600" kern="1200">
-                <a:solidFill>
-                  <a:schemeClr val="bg1"/>
-                </a:solidFill>
-                <a:latin typeface="Calibri Light"/>
-                <a:ea typeface="+mn-ea"/>
-                <a:cs typeface="+mn-cs"/>
-              </a:defRPr>
-            </a:lvl5pPr>
-            <a:lvl6pPr marL="2513847" indent="-228532" algn="l" defTabSz="914127" rtl="0" eaLnBrk="1" latinLnBrk="0" hangingPunct="1">
-              <a:spcBef>
-                <a:spcPct val="20000"/>
-              </a:spcBef>
-              <a:buFont typeface="Arial"/>
-              <a:buChar char="•"/>
-              <a:defRPr sz="2000" kern="1200">
-                <a:solidFill>
-                  <a:schemeClr val="tx1"/>
-                </a:solidFill>
-                <a:latin typeface="+mn-lt"/>
-                <a:ea typeface="+mn-ea"/>
-                <a:cs typeface="+mn-cs"/>
-              </a:defRPr>
-            </a:lvl6pPr>
-            <a:lvl7pPr marL="2970910" indent="-228532" algn="l" defTabSz="914127" rtl="0" eaLnBrk="1" latinLnBrk="0" hangingPunct="1">
-              <a:spcBef>
-                <a:spcPct val="20000"/>
-              </a:spcBef>
-              <a:buFont typeface="Arial"/>
-              <a:buChar char="•"/>
-              <a:defRPr sz="2000" kern="1200">
-                <a:solidFill>
-                  <a:schemeClr val="tx1"/>
-                </a:solidFill>
-                <a:latin typeface="+mn-lt"/>
-                <a:ea typeface="+mn-ea"/>
-                <a:cs typeface="+mn-cs"/>
-              </a:defRPr>
-            </a:lvl7pPr>
-            <a:lvl8pPr marL="3427972" indent="-228532" algn="l" defTabSz="914127" rtl="0" eaLnBrk="1" latinLnBrk="0" hangingPunct="1">
-              <a:spcBef>
-                <a:spcPct val="20000"/>
-              </a:spcBef>
-              <a:buFont typeface="Arial"/>
-              <a:buChar char="•"/>
-              <a:defRPr sz="2000" kern="1200">
-                <a:solidFill>
-                  <a:schemeClr val="tx1"/>
-                </a:solidFill>
-                <a:latin typeface="+mn-lt"/>
-                <a:ea typeface="+mn-ea"/>
-                <a:cs typeface="+mn-cs"/>
-              </a:defRPr>
-            </a:lvl8pPr>
-            <a:lvl9pPr marL="3885034" indent="-228532" algn="l" defTabSz="914127" rtl="0" eaLnBrk="1" latinLnBrk="0" hangingPunct="1">
-              <a:spcBef>
-                <a:spcPct val="20000"/>
-              </a:spcBef>
-              <a:buFont typeface="Arial"/>
-              <a:buChar char="•"/>
-              <a:defRPr sz="2000" kern="1200">
-                <a:solidFill>
-                  <a:schemeClr val="tx1"/>
-                </a:solidFill>
-                <a:latin typeface="+mn-lt"/>
-                <a:ea typeface="+mn-ea"/>
-                <a:cs typeface="+mn-cs"/>
-              </a:defRPr>
-            </a:lvl9pPr>
-          </a:lstStyle>
+          <a:lstStyle/>
           <a:p>
             <a:pPr marL="0" indent="0">
               <a:lnSpc>
                 <a:spcPct val="150000"/>
               </a:lnSpc>
               <a:buNone/>
-              <a:defRPr lang="ko-KR" altLang="en-US"/>
             </a:pPr>
             <a:r>
-              <a:rPr lang="en-US" altLang="ko-KR" sz="1400" b="1" dirty="0" err="1">
+              <a:rPr lang="ko-KR" altLang="en-US" sz="1600" b="1" dirty="0" smtClean="0">
                 <a:latin typeface="+mj-lt"/>
               </a:rPr>
-              <a:t>WebXR</a:t>
-            </a:r>
-            <a:r>
-              <a:rPr lang="en-US" altLang="ko-KR" sz="1400" b="1" dirty="0">
+              <a:t>가구가 매우 적다는 단점은 다른 가구 업체와 계약을 해서 </a:t>
+            </a:r>
+            <a:r>
+              <a:rPr lang="en-US" altLang="ko-KR" sz="1600" b="1" dirty="0" smtClean="0">
                 <a:latin typeface="+mj-lt"/>
               </a:rPr>
-              <a:t> API  #01</a:t>
-            </a:r>
-            <a:r>
-              <a:rPr lang="en-US" sz="1400" b="1" dirty="0">
+              <a:t>3D </a:t>
+            </a:r>
+            <a:r>
+              <a:rPr lang="ko-KR" altLang="en-US" sz="1600" b="1" dirty="0" smtClean="0">
                 <a:latin typeface="+mj-lt"/>
               </a:rPr>
-              <a:t/>
-            </a:r>
-            <a:br>
-              <a:rPr lang="en-US" sz="1400" b="1" dirty="0">
-                <a:latin typeface="+mj-lt"/>
-              </a:rPr>
-            </a:br>
-            <a:r>
-              <a:rPr lang="ko-KR" altLang="en-US" sz="1000" dirty="0">
-                <a:latin typeface="+mj-lt"/>
-              </a:rPr>
-              <a:t>웹 페이지에서 </a:t>
-            </a:r>
-            <a:r>
-              <a:rPr lang="en-US" altLang="ko-KR" sz="1000" dirty="0">
-                <a:latin typeface="+mj-lt"/>
-              </a:rPr>
-              <a:t>VR, AR</a:t>
-            </a:r>
-            <a:r>
-              <a:rPr lang="ko-KR" altLang="en-US" sz="1000" dirty="0">
-                <a:latin typeface="+mj-lt"/>
-              </a:rPr>
-              <a:t>을 사용할 수 있게 해주는     </a:t>
-            </a:r>
-            <a:r>
-              <a:rPr lang="ko-KR" altLang="en-US" sz="1000" dirty="0" smtClean="0">
-                <a:latin typeface="+mj-lt"/>
-              </a:rPr>
-              <a:t>   웹 </a:t>
-            </a:r>
-            <a:r>
-              <a:rPr lang="ko-KR" altLang="en-US" sz="1000" dirty="0">
-                <a:latin typeface="+mj-lt"/>
-              </a:rPr>
-              <a:t>표준 그룹</a:t>
-            </a:r>
-            <a:endParaRPr lang="en-US" sz="1050" dirty="0">
+              <a:t>모델만 얻으면 쉽게 단점을 보완할 수 있음</a:t>
+            </a:r>
+            <a:endParaRPr lang="ko-KR" altLang="en-US" sz="1600" b="1" dirty="0" smtClean="0">
+              <a:solidFill>
+                <a:schemeClr val="tx1"/>
+              </a:solidFill>
               <a:latin typeface="+mj-lt"/>
             </a:endParaRPr>
           </a:p>
         </p:txBody>
       </p:sp>
-      <p:sp>
-        <p:nvSpPr>
-          <p:cNvPr id="10" name="Inhaltsplatzhalter 4"/>
-          <p:cNvSpPr txBox="1"/>
-          <p:nvPr/>
-        </p:nvSpPr>
-        <p:spPr>
-          <a:xfrm>
-            <a:off x="3785390" y="3324225"/>
-            <a:ext cx="1472410" cy="1015615"/>
-          </a:xfrm>
-          <a:prstGeom prst="rect">
-            <a:avLst/>
-          </a:prstGeom>
-        </p:spPr>
-        <p:txBody>
-          <a:bodyPr wrap="square" lIns="0" tIns="0" rIns="0" bIns="0" anchor="ctr">
-            <a:spAutoFit/>
-          </a:bodyPr>
-          <a:lstStyle>
-            <a:lvl1pPr marL="272967" indent="-272967" algn="l" defTabSz="914127" rtl="0" eaLnBrk="1" latinLnBrk="0" hangingPunct="1">
-              <a:lnSpc>
-                <a:spcPct val="90000"/>
-              </a:lnSpc>
-              <a:spcBef>
-                <a:spcPts val="0"/>
-              </a:spcBef>
-              <a:spcAft>
-                <a:spcPts val="1000"/>
-              </a:spcAft>
-              <a:buFont typeface="Wingdings"/>
-              <a:buChar char="§"/>
-              <a:defRPr sz="2300" kern="1200">
-                <a:solidFill>
-                  <a:schemeClr val="bg1"/>
-                </a:solidFill>
-                <a:latin typeface="Calibri Light"/>
-                <a:ea typeface="+mn-ea"/>
-                <a:cs typeface="+mn-cs"/>
-              </a:defRPr>
-            </a:lvl1pPr>
-            <a:lvl2pPr marL="807798" indent="-272967" algn="l" defTabSz="914127" rtl="0" eaLnBrk="1" latinLnBrk="0" hangingPunct="1">
-              <a:lnSpc>
-                <a:spcPct val="90000"/>
-              </a:lnSpc>
-              <a:spcBef>
-                <a:spcPts val="0"/>
-              </a:spcBef>
-              <a:spcAft>
-                <a:spcPts val="1000"/>
-              </a:spcAft>
-              <a:buFont typeface="Symbol"/>
-              <a:buChar char="-"/>
-              <a:defRPr sz="2000" kern="1200">
-                <a:solidFill>
-                  <a:schemeClr val="bg1"/>
-                </a:solidFill>
-                <a:latin typeface="Calibri Light"/>
-                <a:ea typeface="+mn-ea"/>
-                <a:cs typeface="+mn-cs"/>
-              </a:defRPr>
-            </a:lvl2pPr>
-            <a:lvl3pPr marL="1080764" indent="-177748" algn="l" defTabSz="914127" rtl="0" eaLnBrk="1" latinLnBrk="0" hangingPunct="1">
-              <a:lnSpc>
-                <a:spcPct val="90000"/>
-              </a:lnSpc>
-              <a:spcBef>
-                <a:spcPts val="0"/>
-              </a:spcBef>
-              <a:spcAft>
-                <a:spcPts val="1000"/>
-              </a:spcAft>
-              <a:buFont typeface="Symbol"/>
-              <a:buChar char="-"/>
-              <a:defRPr sz="1900" kern="1200">
-                <a:solidFill>
-                  <a:schemeClr val="bg1"/>
-                </a:solidFill>
-                <a:latin typeface="Calibri Light"/>
-                <a:ea typeface="+mn-ea"/>
-                <a:cs typeface="+mn-cs"/>
-              </a:defRPr>
-            </a:lvl3pPr>
-            <a:lvl4pPr marL="1436256" indent="-177748" algn="l" defTabSz="914127" rtl="0" eaLnBrk="1" latinLnBrk="0" hangingPunct="1">
-              <a:lnSpc>
-                <a:spcPct val="90000"/>
-              </a:lnSpc>
-              <a:spcBef>
-                <a:spcPts val="0"/>
-              </a:spcBef>
-              <a:spcAft>
-                <a:spcPts val="1000"/>
-              </a:spcAft>
-              <a:buFont typeface="Symbol"/>
-              <a:buChar char="-"/>
-              <a:defRPr sz="1600" kern="1200">
-                <a:solidFill>
-                  <a:schemeClr val="bg1"/>
-                </a:solidFill>
-                <a:latin typeface="Calibri Light"/>
-                <a:ea typeface="+mn-ea"/>
-                <a:cs typeface="+mn-cs"/>
-              </a:defRPr>
-            </a:lvl4pPr>
-            <a:lvl5pPr marL="1793335" indent="-179335" algn="l" defTabSz="914127" rtl="0" eaLnBrk="1" latinLnBrk="0" hangingPunct="1">
-              <a:lnSpc>
-                <a:spcPct val="90000"/>
-              </a:lnSpc>
-              <a:spcBef>
-                <a:spcPts val="0"/>
-              </a:spcBef>
-              <a:spcAft>
-                <a:spcPts val="1000"/>
-              </a:spcAft>
-              <a:buFont typeface="Symbol"/>
-              <a:buChar char="-"/>
-              <a:defRPr sz="1600" kern="1200">
-                <a:solidFill>
-                  <a:schemeClr val="bg1"/>
-                </a:solidFill>
-                <a:latin typeface="Calibri Light"/>
-                <a:ea typeface="+mn-ea"/>
-                <a:cs typeface="+mn-cs"/>
-              </a:defRPr>
-            </a:lvl5pPr>
-            <a:lvl6pPr marL="2513847" indent="-228532" algn="l" defTabSz="914127" rtl="0" eaLnBrk="1" latinLnBrk="0" hangingPunct="1">
-              <a:spcBef>
-                <a:spcPct val="20000"/>
-              </a:spcBef>
-              <a:buFont typeface="Arial"/>
-              <a:buChar char="•"/>
-              <a:defRPr sz="2000" kern="1200">
-                <a:solidFill>
-                  <a:schemeClr val="tx1"/>
-                </a:solidFill>
-                <a:latin typeface="+mn-lt"/>
-                <a:ea typeface="+mn-ea"/>
-                <a:cs typeface="+mn-cs"/>
-              </a:defRPr>
-            </a:lvl6pPr>
-            <a:lvl7pPr marL="2970910" indent="-228532" algn="l" defTabSz="914127" rtl="0" eaLnBrk="1" latinLnBrk="0" hangingPunct="1">
-              <a:spcBef>
-                <a:spcPct val="20000"/>
-              </a:spcBef>
-              <a:buFont typeface="Arial"/>
-              <a:buChar char="•"/>
-              <a:defRPr sz="2000" kern="1200">
-                <a:solidFill>
-                  <a:schemeClr val="tx1"/>
-                </a:solidFill>
-                <a:latin typeface="+mn-lt"/>
-                <a:ea typeface="+mn-ea"/>
-                <a:cs typeface="+mn-cs"/>
-              </a:defRPr>
-            </a:lvl7pPr>
-            <a:lvl8pPr marL="3427972" indent="-228532" algn="l" defTabSz="914127" rtl="0" eaLnBrk="1" latinLnBrk="0" hangingPunct="1">
-              <a:spcBef>
-                <a:spcPct val="20000"/>
-              </a:spcBef>
-              <a:buFont typeface="Arial"/>
-              <a:buChar char="•"/>
-              <a:defRPr sz="2000" kern="1200">
-                <a:solidFill>
-                  <a:schemeClr val="tx1"/>
-                </a:solidFill>
-                <a:latin typeface="+mn-lt"/>
-                <a:ea typeface="+mn-ea"/>
-                <a:cs typeface="+mn-cs"/>
-              </a:defRPr>
-            </a:lvl8pPr>
-            <a:lvl9pPr marL="3885034" indent="-228532" algn="l" defTabSz="914127" rtl="0" eaLnBrk="1" latinLnBrk="0" hangingPunct="1">
-              <a:spcBef>
-                <a:spcPct val="20000"/>
-              </a:spcBef>
-              <a:buFont typeface="Arial"/>
-              <a:buChar char="•"/>
-              <a:defRPr sz="2000" kern="1200">
-                <a:solidFill>
-                  <a:schemeClr val="tx1"/>
-                </a:solidFill>
-                <a:latin typeface="+mn-lt"/>
-                <a:ea typeface="+mn-ea"/>
-                <a:cs typeface="+mn-cs"/>
-              </a:defRPr>
-            </a:lvl9pPr>
-          </a:lstStyle>
-          <a:p>
-            <a:pPr marL="0" indent="0">
-              <a:lnSpc>
-                <a:spcPct val="150000"/>
-              </a:lnSpc>
-              <a:buNone/>
-              <a:defRPr lang="ko-KR" altLang="en-US"/>
-            </a:pPr>
-            <a:r>
-              <a:rPr lang="en-US" altLang="ko-KR" sz="1400" b="1" dirty="0">
-                <a:latin typeface="+mj-lt"/>
-              </a:rPr>
-              <a:t>Three.js  #02</a:t>
-            </a:r>
-            <a:r>
-              <a:rPr lang="en-US" sz="1400" b="1" dirty="0">
-                <a:latin typeface="+mj-lt"/>
-              </a:rPr>
-              <a:t/>
-            </a:r>
-            <a:br>
-              <a:rPr lang="en-US" sz="1400" b="1" dirty="0">
-                <a:latin typeface="+mj-lt"/>
-              </a:rPr>
-            </a:br>
-            <a:r>
-              <a:rPr lang="ko-KR" altLang="en-US" sz="1000" dirty="0" smtClean="0">
-                <a:latin typeface="+mj-lt"/>
-              </a:rPr>
-              <a:t>웹에서 </a:t>
-            </a:r>
-            <a:r>
-              <a:rPr lang="en-US" altLang="ko-KR" sz="1000" dirty="0">
-                <a:latin typeface="+mj-lt"/>
-              </a:rPr>
-              <a:t>3D </a:t>
-            </a:r>
-            <a:r>
-              <a:rPr lang="ko-KR" altLang="en-US" sz="1000" dirty="0" smtClean="0">
-                <a:latin typeface="+mj-lt"/>
-              </a:rPr>
-              <a:t>그래픽을    </a:t>
-            </a:r>
-            <a:r>
-              <a:rPr lang="ko-KR" altLang="en-US" sz="1000" dirty="0">
-                <a:latin typeface="+mj-lt"/>
-              </a:rPr>
-              <a:t>다룰 수 있게 해주는 자바스크립트 라이브러리</a:t>
-            </a:r>
-            <a:endParaRPr lang="en-US" sz="1050" dirty="0">
-              <a:latin typeface="+mj-lt"/>
-            </a:endParaRPr>
-          </a:p>
-        </p:txBody>
-      </p:sp>
-      <p:sp>
-        <p:nvSpPr>
-          <p:cNvPr id="11" name="Inhaltsplatzhalter 4"/>
-          <p:cNvSpPr txBox="1"/>
-          <p:nvPr/>
-        </p:nvSpPr>
-        <p:spPr>
-          <a:xfrm>
-            <a:off x="6934200" y="3325927"/>
-            <a:ext cx="1573220" cy="1015663"/>
-          </a:xfrm>
-          <a:prstGeom prst="rect">
-            <a:avLst/>
-          </a:prstGeom>
-        </p:spPr>
-        <p:txBody>
-          <a:bodyPr wrap="square" lIns="0" tIns="0" rIns="0" bIns="0" anchor="ctr">
-            <a:spAutoFit/>
-          </a:bodyPr>
-          <a:lstStyle>
-            <a:lvl1pPr marL="272967" indent="-272967" algn="l" defTabSz="914127" rtl="0" eaLnBrk="1" latinLnBrk="0" hangingPunct="1">
-              <a:lnSpc>
-                <a:spcPct val="90000"/>
-              </a:lnSpc>
-              <a:spcBef>
-                <a:spcPts val="0"/>
-              </a:spcBef>
-              <a:spcAft>
-                <a:spcPts val="1000"/>
-              </a:spcAft>
-              <a:buFont typeface="Wingdings"/>
-              <a:buChar char="§"/>
-              <a:defRPr sz="2300" kern="1200">
-                <a:solidFill>
-                  <a:schemeClr val="bg1"/>
-                </a:solidFill>
-                <a:latin typeface="Calibri Light"/>
-                <a:ea typeface="+mn-ea"/>
-                <a:cs typeface="+mn-cs"/>
-              </a:defRPr>
-            </a:lvl1pPr>
-            <a:lvl2pPr marL="807798" indent="-272967" algn="l" defTabSz="914127" rtl="0" eaLnBrk="1" latinLnBrk="0" hangingPunct="1">
-              <a:lnSpc>
-                <a:spcPct val="90000"/>
-              </a:lnSpc>
-              <a:spcBef>
-                <a:spcPts val="0"/>
-              </a:spcBef>
-              <a:spcAft>
-                <a:spcPts val="1000"/>
-              </a:spcAft>
-              <a:buFont typeface="Symbol"/>
-              <a:buChar char="-"/>
-              <a:defRPr sz="2000" kern="1200">
-                <a:solidFill>
-                  <a:schemeClr val="bg1"/>
-                </a:solidFill>
-                <a:latin typeface="Calibri Light"/>
-                <a:ea typeface="+mn-ea"/>
-                <a:cs typeface="+mn-cs"/>
-              </a:defRPr>
-            </a:lvl2pPr>
-            <a:lvl3pPr marL="1080764" indent="-177748" algn="l" defTabSz="914127" rtl="0" eaLnBrk="1" latinLnBrk="0" hangingPunct="1">
-              <a:lnSpc>
-                <a:spcPct val="90000"/>
-              </a:lnSpc>
-              <a:spcBef>
-                <a:spcPts val="0"/>
-              </a:spcBef>
-              <a:spcAft>
-                <a:spcPts val="1000"/>
-              </a:spcAft>
-              <a:buFont typeface="Symbol"/>
-              <a:buChar char="-"/>
-              <a:defRPr sz="1900" kern="1200">
-                <a:solidFill>
-                  <a:schemeClr val="bg1"/>
-                </a:solidFill>
-                <a:latin typeface="Calibri Light"/>
-                <a:ea typeface="+mn-ea"/>
-                <a:cs typeface="+mn-cs"/>
-              </a:defRPr>
-            </a:lvl3pPr>
-            <a:lvl4pPr marL="1436256" indent="-177748" algn="l" defTabSz="914127" rtl="0" eaLnBrk="1" latinLnBrk="0" hangingPunct="1">
-              <a:lnSpc>
-                <a:spcPct val="90000"/>
-              </a:lnSpc>
-              <a:spcBef>
-                <a:spcPts val="0"/>
-              </a:spcBef>
-              <a:spcAft>
-                <a:spcPts val="1000"/>
-              </a:spcAft>
-              <a:buFont typeface="Symbol"/>
-              <a:buChar char="-"/>
-              <a:defRPr sz="1600" kern="1200">
-                <a:solidFill>
-                  <a:schemeClr val="bg1"/>
-                </a:solidFill>
-                <a:latin typeface="Calibri Light"/>
-                <a:ea typeface="+mn-ea"/>
-                <a:cs typeface="+mn-cs"/>
-              </a:defRPr>
-            </a:lvl4pPr>
-            <a:lvl5pPr marL="1793335" indent="-179335" algn="l" defTabSz="914127" rtl="0" eaLnBrk="1" latinLnBrk="0" hangingPunct="1">
-              <a:lnSpc>
-                <a:spcPct val="90000"/>
-              </a:lnSpc>
-              <a:spcBef>
-                <a:spcPts val="0"/>
-              </a:spcBef>
-              <a:spcAft>
-                <a:spcPts val="1000"/>
-              </a:spcAft>
-              <a:buFont typeface="Symbol"/>
-              <a:buChar char="-"/>
-              <a:defRPr sz="1600" kern="1200">
-                <a:solidFill>
-                  <a:schemeClr val="bg1"/>
-                </a:solidFill>
-                <a:latin typeface="Calibri Light"/>
-                <a:ea typeface="+mn-ea"/>
-                <a:cs typeface="+mn-cs"/>
-              </a:defRPr>
-            </a:lvl5pPr>
-            <a:lvl6pPr marL="2513847" indent="-228532" algn="l" defTabSz="914127" rtl="0" eaLnBrk="1" latinLnBrk="0" hangingPunct="1">
-              <a:spcBef>
-                <a:spcPct val="20000"/>
-              </a:spcBef>
-              <a:buFont typeface="Arial"/>
-              <a:buChar char="•"/>
-              <a:defRPr sz="2000" kern="1200">
-                <a:solidFill>
-                  <a:schemeClr val="tx1"/>
-                </a:solidFill>
-                <a:latin typeface="+mn-lt"/>
-                <a:ea typeface="+mn-ea"/>
-                <a:cs typeface="+mn-cs"/>
-              </a:defRPr>
-            </a:lvl6pPr>
-            <a:lvl7pPr marL="2970910" indent="-228532" algn="l" defTabSz="914127" rtl="0" eaLnBrk="1" latinLnBrk="0" hangingPunct="1">
-              <a:spcBef>
-                <a:spcPct val="20000"/>
-              </a:spcBef>
-              <a:buFont typeface="Arial"/>
-              <a:buChar char="•"/>
-              <a:defRPr sz="2000" kern="1200">
-                <a:solidFill>
-                  <a:schemeClr val="tx1"/>
-                </a:solidFill>
-                <a:latin typeface="+mn-lt"/>
-                <a:ea typeface="+mn-ea"/>
-                <a:cs typeface="+mn-cs"/>
-              </a:defRPr>
-            </a:lvl7pPr>
-            <a:lvl8pPr marL="3427972" indent="-228532" algn="l" defTabSz="914127" rtl="0" eaLnBrk="1" latinLnBrk="0" hangingPunct="1">
-              <a:spcBef>
-                <a:spcPct val="20000"/>
-              </a:spcBef>
-              <a:buFont typeface="Arial"/>
-              <a:buChar char="•"/>
-              <a:defRPr sz="2000" kern="1200">
-                <a:solidFill>
-                  <a:schemeClr val="tx1"/>
-                </a:solidFill>
-                <a:latin typeface="+mn-lt"/>
-                <a:ea typeface="+mn-ea"/>
-                <a:cs typeface="+mn-cs"/>
-              </a:defRPr>
-            </a:lvl8pPr>
-            <a:lvl9pPr marL="3885034" indent="-228532" algn="l" defTabSz="914127" rtl="0" eaLnBrk="1" latinLnBrk="0" hangingPunct="1">
-              <a:spcBef>
-                <a:spcPct val="20000"/>
-              </a:spcBef>
-              <a:buFont typeface="Arial"/>
-              <a:buChar char="•"/>
-              <a:defRPr sz="2000" kern="1200">
-                <a:solidFill>
-                  <a:schemeClr val="tx1"/>
-                </a:solidFill>
-                <a:latin typeface="+mn-lt"/>
-                <a:ea typeface="+mn-ea"/>
-                <a:cs typeface="+mn-cs"/>
-              </a:defRPr>
-            </a:lvl9pPr>
-          </a:lstStyle>
-          <a:p>
-            <a:pPr marL="0" indent="0">
-              <a:lnSpc>
-                <a:spcPct val="150000"/>
-              </a:lnSpc>
-              <a:buNone/>
-              <a:defRPr lang="ko-KR" altLang="en-US"/>
-            </a:pPr>
-            <a:r>
-              <a:rPr lang="en-US" altLang="ko-KR" sz="1400" b="1">
-                <a:latin typeface="+mj-lt"/>
-              </a:rPr>
-              <a:t>Dat.GUI.js  #03</a:t>
-            </a:r>
-            <a:r>
-              <a:rPr lang="en-US" sz="1400" b="1">
-                <a:latin typeface="+mj-lt"/>
-              </a:rPr>
-              <a:t/>
-            </a:r>
-            <a:br>
-              <a:rPr lang="en-US" sz="1400" b="1">
-                <a:latin typeface="+mj-lt"/>
-              </a:rPr>
-            </a:br>
-            <a:r>
-              <a:rPr lang="ko-KR" altLang="en-US" sz="1000">
-                <a:latin typeface="+mj-lt"/>
-              </a:rPr>
-              <a:t> 각종 조작이 가능한 제어판을 제공하는 자바스크립트 라이브러리</a:t>
-            </a:r>
-            <a:endParaRPr lang="en-US" sz="1050">
-              <a:latin typeface="+mj-lt"/>
-            </a:endParaRPr>
-          </a:p>
-        </p:txBody>
-      </p:sp>
-      <p:pic>
-        <p:nvPicPr>
-          <p:cNvPr id="3078" name="Picture 6"/>
-          <p:cNvPicPr>
-            <a:picLocks noChangeAspect="1" noChangeArrowheads="1"/>
-          </p:cNvPicPr>
-          <p:nvPr/>
-        </p:nvPicPr>
-        <p:blipFill rotWithShape="1">
-          <a:blip r:embed="rId2"/>
-          <a:srcRect/>
-          <a:stretch>
-            <a:fillRect/>
-          </a:stretch>
-        </p:blipFill>
-        <p:spPr>
-          <a:xfrm>
-            <a:off x="3057218" y="1236032"/>
-            <a:ext cx="3009900" cy="1514475"/>
-          </a:xfrm>
-          <a:prstGeom prst="rect">
-            <a:avLst/>
-          </a:prstGeom>
-          <a:noFill/>
-          <a:ln>
-            <a:noFill/>
-          </a:ln>
-        </p:spPr>
-      </p:pic>
-      <p:pic>
-        <p:nvPicPr>
-          <p:cNvPr id="2050" name="Picture 2"/>
-          <p:cNvPicPr>
-            <a:picLocks noChangeAspect="1" noChangeArrowheads="1"/>
-          </p:cNvPicPr>
-          <p:nvPr/>
-        </p:nvPicPr>
-        <p:blipFill rotWithShape="1">
-          <a:blip r:embed="rId3"/>
-          <a:srcRect/>
-          <a:stretch>
-            <a:fillRect/>
-          </a:stretch>
-        </p:blipFill>
-        <p:spPr>
-          <a:xfrm>
-            <a:off x="312014" y="1719426"/>
-            <a:ext cx="1997540" cy="566123"/>
-          </a:xfrm>
-          <a:prstGeom prst="rect">
-            <a:avLst/>
-          </a:prstGeom>
-          <a:noFill/>
-          <a:ln>
-            <a:noFill/>
-          </a:ln>
-          <a:effectLst/>
-        </p:spPr>
-      </p:pic>
-      <p:pic>
-        <p:nvPicPr>
-          <p:cNvPr id="14" name="Picture 3"/>
-          <p:cNvPicPr>
-            <a:picLocks noChangeAspect="1" noChangeArrowheads="1"/>
-          </p:cNvPicPr>
-          <p:nvPr/>
-        </p:nvPicPr>
-        <p:blipFill rotWithShape="1">
-          <a:blip r:embed="rId4"/>
-          <a:srcRect l="5430" t="31090" r="55900" b="37640"/>
-          <a:stretch>
-            <a:fillRect/>
-          </a:stretch>
-        </p:blipFill>
-        <p:spPr>
-          <a:xfrm>
-            <a:off x="6657341" y="1640757"/>
-            <a:ext cx="2126937" cy="705024"/>
-          </a:xfrm>
-          <a:prstGeom prst="rect">
-            <a:avLst/>
-          </a:prstGeom>
-          <a:noFill/>
-          <a:ln>
-            <a:noFill/>
-          </a:ln>
-        </p:spPr>
-      </p:pic>
     </p:spTree>
+    <p:extLst>
+      <p:ext uri="{BB962C8B-B14F-4D97-AF65-F5344CB8AC3E}">
+        <p14:creationId xmlns:p14="http://schemas.microsoft.com/office/powerpoint/2010/main" val="3593365627"/>
+      </p:ext>
+    </p:extLst>
   </p:cSld>
   <p:clrMapOvr>
     <a:masterClrMapping/>
   </p:clrMapOvr>
   <mc:AlternateContent xmlns:mc="http://schemas.openxmlformats.org/markup-compatibility/2006" xmlns:p14="http://schemas.microsoft.com/office/powerpoint/2010/main">
     <mc:Choice Requires="p14">
-      <p:transition spd="med" p14:dur="700" advTm="10000">
+      <p:transition spd="med" p14:dur="700" advTm="6000">
         <p:fade/>
       </p:transition>
     </mc:Choice>
     <mc:Fallback xmlns="">
-      <p:transition spd="med" advTm="10000">
+      <p:transition spd="med" advTm="6000">
         <p:fade/>
       </p:transition>
     </mc:Fallback>
@@ -9996,181 +9451,9 @@
   <p:timing>
     <p:tnLst>
       <p:par>
-        <p:cTn id="1" dur="indefinite" restart="never" nodeType="tmRoot">
-          <p:childTnLst>
-            <p:seq concurrent="1" nextAc="seek">
-              <p:cTn id="2" dur="indefinite" nodeType="mainSeq">
-                <p:childTnLst>
-                  <p:par>
-                    <p:cTn id="3" fill="hold">
-                      <p:stCondLst>
-                        <p:cond delay="0"/>
-                      </p:stCondLst>
-                      <p:childTnLst>
-                        <p:par>
-                          <p:cTn id="4" fill="hold">
-                            <p:stCondLst>
-                              <p:cond delay="0"/>
-                            </p:stCondLst>
-                            <p:childTnLst>
-                              <p:par>
-                                <p:cTn id="5" presetID="22" presetClass="entr" presetSubtype="8" fill="hold" grpId="0" nodeType="withEffect">
-                                  <p:stCondLst>
-                                    <p:cond delay="0"/>
-                                  </p:stCondLst>
-                                  <p:iterate>
-                                    <p:tmPct val="10000"/>
-                                  </p:iterate>
-                                  <p:childTnLst>
-                                    <p:set>
-                                      <p:cBhvr>
-                                        <p:cTn id="6" dur="1" fill="hold">
-                                          <p:stCondLst>
-                                            <p:cond delay="0"/>
-                                          </p:stCondLst>
-                                        </p:cTn>
-                                        <p:tgtEl>
-                                          <p:spTgt spid="9"/>
-                                        </p:tgtEl>
-                                        <p:attrNameLst>
-                                          <p:attrName>style.visibility</p:attrName>
-                                        </p:attrNameLst>
-                                      </p:cBhvr>
-                                      <p:to>
-                                        <p:strVal val="visible"/>
-                                      </p:to>
-                                    </p:set>
-                                    <p:animEffect transition="in" filter="wipe(left)">
-                                      <p:cBhvr>
-                                        <p:cTn id="7" dur="500" fill="hold">
-                                          <p:stCondLst>
-                                            <p:cond delay="0"/>
-                                          </p:stCondLst>
-                                        </p:cTn>
-                                        <p:tgtEl>
-                                          <p:spTgt spid="9"/>
-                                        </p:tgtEl>
-                                      </p:cBhvr>
-                                    </p:animEffect>
-                                  </p:childTnLst>
-                                </p:cTn>
-                              </p:par>
-                              <p:par>
-                                <p:cTn id="8" presetID="22" presetClass="entr" presetSubtype="8" fill="hold" grpId="0" nodeType="withEffect">
-                                  <p:stCondLst>
-                                    <p:cond delay="0"/>
-                                  </p:stCondLst>
-                                  <p:iterate>
-                                    <p:tmPct val="10000"/>
-                                  </p:iterate>
-                                  <p:childTnLst>
-                                    <p:set>
-                                      <p:cBhvr>
-                                        <p:cTn id="9" dur="1" fill="hold">
-                                          <p:stCondLst>
-                                            <p:cond delay="0"/>
-                                          </p:stCondLst>
-                                        </p:cTn>
-                                        <p:tgtEl>
-                                          <p:spTgt spid="10"/>
-                                        </p:tgtEl>
-                                        <p:attrNameLst>
-                                          <p:attrName>style.visibility</p:attrName>
-                                        </p:attrNameLst>
-                                      </p:cBhvr>
-                                      <p:to>
-                                        <p:strVal val="visible"/>
-                                      </p:to>
-                                    </p:set>
-                                    <p:animEffect transition="in" filter="wipe(left)">
-                                      <p:cBhvr>
-                                        <p:cTn id="10" dur="500" fill="hold">
-                                          <p:stCondLst>
-                                            <p:cond delay="0"/>
-                                          </p:stCondLst>
-                                        </p:cTn>
-                                        <p:tgtEl>
-                                          <p:spTgt spid="10"/>
-                                        </p:tgtEl>
-                                      </p:cBhvr>
-                                    </p:animEffect>
-                                  </p:childTnLst>
-                                </p:cTn>
-                              </p:par>
-                              <p:par>
-                                <p:cTn id="11" presetID="22" presetClass="entr" presetSubtype="8" fill="hold" grpId="0" nodeType="withEffect">
-                                  <p:stCondLst>
-                                    <p:cond delay="0"/>
-                                  </p:stCondLst>
-                                  <p:iterate>
-                                    <p:tmPct val="10000"/>
-                                  </p:iterate>
-                                  <p:childTnLst>
-                                    <p:set>
-                                      <p:cBhvr>
-                                        <p:cTn id="12" dur="1" fill="hold">
-                                          <p:stCondLst>
-                                            <p:cond delay="0"/>
-                                          </p:stCondLst>
-                                        </p:cTn>
-                                        <p:tgtEl>
-                                          <p:spTgt spid="11"/>
-                                        </p:tgtEl>
-                                        <p:attrNameLst>
-                                          <p:attrName>style.visibility</p:attrName>
-                                        </p:attrNameLst>
-                                      </p:cBhvr>
-                                      <p:to>
-                                        <p:strVal val="visible"/>
-                                      </p:to>
-                                    </p:set>
-                                    <p:animEffect transition="in" filter="wipe(left)">
-                                      <p:cBhvr>
-                                        <p:cTn id="13" dur="500" fill="hold">
-                                          <p:stCondLst>
-                                            <p:cond delay="0"/>
-                                          </p:stCondLst>
-                                        </p:cTn>
-                                        <p:tgtEl>
-                                          <p:spTgt spid="11"/>
-                                        </p:tgtEl>
-                                      </p:cBhvr>
-                                    </p:animEffect>
-                                  </p:childTnLst>
-                                </p:cTn>
-                              </p:par>
-                            </p:childTnLst>
-                          </p:cTn>
-                        </p:par>
-                      </p:childTnLst>
-                    </p:cTn>
-                  </p:par>
-                </p:childTnLst>
-              </p:cTn>
-              <p:prevCondLst>
-                <p:cond evt="onPrev" delay="0">
-                  <p:tgtEl>
-                    <p:sldTgt/>
-                  </p:tgtEl>
-                </p:cond>
-              </p:prevCondLst>
-              <p:nextCondLst>
-                <p:cond evt="onNext" delay="0">
-                  <p:tgtEl>
-                    <p:sldTgt/>
-                  </p:tgtEl>
-                </p:cond>
-              </p:nextCondLst>
-            </p:seq>
-          </p:childTnLst>
-        </p:cTn>
+        <p:cTn id="1" dur="indefinite" restart="never" nodeType="tmRoot"/>
       </p:par>
     </p:tnLst>
-    <p:bldLst>
-      <p:bldP spid="9" grpId="0" autoUpdateAnimBg="0"/>
-      <p:bldP spid="10" grpId="0" autoUpdateAnimBg="0"/>
-      <p:bldP spid="11" grpId="0" autoUpdateAnimBg="0"/>
-    </p:bldLst>
   </p:timing>
 </p:sld>
 </file>
@@ -18047,7 +17330,7 @@
 </file>
 
 <file path=ppt/slides/slide18.xml><?xml version="1.0" encoding="utf-8"?>
-<p:sld xmlns:a="http://schemas.openxmlformats.org/drawingml/2006/main" xmlns:r="http://schemas.openxmlformats.org/officeDocument/2006/relationships" xmlns:p="http://schemas.openxmlformats.org/presentationml/2006/main" showMasterSp="0">
+<p:sld xmlns:a="http://schemas.openxmlformats.org/drawingml/2006/main" xmlns:r="http://schemas.openxmlformats.org/officeDocument/2006/relationships" xmlns:p="http://schemas.openxmlformats.org/presentationml/2006/main">
   <p:cSld>
     <p:spTree>
       <p:nvGrpSpPr>
@@ -18634,7 +17917,7 @@
         </p:nvSpPr>
         <p:spPr>
           <a:xfrm>
-            <a:off x="2951820" y="2525635"/>
+            <a:off x="2951820" y="2556845"/>
             <a:ext cx="674865" cy="194925"/>
           </a:xfrm>
           <a:prstGeom prst="rect">
@@ -18935,7 +18218,7 @@
           </a:xfrm>
           <a:prstGeom prst="curvedConnector3">
             <a:avLst>
-              <a:gd name="adj1" fmla="val 50000"/>
+              <a:gd name="adj1" fmla="val 35307"/>
             </a:avLst>
           </a:prstGeom>
           <a:ln>
@@ -19178,7 +18461,7 @@
         </p:nvSpPr>
         <p:spPr>
           <a:xfrm>
-            <a:off x="5701618" y="2079017"/>
+            <a:off x="5648113" y="2027006"/>
             <a:ext cx="548227" cy="384721"/>
           </a:xfrm>
           <a:prstGeom prst="rect">
@@ -19485,8 +18768,8 @@
         </p:nvSpPr>
         <p:spPr>
           <a:xfrm>
-            <a:off x="7956376" y="3517630"/>
-            <a:ext cx="253274" cy="194925"/>
+            <a:off x="7632340" y="3435846"/>
+            <a:ext cx="674865" cy="307777"/>
           </a:xfrm>
           <a:prstGeom prst="rect">
             <a:avLst/>
@@ -19499,9 +18782,32 @@
           <a:lstStyle/>
           <a:p>
             <a:pPr marL="0" indent="0">
-              <a:lnSpc>
-                <a:spcPct val="150000"/>
-              </a:lnSpc>
+              <a:buNone/>
+            </a:pPr>
+            <a:r>
+              <a:rPr lang="ko-KR" altLang="en-US" sz="1000" b="1" dirty="0" smtClean="0">
+                <a:latin typeface="+mj-lt"/>
+              </a:rPr>
+              <a:t>길이가 </a:t>
+            </a:r>
+            <a:r>
+              <a:rPr lang="ko-KR" altLang="en-US" sz="1000" b="1" dirty="0" smtClean="0">
+                <a:latin typeface="+mj-lt"/>
+              </a:rPr>
+              <a:t>적</a:t>
+            </a:r>
+            <a:r>
+              <a:rPr lang="ko-KR" altLang="en-US" sz="1000" b="1" dirty="0">
+                <a:latin typeface="+mj-lt"/>
+              </a:rPr>
+              <a:t>힌</a:t>
+            </a:r>
+            <a:endParaRPr lang="en-US" altLang="ko-KR" sz="1000" b="1" dirty="0" smtClean="0">
+              <a:latin typeface="+mj-lt"/>
+            </a:endParaRPr>
+          </a:p>
+          <a:p>
+            <a:pPr marL="0" indent="0">
               <a:buNone/>
             </a:pPr>
             <a:r>
@@ -19599,10 +18905,160 @@
           </a:p>
         </p:txBody>
       </p:sp>
+      <p:cxnSp>
+        <p:nvCxnSpPr>
+          <p:cNvPr id="43" name="직선 화살표 연결선 42"/>
+          <p:cNvCxnSpPr>
+            <a:stCxn id="47" idx="1"/>
+            <a:endCxn id="27" idx="0"/>
+          </p:cNvCxnSpPr>
+          <p:nvPr/>
+        </p:nvCxnSpPr>
+        <p:spPr>
+          <a:xfrm rot="10800000" flipV="1">
+            <a:off x="2446965" y="1522840"/>
+            <a:ext cx="1239051" cy="956679"/>
+          </a:xfrm>
+          <a:prstGeom prst="curvedConnector2">
+            <a:avLst/>
+          </a:prstGeom>
+          <a:ln>
+            <a:tailEnd type="arrow"/>
+          </a:ln>
+        </p:spPr>
+        <p:style>
+          <a:lnRef idx="2">
+            <a:schemeClr val="accent6"/>
+          </a:lnRef>
+          <a:fillRef idx="0">
+            <a:schemeClr val="accent6"/>
+          </a:fillRef>
+          <a:effectRef idx="1">
+            <a:schemeClr val="accent6"/>
+          </a:effectRef>
+          <a:fontRef idx="minor">
+            <a:schemeClr val="tx1"/>
+          </a:fontRef>
+        </p:style>
+      </p:cxnSp>
+      <p:sp>
+        <p:nvSpPr>
+          <p:cNvPr id="49" name="TextBox 48"/>
+          <p:cNvSpPr txBox="1"/>
+          <p:nvPr/>
+        </p:nvSpPr>
+        <p:spPr>
+          <a:xfrm>
+            <a:off x="2719441" y="1167594"/>
+            <a:ext cx="897682" cy="194925"/>
+          </a:xfrm>
+          <a:prstGeom prst="rect">
+            <a:avLst/>
+          </a:prstGeom>
+        </p:spPr>
+        <p:txBody>
+          <a:bodyPr wrap="none" lIns="0" tIns="0" rIns="0" bIns="0" rtlCol="0" anchor="ctr">
+            <a:spAutoFit/>
+          </a:bodyPr>
+          <a:lstStyle/>
+          <a:p>
+            <a:pPr marL="0" indent="0">
+              <a:lnSpc>
+                <a:spcPct val="150000"/>
+              </a:lnSpc>
+              <a:buNone/>
+            </a:pPr>
+            <a:r>
+              <a:rPr lang="en-US" altLang="ko-KR" sz="1000" b="1" dirty="0" smtClean="0">
+                <a:latin typeface="+mj-lt"/>
+              </a:rPr>
+              <a:t>(</a:t>
+            </a:r>
+            <a:r>
+              <a:rPr lang="ko-KR" altLang="en-US" sz="1000" b="1" dirty="0" smtClean="0">
+                <a:latin typeface="+mj-lt"/>
+              </a:rPr>
+              <a:t>시작점일 경우</a:t>
+            </a:r>
+            <a:r>
+              <a:rPr lang="en-US" altLang="ko-KR" sz="1000" b="1" dirty="0" smtClean="0">
+                <a:latin typeface="+mj-lt"/>
+              </a:rPr>
+              <a:t>)</a:t>
+            </a:r>
+            <a:endParaRPr lang="ko-KR" altLang="en-US" sz="1000" b="1" dirty="0" smtClean="0">
+              <a:solidFill>
+                <a:schemeClr val="tx1"/>
+              </a:solidFill>
+              <a:latin typeface="+mj-lt"/>
+            </a:endParaRPr>
+          </a:p>
+        </p:txBody>
+      </p:sp>
+      <p:sp>
+        <p:nvSpPr>
+          <p:cNvPr id="50" name="TextBox 49"/>
+          <p:cNvSpPr txBox="1"/>
+          <p:nvPr/>
+        </p:nvSpPr>
+        <p:spPr>
+          <a:xfrm>
+            <a:off x="5262591" y="1152786"/>
+            <a:ext cx="771045" cy="230832"/>
+          </a:xfrm>
+          <a:prstGeom prst="rect">
+            <a:avLst/>
+          </a:prstGeom>
+        </p:spPr>
+        <p:txBody>
+          <a:bodyPr wrap="none" lIns="0" tIns="0" rIns="0" bIns="0" rtlCol="0" anchor="ctr">
+            <a:spAutoFit/>
+          </a:bodyPr>
+          <a:lstStyle/>
+          <a:p>
+            <a:pPr marL="0" indent="0">
+              <a:lnSpc>
+                <a:spcPct val="150000"/>
+              </a:lnSpc>
+              <a:buNone/>
+            </a:pPr>
+            <a:r>
+              <a:rPr lang="en-US" altLang="ko-KR" sz="1000" b="1" dirty="0" smtClean="0">
+                <a:latin typeface="+mj-lt"/>
+              </a:rPr>
+              <a:t>(</a:t>
+            </a:r>
+            <a:r>
+              <a:rPr lang="ko-KR" altLang="en-US" sz="1000" b="1" dirty="0">
+                <a:latin typeface="+mj-lt"/>
+              </a:rPr>
+              <a:t>끝</a:t>
+            </a:r>
+            <a:r>
+              <a:rPr lang="ko-KR" altLang="en-US" sz="1000" b="1" dirty="0" smtClean="0">
+                <a:latin typeface="+mj-lt"/>
+              </a:rPr>
+              <a:t>점일 경우</a:t>
+            </a:r>
+            <a:r>
+              <a:rPr lang="en-US" altLang="ko-KR" sz="1000" b="1" dirty="0" smtClean="0">
+                <a:latin typeface="+mj-lt"/>
+              </a:rPr>
+              <a:t>)</a:t>
+            </a:r>
+            <a:endParaRPr lang="ko-KR" altLang="en-US" sz="1000" b="1" dirty="0" smtClean="0">
+              <a:solidFill>
+                <a:schemeClr val="tx1"/>
+              </a:solidFill>
+              <a:latin typeface="+mj-lt"/>
+            </a:endParaRPr>
+          </a:p>
+        </p:txBody>
+      </p:sp>
     </p:spTree>
     <p:extLst>
       <p:ext uri="{BB962C8B-B14F-4D97-AF65-F5344CB8AC3E}">
-        <p14:creationId xmlns:p14="http://schemas.microsoft.com/office/powerpoint/2010/main" val="416823838"/>
+        <p14:creationId xmlns:p14="http://schemas.microsoft.com/office/powerpoint/2010/main" val="2232841738"/>
       </p:ext>
     </p:extLst>
   </p:cSld>
@@ -19611,12 +19067,12 @@
   </p:clrMapOvr>
   <mc:AlternateContent xmlns:mc="http://schemas.openxmlformats.org/markup-compatibility/2006" xmlns:p14="http://schemas.microsoft.com/office/powerpoint/2010/main">
     <mc:Choice Requires="p14">
-      <p:transition spd="med" p14:dur="700" advTm="20000">
+      <p:transition spd="med" p14:dur="700">
         <p:fade/>
       </p:transition>
     </mc:Choice>
     <mc:Fallback xmlns="">
-      <p:transition spd="med" advTm="20000">
+      <p:transition spd="med">
         <p:fade/>
       </p:transition>
     </mc:Fallback>
@@ -19748,13 +19204,13 @@
   <p:clrMapOvr>
     <a:masterClrMapping/>
   </p:clrMapOvr>
-  <mc:AlternateContent xmlns:mc="http://schemas.openxmlformats.org/markup-compatibility/2006">
-    <mc:Choice xmlns:p14="http://schemas.microsoft.com/office/powerpoint/2010/main" Requires="p14">
+  <mc:AlternateContent xmlns:mc="http://schemas.openxmlformats.org/markup-compatibility/2006" xmlns:p14="http://schemas.microsoft.com/office/powerpoint/2010/main">
+    <mc:Choice Requires="p14">
       <p:transition spd="med" p14:dur="700" advTm="3000">
         <p:fade/>
       </p:transition>
     </mc:Choice>
-    <mc:Fallback>
+    <mc:Fallback xmlns="">
       <p:transition spd="med" advTm="3000">
         <p:fade/>
       </p:transition>
@@ -29221,7 +28677,7 @@
           <p:nvPr>
             <p:extLst>
               <p:ext uri="{D42A27DB-BD31-4B8C-83A1-F6EECF244321}">
-                <p14:modId xmlns:p14="http://schemas.microsoft.com/office/powerpoint/2010/main" val="1277653635"/>
+                <p14:modId xmlns:p14="http://schemas.microsoft.com/office/powerpoint/2010/main" val="3681002618"/>
               </p:ext>
             </p:extLst>
           </p:nvPr>
@@ -29241,13 +28697,13 @@
   <p:clrMapOvr>
     <a:masterClrMapping/>
   </p:clrMapOvr>
-  <mc:AlternateContent xmlns:mc="http://schemas.openxmlformats.org/markup-compatibility/2006">
-    <mc:Choice xmlns:p14="http://schemas.microsoft.com/office/powerpoint/2010/main" Requires="p14">
+  <mc:AlternateContent xmlns:mc="http://schemas.openxmlformats.org/markup-compatibility/2006" xmlns:p14="http://schemas.microsoft.com/office/powerpoint/2010/main">
+    <mc:Choice Requires="p14">
       <p:transition spd="med" p14:dur="700" advTm="5000">
         <p:fade/>
       </p:transition>
     </mc:Choice>
-    <mc:Fallback>
+    <mc:Fallback xmlns="">
       <p:transition spd="med" advTm="5000">
         <p:fade/>
       </p:transition>
@@ -30590,7 +30046,7 @@
         <p:spPr>
           <a:xfrm>
             <a:off x="990600" y="1039837"/>
-            <a:ext cx="1796415" cy="307777"/>
+            <a:ext cx="2210862" cy="307777"/>
           </a:xfrm>
           <a:prstGeom prst="rect">
             <a:avLst/>
@@ -30623,12 +30079,28 @@
               <a:t> </a:t>
             </a:r>
             <a:r>
+              <a:rPr lang="en-US" altLang="ko-KR" sz="1400" dirty="0" err="1" smtClean="0">
+                <a:latin typeface="+mn-lt"/>
+                <a:ea typeface="+mn-ea"/>
+                <a:cs typeface="+mn-cs"/>
+              </a:rPr>
+              <a:t>WebAR</a:t>
+            </a:r>
+            <a:r>
+              <a:rPr lang="en-US" altLang="ko-KR" sz="1400" dirty="0" smtClean="0">
+                <a:latin typeface="+mn-lt"/>
+                <a:ea typeface="+mn-ea"/>
+                <a:cs typeface="+mn-cs"/>
+              </a:rPr>
+              <a:t> </a:t>
+            </a:r>
+            <a:r>
               <a:rPr lang="en-US" altLang="ko-KR" sz="1400" dirty="0">
                 <a:latin typeface="+mn-lt"/>
                 <a:ea typeface="+mn-ea"/>
                 <a:cs typeface="+mn-cs"/>
               </a:rPr>
-              <a:t>AR Interior</a:t>
+              <a:t>Interior</a:t>
             </a:r>
             <a:endParaRPr lang="ko-KR" altLang="en-US" sz="1400" dirty="0">
               <a:latin typeface="+mn-lt"/>
@@ -30776,7 +30248,7 @@
 </file>
 
 <file path=ppt/slides/slide5.xml><?xml version="1.0" encoding="utf-8"?>
-<p:sld xmlns:a="http://schemas.openxmlformats.org/drawingml/2006/main" xmlns:r="http://schemas.openxmlformats.org/officeDocument/2006/relationships" xmlns:p="http://schemas.openxmlformats.org/presentationml/2006/main">
+<p:sld xmlns:a="http://schemas.openxmlformats.org/drawingml/2006/main" xmlns:r="http://schemas.openxmlformats.org/officeDocument/2006/relationships" xmlns:p="http://schemas.openxmlformats.org/presentationml/2006/main" showMasterSp="0">
   <p:cSld>
     <p:spTree>
       <p:nvGrpSpPr>
@@ -30794,7 +30266,7 @@
       </p:grpSpPr>
       <p:sp>
         <p:nvSpPr>
-          <p:cNvPr id="2" name="Title 1"/>
+          <p:cNvPr id="4" name="제목 3"/>
           <p:cNvSpPr>
             <a:spLocks noGrp="1"/>
           </p:cNvSpPr>
@@ -30802,7 +30274,12 @@
             <p:ph type="title"/>
           </p:nvPr>
         </p:nvSpPr>
-        <p:spPr/>
+        <p:spPr>
+          <a:xfrm>
+            <a:off x="337413" y="341711"/>
+            <a:ext cx="8368363" cy="495383"/>
+          </a:xfrm>
+        </p:spPr>
         <p:txBody>
           <a:bodyPr/>
           <a:lstStyle/>
@@ -30811,35 +30288,73 @@
               <a:defRPr lang="ko-KR" altLang="en-US"/>
             </a:pPr>
             <a:r>
-              <a:rPr lang="en-US" dirty="0" err="1"/>
-              <a:t>WebAR</a:t>
-            </a:r>
-            <a:r>
-              <a:rPr lang="ko-KR" altLang="en-US" dirty="0"/>
-              <a:t> 인테리어 </a:t>
-            </a:r>
-            <a:r>
-              <a:rPr lang="en-US" altLang="ko-KR" dirty="0"/>
-              <a:t>-</a:t>
-            </a:r>
-            <a:r>
-              <a:rPr lang="ko-KR" altLang="en-US" dirty="0"/>
-              <a:t> 기능</a:t>
-            </a:r>
-            <a:endParaRPr lang="en-US" dirty="0"/>
+              <a:rPr lang="ko-KR" altLang="en-US" b="1" dirty="0"/>
+              <a:t>사용한 라이브러리</a:t>
+            </a:r>
           </a:p>
         </p:txBody>
       </p:sp>
       <p:sp>
         <p:nvSpPr>
-          <p:cNvPr id="6" name="Rectangle 5"/>
+          <p:cNvPr id="3" name="텍스트 개체 틀 2"/>
+          <p:cNvSpPr>
+            <a:spLocks noGrp="1"/>
+          </p:cNvSpPr>
+          <p:nvPr>
+            <p:ph type="body" sz="half" idx="2"/>
+          </p:nvPr>
+        </p:nvSpPr>
+        <p:spPr>
+          <a:xfrm>
+            <a:off x="139003" y="889397"/>
+            <a:ext cx="8368363" cy="173255"/>
+          </a:xfrm>
+        </p:spPr>
+        <p:txBody>
+          <a:bodyPr/>
+          <a:lstStyle/>
+          <a:p>
+            <a:pPr lvl="0">
+              <a:defRPr lang="ko-KR" altLang="en-US"/>
+            </a:pPr>
+            <a:r>
+              <a:rPr lang="en-US" altLang="ko-KR" b="1" dirty="0" err="1"/>
+              <a:t>WebXR</a:t>
+            </a:r>
+            <a:r>
+              <a:rPr lang="en-US" altLang="ko-KR" b="1" dirty="0"/>
+              <a:t> Device API </a:t>
+            </a:r>
+            <a:r>
+              <a:rPr lang="en-US" altLang="ko-KR" b="1" dirty="0" smtClean="0"/>
+              <a:t>		</a:t>
+            </a:r>
+            <a:r>
+              <a:rPr lang="en-US" altLang="ko-KR" b="1" dirty="0"/>
+              <a:t>	Three.js	</a:t>
+            </a:r>
+            <a:r>
+              <a:rPr lang="en-US" altLang="ko-KR" b="1" dirty="0" smtClean="0"/>
+              <a:t>	</a:t>
+            </a:r>
+            <a:r>
+              <a:rPr lang="en-US" altLang="ko-KR" b="1" dirty="0"/>
+              <a:t>	dat.gui.js</a:t>
+            </a:r>
+            <a:endParaRPr lang="ko-KR" altLang="en-US" b="1" dirty="0"/>
+          </a:p>
+        </p:txBody>
+      </p:sp>
+      <p:sp>
+        <p:nvSpPr>
+          <p:cNvPr id="8" name="Rectangle 5"/>
           <p:cNvSpPr/>
           <p:nvPr/>
         </p:nvSpPr>
         <p:spPr>
           <a:xfrm>
-            <a:off x="0" y="3579862"/>
-            <a:ext cx="9144000" cy="1563638"/>
+            <a:off x="0" y="3028950"/>
+            <a:ext cx="9144000" cy="2114550"/>
           </a:xfrm>
           <a:prstGeom prst="rect">
             <a:avLst/>
@@ -30872,14 +30387,14 @@
       </p:sp>
       <p:sp>
         <p:nvSpPr>
-          <p:cNvPr id="67" name="Inhaltsplatzhalter 4"/>
+          <p:cNvPr id="9" name="Inhaltsplatzhalter 4"/>
           <p:cNvSpPr txBox="1"/>
           <p:nvPr/>
         </p:nvSpPr>
         <p:spPr>
           <a:xfrm>
-            <a:off x="1331640" y="3903020"/>
-            <a:ext cx="2448272" cy="926407"/>
+            <a:off x="762000" y="3324225"/>
+            <a:ext cx="1573219" cy="1015612"/>
           </a:xfrm>
           <a:prstGeom prst="rect">
             <a:avLst/>
@@ -31065,10 +30580,1133 @@
               <a:defRPr lang="ko-KR" altLang="en-US"/>
             </a:pPr>
             <a:r>
+              <a:rPr lang="en-US" altLang="ko-KR" sz="1400" b="1" dirty="0" err="1">
+                <a:latin typeface="+mj-lt"/>
+              </a:rPr>
+              <a:t>WebXR</a:t>
+            </a:r>
+            <a:r>
+              <a:rPr lang="en-US" altLang="ko-KR" sz="1400" b="1" dirty="0">
+                <a:latin typeface="+mj-lt"/>
+              </a:rPr>
+              <a:t> API  #01</a:t>
+            </a:r>
+            <a:r>
+              <a:rPr lang="en-US" sz="1400" b="1" dirty="0">
+                <a:latin typeface="+mj-lt"/>
+              </a:rPr>
+              <a:t/>
+            </a:r>
+            <a:br>
+              <a:rPr lang="en-US" sz="1400" b="1" dirty="0">
+                <a:latin typeface="+mj-lt"/>
+              </a:rPr>
+            </a:br>
+            <a:r>
+              <a:rPr lang="ko-KR" altLang="en-US" sz="1000" dirty="0">
+                <a:latin typeface="+mj-lt"/>
+              </a:rPr>
+              <a:t>웹 페이지에서 </a:t>
+            </a:r>
+            <a:r>
+              <a:rPr lang="en-US" altLang="ko-KR" sz="1000" dirty="0">
+                <a:latin typeface="+mj-lt"/>
+              </a:rPr>
+              <a:t>VR, AR</a:t>
+            </a:r>
+            <a:r>
+              <a:rPr lang="ko-KR" altLang="en-US" sz="1000" dirty="0">
+                <a:latin typeface="+mj-lt"/>
+              </a:rPr>
+              <a:t>을 사용할 수 있게 해주는     </a:t>
+            </a:r>
+            <a:r>
+              <a:rPr lang="ko-KR" altLang="en-US" sz="1000" dirty="0" smtClean="0">
+                <a:latin typeface="+mj-lt"/>
+              </a:rPr>
+              <a:t>   웹 </a:t>
+            </a:r>
+            <a:r>
+              <a:rPr lang="ko-KR" altLang="en-US" sz="1000" dirty="0">
+                <a:latin typeface="+mj-lt"/>
+              </a:rPr>
+              <a:t>표준 그룹</a:t>
+            </a:r>
+            <a:endParaRPr lang="en-US" sz="1050" dirty="0">
+              <a:latin typeface="+mj-lt"/>
+            </a:endParaRPr>
+          </a:p>
+        </p:txBody>
+      </p:sp>
+      <p:sp>
+        <p:nvSpPr>
+          <p:cNvPr id="10" name="Inhaltsplatzhalter 4"/>
+          <p:cNvSpPr txBox="1"/>
+          <p:nvPr/>
+        </p:nvSpPr>
+        <p:spPr>
+          <a:xfrm>
+            <a:off x="3785390" y="3324225"/>
+            <a:ext cx="1472410" cy="1015615"/>
+          </a:xfrm>
+          <a:prstGeom prst="rect">
+            <a:avLst/>
+          </a:prstGeom>
+        </p:spPr>
+        <p:txBody>
+          <a:bodyPr wrap="square" lIns="0" tIns="0" rIns="0" bIns="0" anchor="ctr">
+            <a:spAutoFit/>
+          </a:bodyPr>
+          <a:lstStyle>
+            <a:lvl1pPr marL="272967" indent="-272967" algn="l" defTabSz="914127" rtl="0" eaLnBrk="1" latinLnBrk="0" hangingPunct="1">
+              <a:lnSpc>
+                <a:spcPct val="90000"/>
+              </a:lnSpc>
+              <a:spcBef>
+                <a:spcPts val="0"/>
+              </a:spcBef>
+              <a:spcAft>
+                <a:spcPts val="1000"/>
+              </a:spcAft>
+              <a:buFont typeface="Wingdings"/>
+              <a:buChar char="§"/>
+              <a:defRPr sz="2300" kern="1200">
+                <a:solidFill>
+                  <a:schemeClr val="bg1"/>
+                </a:solidFill>
+                <a:latin typeface="Calibri Light"/>
+                <a:ea typeface="+mn-ea"/>
+                <a:cs typeface="+mn-cs"/>
+              </a:defRPr>
+            </a:lvl1pPr>
+            <a:lvl2pPr marL="807798" indent="-272967" algn="l" defTabSz="914127" rtl="0" eaLnBrk="1" latinLnBrk="0" hangingPunct="1">
+              <a:lnSpc>
+                <a:spcPct val="90000"/>
+              </a:lnSpc>
+              <a:spcBef>
+                <a:spcPts val="0"/>
+              </a:spcBef>
+              <a:spcAft>
+                <a:spcPts val="1000"/>
+              </a:spcAft>
+              <a:buFont typeface="Symbol"/>
+              <a:buChar char="-"/>
+              <a:defRPr sz="2000" kern="1200">
+                <a:solidFill>
+                  <a:schemeClr val="bg1"/>
+                </a:solidFill>
+                <a:latin typeface="Calibri Light"/>
+                <a:ea typeface="+mn-ea"/>
+                <a:cs typeface="+mn-cs"/>
+              </a:defRPr>
+            </a:lvl2pPr>
+            <a:lvl3pPr marL="1080764" indent="-177748" algn="l" defTabSz="914127" rtl="0" eaLnBrk="1" latinLnBrk="0" hangingPunct="1">
+              <a:lnSpc>
+                <a:spcPct val="90000"/>
+              </a:lnSpc>
+              <a:spcBef>
+                <a:spcPts val="0"/>
+              </a:spcBef>
+              <a:spcAft>
+                <a:spcPts val="1000"/>
+              </a:spcAft>
+              <a:buFont typeface="Symbol"/>
+              <a:buChar char="-"/>
+              <a:defRPr sz="1900" kern="1200">
+                <a:solidFill>
+                  <a:schemeClr val="bg1"/>
+                </a:solidFill>
+                <a:latin typeface="Calibri Light"/>
+                <a:ea typeface="+mn-ea"/>
+                <a:cs typeface="+mn-cs"/>
+              </a:defRPr>
+            </a:lvl3pPr>
+            <a:lvl4pPr marL="1436256" indent="-177748" algn="l" defTabSz="914127" rtl="0" eaLnBrk="1" latinLnBrk="0" hangingPunct="1">
+              <a:lnSpc>
+                <a:spcPct val="90000"/>
+              </a:lnSpc>
+              <a:spcBef>
+                <a:spcPts val="0"/>
+              </a:spcBef>
+              <a:spcAft>
+                <a:spcPts val="1000"/>
+              </a:spcAft>
+              <a:buFont typeface="Symbol"/>
+              <a:buChar char="-"/>
+              <a:defRPr sz="1600" kern="1200">
+                <a:solidFill>
+                  <a:schemeClr val="bg1"/>
+                </a:solidFill>
+                <a:latin typeface="Calibri Light"/>
+                <a:ea typeface="+mn-ea"/>
+                <a:cs typeface="+mn-cs"/>
+              </a:defRPr>
+            </a:lvl4pPr>
+            <a:lvl5pPr marL="1793335" indent="-179335" algn="l" defTabSz="914127" rtl="0" eaLnBrk="1" latinLnBrk="0" hangingPunct="1">
+              <a:lnSpc>
+                <a:spcPct val="90000"/>
+              </a:lnSpc>
+              <a:spcBef>
+                <a:spcPts val="0"/>
+              </a:spcBef>
+              <a:spcAft>
+                <a:spcPts val="1000"/>
+              </a:spcAft>
+              <a:buFont typeface="Symbol"/>
+              <a:buChar char="-"/>
+              <a:defRPr sz="1600" kern="1200">
+                <a:solidFill>
+                  <a:schemeClr val="bg1"/>
+                </a:solidFill>
+                <a:latin typeface="Calibri Light"/>
+                <a:ea typeface="+mn-ea"/>
+                <a:cs typeface="+mn-cs"/>
+              </a:defRPr>
+            </a:lvl5pPr>
+            <a:lvl6pPr marL="2513847" indent="-228532" algn="l" defTabSz="914127" rtl="0" eaLnBrk="1" latinLnBrk="0" hangingPunct="1">
+              <a:spcBef>
+                <a:spcPct val="20000"/>
+              </a:spcBef>
+              <a:buFont typeface="Arial"/>
+              <a:buChar char="•"/>
+              <a:defRPr sz="2000" kern="1200">
+                <a:solidFill>
+                  <a:schemeClr val="tx1"/>
+                </a:solidFill>
+                <a:latin typeface="+mn-lt"/>
+                <a:ea typeface="+mn-ea"/>
+                <a:cs typeface="+mn-cs"/>
+              </a:defRPr>
+            </a:lvl6pPr>
+            <a:lvl7pPr marL="2970910" indent="-228532" algn="l" defTabSz="914127" rtl="0" eaLnBrk="1" latinLnBrk="0" hangingPunct="1">
+              <a:spcBef>
+                <a:spcPct val="20000"/>
+              </a:spcBef>
+              <a:buFont typeface="Arial"/>
+              <a:buChar char="•"/>
+              <a:defRPr sz="2000" kern="1200">
+                <a:solidFill>
+                  <a:schemeClr val="tx1"/>
+                </a:solidFill>
+                <a:latin typeface="+mn-lt"/>
+                <a:ea typeface="+mn-ea"/>
+                <a:cs typeface="+mn-cs"/>
+              </a:defRPr>
+            </a:lvl7pPr>
+            <a:lvl8pPr marL="3427972" indent="-228532" algn="l" defTabSz="914127" rtl="0" eaLnBrk="1" latinLnBrk="0" hangingPunct="1">
+              <a:spcBef>
+                <a:spcPct val="20000"/>
+              </a:spcBef>
+              <a:buFont typeface="Arial"/>
+              <a:buChar char="•"/>
+              <a:defRPr sz="2000" kern="1200">
+                <a:solidFill>
+                  <a:schemeClr val="tx1"/>
+                </a:solidFill>
+                <a:latin typeface="+mn-lt"/>
+                <a:ea typeface="+mn-ea"/>
+                <a:cs typeface="+mn-cs"/>
+              </a:defRPr>
+            </a:lvl8pPr>
+            <a:lvl9pPr marL="3885034" indent="-228532" algn="l" defTabSz="914127" rtl="0" eaLnBrk="1" latinLnBrk="0" hangingPunct="1">
+              <a:spcBef>
+                <a:spcPct val="20000"/>
+              </a:spcBef>
+              <a:buFont typeface="Arial"/>
+              <a:buChar char="•"/>
+              <a:defRPr sz="2000" kern="1200">
+                <a:solidFill>
+                  <a:schemeClr val="tx1"/>
+                </a:solidFill>
+                <a:latin typeface="+mn-lt"/>
+                <a:ea typeface="+mn-ea"/>
+                <a:cs typeface="+mn-cs"/>
+              </a:defRPr>
+            </a:lvl9pPr>
+          </a:lstStyle>
+          <a:p>
+            <a:pPr marL="0" indent="0">
+              <a:lnSpc>
+                <a:spcPct val="150000"/>
+              </a:lnSpc>
+              <a:buNone/>
+              <a:defRPr lang="ko-KR" altLang="en-US"/>
+            </a:pPr>
+            <a:r>
+              <a:rPr lang="en-US" altLang="ko-KR" sz="1400" b="1" dirty="0">
+                <a:latin typeface="+mj-lt"/>
+              </a:rPr>
+              <a:t>Three.js  #02</a:t>
+            </a:r>
+            <a:r>
+              <a:rPr lang="en-US" sz="1400" b="1" dirty="0">
+                <a:latin typeface="+mj-lt"/>
+              </a:rPr>
+              <a:t/>
+            </a:r>
+            <a:br>
+              <a:rPr lang="en-US" sz="1400" b="1" dirty="0">
+                <a:latin typeface="+mj-lt"/>
+              </a:rPr>
+            </a:br>
+            <a:r>
+              <a:rPr lang="ko-KR" altLang="en-US" sz="1000" dirty="0" smtClean="0">
+                <a:latin typeface="+mj-lt"/>
+              </a:rPr>
+              <a:t>웹에서 </a:t>
+            </a:r>
+            <a:r>
+              <a:rPr lang="en-US" altLang="ko-KR" sz="1000" dirty="0">
+                <a:latin typeface="+mj-lt"/>
+              </a:rPr>
+              <a:t>3D </a:t>
+            </a:r>
+            <a:r>
+              <a:rPr lang="ko-KR" altLang="en-US" sz="1000" dirty="0" smtClean="0">
+                <a:latin typeface="+mj-lt"/>
+              </a:rPr>
+              <a:t>그래픽을    </a:t>
+            </a:r>
+            <a:r>
+              <a:rPr lang="ko-KR" altLang="en-US" sz="1000" dirty="0">
+                <a:latin typeface="+mj-lt"/>
+              </a:rPr>
+              <a:t>다룰 수 있게 해주는 자바스크립트 라이브러리</a:t>
+            </a:r>
+            <a:endParaRPr lang="en-US" sz="1050" dirty="0">
+              <a:latin typeface="+mj-lt"/>
+            </a:endParaRPr>
+          </a:p>
+        </p:txBody>
+      </p:sp>
+      <p:sp>
+        <p:nvSpPr>
+          <p:cNvPr id="11" name="Inhaltsplatzhalter 4"/>
+          <p:cNvSpPr txBox="1"/>
+          <p:nvPr/>
+        </p:nvSpPr>
+        <p:spPr>
+          <a:xfrm>
+            <a:off x="6934200" y="3325927"/>
+            <a:ext cx="1573220" cy="1015663"/>
+          </a:xfrm>
+          <a:prstGeom prst="rect">
+            <a:avLst/>
+          </a:prstGeom>
+        </p:spPr>
+        <p:txBody>
+          <a:bodyPr wrap="square" lIns="0" tIns="0" rIns="0" bIns="0" anchor="ctr">
+            <a:spAutoFit/>
+          </a:bodyPr>
+          <a:lstStyle>
+            <a:lvl1pPr marL="272967" indent="-272967" algn="l" defTabSz="914127" rtl="0" eaLnBrk="1" latinLnBrk="0" hangingPunct="1">
+              <a:lnSpc>
+                <a:spcPct val="90000"/>
+              </a:lnSpc>
+              <a:spcBef>
+                <a:spcPts val="0"/>
+              </a:spcBef>
+              <a:spcAft>
+                <a:spcPts val="1000"/>
+              </a:spcAft>
+              <a:buFont typeface="Wingdings"/>
+              <a:buChar char="§"/>
+              <a:defRPr sz="2300" kern="1200">
+                <a:solidFill>
+                  <a:schemeClr val="bg1"/>
+                </a:solidFill>
+                <a:latin typeface="Calibri Light"/>
+                <a:ea typeface="+mn-ea"/>
+                <a:cs typeface="+mn-cs"/>
+              </a:defRPr>
+            </a:lvl1pPr>
+            <a:lvl2pPr marL="807798" indent="-272967" algn="l" defTabSz="914127" rtl="0" eaLnBrk="1" latinLnBrk="0" hangingPunct="1">
+              <a:lnSpc>
+                <a:spcPct val="90000"/>
+              </a:lnSpc>
+              <a:spcBef>
+                <a:spcPts val="0"/>
+              </a:spcBef>
+              <a:spcAft>
+                <a:spcPts val="1000"/>
+              </a:spcAft>
+              <a:buFont typeface="Symbol"/>
+              <a:buChar char="-"/>
+              <a:defRPr sz="2000" kern="1200">
+                <a:solidFill>
+                  <a:schemeClr val="bg1"/>
+                </a:solidFill>
+                <a:latin typeface="Calibri Light"/>
+                <a:ea typeface="+mn-ea"/>
+                <a:cs typeface="+mn-cs"/>
+              </a:defRPr>
+            </a:lvl2pPr>
+            <a:lvl3pPr marL="1080764" indent="-177748" algn="l" defTabSz="914127" rtl="0" eaLnBrk="1" latinLnBrk="0" hangingPunct="1">
+              <a:lnSpc>
+                <a:spcPct val="90000"/>
+              </a:lnSpc>
+              <a:spcBef>
+                <a:spcPts val="0"/>
+              </a:spcBef>
+              <a:spcAft>
+                <a:spcPts val="1000"/>
+              </a:spcAft>
+              <a:buFont typeface="Symbol"/>
+              <a:buChar char="-"/>
+              <a:defRPr sz="1900" kern="1200">
+                <a:solidFill>
+                  <a:schemeClr val="bg1"/>
+                </a:solidFill>
+                <a:latin typeface="Calibri Light"/>
+                <a:ea typeface="+mn-ea"/>
+                <a:cs typeface="+mn-cs"/>
+              </a:defRPr>
+            </a:lvl3pPr>
+            <a:lvl4pPr marL="1436256" indent="-177748" algn="l" defTabSz="914127" rtl="0" eaLnBrk="1" latinLnBrk="0" hangingPunct="1">
+              <a:lnSpc>
+                <a:spcPct val="90000"/>
+              </a:lnSpc>
+              <a:spcBef>
+                <a:spcPts val="0"/>
+              </a:spcBef>
+              <a:spcAft>
+                <a:spcPts val="1000"/>
+              </a:spcAft>
+              <a:buFont typeface="Symbol"/>
+              <a:buChar char="-"/>
+              <a:defRPr sz="1600" kern="1200">
+                <a:solidFill>
+                  <a:schemeClr val="bg1"/>
+                </a:solidFill>
+                <a:latin typeface="Calibri Light"/>
+                <a:ea typeface="+mn-ea"/>
+                <a:cs typeface="+mn-cs"/>
+              </a:defRPr>
+            </a:lvl4pPr>
+            <a:lvl5pPr marL="1793335" indent="-179335" algn="l" defTabSz="914127" rtl="0" eaLnBrk="1" latinLnBrk="0" hangingPunct="1">
+              <a:lnSpc>
+                <a:spcPct val="90000"/>
+              </a:lnSpc>
+              <a:spcBef>
+                <a:spcPts val="0"/>
+              </a:spcBef>
+              <a:spcAft>
+                <a:spcPts val="1000"/>
+              </a:spcAft>
+              <a:buFont typeface="Symbol"/>
+              <a:buChar char="-"/>
+              <a:defRPr sz="1600" kern="1200">
+                <a:solidFill>
+                  <a:schemeClr val="bg1"/>
+                </a:solidFill>
+                <a:latin typeface="Calibri Light"/>
+                <a:ea typeface="+mn-ea"/>
+                <a:cs typeface="+mn-cs"/>
+              </a:defRPr>
+            </a:lvl5pPr>
+            <a:lvl6pPr marL="2513847" indent="-228532" algn="l" defTabSz="914127" rtl="0" eaLnBrk="1" latinLnBrk="0" hangingPunct="1">
+              <a:spcBef>
+                <a:spcPct val="20000"/>
+              </a:spcBef>
+              <a:buFont typeface="Arial"/>
+              <a:buChar char="•"/>
+              <a:defRPr sz="2000" kern="1200">
+                <a:solidFill>
+                  <a:schemeClr val="tx1"/>
+                </a:solidFill>
+                <a:latin typeface="+mn-lt"/>
+                <a:ea typeface="+mn-ea"/>
+                <a:cs typeface="+mn-cs"/>
+              </a:defRPr>
+            </a:lvl6pPr>
+            <a:lvl7pPr marL="2970910" indent="-228532" algn="l" defTabSz="914127" rtl="0" eaLnBrk="1" latinLnBrk="0" hangingPunct="1">
+              <a:spcBef>
+                <a:spcPct val="20000"/>
+              </a:spcBef>
+              <a:buFont typeface="Arial"/>
+              <a:buChar char="•"/>
+              <a:defRPr sz="2000" kern="1200">
+                <a:solidFill>
+                  <a:schemeClr val="tx1"/>
+                </a:solidFill>
+                <a:latin typeface="+mn-lt"/>
+                <a:ea typeface="+mn-ea"/>
+                <a:cs typeface="+mn-cs"/>
+              </a:defRPr>
+            </a:lvl7pPr>
+            <a:lvl8pPr marL="3427972" indent="-228532" algn="l" defTabSz="914127" rtl="0" eaLnBrk="1" latinLnBrk="0" hangingPunct="1">
+              <a:spcBef>
+                <a:spcPct val="20000"/>
+              </a:spcBef>
+              <a:buFont typeface="Arial"/>
+              <a:buChar char="•"/>
+              <a:defRPr sz="2000" kern="1200">
+                <a:solidFill>
+                  <a:schemeClr val="tx1"/>
+                </a:solidFill>
+                <a:latin typeface="+mn-lt"/>
+                <a:ea typeface="+mn-ea"/>
+                <a:cs typeface="+mn-cs"/>
+              </a:defRPr>
+            </a:lvl8pPr>
+            <a:lvl9pPr marL="3885034" indent="-228532" algn="l" defTabSz="914127" rtl="0" eaLnBrk="1" latinLnBrk="0" hangingPunct="1">
+              <a:spcBef>
+                <a:spcPct val="20000"/>
+              </a:spcBef>
+              <a:buFont typeface="Arial"/>
+              <a:buChar char="•"/>
+              <a:defRPr sz="2000" kern="1200">
+                <a:solidFill>
+                  <a:schemeClr val="tx1"/>
+                </a:solidFill>
+                <a:latin typeface="+mn-lt"/>
+                <a:ea typeface="+mn-ea"/>
+                <a:cs typeface="+mn-cs"/>
+              </a:defRPr>
+            </a:lvl9pPr>
+          </a:lstStyle>
+          <a:p>
+            <a:pPr marL="0" indent="0">
+              <a:lnSpc>
+                <a:spcPct val="150000"/>
+              </a:lnSpc>
+              <a:buNone/>
+              <a:defRPr lang="ko-KR" altLang="en-US"/>
+            </a:pPr>
+            <a:r>
+              <a:rPr lang="en-US" altLang="ko-KR" sz="1400" b="1">
+                <a:latin typeface="+mj-lt"/>
+              </a:rPr>
+              <a:t>Dat.GUI.js  #03</a:t>
+            </a:r>
+            <a:r>
+              <a:rPr lang="en-US" sz="1400" b="1">
+                <a:latin typeface="+mj-lt"/>
+              </a:rPr>
+              <a:t/>
+            </a:r>
+            <a:br>
+              <a:rPr lang="en-US" sz="1400" b="1">
+                <a:latin typeface="+mj-lt"/>
+              </a:rPr>
+            </a:br>
+            <a:r>
+              <a:rPr lang="ko-KR" altLang="en-US" sz="1000">
+                <a:latin typeface="+mj-lt"/>
+              </a:rPr>
+              <a:t> 각종 조작이 가능한 제어판을 제공하는 자바스크립트 라이브러리</a:t>
+            </a:r>
+            <a:endParaRPr lang="en-US" sz="1050">
+              <a:latin typeface="+mj-lt"/>
+            </a:endParaRPr>
+          </a:p>
+        </p:txBody>
+      </p:sp>
+      <p:pic>
+        <p:nvPicPr>
+          <p:cNvPr id="3078" name="Picture 6"/>
+          <p:cNvPicPr>
+            <a:picLocks noChangeAspect="1" noChangeArrowheads="1"/>
+          </p:cNvPicPr>
+          <p:nvPr/>
+        </p:nvPicPr>
+        <p:blipFill rotWithShape="1">
+          <a:blip r:embed="rId2"/>
+          <a:srcRect/>
+          <a:stretch>
+            <a:fillRect/>
+          </a:stretch>
+        </p:blipFill>
+        <p:spPr>
+          <a:xfrm>
+            <a:off x="3057218" y="1236032"/>
+            <a:ext cx="3009900" cy="1514475"/>
+          </a:xfrm>
+          <a:prstGeom prst="rect">
+            <a:avLst/>
+          </a:prstGeom>
+          <a:noFill/>
+          <a:ln>
+            <a:noFill/>
+          </a:ln>
+        </p:spPr>
+      </p:pic>
+      <p:pic>
+        <p:nvPicPr>
+          <p:cNvPr id="2050" name="Picture 2"/>
+          <p:cNvPicPr>
+            <a:picLocks noChangeAspect="1" noChangeArrowheads="1"/>
+          </p:cNvPicPr>
+          <p:nvPr/>
+        </p:nvPicPr>
+        <p:blipFill rotWithShape="1">
+          <a:blip r:embed="rId3"/>
+          <a:srcRect/>
+          <a:stretch>
+            <a:fillRect/>
+          </a:stretch>
+        </p:blipFill>
+        <p:spPr>
+          <a:xfrm>
+            <a:off x="312014" y="1719426"/>
+            <a:ext cx="1997540" cy="566123"/>
+          </a:xfrm>
+          <a:prstGeom prst="rect">
+            <a:avLst/>
+          </a:prstGeom>
+          <a:noFill/>
+          <a:ln>
+            <a:noFill/>
+          </a:ln>
+          <a:effectLst/>
+        </p:spPr>
+      </p:pic>
+      <p:pic>
+        <p:nvPicPr>
+          <p:cNvPr id="14" name="Picture 3"/>
+          <p:cNvPicPr>
+            <a:picLocks noChangeAspect="1" noChangeArrowheads="1"/>
+          </p:cNvPicPr>
+          <p:nvPr/>
+        </p:nvPicPr>
+        <p:blipFill rotWithShape="1">
+          <a:blip r:embed="rId4"/>
+          <a:srcRect l="5430" t="31090" r="55900" b="37640"/>
+          <a:stretch>
+            <a:fillRect/>
+          </a:stretch>
+        </p:blipFill>
+        <p:spPr>
+          <a:xfrm>
+            <a:off x="6657341" y="1640757"/>
+            <a:ext cx="2126937" cy="705024"/>
+          </a:xfrm>
+          <a:prstGeom prst="rect">
+            <a:avLst/>
+          </a:prstGeom>
+          <a:noFill/>
+          <a:ln>
+            <a:noFill/>
+          </a:ln>
+        </p:spPr>
+      </p:pic>
+    </p:spTree>
+  </p:cSld>
+  <p:clrMapOvr>
+    <a:masterClrMapping/>
+  </p:clrMapOvr>
+  <mc:AlternateContent xmlns:mc="http://schemas.openxmlformats.org/markup-compatibility/2006" xmlns:p14="http://schemas.microsoft.com/office/powerpoint/2010/main">
+    <mc:Choice Requires="p14">
+      <p:transition spd="med" p14:dur="700" advTm="10000">
+        <p:fade/>
+      </p:transition>
+    </mc:Choice>
+    <mc:Fallback xmlns="">
+      <p:transition spd="med" advTm="10000">
+        <p:fade/>
+      </p:transition>
+    </mc:Fallback>
+  </mc:AlternateContent>
+  <p:timing>
+    <p:tnLst>
+      <p:par>
+        <p:cTn id="1" dur="indefinite" restart="never" nodeType="tmRoot">
+          <p:childTnLst>
+            <p:seq concurrent="1" nextAc="seek">
+              <p:cTn id="2" dur="indefinite" nodeType="mainSeq">
+                <p:childTnLst>
+                  <p:par>
+                    <p:cTn id="3" fill="hold">
+                      <p:stCondLst>
+                        <p:cond delay="0"/>
+                      </p:stCondLst>
+                      <p:childTnLst>
+                        <p:par>
+                          <p:cTn id="4" fill="hold">
+                            <p:stCondLst>
+                              <p:cond delay="0"/>
+                            </p:stCondLst>
+                            <p:childTnLst>
+                              <p:par>
+                                <p:cTn id="5" presetID="22" presetClass="entr" presetSubtype="8" fill="hold" grpId="0" nodeType="withEffect">
+                                  <p:stCondLst>
+                                    <p:cond delay="0"/>
+                                  </p:stCondLst>
+                                  <p:iterate>
+                                    <p:tmPct val="10000"/>
+                                  </p:iterate>
+                                  <p:childTnLst>
+                                    <p:set>
+                                      <p:cBhvr>
+                                        <p:cTn id="6" dur="1" fill="hold">
+                                          <p:stCondLst>
+                                            <p:cond delay="0"/>
+                                          </p:stCondLst>
+                                        </p:cTn>
+                                        <p:tgtEl>
+                                          <p:spTgt spid="9"/>
+                                        </p:tgtEl>
+                                        <p:attrNameLst>
+                                          <p:attrName>style.visibility</p:attrName>
+                                        </p:attrNameLst>
+                                      </p:cBhvr>
+                                      <p:to>
+                                        <p:strVal val="visible"/>
+                                      </p:to>
+                                    </p:set>
+                                    <p:animEffect transition="in" filter="wipe(left)">
+                                      <p:cBhvr>
+                                        <p:cTn id="7" dur="500" fill="hold">
+                                          <p:stCondLst>
+                                            <p:cond delay="0"/>
+                                          </p:stCondLst>
+                                        </p:cTn>
+                                        <p:tgtEl>
+                                          <p:spTgt spid="9"/>
+                                        </p:tgtEl>
+                                      </p:cBhvr>
+                                    </p:animEffect>
+                                  </p:childTnLst>
+                                </p:cTn>
+                              </p:par>
+                              <p:par>
+                                <p:cTn id="8" presetID="22" presetClass="entr" presetSubtype="8" fill="hold" grpId="0" nodeType="withEffect">
+                                  <p:stCondLst>
+                                    <p:cond delay="0"/>
+                                  </p:stCondLst>
+                                  <p:iterate>
+                                    <p:tmPct val="10000"/>
+                                  </p:iterate>
+                                  <p:childTnLst>
+                                    <p:set>
+                                      <p:cBhvr>
+                                        <p:cTn id="9" dur="1" fill="hold">
+                                          <p:stCondLst>
+                                            <p:cond delay="0"/>
+                                          </p:stCondLst>
+                                        </p:cTn>
+                                        <p:tgtEl>
+                                          <p:spTgt spid="10"/>
+                                        </p:tgtEl>
+                                        <p:attrNameLst>
+                                          <p:attrName>style.visibility</p:attrName>
+                                        </p:attrNameLst>
+                                      </p:cBhvr>
+                                      <p:to>
+                                        <p:strVal val="visible"/>
+                                      </p:to>
+                                    </p:set>
+                                    <p:animEffect transition="in" filter="wipe(left)">
+                                      <p:cBhvr>
+                                        <p:cTn id="10" dur="500" fill="hold">
+                                          <p:stCondLst>
+                                            <p:cond delay="0"/>
+                                          </p:stCondLst>
+                                        </p:cTn>
+                                        <p:tgtEl>
+                                          <p:spTgt spid="10"/>
+                                        </p:tgtEl>
+                                      </p:cBhvr>
+                                    </p:animEffect>
+                                  </p:childTnLst>
+                                </p:cTn>
+                              </p:par>
+                              <p:par>
+                                <p:cTn id="11" presetID="22" presetClass="entr" presetSubtype="8" fill="hold" grpId="0" nodeType="withEffect">
+                                  <p:stCondLst>
+                                    <p:cond delay="0"/>
+                                  </p:stCondLst>
+                                  <p:iterate>
+                                    <p:tmPct val="10000"/>
+                                  </p:iterate>
+                                  <p:childTnLst>
+                                    <p:set>
+                                      <p:cBhvr>
+                                        <p:cTn id="12" dur="1" fill="hold">
+                                          <p:stCondLst>
+                                            <p:cond delay="0"/>
+                                          </p:stCondLst>
+                                        </p:cTn>
+                                        <p:tgtEl>
+                                          <p:spTgt spid="11"/>
+                                        </p:tgtEl>
+                                        <p:attrNameLst>
+                                          <p:attrName>style.visibility</p:attrName>
+                                        </p:attrNameLst>
+                                      </p:cBhvr>
+                                      <p:to>
+                                        <p:strVal val="visible"/>
+                                      </p:to>
+                                    </p:set>
+                                    <p:animEffect transition="in" filter="wipe(left)">
+                                      <p:cBhvr>
+                                        <p:cTn id="13" dur="500" fill="hold">
+                                          <p:stCondLst>
+                                            <p:cond delay="0"/>
+                                          </p:stCondLst>
+                                        </p:cTn>
+                                        <p:tgtEl>
+                                          <p:spTgt spid="11"/>
+                                        </p:tgtEl>
+                                      </p:cBhvr>
+                                    </p:animEffect>
+                                  </p:childTnLst>
+                                </p:cTn>
+                              </p:par>
+                            </p:childTnLst>
+                          </p:cTn>
+                        </p:par>
+                      </p:childTnLst>
+                    </p:cTn>
+                  </p:par>
+                </p:childTnLst>
+              </p:cTn>
+              <p:prevCondLst>
+                <p:cond evt="onPrev" delay="0">
+                  <p:tgtEl>
+                    <p:sldTgt/>
+                  </p:tgtEl>
+                </p:cond>
+              </p:prevCondLst>
+              <p:nextCondLst>
+                <p:cond evt="onNext" delay="0">
+                  <p:tgtEl>
+                    <p:sldTgt/>
+                  </p:tgtEl>
+                </p:cond>
+              </p:nextCondLst>
+            </p:seq>
+          </p:childTnLst>
+        </p:cTn>
+      </p:par>
+    </p:tnLst>
+    <p:bldLst>
+      <p:bldP spid="9" grpId="0" autoUpdateAnimBg="0"/>
+      <p:bldP spid="10" grpId="0" autoUpdateAnimBg="0"/>
+      <p:bldP spid="11" grpId="0" autoUpdateAnimBg="0"/>
+    </p:bldLst>
+  </p:timing>
+</p:sld>
+</file>
+
+<file path=ppt/slides/slide6.xml><?xml version="1.0" encoding="utf-8"?>
+<p:sld xmlns:a="http://schemas.openxmlformats.org/drawingml/2006/main" xmlns:r="http://schemas.openxmlformats.org/officeDocument/2006/relationships" xmlns:p="http://schemas.openxmlformats.org/presentationml/2006/main">
+  <p:cSld>
+    <p:spTree>
+      <p:nvGrpSpPr>
+        <p:cNvPr id="1" name=""/>
+        <p:cNvGrpSpPr/>
+        <p:nvPr/>
+      </p:nvGrpSpPr>
+      <p:grpSpPr>
+        <a:xfrm>
+          <a:off x="0" y="0"/>
+          <a:ext cx="0" cy="0"/>
+          <a:chOff x="0" y="0"/>
+          <a:chExt cx="0" cy="0"/>
+        </a:xfrm>
+      </p:grpSpPr>
+      <p:sp>
+        <p:nvSpPr>
+          <p:cNvPr id="2" name="Title 1"/>
+          <p:cNvSpPr>
+            <a:spLocks noGrp="1"/>
+          </p:cNvSpPr>
+          <p:nvPr>
+            <p:ph type="title"/>
+          </p:nvPr>
+        </p:nvSpPr>
+        <p:spPr/>
+        <p:txBody>
+          <a:bodyPr/>
+          <a:lstStyle/>
+          <a:p>
+            <a:pPr lvl="0">
+              <a:defRPr lang="ko-KR" altLang="en-US"/>
+            </a:pPr>
+            <a:r>
+              <a:rPr lang="en-US" dirty="0" err="1"/>
+              <a:t>WebAR</a:t>
+            </a:r>
+            <a:r>
+              <a:rPr lang="ko-KR" altLang="en-US" dirty="0"/>
+              <a:t> 인테리어 </a:t>
+            </a:r>
+            <a:r>
+              <a:rPr lang="en-US" altLang="ko-KR" dirty="0"/>
+              <a:t>-</a:t>
+            </a:r>
+            <a:r>
+              <a:rPr lang="ko-KR" altLang="en-US" dirty="0"/>
+              <a:t> 기능</a:t>
+            </a:r>
+            <a:endParaRPr lang="en-US" dirty="0"/>
+          </a:p>
+        </p:txBody>
+      </p:sp>
+      <p:sp>
+        <p:nvSpPr>
+          <p:cNvPr id="6" name="Rectangle 5"/>
+          <p:cNvSpPr/>
+          <p:nvPr/>
+        </p:nvSpPr>
+        <p:spPr>
+          <a:xfrm>
+            <a:off x="0" y="3579862"/>
+            <a:ext cx="9144000" cy="1563638"/>
+          </a:xfrm>
+          <a:prstGeom prst="rect">
+            <a:avLst/>
+          </a:prstGeom>
+          <a:solidFill>
+            <a:srgbClr val="3F4C55"/>
+          </a:solidFill>
+          <a:ln w="9525">
+            <a:noFill/>
+            <a:round/>
+          </a:ln>
+        </p:spPr>
+        <p:txBody>
+          <a:bodyPr vert="horz" wrap="square" lIns="91440" tIns="45720" rIns="91440" bIns="45720" anchor="ctr" anchorCtr="0"/>
+          <a:lstStyle/>
+          <a:p>
+            <a:pPr algn="ctr">
+              <a:defRPr lang="ko-KR" altLang="en-US"/>
+            </a:pPr>
+            <a:endParaRPr lang="en-US">
+              <a:solidFill>
+                <a:schemeClr val="bg1"/>
+              </a:solidFill>
+              <a:latin typeface="+mn-lt"/>
+              <a:ea typeface="+mn-ea"/>
+              <a:cs typeface="+mn-cs"/>
+            </a:endParaRPr>
+          </a:p>
+        </p:txBody>
+      </p:sp>
+      <p:sp>
+        <p:nvSpPr>
+          <p:cNvPr id="67" name="Inhaltsplatzhalter 4"/>
+          <p:cNvSpPr txBox="1"/>
+          <p:nvPr/>
+        </p:nvSpPr>
+        <p:spPr>
+          <a:xfrm>
+            <a:off x="1331640" y="3881476"/>
+            <a:ext cx="2448272" cy="969496"/>
+          </a:xfrm>
+          <a:prstGeom prst="rect">
+            <a:avLst/>
+          </a:prstGeom>
+        </p:spPr>
+        <p:txBody>
+          <a:bodyPr wrap="square" lIns="0" tIns="0" rIns="0" bIns="0" anchor="ctr">
+            <a:spAutoFit/>
+          </a:bodyPr>
+          <a:lstStyle>
+            <a:lvl1pPr marL="272967" indent="-272967" algn="l" defTabSz="914127" rtl="0" eaLnBrk="1" latinLnBrk="0" hangingPunct="1">
+              <a:lnSpc>
+                <a:spcPct val="90000"/>
+              </a:lnSpc>
+              <a:spcBef>
+                <a:spcPts val="0"/>
+              </a:spcBef>
+              <a:spcAft>
+                <a:spcPts val="1000"/>
+              </a:spcAft>
+              <a:buFont typeface="Wingdings"/>
+              <a:buChar char="§"/>
+              <a:defRPr sz="2300" kern="1200">
+                <a:solidFill>
+                  <a:schemeClr val="bg1"/>
+                </a:solidFill>
+                <a:latin typeface="Calibri Light"/>
+                <a:ea typeface="+mn-ea"/>
+                <a:cs typeface="+mn-cs"/>
+              </a:defRPr>
+            </a:lvl1pPr>
+            <a:lvl2pPr marL="807798" indent="-272967" algn="l" defTabSz="914127" rtl="0" eaLnBrk="1" latinLnBrk="0" hangingPunct="1">
+              <a:lnSpc>
+                <a:spcPct val="90000"/>
+              </a:lnSpc>
+              <a:spcBef>
+                <a:spcPts val="0"/>
+              </a:spcBef>
+              <a:spcAft>
+                <a:spcPts val="1000"/>
+              </a:spcAft>
+              <a:buFont typeface="Symbol"/>
+              <a:buChar char="-"/>
+              <a:defRPr sz="2000" kern="1200">
+                <a:solidFill>
+                  <a:schemeClr val="bg1"/>
+                </a:solidFill>
+                <a:latin typeface="Calibri Light"/>
+                <a:ea typeface="+mn-ea"/>
+                <a:cs typeface="+mn-cs"/>
+              </a:defRPr>
+            </a:lvl2pPr>
+            <a:lvl3pPr marL="1080764" indent="-177748" algn="l" defTabSz="914127" rtl="0" eaLnBrk="1" latinLnBrk="0" hangingPunct="1">
+              <a:lnSpc>
+                <a:spcPct val="90000"/>
+              </a:lnSpc>
+              <a:spcBef>
+                <a:spcPts val="0"/>
+              </a:spcBef>
+              <a:spcAft>
+                <a:spcPts val="1000"/>
+              </a:spcAft>
+              <a:buFont typeface="Symbol"/>
+              <a:buChar char="-"/>
+              <a:defRPr sz="1900" kern="1200">
+                <a:solidFill>
+                  <a:schemeClr val="bg1"/>
+                </a:solidFill>
+                <a:latin typeface="Calibri Light"/>
+                <a:ea typeface="+mn-ea"/>
+                <a:cs typeface="+mn-cs"/>
+              </a:defRPr>
+            </a:lvl3pPr>
+            <a:lvl4pPr marL="1436256" indent="-177748" algn="l" defTabSz="914127" rtl="0" eaLnBrk="1" latinLnBrk="0" hangingPunct="1">
+              <a:lnSpc>
+                <a:spcPct val="90000"/>
+              </a:lnSpc>
+              <a:spcBef>
+                <a:spcPts val="0"/>
+              </a:spcBef>
+              <a:spcAft>
+                <a:spcPts val="1000"/>
+              </a:spcAft>
+              <a:buFont typeface="Symbol"/>
+              <a:buChar char="-"/>
+              <a:defRPr sz="1600" kern="1200">
+                <a:solidFill>
+                  <a:schemeClr val="bg1"/>
+                </a:solidFill>
+                <a:latin typeface="Calibri Light"/>
+                <a:ea typeface="+mn-ea"/>
+                <a:cs typeface="+mn-cs"/>
+              </a:defRPr>
+            </a:lvl4pPr>
+            <a:lvl5pPr marL="1793335" indent="-179335" algn="l" defTabSz="914127" rtl="0" eaLnBrk="1" latinLnBrk="0" hangingPunct="1">
+              <a:lnSpc>
+                <a:spcPct val="90000"/>
+              </a:lnSpc>
+              <a:spcBef>
+                <a:spcPts val="0"/>
+              </a:spcBef>
+              <a:spcAft>
+                <a:spcPts val="1000"/>
+              </a:spcAft>
+              <a:buFont typeface="Symbol"/>
+              <a:buChar char="-"/>
+              <a:defRPr sz="1600" kern="1200">
+                <a:solidFill>
+                  <a:schemeClr val="bg1"/>
+                </a:solidFill>
+                <a:latin typeface="Calibri Light"/>
+                <a:ea typeface="+mn-ea"/>
+                <a:cs typeface="+mn-cs"/>
+              </a:defRPr>
+            </a:lvl5pPr>
+            <a:lvl6pPr marL="2513847" indent="-228532" algn="l" defTabSz="914127" rtl="0" eaLnBrk="1" latinLnBrk="0" hangingPunct="1">
+              <a:spcBef>
+                <a:spcPct val="20000"/>
+              </a:spcBef>
+              <a:buFont typeface="Arial"/>
+              <a:buChar char="•"/>
+              <a:defRPr sz="2000" kern="1200">
+                <a:solidFill>
+                  <a:schemeClr val="tx1"/>
+                </a:solidFill>
+                <a:latin typeface="+mn-lt"/>
+                <a:ea typeface="+mn-ea"/>
+                <a:cs typeface="+mn-cs"/>
+              </a:defRPr>
+            </a:lvl6pPr>
+            <a:lvl7pPr marL="2970910" indent="-228532" algn="l" defTabSz="914127" rtl="0" eaLnBrk="1" latinLnBrk="0" hangingPunct="1">
+              <a:spcBef>
+                <a:spcPct val="20000"/>
+              </a:spcBef>
+              <a:buFont typeface="Arial"/>
+              <a:buChar char="•"/>
+              <a:defRPr sz="2000" kern="1200">
+                <a:solidFill>
+                  <a:schemeClr val="tx1"/>
+                </a:solidFill>
+                <a:latin typeface="+mn-lt"/>
+                <a:ea typeface="+mn-ea"/>
+                <a:cs typeface="+mn-cs"/>
+              </a:defRPr>
+            </a:lvl7pPr>
+            <a:lvl8pPr marL="3427972" indent="-228532" algn="l" defTabSz="914127" rtl="0" eaLnBrk="1" latinLnBrk="0" hangingPunct="1">
+              <a:spcBef>
+                <a:spcPct val="20000"/>
+              </a:spcBef>
+              <a:buFont typeface="Arial"/>
+              <a:buChar char="•"/>
+              <a:defRPr sz="2000" kern="1200">
+                <a:solidFill>
+                  <a:schemeClr val="tx1"/>
+                </a:solidFill>
+                <a:latin typeface="+mn-lt"/>
+                <a:ea typeface="+mn-ea"/>
+                <a:cs typeface="+mn-cs"/>
+              </a:defRPr>
+            </a:lvl8pPr>
+            <a:lvl9pPr marL="3885034" indent="-228532" algn="l" defTabSz="914127" rtl="0" eaLnBrk="1" latinLnBrk="0" hangingPunct="1">
+              <a:spcBef>
+                <a:spcPct val="20000"/>
+              </a:spcBef>
+              <a:buFont typeface="Arial"/>
+              <a:buChar char="•"/>
+              <a:defRPr sz="2000" kern="1200">
+                <a:solidFill>
+                  <a:schemeClr val="tx1"/>
+                </a:solidFill>
+                <a:latin typeface="+mn-lt"/>
+                <a:ea typeface="+mn-ea"/>
+                <a:cs typeface="+mn-cs"/>
+              </a:defRPr>
+            </a:lvl9pPr>
+          </a:lstStyle>
+          <a:p>
+            <a:pPr marL="0" indent="0">
+              <a:lnSpc>
+                <a:spcPct val="150000"/>
+              </a:lnSpc>
+              <a:buNone/>
+              <a:defRPr lang="ko-KR" altLang="en-US"/>
+            </a:pPr>
+            <a:r>
               <a:rPr lang="ko-KR" altLang="en-US" sz="1800" b="1" dirty="0" smtClean="0">
                 <a:latin typeface="+mj-lt"/>
               </a:rPr>
-              <a:t>바로 확인 가능 </a:t>
+              <a:t>바로 </a:t>
+            </a:r>
+            <a:r>
+              <a:rPr lang="ko-KR" altLang="en-US" sz="1800" b="1" dirty="0" smtClean="0">
+                <a:latin typeface="+mj-lt"/>
+              </a:rPr>
+              <a:t>사</a:t>
+            </a:r>
+            <a:r>
+              <a:rPr lang="ko-KR" altLang="en-US" sz="1800" b="1" dirty="0">
+                <a:latin typeface="+mj-lt"/>
+              </a:rPr>
+              <a:t>용</a:t>
+            </a:r>
+            <a:r>
+              <a:rPr lang="ko-KR" altLang="en-US" sz="1800" b="1" dirty="0" smtClean="0">
+                <a:latin typeface="+mj-lt"/>
+              </a:rPr>
+              <a:t> </a:t>
+            </a:r>
+            <a:r>
+              <a:rPr lang="ko-KR" altLang="en-US" sz="1800" b="1" dirty="0" smtClean="0">
+                <a:latin typeface="+mj-lt"/>
+              </a:rPr>
+              <a:t>가능 </a:t>
             </a:r>
             <a:r>
               <a:rPr lang="en-US" altLang="ko-KR" sz="1800" b="1" dirty="0" smtClean="0">
@@ -31531,7 +32169,7 @@
 </p:sld>
 </file>
 
-<file path=ppt/slides/slide6.xml><?xml version="1.0" encoding="utf-8"?>
+<file path=ppt/slides/slide7.xml><?xml version="1.0" encoding="utf-8"?>
 <p:sld xmlns:a="http://schemas.openxmlformats.org/drawingml/2006/main" xmlns:r="http://schemas.openxmlformats.org/officeDocument/2006/relationships" xmlns:p="http://schemas.openxmlformats.org/presentationml/2006/main">
   <p:cSld>
     <p:spTree>
@@ -31824,7 +32462,19 @@
               <a:rPr lang="ko-KR" altLang="en-US" sz="1800" b="1" dirty="0" smtClean="0">
                 <a:latin typeface="+mj-lt"/>
               </a:rPr>
-              <a:t>쉽고 정확한 이동 </a:t>
+              <a:t>쉽고 </a:t>
+            </a:r>
+            <a:r>
+              <a:rPr lang="ko-KR" altLang="en-US" sz="1800" b="1" dirty="0" smtClean="0">
+                <a:latin typeface="+mj-lt"/>
+              </a:rPr>
+              <a:t>간편한 배치</a:t>
+            </a:r>
+            <a:r>
+              <a:rPr lang="ko-KR" altLang="en-US" sz="1800" b="1" dirty="0" smtClean="0">
+                <a:latin typeface="+mj-lt"/>
+              </a:rPr>
+              <a:t> </a:t>
             </a:r>
             <a:r>
               <a:rPr lang="en-US" altLang="ko-KR" sz="1800" b="1" dirty="0" smtClean="0">
@@ -31853,7 +32503,25 @@
               <a:rPr lang="ko-KR" altLang="en-US" sz="1200" dirty="0" smtClean="0">
                 <a:latin typeface="+mj-lt"/>
               </a:rPr>
-              <a:t>를 사용으로 실체 사물과 비슷하게 놓고 터치만으로 쉽게 이동</a:t>
+              <a:t>를 </a:t>
+            </a:r>
+            <a:r>
+              <a:rPr lang="ko-KR" altLang="en-US" sz="1200" dirty="0" smtClean="0">
+                <a:latin typeface="+mj-lt"/>
+              </a:rPr>
+              <a:t>사용해 바닥에 사물을 놓을 수 있고 터치로 </a:t>
+            </a:r>
+            <a:r>
+              <a:rPr lang="ko-KR" altLang="en-US" sz="1200" dirty="0" smtClean="0">
+                <a:latin typeface="+mj-lt"/>
+              </a:rPr>
+              <a:t>쉽게 </a:t>
+            </a:r>
+            <a:r>
+              <a:rPr lang="ko-KR" altLang="en-US" sz="1200" dirty="0" smtClean="0">
+                <a:latin typeface="+mj-lt"/>
+              </a:rPr>
+              <a:t>이동가능</a:t>
             </a:r>
             <a:endParaRPr lang="en-US" sz="1400" dirty="0">
               <a:latin typeface="+mj-lt"/>
@@ -32059,13 +32727,19 @@
               <a:rPr lang="ko-KR" altLang="en-US" sz="1800" b="1" dirty="0" smtClean="0">
                 <a:latin typeface="+mj-lt"/>
               </a:rPr>
-              <a:t>편하고 정확함 </a:t>
+              <a:t>정확한 길이 측정</a:t>
             </a:r>
             <a:r>
               <a:rPr lang="en-US" sz="1800" b="1" dirty="0" smtClean="0">
                 <a:latin typeface="+mj-lt"/>
               </a:rPr>
-              <a:t>#04</a:t>
+              <a:t>#</a:t>
+            </a:r>
+            <a:r>
+              <a:rPr lang="en-US" sz="1800" b="1" dirty="0" smtClean="0">
+                <a:latin typeface="+mj-lt"/>
+              </a:rPr>
+              <a:t>04</a:t>
             </a:r>
             <a:r>
               <a:rPr lang="en-US" sz="1800" b="1" dirty="0">
@@ -32266,7 +32940,7 @@
 </p:sld>
 </file>
 
-<file path=ppt/slides/slide7.xml><?xml version="1.0" encoding="utf-8"?>
+<file path=ppt/slides/slide8.xml><?xml version="1.0" encoding="utf-8"?>
 <p:sld xmlns:a="http://schemas.openxmlformats.org/drawingml/2006/main" xmlns:r="http://schemas.openxmlformats.org/officeDocument/2006/relationships" xmlns:p="http://schemas.openxmlformats.org/presentationml/2006/main">
   <p:cSld>
     <p:spTree>
@@ -32369,8 +33043,8 @@
         </p:nvSpPr>
         <p:spPr>
           <a:xfrm>
-            <a:off x="1331640" y="3742977"/>
-            <a:ext cx="2412268" cy="1246495"/>
+            <a:off x="1331640" y="3881476"/>
+            <a:ext cx="2412268" cy="969496"/>
           </a:xfrm>
           <a:prstGeom prst="rect">
             <a:avLst/>
@@ -32559,7 +33233,19 @@
               <a:rPr lang="ko-KR" altLang="en-US" sz="1800" b="1" dirty="0" smtClean="0">
                 <a:latin typeface="+mj-lt"/>
               </a:rPr>
-              <a:t>보기 편한 옵션 </a:t>
+              <a:t>사용자 편의</a:t>
+            </a:r>
+            <a:r>
+              <a:rPr lang="ko-KR" altLang="en-US" sz="1800" b="1" dirty="0" smtClean="0">
+                <a:latin typeface="+mj-lt"/>
+              </a:rPr>
+              <a:t> </a:t>
+            </a:r>
+            <a:r>
+              <a:rPr lang="ko-KR" altLang="en-US" sz="1800" b="1" dirty="0" smtClean="0">
+                <a:latin typeface="+mj-lt"/>
+              </a:rPr>
+              <a:t>옵션 </a:t>
             </a:r>
             <a:r>
               <a:rPr lang="en-US" altLang="ko-KR" sz="1800" b="1" dirty="0" smtClean="0">
@@ -32579,12 +33265,6 @@
               </a:rPr>
             </a:br>
             <a:r>
-              <a:rPr lang="ko-KR" altLang="en-US" sz="1200" dirty="0" smtClean="0">
-                <a:latin typeface="+mj-lt"/>
-              </a:rPr>
-              <a:t>접속 후 바로 볼 수 있는 제어판과 </a:t>
-            </a:r>
-            <a:r>
               <a:rPr lang="ko-KR" altLang="en-US" sz="1200" dirty="0" err="1" smtClean="0">
                 <a:latin typeface="+mj-lt"/>
               </a:rPr>
@@ -32594,7 +33274,49 @@
               <a:rPr lang="ko-KR" altLang="en-US" sz="1200" dirty="0" smtClean="0">
                 <a:latin typeface="+mj-lt"/>
               </a:rPr>
-              <a:t> 찍을 때 타원이나 길이표시 삭제 가능</a:t>
+              <a:t> </a:t>
+            </a:r>
+            <a:r>
+              <a:rPr lang="ko-KR" altLang="en-US" sz="1200" dirty="0" smtClean="0">
+                <a:latin typeface="+mj-lt"/>
+              </a:rPr>
+              <a:t>찍을 때 </a:t>
+            </a:r>
+            <a:r>
+              <a:rPr lang="ko-KR" altLang="en-US" sz="1200" dirty="0" smtClean="0">
+                <a:latin typeface="+mj-lt"/>
+              </a:rPr>
+              <a:t>생성 도우미 타원이나 </a:t>
+            </a:r>
+            <a:r>
+              <a:rPr lang="ko-KR" altLang="en-US" sz="1200" dirty="0" smtClean="0">
+                <a:latin typeface="+mj-lt"/>
+              </a:rPr>
+              <a:t>길이표시 </a:t>
+            </a:r>
+            <a:r>
+              <a:rPr lang="ko-KR" altLang="en-US" sz="1200" dirty="0" smtClean="0">
+                <a:latin typeface="+mj-lt"/>
+              </a:rPr>
+              <a:t>감추</a:t>
+            </a:r>
+            <a:r>
+              <a:rPr lang="ko-KR" altLang="en-US" sz="1200" dirty="0">
+                <a:latin typeface="+mj-lt"/>
+              </a:rPr>
+              <a:t>기</a:t>
+            </a:r>
+            <a:r>
+              <a:rPr lang="ko-KR" altLang="en-US" sz="1200" dirty="0" smtClean="0">
+                <a:latin typeface="+mj-lt"/>
+              </a:rPr>
+              <a:t> </a:t>
+            </a:r>
+            <a:r>
+              <a:rPr lang="ko-KR" altLang="en-US" sz="1200" dirty="0" smtClean="0">
+                <a:latin typeface="+mj-lt"/>
+              </a:rPr>
+              <a:t>가능</a:t>
             </a:r>
             <a:endParaRPr lang="en-US" sz="1400" dirty="0">
               <a:latin typeface="+mj-lt"/>
@@ -33019,7 +33741,7 @@
 </p:sld>
 </file>
 
-<file path=ppt/slides/slide8.xml><?xml version="1.0" encoding="utf-8"?>
+<file path=ppt/slides/slide9.xml><?xml version="1.0" encoding="utf-8"?>
 <p:sld xmlns:a="http://schemas.openxmlformats.org/drawingml/2006/main" xmlns:r="http://schemas.openxmlformats.org/officeDocument/2006/relationships" xmlns:p="http://schemas.openxmlformats.org/presentationml/2006/main" showMasterSp="0">
   <p:cSld>
     <p:spTree>
@@ -34626,439 +35348,6 @@
 </p:sld>
 </file>
 
-<file path=ppt/slides/slide9.xml><?xml version="1.0" encoding="utf-8"?>
-<p:sld xmlns:a="http://schemas.openxmlformats.org/drawingml/2006/main" xmlns:r="http://schemas.openxmlformats.org/officeDocument/2006/relationships" xmlns:p="http://schemas.openxmlformats.org/presentationml/2006/main" showMasterSp="0">
-  <p:cSld>
-    <p:spTree>
-      <p:nvGrpSpPr>
-        <p:cNvPr id="1" name=""/>
-        <p:cNvGrpSpPr/>
-        <p:nvPr/>
-      </p:nvGrpSpPr>
-      <p:grpSpPr>
-        <a:xfrm>
-          <a:off x="0" y="0"/>
-          <a:ext cx="0" cy="0"/>
-          <a:chOff x="0" y="0"/>
-          <a:chExt cx="0" cy="0"/>
-        </a:xfrm>
-      </p:grpSpPr>
-      <p:sp>
-        <p:nvSpPr>
-          <p:cNvPr id="5" name="Title 3"/>
-          <p:cNvSpPr>
-            <a:spLocks noGrp="1"/>
-          </p:cNvSpPr>
-          <p:nvPr>
-            <p:ph type="title"/>
-          </p:nvPr>
-        </p:nvSpPr>
-        <p:spPr>
-          <a:xfrm>
-            <a:off x="1295400" y="285750"/>
-            <a:ext cx="5548963" cy="495383"/>
-          </a:xfrm>
-        </p:spPr>
-        <p:txBody>
-          <a:bodyPr/>
-          <a:lstStyle/>
-          <a:p>
-            <a:pPr algn="l">
-              <a:defRPr lang="ko-KR" altLang="en-US"/>
-            </a:pPr>
-            <a:r>
-              <a:rPr lang="ko-KR" altLang="en-US" dirty="0" smtClean="0"/>
-              <a:t>단점 방안</a:t>
-            </a:r>
-            <a:endParaRPr lang="en-US" dirty="0"/>
-          </a:p>
-        </p:txBody>
-      </p:sp>
-      <p:grpSp>
-        <p:nvGrpSpPr>
-          <p:cNvPr id="6" name="Group 5"/>
-          <p:cNvGrpSpPr/>
-          <p:nvPr/>
-        </p:nvGrpSpPr>
-        <p:grpSpPr>
-          <a:xfrm>
-            <a:off x="-12467" y="840674"/>
-            <a:ext cx="7386538" cy="211899"/>
-            <a:chOff x="0" y="2852400"/>
-            <a:chExt cx="7386538" cy="211899"/>
-          </a:xfrm>
-          <a:solidFill>
-            <a:schemeClr val="accent2"/>
-          </a:solidFill>
-        </p:grpSpPr>
-        <p:sp>
-          <p:nvSpPr>
-            <p:cNvPr id="8" name="Freeform 29"/>
-            <p:cNvSpPr/>
-            <p:nvPr/>
-          </p:nvSpPr>
-          <p:spPr>
-            <a:xfrm>
-              <a:off x="6306768" y="2852400"/>
-              <a:ext cx="1079770" cy="211899"/>
-            </a:xfrm>
-            <a:custGeom>
-              <a:avLst/>
-              <a:gdLst>
-                <a:gd name="connsiteX0" fmla="*/ 0 w 7238044"/>
-                <a:gd name="connsiteY0" fmla="*/ 0 h 1420425"/>
-                <a:gd name="connsiteX1" fmla="*/ 1841770 w 7238044"/>
-                <a:gd name="connsiteY1" fmla="*/ 0 h 1420425"/>
-                <a:gd name="connsiteX2" fmla="*/ 5396274 w 7238044"/>
-                <a:gd name="connsiteY2" fmla="*/ 0 h 1420425"/>
-                <a:gd name="connsiteX3" fmla="*/ 7238044 w 7238044"/>
-                <a:gd name="connsiteY3" fmla="*/ 0 h 1420425"/>
-                <a:gd name="connsiteX4" fmla="*/ 6575004 w 7238044"/>
-                <a:gd name="connsiteY4" fmla="*/ 1420425 h 1420425"/>
-                <a:gd name="connsiteX5" fmla="*/ 4733234 w 7238044"/>
-                <a:gd name="connsiteY5" fmla="*/ 1420425 h 1420425"/>
-                <a:gd name="connsiteX6" fmla="*/ 1841770 w 7238044"/>
-                <a:gd name="connsiteY6" fmla="*/ 1420425 h 1420425"/>
-                <a:gd name="connsiteX7" fmla="*/ 0 w 7238044"/>
-                <a:gd name="connsiteY7" fmla="*/ 1420425 h 1420425"/>
-              </a:gdLst>
-              <a:ahLst/>
-              <a:cxnLst>
-                <a:cxn ang="0">
-                  <a:pos x="connsiteX0" y="connsiteY0"/>
-                </a:cxn>
-                <a:cxn ang="0">
-                  <a:pos x="connsiteX1" y="connsiteY1"/>
-                </a:cxn>
-                <a:cxn ang="0">
-                  <a:pos x="connsiteX2" y="connsiteY2"/>
-                </a:cxn>
-                <a:cxn ang="0">
-                  <a:pos x="connsiteX3" y="connsiteY3"/>
-                </a:cxn>
-                <a:cxn ang="0">
-                  <a:pos x="connsiteX4" y="connsiteY4"/>
-                </a:cxn>
-                <a:cxn ang="0">
-                  <a:pos x="connsiteX5" y="connsiteY5"/>
-                </a:cxn>
-                <a:cxn ang="0">
-                  <a:pos x="connsiteX6" y="connsiteY6"/>
-                </a:cxn>
-                <a:cxn ang="0">
-                  <a:pos x="connsiteX7" y="connsiteY7"/>
-                </a:cxn>
-              </a:cxnLst>
-              <a:rect l="l" t="t" r="r" b="b"/>
-              <a:pathLst>
-                <a:path w="7238044" h="1420425">
-                  <a:moveTo>
-                    <a:pt x="0" y="0"/>
-                  </a:moveTo>
-                  <a:lnTo>
-                    <a:pt x="1841770" y="0"/>
-                  </a:lnTo>
-                  <a:lnTo>
-                    <a:pt x="5396274" y="0"/>
-                  </a:lnTo>
-                  <a:lnTo>
-                    <a:pt x="7238044" y="0"/>
-                  </a:lnTo>
-                  <a:lnTo>
-                    <a:pt x="6575004" y="1420425"/>
-                  </a:lnTo>
-                  <a:lnTo>
-                    <a:pt x="4733234" y="1420425"/>
-                  </a:lnTo>
-                  <a:lnTo>
-                    <a:pt x="1841770" y="1420425"/>
-                  </a:lnTo>
-                  <a:lnTo>
-                    <a:pt x="0" y="1420425"/>
-                  </a:lnTo>
-                  <a:close/>
-                </a:path>
-              </a:pathLst>
-            </a:custGeom>
-            <a:grpFill/>
-            <a:ln w="9525">
-              <a:noFill/>
-              <a:round/>
-            </a:ln>
-          </p:spPr>
-          <p:txBody>
-            <a:bodyPr vert="horz" wrap="square" lIns="91440" tIns="45720" rIns="91440" bIns="45720" anchor="t" anchorCtr="0"/>
-            <a:lstStyle/>
-            <a:p>
-              <a:pPr algn="ctr">
-                <a:defRPr lang="ko-KR" altLang="en-US"/>
-              </a:pPr>
-              <a:endParaRPr lang="en-US">
-                <a:latin typeface="+mn-lt"/>
-                <a:ea typeface="+mn-ea"/>
-                <a:cs typeface="+mn-cs"/>
-              </a:endParaRPr>
-            </a:p>
-          </p:txBody>
-        </p:sp>
-        <p:sp>
-          <p:nvSpPr>
-            <p:cNvPr id="9" name="Rectangle 30"/>
-            <p:cNvSpPr/>
-            <p:nvPr/>
-          </p:nvSpPr>
-          <p:spPr>
-            <a:xfrm>
-              <a:off x="0" y="2852400"/>
-              <a:ext cx="6334330" cy="211899"/>
-            </a:xfrm>
-            <a:prstGeom prst="rect">
-              <a:avLst/>
-            </a:prstGeom>
-            <a:grpFill/>
-            <a:ln w="9525">
-              <a:noFill/>
-              <a:round/>
-            </a:ln>
-          </p:spPr>
-          <p:txBody>
-            <a:bodyPr vert="horz" wrap="square" lIns="91440" tIns="45720" rIns="91440" bIns="45720" anchor="t" anchorCtr="0"/>
-            <a:lstStyle/>
-            <a:p>
-              <a:pPr algn="ctr">
-                <a:defRPr lang="ko-KR" altLang="en-US"/>
-              </a:pPr>
-              <a:endParaRPr lang="en-US">
-                <a:latin typeface="+mn-lt"/>
-                <a:ea typeface="+mn-ea"/>
-                <a:cs typeface="+mn-cs"/>
-              </a:endParaRPr>
-            </a:p>
-          </p:txBody>
-        </p:sp>
-      </p:grpSp>
-      <p:grpSp>
-        <p:nvGrpSpPr>
-          <p:cNvPr id="2" name="그룹 1"/>
-          <p:cNvGrpSpPr/>
-          <p:nvPr/>
-        </p:nvGrpSpPr>
-        <p:grpSpPr>
-          <a:xfrm>
-            <a:off x="1295400" y="2823778"/>
-            <a:ext cx="6427830" cy="1661877"/>
-            <a:chOff x="701334" y="2150702"/>
-            <a:chExt cx="8066248" cy="2298949"/>
-          </a:xfrm>
-        </p:grpSpPr>
-        <p:pic>
-          <p:nvPicPr>
-            <p:cNvPr id="1026" name="Picture 2" descr="알고 실천하자! 악수의 예절 : 네이버 블로그"/>
-            <p:cNvPicPr>
-              <a:picLocks noChangeAspect="1" noChangeArrowheads="1"/>
-            </p:cNvPicPr>
-            <p:nvPr/>
-          </p:nvPicPr>
-          <p:blipFill>
-            <a:blip r:embed="rId2">
-              <a:extLst>
-                <a:ext uri="{28A0092B-C50C-407E-A947-70E740481C1C}">
-                  <a14:useLocalDpi xmlns:a14="http://schemas.microsoft.com/office/drawing/2010/main" val="0"/>
-                </a:ext>
-              </a:extLst>
-            </a:blip>
-            <a:srcRect/>
-            <a:stretch>
-              <a:fillRect/>
-            </a:stretch>
-          </p:blipFill>
-          <p:spPr bwMode="auto">
-            <a:xfrm>
-              <a:off x="2193456" y="2430350"/>
-              <a:ext cx="3752850" cy="2019301"/>
-            </a:xfrm>
-            <a:prstGeom prst="rect">
-              <a:avLst/>
-            </a:prstGeom>
-            <a:noFill/>
-            <a:extLst>
-              <a:ext uri="{909E8E84-426E-40DD-AFC4-6F175D3DCCD1}">
-                <a14:hiddenFill xmlns:a14="http://schemas.microsoft.com/office/drawing/2010/main">
-                  <a:solidFill>
-                    <a:srgbClr val="FFFFFF"/>
-                  </a:solidFill>
-                </a14:hiddenFill>
-              </a:ext>
-            </a:extLst>
-          </p:spPr>
-        </p:pic>
-        <p:pic>
-          <p:nvPicPr>
-            <p:cNvPr id="1030" name="Picture 6" descr="기업 작명 스토리]① 가구업체들의 다양한 이름…그 비밀은? - 이뉴스투데이"/>
-            <p:cNvPicPr>
-              <a:picLocks noChangeAspect="1" noChangeArrowheads="1"/>
-            </p:cNvPicPr>
-            <p:nvPr/>
-          </p:nvPicPr>
-          <p:blipFill>
-            <a:blip r:embed="rId3" cstate="print">
-              <a:extLst>
-                <a:ext uri="{28A0092B-C50C-407E-A947-70E740481C1C}">
-                  <a14:useLocalDpi xmlns:a14="http://schemas.microsoft.com/office/drawing/2010/main" val="0"/>
-                </a:ext>
-              </a:extLst>
-            </a:blip>
-            <a:srcRect/>
-            <a:stretch>
-              <a:fillRect/>
-            </a:stretch>
-          </p:blipFill>
-          <p:spPr bwMode="auto">
-            <a:xfrm>
-              <a:off x="5980560" y="2528032"/>
-              <a:ext cx="2787022" cy="1300299"/>
-            </a:xfrm>
-            <a:prstGeom prst="rect">
-              <a:avLst/>
-            </a:prstGeom>
-            <a:noFill/>
-            <a:extLst>
-              <a:ext uri="{909E8E84-426E-40DD-AFC4-6F175D3DCCD1}">
-                <a14:hiddenFill xmlns:a14="http://schemas.microsoft.com/office/drawing/2010/main">
-                  <a:solidFill>
-                    <a:srgbClr val="FFFFFF"/>
-                  </a:solidFill>
-                </a14:hiddenFill>
-              </a:ext>
-            </a:extLst>
-          </p:spPr>
-        </p:pic>
-        <p:pic>
-          <p:nvPicPr>
-            <p:cNvPr id="1032" name="Picture 8" descr="호남대학교 로고"/>
-            <p:cNvPicPr>
-              <a:picLocks noChangeAspect="1" noChangeArrowheads="1"/>
-            </p:cNvPicPr>
-            <p:nvPr/>
-          </p:nvPicPr>
-          <p:blipFill rotWithShape="1">
-            <a:blip r:embed="rId4">
-              <a:extLst>
-                <a:ext uri="{28A0092B-C50C-407E-A947-70E740481C1C}">
-                  <a14:useLocalDpi xmlns:a14="http://schemas.microsoft.com/office/drawing/2010/main" val="0"/>
-                </a:ext>
-              </a:extLst>
-            </a:blip>
-            <a:srcRect l="38813" t="718" r="36687" b="-718"/>
-            <a:stretch/>
-          </p:blipFill>
-          <p:spPr bwMode="auto">
-            <a:xfrm>
-              <a:off x="701334" y="2150702"/>
-              <a:ext cx="1188132" cy="2054958"/>
-            </a:xfrm>
-            <a:prstGeom prst="rect">
-              <a:avLst/>
-            </a:prstGeom>
-            <a:noFill/>
-            <a:extLst>
-              <a:ext uri="{909E8E84-426E-40DD-AFC4-6F175D3DCCD1}">
-                <a14:hiddenFill xmlns:a14="http://schemas.microsoft.com/office/drawing/2010/main">
-                  <a:solidFill>
-                    <a:srgbClr val="FFFFFF"/>
-                  </a:solidFill>
-                </a14:hiddenFill>
-              </a:ext>
-            </a:extLst>
-          </p:spPr>
-        </p:pic>
-      </p:grpSp>
-      <p:sp>
-        <p:nvSpPr>
-          <p:cNvPr id="4" name="TextBox 3"/>
-          <p:cNvSpPr txBox="1"/>
-          <p:nvPr/>
-        </p:nvSpPr>
-        <p:spPr>
-          <a:xfrm>
-            <a:off x="647564" y="1669919"/>
-            <a:ext cx="5112568" cy="738664"/>
-          </a:xfrm>
-          <a:prstGeom prst="rect">
-            <a:avLst/>
-          </a:prstGeom>
-        </p:spPr>
-        <p:txBody>
-          <a:bodyPr wrap="square" lIns="0" tIns="0" rIns="0" bIns="0" rtlCol="0" anchor="ctr">
-            <a:spAutoFit/>
-          </a:bodyPr>
-          <a:lstStyle/>
-          <a:p>
-            <a:pPr marL="0" indent="0">
-              <a:lnSpc>
-                <a:spcPct val="150000"/>
-              </a:lnSpc>
-              <a:buNone/>
-            </a:pPr>
-            <a:r>
-              <a:rPr lang="ko-KR" altLang="en-US" sz="1600" b="1" dirty="0" smtClean="0">
-                <a:latin typeface="+mj-lt"/>
-              </a:rPr>
-              <a:t>가구가 매우 적다는 단점은 다른 가구 업체와 계약을 해서 </a:t>
-            </a:r>
-            <a:r>
-              <a:rPr lang="en-US" altLang="ko-KR" sz="1600" b="1" dirty="0" smtClean="0">
-                <a:latin typeface="+mj-lt"/>
-              </a:rPr>
-              <a:t>3D </a:t>
-            </a:r>
-            <a:r>
-              <a:rPr lang="ko-KR" altLang="en-US" sz="1600" b="1" dirty="0" smtClean="0">
-                <a:latin typeface="+mj-lt"/>
-              </a:rPr>
-              <a:t>모델만 얻으면 쉽게 단점을 보완할 수 있음</a:t>
-            </a:r>
-            <a:endParaRPr lang="ko-KR" altLang="en-US" sz="1600" b="1" dirty="0" smtClean="0">
-              <a:solidFill>
-                <a:schemeClr val="tx1"/>
-              </a:solidFill>
-              <a:latin typeface="+mj-lt"/>
-            </a:endParaRPr>
-          </a:p>
-        </p:txBody>
-      </p:sp>
-    </p:spTree>
-    <p:extLst>
-      <p:ext uri="{BB962C8B-B14F-4D97-AF65-F5344CB8AC3E}">
-        <p14:creationId xmlns:p14="http://schemas.microsoft.com/office/powerpoint/2010/main" val="3593365627"/>
-      </p:ext>
-    </p:extLst>
-  </p:cSld>
-  <p:clrMapOvr>
-    <a:masterClrMapping/>
-  </p:clrMapOvr>
-  <mc:AlternateContent xmlns:mc="http://schemas.openxmlformats.org/markup-compatibility/2006" xmlns:p14="http://schemas.microsoft.com/office/powerpoint/2010/main">
-    <mc:Choice Requires="p14">
-      <p:transition spd="med" p14:dur="700" advTm="6000">
-        <p:fade/>
-      </p:transition>
-    </mc:Choice>
-    <mc:Fallback xmlns="">
-      <p:transition spd="med" advTm="6000">
-        <p:fade/>
-      </p:transition>
-    </mc:Fallback>
-  </mc:AlternateContent>
-  <p:timing>
-    <p:tnLst>
-      <p:par>
-        <p:cTn id="1" dur="indefinite" restart="never" nodeType="tmRoot"/>
-      </p:par>
-    </p:tnLst>
-  </p:timing>
-</p:sld>
-</file>
-
 <file path=ppt/tags/tag1.xml><?xml version="1.0" encoding="utf-8"?>
 <p:tagLst xmlns:a="http://schemas.openxmlformats.org/drawingml/2006/main" xmlns:r="http://schemas.openxmlformats.org/officeDocument/2006/relationships" xmlns:p="http://schemas.openxmlformats.org/presentationml/2006/main">
   <p:tag name="TIMING" val="|0"/>

--- a/호남-발표자료 - 복사본.pptx
+++ b/호남-발표자료 - 복사본.pptx
@@ -132,7 +132,7 @@
   </p:defaultTextStyle>
   <p:extLst>
     <p:ext uri="{EFAFB233-063F-42B5-8137-9DF3F51BA10A}">
-      <p15:sldGuideLst xmlns:p15="http://schemas.microsoft.com/office/powerpoint/2012/main" xmlns="">
+      <p15:sldGuideLst xmlns="" xmlns:p15="http://schemas.microsoft.com/office/powerpoint/2012/main">
         <p15:guide id="1" orient="horz" pos="1619">
           <p15:clr>
             <a:srgbClr val="A4A3A4"/>
@@ -146,7 +146,7 @@
       </p15:sldGuideLst>
     </p:ext>
     <p:ext uri="{2D200454-40CA-4A62-9FC3-DE9A4176ACB9}">
-      <p15:notesGuideLst xmlns:p15="http://schemas.microsoft.com/office/powerpoint/2012/main" xmlns=""/>
+      <p15:notesGuideLst xmlns="" xmlns:p15="http://schemas.microsoft.com/office/powerpoint/2012/main"/>
     </p:ext>
   </p:extLst>
 </p:presentation>
@@ -1284,470 +1284,6 @@
       <dsp:cNvGrpSpPr/>
     </dsp:nvGrpSpPr>
     <dsp:grpSpPr/>
-    <dsp:sp modelId="{97E95642-6116-44AE-A337-7BC0A6A646B2}">
-      <dsp:nvSpPr>
-        <dsp:cNvPr id="0" name=""/>
-        <dsp:cNvSpPr/>
-      </dsp:nvSpPr>
-      <dsp:spPr>
-        <a:xfrm>
-          <a:off x="0" y="0"/>
-          <a:ext cx="5868652" cy="0"/>
-        </a:xfrm>
-        <a:prstGeom prst="line">
-          <a:avLst/>
-        </a:prstGeom>
-        <a:solidFill>
-          <a:schemeClr val="accent1">
-            <a:hueOff val="0"/>
-            <a:satOff val="0"/>
-            <a:lumOff val="0"/>
-            <a:alphaOff val="0"/>
-          </a:schemeClr>
-        </a:solidFill>
-        <a:ln w="25400" cap="flat" cmpd="sng" algn="ctr">
-          <a:solidFill>
-            <a:schemeClr val="accent1">
-              <a:hueOff val="0"/>
-              <a:satOff val="0"/>
-              <a:lumOff val="0"/>
-              <a:alphaOff val="0"/>
-            </a:schemeClr>
-          </a:solidFill>
-          <a:prstDash val="solid"/>
-        </a:ln>
-        <a:effectLst/>
-      </dsp:spPr>
-      <dsp:style>
-        <a:lnRef idx="2">
-          <a:scrgbClr r="0" g="0" b="0"/>
-        </a:lnRef>
-        <a:fillRef idx="1">
-          <a:scrgbClr r="0" g="0" b="0"/>
-        </a:fillRef>
-        <a:effectRef idx="0">
-          <a:scrgbClr r="0" g="0" b="0"/>
-        </a:effectRef>
-        <a:fontRef idx="minor">
-          <a:schemeClr val="lt1"/>
-        </a:fontRef>
-      </dsp:style>
-    </dsp:sp>
-    <dsp:sp modelId="{DCBC971F-FC39-4D96-ABAA-1A7A0C3F50D1}">
-      <dsp:nvSpPr>
-        <dsp:cNvPr id="0" name=""/>
-        <dsp:cNvSpPr/>
-      </dsp:nvSpPr>
-      <dsp:spPr>
-        <a:xfrm>
-          <a:off x="0" y="148232"/>
-          <a:ext cx="1173730" cy="1116124"/>
-        </a:xfrm>
-        <a:prstGeom prst="rect">
-          <a:avLst/>
-        </a:prstGeom>
-        <a:noFill/>
-        <a:ln>
-          <a:noFill/>
-        </a:ln>
-        <a:effectLst/>
-      </dsp:spPr>
-      <dsp:style>
-        <a:lnRef idx="0">
-          <a:scrgbClr r="0" g="0" b="0"/>
-        </a:lnRef>
-        <a:fillRef idx="0">
-          <a:scrgbClr r="0" g="0" b="0"/>
-        </a:fillRef>
-        <a:effectRef idx="0">
-          <a:scrgbClr r="0" g="0" b="0"/>
-        </a:effectRef>
-        <a:fontRef idx="minor"/>
-      </dsp:style>
-      <dsp:txBody>
-        <a:bodyPr spcFirstLastPara="0" vert="horz" wrap="square" lIns="76200" tIns="76200" rIns="76200" bIns="76200" numCol="1" spcCol="1270" anchor="t" anchorCtr="0">
-          <a:noAutofit/>
-        </a:bodyPr>
-        <a:lstStyle/>
-        <a:p>
-          <a:pPr lvl="0" algn="l" defTabSz="889000" latinLnBrk="1">
-            <a:lnSpc>
-              <a:spcPct val="90000"/>
-            </a:lnSpc>
-            <a:spcBef>
-              <a:spcPct val="0"/>
-            </a:spcBef>
-            <a:spcAft>
-              <a:spcPct val="35000"/>
-            </a:spcAft>
-          </a:pPr>
-          <a:r>
-            <a:rPr lang="ko-KR" altLang="en-US" sz="2000" kern="1200" dirty="0" err="1" smtClean="0"/>
-            <a:t>곽규한</a:t>
-          </a:r>
-          <a:endParaRPr lang="en-US" altLang="ko-KR" sz="2000" kern="1200" dirty="0" smtClean="0"/>
-        </a:p>
-        <a:p>
-          <a:pPr lvl="0" algn="l" defTabSz="889000" latinLnBrk="1">
-            <a:lnSpc>
-              <a:spcPct val="90000"/>
-            </a:lnSpc>
-            <a:spcBef>
-              <a:spcPct val="0"/>
-            </a:spcBef>
-            <a:spcAft>
-              <a:spcPct val="35000"/>
-            </a:spcAft>
-          </a:pPr>
-          <a:r>
-            <a:rPr lang="ko-KR" altLang="en-US" sz="2000" kern="1200" dirty="0" smtClean="0"/>
-            <a:t>이호준</a:t>
-          </a:r>
-          <a:endParaRPr lang="ko-KR" altLang="en-US" sz="2000" kern="1200" dirty="0"/>
-        </a:p>
-      </dsp:txBody>
-      <dsp:txXfrm>
-        <a:off x="0" y="148232"/>
-        <a:ext cx="1173730" cy="1116124"/>
-      </dsp:txXfrm>
-    </dsp:sp>
-    <dsp:sp modelId="{7C4FB7B5-D460-4973-BF26-AEBEB02499D0}">
-      <dsp:nvSpPr>
-        <dsp:cNvPr id="0" name=""/>
-        <dsp:cNvSpPr/>
-      </dsp:nvSpPr>
-      <dsp:spPr>
-        <a:xfrm>
-          <a:off x="1261760" y="50683"/>
-          <a:ext cx="4606891" cy="1013667"/>
-        </a:xfrm>
-        <a:prstGeom prst="rect">
-          <a:avLst/>
-        </a:prstGeom>
-        <a:noFill/>
-        <a:ln>
-          <a:noFill/>
-        </a:ln>
-        <a:effectLst/>
-      </dsp:spPr>
-      <dsp:style>
-        <a:lnRef idx="0">
-          <a:scrgbClr r="0" g="0" b="0"/>
-        </a:lnRef>
-        <a:fillRef idx="0">
-          <a:scrgbClr r="0" g="0" b="0"/>
-        </a:fillRef>
-        <a:effectRef idx="0">
-          <a:scrgbClr r="0" g="0" b="0"/>
-        </a:effectRef>
-        <a:fontRef idx="minor"/>
-      </dsp:style>
-      <dsp:txBody>
-        <a:bodyPr spcFirstLastPara="0" vert="horz" wrap="square" lIns="91440" tIns="91440" rIns="91440" bIns="91440" numCol="1" spcCol="1270" anchor="t" anchorCtr="0">
-          <a:noAutofit/>
-        </a:bodyPr>
-        <a:lstStyle/>
-        <a:p>
-          <a:pPr lvl="0" algn="l" defTabSz="1066800" latinLnBrk="1">
-            <a:lnSpc>
-              <a:spcPct val="90000"/>
-            </a:lnSpc>
-            <a:spcBef>
-              <a:spcPct val="0"/>
-            </a:spcBef>
-            <a:spcAft>
-              <a:spcPct val="35000"/>
-            </a:spcAft>
-          </a:pPr>
-          <a:r>
-            <a:rPr lang="en-US" altLang="ko-KR" sz="2400" kern="1200" dirty="0" smtClean="0"/>
-            <a:t>AR </a:t>
-          </a:r>
-          <a:r>
-            <a:rPr lang="ko-KR" altLang="en-US" sz="2400" kern="1200" dirty="0" smtClean="0"/>
-            <a:t>기능</a:t>
-          </a:r>
-          <a:r>
-            <a:rPr lang="en-US" altLang="ko-KR" sz="2400" kern="1200" dirty="0" smtClean="0"/>
-            <a:t>, </a:t>
-          </a:r>
-          <a:r>
-            <a:rPr lang="ko-KR" altLang="en-US" sz="2400" kern="1200" dirty="0" smtClean="0"/>
-            <a:t>제어판 기능</a:t>
-          </a:r>
-          <a:endParaRPr lang="ko-KR" altLang="en-US" sz="2400" kern="1200" dirty="0"/>
-        </a:p>
-      </dsp:txBody>
-      <dsp:txXfrm>
-        <a:off x="1261760" y="50683"/>
-        <a:ext cx="4606891" cy="1013667"/>
-      </dsp:txXfrm>
-    </dsp:sp>
-    <dsp:sp modelId="{BAA0753F-A9FE-4701-942D-2D8182617D15}">
-      <dsp:nvSpPr>
-        <dsp:cNvPr id="0" name=""/>
-        <dsp:cNvSpPr/>
-      </dsp:nvSpPr>
-      <dsp:spPr>
-        <a:xfrm>
-          <a:off x="1173730" y="1064350"/>
-          <a:ext cx="4694921" cy="0"/>
-        </a:xfrm>
-        <a:prstGeom prst="line">
-          <a:avLst/>
-        </a:prstGeom>
-        <a:solidFill>
-          <a:schemeClr val="accent1">
-            <a:hueOff val="0"/>
-            <a:satOff val="0"/>
-            <a:lumOff val="0"/>
-            <a:alphaOff val="0"/>
-          </a:schemeClr>
-        </a:solidFill>
-        <a:ln w="25400" cap="flat" cmpd="sng" algn="ctr">
-          <a:solidFill>
-            <a:schemeClr val="accent1">
-              <a:tint val="50000"/>
-              <a:hueOff val="0"/>
-              <a:satOff val="0"/>
-              <a:lumOff val="0"/>
-              <a:alphaOff val="0"/>
-            </a:schemeClr>
-          </a:solidFill>
-          <a:prstDash val="solid"/>
-        </a:ln>
-        <a:effectLst/>
-      </dsp:spPr>
-      <dsp:style>
-        <a:lnRef idx="2">
-          <a:scrgbClr r="0" g="0" b="0"/>
-        </a:lnRef>
-        <a:fillRef idx="1">
-          <a:scrgbClr r="0" g="0" b="0"/>
-        </a:fillRef>
-        <a:effectRef idx="0">
-          <a:scrgbClr r="0" g="0" b="0"/>
-        </a:effectRef>
-        <a:fontRef idx="minor"/>
-      </dsp:style>
-    </dsp:sp>
-    <dsp:sp modelId="{D7502388-C955-45BA-8AF5-2054B132C11C}">
-      <dsp:nvSpPr>
-        <dsp:cNvPr id="0" name=""/>
-        <dsp:cNvSpPr/>
-      </dsp:nvSpPr>
-      <dsp:spPr>
-        <a:xfrm>
-          <a:off x="0" y="1116124"/>
-          <a:ext cx="5868652" cy="0"/>
-        </a:xfrm>
-        <a:prstGeom prst="line">
-          <a:avLst/>
-        </a:prstGeom>
-        <a:solidFill>
-          <a:schemeClr val="accent1">
-            <a:hueOff val="0"/>
-            <a:satOff val="0"/>
-            <a:lumOff val="0"/>
-            <a:alphaOff val="0"/>
-          </a:schemeClr>
-        </a:solidFill>
-        <a:ln w="25400" cap="flat" cmpd="sng" algn="ctr">
-          <a:solidFill>
-            <a:schemeClr val="accent1">
-              <a:hueOff val="0"/>
-              <a:satOff val="0"/>
-              <a:lumOff val="0"/>
-              <a:alphaOff val="0"/>
-            </a:schemeClr>
-          </a:solidFill>
-          <a:prstDash val="solid"/>
-        </a:ln>
-        <a:effectLst/>
-      </dsp:spPr>
-      <dsp:style>
-        <a:lnRef idx="2">
-          <a:scrgbClr r="0" g="0" b="0"/>
-        </a:lnRef>
-        <a:fillRef idx="1">
-          <a:scrgbClr r="0" g="0" b="0"/>
-        </a:fillRef>
-        <a:effectRef idx="0">
-          <a:scrgbClr r="0" g="0" b="0"/>
-        </a:effectRef>
-        <a:fontRef idx="minor">
-          <a:schemeClr val="lt1"/>
-        </a:fontRef>
-      </dsp:style>
-    </dsp:sp>
-    <dsp:sp modelId="{0121AB03-4C53-463B-B760-EC250EE8B1A2}">
-      <dsp:nvSpPr>
-        <dsp:cNvPr id="0" name=""/>
-        <dsp:cNvSpPr/>
-      </dsp:nvSpPr>
-      <dsp:spPr>
-        <a:xfrm>
-          <a:off x="0" y="1116124"/>
-          <a:ext cx="1173730" cy="1116124"/>
-        </a:xfrm>
-        <a:prstGeom prst="rect">
-          <a:avLst/>
-        </a:prstGeom>
-        <a:noFill/>
-        <a:ln>
-          <a:noFill/>
-        </a:ln>
-        <a:effectLst/>
-      </dsp:spPr>
-      <dsp:style>
-        <a:lnRef idx="0">
-          <a:scrgbClr r="0" g="0" b="0"/>
-        </a:lnRef>
-        <a:fillRef idx="0">
-          <a:scrgbClr r="0" g="0" b="0"/>
-        </a:fillRef>
-        <a:effectRef idx="0">
-          <a:scrgbClr r="0" g="0" b="0"/>
-        </a:effectRef>
-        <a:fontRef idx="minor"/>
-      </dsp:style>
-      <dsp:txBody>
-        <a:bodyPr spcFirstLastPara="0" vert="horz" wrap="square" lIns="76200" tIns="76200" rIns="76200" bIns="76200" numCol="1" spcCol="1270" anchor="t" anchorCtr="0">
-          <a:noAutofit/>
-        </a:bodyPr>
-        <a:lstStyle/>
-        <a:p>
-          <a:pPr lvl="0" algn="l" defTabSz="889000" latinLnBrk="1">
-            <a:lnSpc>
-              <a:spcPct val="90000"/>
-            </a:lnSpc>
-            <a:spcBef>
-              <a:spcPct val="0"/>
-            </a:spcBef>
-            <a:spcAft>
-              <a:spcPct val="35000"/>
-            </a:spcAft>
-          </a:pPr>
-          <a:r>
-            <a:rPr lang="ko-KR" altLang="en-US" sz="2000" kern="1200" dirty="0" smtClean="0"/>
-            <a:t>이남현</a:t>
-          </a:r>
-          <a:endParaRPr lang="ko-KR" altLang="en-US" sz="2000" kern="1200" dirty="0"/>
-        </a:p>
-      </dsp:txBody>
-      <dsp:txXfrm>
-        <a:off x="0" y="1116124"/>
-        <a:ext cx="1173730" cy="1116124"/>
-      </dsp:txXfrm>
-    </dsp:sp>
-    <dsp:sp modelId="{4C37C8A3-9B77-46C6-AB1D-90AB5E3271E6}">
-      <dsp:nvSpPr>
-        <dsp:cNvPr id="0" name=""/>
-        <dsp:cNvSpPr/>
-      </dsp:nvSpPr>
-      <dsp:spPr>
-        <a:xfrm>
-          <a:off x="1261760" y="1166807"/>
-          <a:ext cx="4606891" cy="1013667"/>
-        </a:xfrm>
-        <a:prstGeom prst="rect">
-          <a:avLst/>
-        </a:prstGeom>
-        <a:noFill/>
-        <a:ln>
-          <a:noFill/>
-        </a:ln>
-        <a:effectLst/>
-      </dsp:spPr>
-      <dsp:style>
-        <a:lnRef idx="0">
-          <a:scrgbClr r="0" g="0" b="0"/>
-        </a:lnRef>
-        <a:fillRef idx="0">
-          <a:scrgbClr r="0" g="0" b="0"/>
-        </a:fillRef>
-        <a:effectRef idx="0">
-          <a:scrgbClr r="0" g="0" b="0"/>
-        </a:effectRef>
-        <a:fontRef idx="minor"/>
-      </dsp:style>
-      <dsp:txBody>
-        <a:bodyPr spcFirstLastPara="0" vert="horz" wrap="square" lIns="91440" tIns="91440" rIns="91440" bIns="91440" numCol="1" spcCol="1270" anchor="t" anchorCtr="0">
-          <a:noAutofit/>
-        </a:bodyPr>
-        <a:lstStyle/>
-        <a:p>
-          <a:pPr lvl="0" algn="l" defTabSz="1066800" latinLnBrk="1">
-            <a:lnSpc>
-              <a:spcPct val="90000"/>
-            </a:lnSpc>
-            <a:spcBef>
-              <a:spcPct val="0"/>
-            </a:spcBef>
-            <a:spcAft>
-              <a:spcPct val="35000"/>
-            </a:spcAft>
-          </a:pPr>
-          <a:r>
-            <a:rPr lang="ko-KR" altLang="en-US" sz="2400" kern="1200" dirty="0" smtClean="0"/>
-            <a:t>서버</a:t>
-          </a:r>
-          <a:endParaRPr lang="ko-KR" altLang="en-US" sz="2400" kern="1200" dirty="0"/>
-        </a:p>
-      </dsp:txBody>
-      <dsp:txXfrm>
-        <a:off x="1261760" y="1166807"/>
-        <a:ext cx="4606891" cy="1013667"/>
-      </dsp:txXfrm>
-    </dsp:sp>
-    <dsp:sp modelId="{F16ADB40-B52D-40B8-A813-0E635BE895AE}">
-      <dsp:nvSpPr>
-        <dsp:cNvPr id="0" name=""/>
-        <dsp:cNvSpPr/>
-      </dsp:nvSpPr>
-      <dsp:spPr>
-        <a:xfrm>
-          <a:off x="1173730" y="2180474"/>
-          <a:ext cx="4694921" cy="0"/>
-        </a:xfrm>
-        <a:prstGeom prst="line">
-          <a:avLst/>
-        </a:prstGeom>
-        <a:solidFill>
-          <a:schemeClr val="accent1">
-            <a:hueOff val="0"/>
-            <a:satOff val="0"/>
-            <a:lumOff val="0"/>
-            <a:alphaOff val="0"/>
-          </a:schemeClr>
-        </a:solidFill>
-        <a:ln w="25400" cap="flat" cmpd="sng" algn="ctr">
-          <a:solidFill>
-            <a:schemeClr val="accent1">
-              <a:tint val="50000"/>
-              <a:hueOff val="0"/>
-              <a:satOff val="0"/>
-              <a:lumOff val="0"/>
-              <a:alphaOff val="0"/>
-            </a:schemeClr>
-          </a:solidFill>
-          <a:prstDash val="solid"/>
-        </a:ln>
-        <a:effectLst/>
-      </dsp:spPr>
-      <dsp:style>
-        <a:lnRef idx="2">
-          <a:scrgbClr r="0" g="0" b="0"/>
-        </a:lnRef>
-        <a:fillRef idx="1">
-          <a:scrgbClr r="0" g="0" b="0"/>
-        </a:fillRef>
-        <a:effectRef idx="0">
-          <a:scrgbClr r="0" g="0" b="0"/>
-        </a:effectRef>
-        <a:fontRef idx="minor"/>
-      </dsp:style>
-    </dsp:sp>
   </dsp:spTree>
 </dsp:drawing>
 </file>
@@ -18788,13 +18324,7 @@
               <a:rPr lang="ko-KR" altLang="en-US" sz="1000" b="1" dirty="0" smtClean="0">
                 <a:latin typeface="+mj-lt"/>
               </a:rPr>
-              <a:t>길이가 </a:t>
-            </a:r>
-            <a:r>
-              <a:rPr lang="ko-KR" altLang="en-US" sz="1000" b="1" dirty="0" smtClean="0">
-                <a:latin typeface="+mj-lt"/>
-              </a:rPr>
-              <a:t>적</a:t>
+              <a:t>길이가 적</a:t>
             </a:r>
             <a:r>
               <a:rPr lang="ko-KR" altLang="en-US" sz="1000" b="1" dirty="0">
@@ -29062,10 +28592,10 @@
           </p:nvGrpSpPr>
           <p:grpSpPr>
             <a:xfrm>
-              <a:off x="4313038" y="2626907"/>
-              <a:ext cx="2695280" cy="1851166"/>
-              <a:chOff x="4313038" y="2626907"/>
-              <a:chExt cx="2695280" cy="1851166"/>
+              <a:off x="4270100" y="2626907"/>
+              <a:ext cx="2738218" cy="1851166"/>
+              <a:chOff x="4270100" y="2626907"/>
+              <a:chExt cx="2738218" cy="1851166"/>
             </a:xfrm>
           </p:grpSpPr>
           <p:pic>
@@ -29105,8 +28635,8 @@
             </p:nvSpPr>
             <p:spPr>
               <a:xfrm>
-                <a:off x="4688152" y="2626907"/>
-                <a:ext cx="1440160" cy="415498"/>
+                <a:off x="4270100" y="2626907"/>
+                <a:ext cx="2599222" cy="415498"/>
               </a:xfrm>
               <a:prstGeom prst="rect">
                 <a:avLst/>
@@ -29143,7 +28673,13 @@
                   <a:rPr lang="en-US" altLang="ko-KR" b="1" dirty="0" smtClean="0">
                     <a:latin typeface="+mj-lt"/>
                   </a:rPr>
-                  <a:t>IKEA Place</a:t>
+                  <a:t>IKEA </a:t>
+                </a:r>
+                <a:r>
+                  <a:rPr lang="en-US" altLang="ko-KR" b="1" dirty="0" smtClean="0">
+                    <a:latin typeface="+mj-lt"/>
+                  </a:rPr>
+                  <a:t>Place(AR App)</a:t>
                 </a:r>
                 <a:endParaRPr lang="ko-KR" altLang="en-US" b="1" dirty="0" smtClean="0">
                   <a:solidFill>
@@ -29554,8 +29090,8 @@
         </p:blipFill>
         <p:spPr>
           <a:xfrm>
-            <a:off x="1985987" y="2834656"/>
-            <a:ext cx="1337536" cy="1337536"/>
+            <a:off x="2159732" y="3054790"/>
+            <a:ext cx="996700" cy="996700"/>
           </a:xfrm>
           <a:prstGeom prst="rect">
             <a:avLst/>
@@ -29580,8 +29116,8 @@
         </p:blipFill>
         <p:spPr>
           <a:xfrm>
-            <a:off x="4806547" y="2783664"/>
-            <a:ext cx="1337536" cy="1337536"/>
+            <a:off x="4980292" y="3003798"/>
+            <a:ext cx="996700" cy="996700"/>
           </a:xfrm>
           <a:prstGeom prst="rect">
             <a:avLst/>
@@ -31682,13 +31218,7 @@
               <a:rPr lang="ko-KR" altLang="en-US" sz="1800" b="1" dirty="0" smtClean="0">
                 <a:latin typeface="+mj-lt"/>
               </a:rPr>
-              <a:t>바로 </a:t>
-            </a:r>
-            <a:r>
-              <a:rPr lang="ko-KR" altLang="en-US" sz="1800" b="1" dirty="0" smtClean="0">
-                <a:latin typeface="+mj-lt"/>
-              </a:rPr>
-              <a:t>사</a:t>
+              <a:t>바로 사</a:t>
             </a:r>
             <a:r>
               <a:rPr lang="ko-KR" altLang="en-US" sz="1800" b="1" dirty="0">
@@ -31700,13 +31230,7 @@
               <a:rPr lang="ko-KR" altLang="en-US" sz="1800" b="1" dirty="0" smtClean="0">
                 <a:latin typeface="+mj-lt"/>
               </a:rPr>
-              <a:t> </a:t>
-            </a:r>
-            <a:r>
-              <a:rPr lang="ko-KR" altLang="en-US" sz="1800" b="1" dirty="0" smtClean="0">
-                <a:latin typeface="+mj-lt"/>
-              </a:rPr>
-              <a:t>가능 </a:t>
+              <a:t> 가능 </a:t>
             </a:r>
             <a:r>
               <a:rPr lang="en-US" altLang="ko-KR" sz="1800" b="1" dirty="0" smtClean="0">
@@ -32462,19 +31986,7 @@
               <a:rPr lang="ko-KR" altLang="en-US" sz="1800" b="1" dirty="0" smtClean="0">
                 <a:latin typeface="+mj-lt"/>
               </a:rPr>
-              <a:t>쉽고 </a:t>
-            </a:r>
-            <a:r>
-              <a:rPr lang="ko-KR" altLang="en-US" sz="1800" b="1" dirty="0" smtClean="0">
-                <a:latin typeface="+mj-lt"/>
-              </a:rPr>
-              <a:t>간편한 배치</a:t>
-            </a:r>
-            <a:r>
-              <a:rPr lang="ko-KR" altLang="en-US" sz="1800" b="1" dirty="0" smtClean="0">
-                <a:latin typeface="+mj-lt"/>
-              </a:rPr>
-              <a:t> </a:t>
+              <a:t>쉽고 간편한 배치 </a:t>
             </a:r>
             <a:r>
               <a:rPr lang="en-US" altLang="ko-KR" sz="1800" b="1" dirty="0" smtClean="0">
@@ -32503,25 +32015,7 @@
               <a:rPr lang="ko-KR" altLang="en-US" sz="1200" dirty="0" smtClean="0">
                 <a:latin typeface="+mj-lt"/>
               </a:rPr>
-              <a:t>를 </a:t>
-            </a:r>
-            <a:r>
-              <a:rPr lang="ko-KR" altLang="en-US" sz="1200" dirty="0" smtClean="0">
-                <a:latin typeface="+mj-lt"/>
-              </a:rPr>
-              <a:t>사용해 바닥에 사물을 놓을 수 있고 터치로 </a:t>
-            </a:r>
-            <a:r>
-              <a:rPr lang="ko-KR" altLang="en-US" sz="1200" dirty="0" smtClean="0">
-                <a:latin typeface="+mj-lt"/>
-              </a:rPr>
-              <a:t>쉽게 </a:t>
-            </a:r>
-            <a:r>
-              <a:rPr lang="ko-KR" altLang="en-US" sz="1200" dirty="0" smtClean="0">
-                <a:latin typeface="+mj-lt"/>
-              </a:rPr>
-              <a:t>이동가능</a:t>
+              <a:t>를 사용해 바닥에 사물을 놓을 수 있고 터치로 쉽게 이동가능</a:t>
             </a:r>
             <a:endParaRPr lang="en-US" sz="1400" dirty="0">
               <a:latin typeface="+mj-lt"/>
@@ -32733,13 +32227,7 @@
               <a:rPr lang="en-US" sz="1800" b="1" dirty="0" smtClean="0">
                 <a:latin typeface="+mj-lt"/>
               </a:rPr>
-              <a:t>#</a:t>
-            </a:r>
-            <a:r>
-              <a:rPr lang="en-US" sz="1800" b="1" dirty="0" smtClean="0">
-                <a:latin typeface="+mj-lt"/>
-              </a:rPr>
-              <a:t>04</a:t>
+              <a:t>#04</a:t>
             </a:r>
             <a:r>
               <a:rPr lang="en-US" sz="1800" b="1" dirty="0">
@@ -33233,19 +32721,7 @@
               <a:rPr lang="ko-KR" altLang="en-US" sz="1800" b="1" dirty="0" smtClean="0">
                 <a:latin typeface="+mj-lt"/>
               </a:rPr>
-              <a:t>사용자 편의</a:t>
-            </a:r>
-            <a:r>
-              <a:rPr lang="ko-KR" altLang="en-US" sz="1800" b="1" dirty="0" smtClean="0">
-                <a:latin typeface="+mj-lt"/>
-              </a:rPr>
-              <a:t> </a:t>
-            </a:r>
-            <a:r>
-              <a:rPr lang="ko-KR" altLang="en-US" sz="1800" b="1" dirty="0" smtClean="0">
-                <a:latin typeface="+mj-lt"/>
-              </a:rPr>
-              <a:t>옵션 </a:t>
+              <a:t>사용자 편의 옵션 </a:t>
             </a:r>
             <a:r>
               <a:rPr lang="en-US" altLang="ko-KR" sz="1800" b="1" dirty="0" smtClean="0">
@@ -33274,31 +32750,7 @@
               <a:rPr lang="ko-KR" altLang="en-US" sz="1200" dirty="0" smtClean="0">
                 <a:latin typeface="+mj-lt"/>
               </a:rPr>
-              <a:t> </a:t>
-            </a:r>
-            <a:r>
-              <a:rPr lang="ko-KR" altLang="en-US" sz="1200" dirty="0" smtClean="0">
-                <a:latin typeface="+mj-lt"/>
-              </a:rPr>
-              <a:t>찍을 때 </a:t>
-            </a:r>
-            <a:r>
-              <a:rPr lang="ko-KR" altLang="en-US" sz="1200" dirty="0" smtClean="0">
-                <a:latin typeface="+mj-lt"/>
-              </a:rPr>
-              <a:t>생성 도우미 타원이나 </a:t>
-            </a:r>
-            <a:r>
-              <a:rPr lang="ko-KR" altLang="en-US" sz="1200" dirty="0" smtClean="0">
-                <a:latin typeface="+mj-lt"/>
-              </a:rPr>
-              <a:t>길이표시 </a:t>
-            </a:r>
-            <a:r>
-              <a:rPr lang="ko-KR" altLang="en-US" sz="1200" dirty="0" smtClean="0">
-                <a:latin typeface="+mj-lt"/>
-              </a:rPr>
-              <a:t>감추</a:t>
+              <a:t> 찍을 때 생성 도우미 타원이나 길이표시 감추</a:t>
             </a:r>
             <a:r>
               <a:rPr lang="ko-KR" altLang="en-US" sz="1200" dirty="0">
@@ -33310,13 +32762,7 @@
               <a:rPr lang="ko-KR" altLang="en-US" sz="1200" dirty="0" smtClean="0">
                 <a:latin typeface="+mj-lt"/>
               </a:rPr>
-              <a:t> </a:t>
-            </a:r>
-            <a:r>
-              <a:rPr lang="ko-KR" altLang="en-US" sz="1200" dirty="0" smtClean="0">
-                <a:latin typeface="+mj-lt"/>
-              </a:rPr>
-              <a:t>가능</a:t>
+              <a:t> 가능</a:t>
             </a:r>
             <a:endParaRPr lang="en-US" sz="1400" dirty="0">
               <a:latin typeface="+mj-lt"/>

--- a/호남-발표자료 - 복사본.pptx
+++ b/호남-발표자료 - 복사본.pptx
@@ -132,7 +132,7 @@
   </p:defaultTextStyle>
   <p:extLst>
     <p:ext uri="{EFAFB233-063F-42B5-8137-9DF3F51BA10A}">
-      <p15:sldGuideLst xmlns:p15="http://schemas.microsoft.com/office/powerpoint/2012/main" xmlns="">
+      <p15:sldGuideLst xmlns:p15="http://schemas.microsoft.com/office/powerpoint/2012/main">
         <p15:guide id="1" orient="horz" pos="1619">
           <p15:clr>
             <a:srgbClr val="A4A3A4"/>
@@ -146,7 +146,7 @@
       </p15:sldGuideLst>
     </p:ext>
     <p:ext uri="{2D200454-40CA-4A62-9FC3-DE9A4176ACB9}">
-      <p15:notesGuideLst xmlns:p15="http://schemas.microsoft.com/office/powerpoint/2012/main" xmlns=""/>
+      <p15:notesGuideLst xmlns:p15="http://schemas.microsoft.com/office/powerpoint/2012/main"/>
     </p:ext>
   </p:extLst>
 </p:presentation>
@@ -1284,470 +1284,6 @@
       <dsp:cNvGrpSpPr/>
     </dsp:nvGrpSpPr>
     <dsp:grpSpPr/>
-    <dsp:sp modelId="{97E95642-6116-44AE-A337-7BC0A6A646B2}">
-      <dsp:nvSpPr>
-        <dsp:cNvPr id="0" name=""/>
-        <dsp:cNvSpPr/>
-      </dsp:nvSpPr>
-      <dsp:spPr>
-        <a:xfrm>
-          <a:off x="0" y="0"/>
-          <a:ext cx="5868652" cy="0"/>
-        </a:xfrm>
-        <a:prstGeom prst="line">
-          <a:avLst/>
-        </a:prstGeom>
-        <a:solidFill>
-          <a:schemeClr val="accent1">
-            <a:hueOff val="0"/>
-            <a:satOff val="0"/>
-            <a:lumOff val="0"/>
-            <a:alphaOff val="0"/>
-          </a:schemeClr>
-        </a:solidFill>
-        <a:ln w="25400" cap="flat" cmpd="sng" algn="ctr">
-          <a:solidFill>
-            <a:schemeClr val="accent1">
-              <a:hueOff val="0"/>
-              <a:satOff val="0"/>
-              <a:lumOff val="0"/>
-              <a:alphaOff val="0"/>
-            </a:schemeClr>
-          </a:solidFill>
-          <a:prstDash val="solid"/>
-        </a:ln>
-        <a:effectLst/>
-      </dsp:spPr>
-      <dsp:style>
-        <a:lnRef idx="2">
-          <a:scrgbClr r="0" g="0" b="0"/>
-        </a:lnRef>
-        <a:fillRef idx="1">
-          <a:scrgbClr r="0" g="0" b="0"/>
-        </a:fillRef>
-        <a:effectRef idx="0">
-          <a:scrgbClr r="0" g="0" b="0"/>
-        </a:effectRef>
-        <a:fontRef idx="minor">
-          <a:schemeClr val="lt1"/>
-        </a:fontRef>
-      </dsp:style>
-    </dsp:sp>
-    <dsp:sp modelId="{DCBC971F-FC39-4D96-ABAA-1A7A0C3F50D1}">
-      <dsp:nvSpPr>
-        <dsp:cNvPr id="0" name=""/>
-        <dsp:cNvSpPr/>
-      </dsp:nvSpPr>
-      <dsp:spPr>
-        <a:xfrm>
-          <a:off x="0" y="148232"/>
-          <a:ext cx="1173730" cy="1116124"/>
-        </a:xfrm>
-        <a:prstGeom prst="rect">
-          <a:avLst/>
-        </a:prstGeom>
-        <a:noFill/>
-        <a:ln>
-          <a:noFill/>
-        </a:ln>
-        <a:effectLst/>
-      </dsp:spPr>
-      <dsp:style>
-        <a:lnRef idx="0">
-          <a:scrgbClr r="0" g="0" b="0"/>
-        </a:lnRef>
-        <a:fillRef idx="0">
-          <a:scrgbClr r="0" g="0" b="0"/>
-        </a:fillRef>
-        <a:effectRef idx="0">
-          <a:scrgbClr r="0" g="0" b="0"/>
-        </a:effectRef>
-        <a:fontRef idx="minor"/>
-      </dsp:style>
-      <dsp:txBody>
-        <a:bodyPr spcFirstLastPara="0" vert="horz" wrap="square" lIns="76200" tIns="76200" rIns="76200" bIns="76200" numCol="1" spcCol="1270" anchor="t" anchorCtr="0">
-          <a:noAutofit/>
-        </a:bodyPr>
-        <a:lstStyle/>
-        <a:p>
-          <a:pPr lvl="0" algn="l" defTabSz="889000" latinLnBrk="1">
-            <a:lnSpc>
-              <a:spcPct val="90000"/>
-            </a:lnSpc>
-            <a:spcBef>
-              <a:spcPct val="0"/>
-            </a:spcBef>
-            <a:spcAft>
-              <a:spcPct val="35000"/>
-            </a:spcAft>
-          </a:pPr>
-          <a:r>
-            <a:rPr lang="ko-KR" altLang="en-US" sz="2000" kern="1200" dirty="0" err="1" smtClean="0"/>
-            <a:t>곽규한</a:t>
-          </a:r>
-          <a:endParaRPr lang="en-US" altLang="ko-KR" sz="2000" kern="1200" dirty="0" smtClean="0"/>
-        </a:p>
-        <a:p>
-          <a:pPr lvl="0" algn="l" defTabSz="889000" latinLnBrk="1">
-            <a:lnSpc>
-              <a:spcPct val="90000"/>
-            </a:lnSpc>
-            <a:spcBef>
-              <a:spcPct val="0"/>
-            </a:spcBef>
-            <a:spcAft>
-              <a:spcPct val="35000"/>
-            </a:spcAft>
-          </a:pPr>
-          <a:r>
-            <a:rPr lang="ko-KR" altLang="en-US" sz="2000" kern="1200" dirty="0" smtClean="0"/>
-            <a:t>이호준</a:t>
-          </a:r>
-          <a:endParaRPr lang="ko-KR" altLang="en-US" sz="2000" kern="1200" dirty="0"/>
-        </a:p>
-      </dsp:txBody>
-      <dsp:txXfrm>
-        <a:off x="0" y="148232"/>
-        <a:ext cx="1173730" cy="1116124"/>
-      </dsp:txXfrm>
-    </dsp:sp>
-    <dsp:sp modelId="{7C4FB7B5-D460-4973-BF26-AEBEB02499D0}">
-      <dsp:nvSpPr>
-        <dsp:cNvPr id="0" name=""/>
-        <dsp:cNvSpPr/>
-      </dsp:nvSpPr>
-      <dsp:spPr>
-        <a:xfrm>
-          <a:off x="1261760" y="50683"/>
-          <a:ext cx="4606891" cy="1013667"/>
-        </a:xfrm>
-        <a:prstGeom prst="rect">
-          <a:avLst/>
-        </a:prstGeom>
-        <a:noFill/>
-        <a:ln>
-          <a:noFill/>
-        </a:ln>
-        <a:effectLst/>
-      </dsp:spPr>
-      <dsp:style>
-        <a:lnRef idx="0">
-          <a:scrgbClr r="0" g="0" b="0"/>
-        </a:lnRef>
-        <a:fillRef idx="0">
-          <a:scrgbClr r="0" g="0" b="0"/>
-        </a:fillRef>
-        <a:effectRef idx="0">
-          <a:scrgbClr r="0" g="0" b="0"/>
-        </a:effectRef>
-        <a:fontRef idx="minor"/>
-      </dsp:style>
-      <dsp:txBody>
-        <a:bodyPr spcFirstLastPara="0" vert="horz" wrap="square" lIns="91440" tIns="91440" rIns="91440" bIns="91440" numCol="1" spcCol="1270" anchor="t" anchorCtr="0">
-          <a:noAutofit/>
-        </a:bodyPr>
-        <a:lstStyle/>
-        <a:p>
-          <a:pPr lvl="0" algn="l" defTabSz="1066800" latinLnBrk="1">
-            <a:lnSpc>
-              <a:spcPct val="90000"/>
-            </a:lnSpc>
-            <a:spcBef>
-              <a:spcPct val="0"/>
-            </a:spcBef>
-            <a:spcAft>
-              <a:spcPct val="35000"/>
-            </a:spcAft>
-          </a:pPr>
-          <a:r>
-            <a:rPr lang="en-US" altLang="ko-KR" sz="2400" kern="1200" dirty="0" smtClean="0"/>
-            <a:t>AR </a:t>
-          </a:r>
-          <a:r>
-            <a:rPr lang="ko-KR" altLang="en-US" sz="2400" kern="1200" dirty="0" smtClean="0"/>
-            <a:t>기능</a:t>
-          </a:r>
-          <a:r>
-            <a:rPr lang="en-US" altLang="ko-KR" sz="2400" kern="1200" dirty="0" smtClean="0"/>
-            <a:t>, </a:t>
-          </a:r>
-          <a:r>
-            <a:rPr lang="ko-KR" altLang="en-US" sz="2400" kern="1200" dirty="0" smtClean="0"/>
-            <a:t>제어판 기능</a:t>
-          </a:r>
-          <a:endParaRPr lang="ko-KR" altLang="en-US" sz="2400" kern="1200" dirty="0"/>
-        </a:p>
-      </dsp:txBody>
-      <dsp:txXfrm>
-        <a:off x="1261760" y="50683"/>
-        <a:ext cx="4606891" cy="1013667"/>
-      </dsp:txXfrm>
-    </dsp:sp>
-    <dsp:sp modelId="{BAA0753F-A9FE-4701-942D-2D8182617D15}">
-      <dsp:nvSpPr>
-        <dsp:cNvPr id="0" name=""/>
-        <dsp:cNvSpPr/>
-      </dsp:nvSpPr>
-      <dsp:spPr>
-        <a:xfrm>
-          <a:off x="1173730" y="1064350"/>
-          <a:ext cx="4694921" cy="0"/>
-        </a:xfrm>
-        <a:prstGeom prst="line">
-          <a:avLst/>
-        </a:prstGeom>
-        <a:solidFill>
-          <a:schemeClr val="accent1">
-            <a:hueOff val="0"/>
-            <a:satOff val="0"/>
-            <a:lumOff val="0"/>
-            <a:alphaOff val="0"/>
-          </a:schemeClr>
-        </a:solidFill>
-        <a:ln w="25400" cap="flat" cmpd="sng" algn="ctr">
-          <a:solidFill>
-            <a:schemeClr val="accent1">
-              <a:tint val="50000"/>
-              <a:hueOff val="0"/>
-              <a:satOff val="0"/>
-              <a:lumOff val="0"/>
-              <a:alphaOff val="0"/>
-            </a:schemeClr>
-          </a:solidFill>
-          <a:prstDash val="solid"/>
-        </a:ln>
-        <a:effectLst/>
-      </dsp:spPr>
-      <dsp:style>
-        <a:lnRef idx="2">
-          <a:scrgbClr r="0" g="0" b="0"/>
-        </a:lnRef>
-        <a:fillRef idx="1">
-          <a:scrgbClr r="0" g="0" b="0"/>
-        </a:fillRef>
-        <a:effectRef idx="0">
-          <a:scrgbClr r="0" g="0" b="0"/>
-        </a:effectRef>
-        <a:fontRef idx="minor"/>
-      </dsp:style>
-    </dsp:sp>
-    <dsp:sp modelId="{D7502388-C955-45BA-8AF5-2054B132C11C}">
-      <dsp:nvSpPr>
-        <dsp:cNvPr id="0" name=""/>
-        <dsp:cNvSpPr/>
-      </dsp:nvSpPr>
-      <dsp:spPr>
-        <a:xfrm>
-          <a:off x="0" y="1116124"/>
-          <a:ext cx="5868652" cy="0"/>
-        </a:xfrm>
-        <a:prstGeom prst="line">
-          <a:avLst/>
-        </a:prstGeom>
-        <a:solidFill>
-          <a:schemeClr val="accent1">
-            <a:hueOff val="0"/>
-            <a:satOff val="0"/>
-            <a:lumOff val="0"/>
-            <a:alphaOff val="0"/>
-          </a:schemeClr>
-        </a:solidFill>
-        <a:ln w="25400" cap="flat" cmpd="sng" algn="ctr">
-          <a:solidFill>
-            <a:schemeClr val="accent1">
-              <a:hueOff val="0"/>
-              <a:satOff val="0"/>
-              <a:lumOff val="0"/>
-              <a:alphaOff val="0"/>
-            </a:schemeClr>
-          </a:solidFill>
-          <a:prstDash val="solid"/>
-        </a:ln>
-        <a:effectLst/>
-      </dsp:spPr>
-      <dsp:style>
-        <a:lnRef idx="2">
-          <a:scrgbClr r="0" g="0" b="0"/>
-        </a:lnRef>
-        <a:fillRef idx="1">
-          <a:scrgbClr r="0" g="0" b="0"/>
-        </a:fillRef>
-        <a:effectRef idx="0">
-          <a:scrgbClr r="0" g="0" b="0"/>
-        </a:effectRef>
-        <a:fontRef idx="minor">
-          <a:schemeClr val="lt1"/>
-        </a:fontRef>
-      </dsp:style>
-    </dsp:sp>
-    <dsp:sp modelId="{0121AB03-4C53-463B-B760-EC250EE8B1A2}">
-      <dsp:nvSpPr>
-        <dsp:cNvPr id="0" name=""/>
-        <dsp:cNvSpPr/>
-      </dsp:nvSpPr>
-      <dsp:spPr>
-        <a:xfrm>
-          <a:off x="0" y="1116124"/>
-          <a:ext cx="1173730" cy="1116124"/>
-        </a:xfrm>
-        <a:prstGeom prst="rect">
-          <a:avLst/>
-        </a:prstGeom>
-        <a:noFill/>
-        <a:ln>
-          <a:noFill/>
-        </a:ln>
-        <a:effectLst/>
-      </dsp:spPr>
-      <dsp:style>
-        <a:lnRef idx="0">
-          <a:scrgbClr r="0" g="0" b="0"/>
-        </a:lnRef>
-        <a:fillRef idx="0">
-          <a:scrgbClr r="0" g="0" b="0"/>
-        </a:fillRef>
-        <a:effectRef idx="0">
-          <a:scrgbClr r="0" g="0" b="0"/>
-        </a:effectRef>
-        <a:fontRef idx="minor"/>
-      </dsp:style>
-      <dsp:txBody>
-        <a:bodyPr spcFirstLastPara="0" vert="horz" wrap="square" lIns="76200" tIns="76200" rIns="76200" bIns="76200" numCol="1" spcCol="1270" anchor="t" anchorCtr="0">
-          <a:noAutofit/>
-        </a:bodyPr>
-        <a:lstStyle/>
-        <a:p>
-          <a:pPr lvl="0" algn="l" defTabSz="889000" latinLnBrk="1">
-            <a:lnSpc>
-              <a:spcPct val="90000"/>
-            </a:lnSpc>
-            <a:spcBef>
-              <a:spcPct val="0"/>
-            </a:spcBef>
-            <a:spcAft>
-              <a:spcPct val="35000"/>
-            </a:spcAft>
-          </a:pPr>
-          <a:r>
-            <a:rPr lang="ko-KR" altLang="en-US" sz="2000" kern="1200" dirty="0" smtClean="0"/>
-            <a:t>이남현</a:t>
-          </a:r>
-          <a:endParaRPr lang="ko-KR" altLang="en-US" sz="2000" kern="1200" dirty="0"/>
-        </a:p>
-      </dsp:txBody>
-      <dsp:txXfrm>
-        <a:off x="0" y="1116124"/>
-        <a:ext cx="1173730" cy="1116124"/>
-      </dsp:txXfrm>
-    </dsp:sp>
-    <dsp:sp modelId="{4C37C8A3-9B77-46C6-AB1D-90AB5E3271E6}">
-      <dsp:nvSpPr>
-        <dsp:cNvPr id="0" name=""/>
-        <dsp:cNvSpPr/>
-      </dsp:nvSpPr>
-      <dsp:spPr>
-        <a:xfrm>
-          <a:off x="1261760" y="1166807"/>
-          <a:ext cx="4606891" cy="1013667"/>
-        </a:xfrm>
-        <a:prstGeom prst="rect">
-          <a:avLst/>
-        </a:prstGeom>
-        <a:noFill/>
-        <a:ln>
-          <a:noFill/>
-        </a:ln>
-        <a:effectLst/>
-      </dsp:spPr>
-      <dsp:style>
-        <a:lnRef idx="0">
-          <a:scrgbClr r="0" g="0" b="0"/>
-        </a:lnRef>
-        <a:fillRef idx="0">
-          <a:scrgbClr r="0" g="0" b="0"/>
-        </a:fillRef>
-        <a:effectRef idx="0">
-          <a:scrgbClr r="0" g="0" b="0"/>
-        </a:effectRef>
-        <a:fontRef idx="minor"/>
-      </dsp:style>
-      <dsp:txBody>
-        <a:bodyPr spcFirstLastPara="0" vert="horz" wrap="square" lIns="91440" tIns="91440" rIns="91440" bIns="91440" numCol="1" spcCol="1270" anchor="t" anchorCtr="0">
-          <a:noAutofit/>
-        </a:bodyPr>
-        <a:lstStyle/>
-        <a:p>
-          <a:pPr lvl="0" algn="l" defTabSz="1066800" latinLnBrk="1">
-            <a:lnSpc>
-              <a:spcPct val="90000"/>
-            </a:lnSpc>
-            <a:spcBef>
-              <a:spcPct val="0"/>
-            </a:spcBef>
-            <a:spcAft>
-              <a:spcPct val="35000"/>
-            </a:spcAft>
-          </a:pPr>
-          <a:r>
-            <a:rPr lang="ko-KR" altLang="en-US" sz="2400" kern="1200" dirty="0" smtClean="0"/>
-            <a:t>서버</a:t>
-          </a:r>
-          <a:endParaRPr lang="ko-KR" altLang="en-US" sz="2400" kern="1200" dirty="0"/>
-        </a:p>
-      </dsp:txBody>
-      <dsp:txXfrm>
-        <a:off x="1261760" y="1166807"/>
-        <a:ext cx="4606891" cy="1013667"/>
-      </dsp:txXfrm>
-    </dsp:sp>
-    <dsp:sp modelId="{F16ADB40-B52D-40B8-A813-0E635BE895AE}">
-      <dsp:nvSpPr>
-        <dsp:cNvPr id="0" name=""/>
-        <dsp:cNvSpPr/>
-      </dsp:nvSpPr>
-      <dsp:spPr>
-        <a:xfrm>
-          <a:off x="1173730" y="2180474"/>
-          <a:ext cx="4694921" cy="0"/>
-        </a:xfrm>
-        <a:prstGeom prst="line">
-          <a:avLst/>
-        </a:prstGeom>
-        <a:solidFill>
-          <a:schemeClr val="accent1">
-            <a:hueOff val="0"/>
-            <a:satOff val="0"/>
-            <a:lumOff val="0"/>
-            <a:alphaOff val="0"/>
-          </a:schemeClr>
-        </a:solidFill>
-        <a:ln w="25400" cap="flat" cmpd="sng" algn="ctr">
-          <a:solidFill>
-            <a:schemeClr val="accent1">
-              <a:tint val="50000"/>
-              <a:hueOff val="0"/>
-              <a:satOff val="0"/>
-              <a:lumOff val="0"/>
-              <a:alphaOff val="0"/>
-            </a:schemeClr>
-          </a:solidFill>
-          <a:prstDash val="solid"/>
-        </a:ln>
-        <a:effectLst/>
-      </dsp:spPr>
-      <dsp:style>
-        <a:lnRef idx="2">
-          <a:scrgbClr r="0" g="0" b="0"/>
-        </a:lnRef>
-        <a:fillRef idx="1">
-          <a:scrgbClr r="0" g="0" b="0"/>
-        </a:fillRef>
-        <a:effectRef idx="0">
-          <a:scrgbClr r="0" g="0" b="0"/>
-        </a:effectRef>
-        <a:fontRef idx="minor"/>
-      </dsp:style>
-    </dsp:sp>
   </dsp:spTree>
 </dsp:drawing>
 </file>
@@ -3343,7 +2879,7 @@
               <a:pPr lvl="0">
                 <a:defRPr lang="ko-KR" altLang="en-US"/>
               </a:pPr>
-              <a:t>11/22/2020</a:t>
+              <a:t>11/23/2020</a:t>
             </a:fld>
             <a:endParaRPr lang="en-US"/>
           </a:p>
@@ -3526,7 +3062,7 @@
               <a:pPr lvl="0">
                 <a:defRPr lang="ko-KR" altLang="en-US"/>
               </a:pPr>
-              <a:t>11/22/2020</a:t>
+              <a:t>11/23/2020</a:t>
             </a:fld>
             <a:endParaRPr lang="en-US"/>
           </a:p>
@@ -30518,7 +30054,7 @@
       </p:sp>
       <p:pic>
         <p:nvPicPr>
-          <p:cNvPr id="25" name="semple">
+          <p:cNvPr id="2" name="semple_2">
             <a:hlinkClick r:id="" action="ppaction://media"/>
           </p:cNvPr>
           <p:cNvPicPr>
@@ -30541,16 +30077,12 @@
         </p:blipFill>
         <p:spPr>
           <a:xfrm>
-            <a:off x="1290228" y="1474961"/>
-            <a:ext cx="6552491" cy="3300134"/>
+            <a:off x="1295636" y="1546777"/>
+            <a:ext cx="5877796" cy="3306261"/>
           </a:xfrm>
           <a:prstGeom prst="rect">
             <a:avLst/>
           </a:prstGeom>
-          <a:noFill/>
-          <a:ln>
-            <a:noFill/>
-          </a:ln>
         </p:spPr>
       </p:pic>
     </p:spTree>
@@ -30596,14 +30128,14 @@
                               <p:par>
                                 <p:cTn id="5" presetID="1" presetClass="mediacall" presetSubtype="0" fill="hold" nodeType="afterEffect">
                                   <p:stCondLst>
-                                    <p:cond delay="100"/>
+                                    <p:cond delay="500"/>
                                   </p:stCondLst>
                                   <p:childTnLst>
                                     <p:cmd type="call" cmd="playFrom(0.0)">
                                       <p:cBhvr>
-                                        <p:cTn id="6" dur="14634" fill="hold"/>
+                                        <p:cTn id="6" dur="23120" fill="hold"/>
                                         <p:tgtEl>
-                                          <p:spTgt spid="25"/>
+                                          <p:spTgt spid="2"/>
                                         </p:tgtEl>
                                       </p:cBhvr>
                                     </p:cmd>
@@ -30641,7 +30173,7 @@
                   </p:stCondLst>
                 </p:cTn>
                 <p:tgtEl>
-                  <p:spTgt spid="25"/>
+                  <p:spTgt spid="2"/>
                 </p:tgtEl>
               </p:cMediaNode>
             </p:video>
@@ -30696,7 +30228,6 @@
               <a:rPr lang="ko-KR" altLang="en-US" dirty="0"/>
               <a:t>법</a:t>
             </a:r>
-            <a:endParaRPr lang="ko-KR" altLang="en-US" dirty="0"/>
           </a:p>
         </p:txBody>
       </p:sp>
